--- a/doc/CRP_arch.pptx
+++ b/doc/CRP_arch.pptx
@@ -5,7 +5,7 @@
     <p:sldMasterId id="2147483648" r:id="rId1"/>
   </p:sldMasterIdLst>
   <p:notesMasterIdLst>
-    <p:notesMasterId r:id="rId15"/>
+    <p:notesMasterId r:id="rId14"/>
   </p:notesMasterIdLst>
   <p:sldIdLst>
     <p:sldId id="268" r:id="rId2"/>
@@ -20,7 +20,6 @@
     <p:sldId id="261" r:id="rId11"/>
     <p:sldId id="262" r:id="rId12"/>
     <p:sldId id="263" r:id="rId13"/>
-    <p:sldId id="264" r:id="rId14"/>
   </p:sldIdLst>
   <p:sldSz cx="12192000" cy="6858000"/>
   <p:notesSz cx="6858000" cy="9144000"/>
@@ -209,7 +208,7 @@
           <a:p>
             <a:fld id="{DA15275B-8C37-4C27-B8F8-7B204A7F6029}" type="datetimeFigureOut">
               <a:rPr lang="hu-HU" smtClean="0"/>
-              <a:t>2024. 07. 23.</a:t>
+              <a:t>2024. 07. 25.</a:t>
             </a:fld>
             <a:endParaRPr lang="hu-HU"/>
           </a:p>
@@ -520,7 +519,71 @@
           <a:bodyPr/>
           <a:lstStyle/>
           <a:p>
-            <a:endParaRPr lang="hu-HU"/>
+            <a:r>
+              <a:rPr lang="hu-HU" dirty="0"/>
+              <a:t>Update </a:t>
+            </a:r>
+            <a:r>
+              <a:rPr lang="hu-HU" dirty="0" err="1"/>
+              <a:t>the</a:t>
+            </a:r>
+            <a:r>
+              <a:rPr lang="hu-HU" dirty="0"/>
+              <a:t> </a:t>
+            </a:r>
+            <a:r>
+              <a:rPr lang="hu-HU" dirty="0" err="1"/>
+              <a:t>figure</a:t>
+            </a:r>
+            <a:r>
+              <a:rPr lang="hu-HU" dirty="0"/>
+              <a:t> </a:t>
+            </a:r>
+            <a:r>
+              <a:rPr lang="hu-HU" dirty="0" err="1"/>
+              <a:t>with</a:t>
+            </a:r>
+            <a:r>
+              <a:rPr lang="hu-HU" dirty="0"/>
+              <a:t> </a:t>
+            </a:r>
+            <a:r>
+              <a:rPr lang="hu-HU" dirty="0" err="1"/>
+              <a:t>wrapper</a:t>
+            </a:r>
+            <a:r>
+              <a:rPr lang="hu-HU" dirty="0"/>
+              <a:t> </a:t>
+            </a:r>
+            <a:r>
+              <a:rPr lang="hu-HU" dirty="0" err="1"/>
+              <a:t>logic</a:t>
+            </a:r>
+            <a:r>
+              <a:rPr lang="hu-HU" dirty="0"/>
+              <a:t> </a:t>
+            </a:r>
+            <a:r>
+              <a:rPr lang="hu-HU" dirty="0" err="1"/>
+              <a:t>instead</a:t>
+            </a:r>
+            <a:r>
+              <a:rPr lang="hu-HU" dirty="0"/>
+              <a:t> of </a:t>
+            </a:r>
+            <a:r>
+              <a:rPr lang="hu-HU" dirty="0" err="1"/>
+              <a:t>topic</a:t>
+            </a:r>
+            <a:r>
+              <a:rPr lang="hu-HU" dirty="0"/>
+              <a:t> </a:t>
+            </a:r>
+            <a:r>
+              <a:rPr lang="hu-HU" dirty="0" err="1"/>
+              <a:t>handler</a:t>
+            </a:r>
+            <a:endParaRPr lang="hu-HU" dirty="0"/>
           </a:p>
         </p:txBody>
       </p:sp>
@@ -541,7 +604,7 @@
           <a:p>
             <a:fld id="{C11003BB-E929-40B2-9984-9A08D93271BA}" type="slidenum">
               <a:rPr lang="hu-HU" smtClean="0"/>
-              <a:t>2</a:t>
+              <a:t>1</a:t>
             </a:fld>
             <a:endParaRPr lang="hu-HU"/>
           </a:p>
@@ -550,7 +613,7 @@
     </p:spTree>
     <p:extLst>
       <p:ext uri="{BB962C8B-B14F-4D97-AF65-F5344CB8AC3E}">
-        <p14:creationId xmlns:p14="http://schemas.microsoft.com/office/powerpoint/2010/main" val="3792681195"/>
+        <p14:creationId xmlns:p14="http://schemas.microsoft.com/office/powerpoint/2010/main" val="2897466427"/>
       </p:ext>
     </p:extLst>
   </p:cSld>
@@ -604,7 +667,7 @@
           <a:bodyPr/>
           <a:lstStyle/>
           <a:p>
-            <a:endParaRPr lang="hu-HU" dirty="0"/>
+            <a:endParaRPr lang="hu-HU"/>
           </a:p>
         </p:txBody>
       </p:sp>
@@ -625,7 +688,7 @@
           <a:p>
             <a:fld id="{C11003BB-E929-40B2-9984-9A08D93271BA}" type="slidenum">
               <a:rPr lang="hu-HU" smtClean="0"/>
-              <a:t>3</a:t>
+              <a:t>2</a:t>
             </a:fld>
             <a:endParaRPr lang="hu-HU"/>
           </a:p>
@@ -634,7 +697,7 @@
     </p:spTree>
     <p:extLst>
       <p:ext uri="{BB962C8B-B14F-4D97-AF65-F5344CB8AC3E}">
-        <p14:creationId xmlns:p14="http://schemas.microsoft.com/office/powerpoint/2010/main" val="308109329"/>
+        <p14:creationId xmlns:p14="http://schemas.microsoft.com/office/powerpoint/2010/main" val="3792681195"/>
       </p:ext>
     </p:extLst>
   </p:cSld>
@@ -709,7 +772,7 @@
           <a:p>
             <a:fld id="{C11003BB-E929-40B2-9984-9A08D93271BA}" type="slidenum">
               <a:rPr lang="hu-HU" smtClean="0"/>
-              <a:t>4</a:t>
+              <a:t>3</a:t>
             </a:fld>
             <a:endParaRPr lang="hu-HU"/>
           </a:p>
@@ -718,7 +781,7 @@
     </p:spTree>
     <p:extLst>
       <p:ext uri="{BB962C8B-B14F-4D97-AF65-F5344CB8AC3E}">
-        <p14:creationId xmlns:p14="http://schemas.microsoft.com/office/powerpoint/2010/main" val="1735223836"/>
+        <p14:creationId xmlns:p14="http://schemas.microsoft.com/office/powerpoint/2010/main" val="308109329"/>
       </p:ext>
     </p:extLst>
   </p:cSld>
@@ -772,244 +835,6 @@
           <a:bodyPr/>
           <a:lstStyle/>
           <a:p>
-            <a:r>
-              <a:rPr lang="hu-HU" dirty="0"/>
-              <a:t>- </a:t>
-            </a:r>
-            <a:r>
-              <a:rPr lang="hu-HU" dirty="0" err="1"/>
-              <a:t>autoware</a:t>
-            </a:r>
-            <a:r>
-              <a:rPr lang="hu-HU" dirty="0"/>
-              <a:t> </a:t>
-            </a:r>
-            <a:r>
-              <a:rPr lang="hu-HU" dirty="0" err="1"/>
-              <a:t>compliance</a:t>
-            </a:r>
-            <a:r>
-              <a:rPr lang="hu-HU" dirty="0"/>
-              <a:t>: </a:t>
-            </a:r>
-            <a:r>
-              <a:rPr lang="hu-HU" dirty="0" err="1"/>
-              <a:t>architecture</a:t>
-            </a:r>
-            <a:r>
-              <a:rPr lang="hu-HU" dirty="0"/>
-              <a:t> </a:t>
-            </a:r>
-            <a:r>
-              <a:rPr lang="hu-HU" dirty="0" err="1"/>
-              <a:t>setup</a:t>
-            </a:r>
-            <a:r>
-              <a:rPr lang="hu-HU" dirty="0"/>
-              <a:t>, </a:t>
-            </a:r>
-            <a:r>
-              <a:rPr lang="hu-HU" dirty="0" err="1"/>
-              <a:t>interfaces</a:t>
-            </a:r>
-            <a:r>
-              <a:rPr lang="hu-HU" dirty="0"/>
-              <a:t> / </a:t>
-            </a:r>
-            <a:r>
-              <a:rPr lang="hu-HU" dirty="0" err="1"/>
-              <a:t>message</a:t>
-            </a:r>
-            <a:r>
-              <a:rPr lang="hu-HU" dirty="0"/>
-              <a:t> </a:t>
-            </a:r>
-            <a:r>
-              <a:rPr lang="hu-HU" dirty="0" err="1"/>
-              <a:t>types</a:t>
-            </a:r>
-            <a:r>
-              <a:rPr lang="hu-HU" dirty="0"/>
-              <a:t>? </a:t>
-            </a:r>
-            <a:r>
-              <a:rPr lang="hu-HU" dirty="0" err="1"/>
-              <a:t>Planning</a:t>
-            </a:r>
-            <a:r>
-              <a:rPr lang="hu-HU" dirty="0"/>
-              <a:t> </a:t>
-            </a:r>
-            <a:r>
-              <a:rPr lang="hu-HU" dirty="0">
-                <a:sym typeface="Wingdings" panose="05000000000000000000" pitchFamily="2" charset="2"/>
-              </a:rPr>
-              <a:t> </a:t>
-            </a:r>
-            <a:r>
-              <a:rPr lang="hu-HU" dirty="0" err="1">
-                <a:sym typeface="Wingdings" panose="05000000000000000000" pitchFamily="2" charset="2"/>
-              </a:rPr>
-              <a:t>Control</a:t>
-            </a:r>
-            <a:r>
-              <a:rPr lang="hu-HU" dirty="0">
-                <a:sym typeface="Wingdings" panose="05000000000000000000" pitchFamily="2" charset="2"/>
-              </a:rPr>
-              <a:t>? </a:t>
-            </a:r>
-            <a:r>
-              <a:rPr lang="hu-HU" dirty="0" err="1">
-                <a:sym typeface="Wingdings" panose="05000000000000000000" pitchFamily="2" charset="2"/>
-              </a:rPr>
-              <a:t>Perception</a:t>
-            </a:r>
-            <a:r>
-              <a:rPr lang="hu-HU" dirty="0">
-                <a:sym typeface="Wingdings" panose="05000000000000000000" pitchFamily="2" charset="2"/>
-              </a:rPr>
-              <a:t>  </a:t>
-            </a:r>
-            <a:r>
-              <a:rPr lang="hu-HU" dirty="0" err="1">
-                <a:sym typeface="Wingdings" panose="05000000000000000000" pitchFamily="2" charset="2"/>
-              </a:rPr>
-              <a:t>Planning</a:t>
-            </a:r>
-            <a:r>
-              <a:rPr lang="hu-HU" dirty="0">
-                <a:sym typeface="Wingdings" panose="05000000000000000000" pitchFamily="2" charset="2"/>
-              </a:rPr>
-              <a:t>?  </a:t>
-            </a:r>
-            <a:r>
-              <a:rPr lang="hu-HU" dirty="0" err="1">
-                <a:sym typeface="Wingdings" panose="05000000000000000000" pitchFamily="2" charset="2"/>
-              </a:rPr>
-              <a:t>tbd</a:t>
-            </a:r>
-            <a:r>
-              <a:rPr lang="hu-HU" dirty="0">
-                <a:sym typeface="Wingdings" panose="05000000000000000000" pitchFamily="2" charset="2"/>
-              </a:rPr>
-              <a:t>: </a:t>
-            </a:r>
-            <a:r>
-              <a:rPr lang="hu-HU" dirty="0" err="1">
-                <a:sym typeface="Wingdings" panose="05000000000000000000" pitchFamily="2" charset="2"/>
-              </a:rPr>
-              <a:t>detection</a:t>
-            </a:r>
-            <a:r>
-              <a:rPr lang="hu-HU" dirty="0">
-                <a:sym typeface="Wingdings" panose="05000000000000000000" pitchFamily="2" charset="2"/>
-              </a:rPr>
-              <a:t>  </a:t>
-            </a:r>
-            <a:r>
-              <a:rPr lang="hu-HU" dirty="0" err="1">
-                <a:sym typeface="Wingdings" panose="05000000000000000000" pitchFamily="2" charset="2"/>
-              </a:rPr>
-              <a:t>perception</a:t>
-            </a:r>
-            <a:r>
-              <a:rPr lang="hu-HU" dirty="0">
-                <a:sym typeface="Wingdings" panose="05000000000000000000" pitchFamily="2" charset="2"/>
-              </a:rPr>
-              <a:t> (</a:t>
-            </a:r>
-            <a:r>
-              <a:rPr lang="hu-HU" dirty="0" err="1">
-                <a:sym typeface="Wingdings" panose="05000000000000000000" pitchFamily="2" charset="2"/>
-              </a:rPr>
-              <a:t>sensor</a:t>
-            </a:r>
-            <a:r>
-              <a:rPr lang="hu-HU" dirty="0">
-                <a:sym typeface="Wingdings" panose="05000000000000000000" pitchFamily="2" charset="2"/>
-              </a:rPr>
-              <a:t> </a:t>
-            </a:r>
-            <a:r>
-              <a:rPr lang="hu-HU" dirty="0" err="1">
-                <a:sym typeface="Wingdings" panose="05000000000000000000" pitchFamily="2" charset="2"/>
-              </a:rPr>
-              <a:t>abstraction</a:t>
-            </a:r>
-            <a:r>
-              <a:rPr lang="hu-HU" dirty="0">
-                <a:sym typeface="Wingdings" panose="05000000000000000000" pitchFamily="2" charset="2"/>
-              </a:rPr>
-              <a:t> </a:t>
-            </a:r>
-            <a:r>
-              <a:rPr lang="hu-HU" dirty="0" err="1">
-                <a:sym typeface="Wingdings" panose="05000000000000000000" pitchFamily="2" charset="2"/>
-              </a:rPr>
-              <a:t>interfaces</a:t>
-            </a:r>
-            <a:r>
-              <a:rPr lang="hu-HU" dirty="0">
-                <a:sym typeface="Wingdings" panose="05000000000000000000" pitchFamily="2" charset="2"/>
-              </a:rPr>
-              <a:t>)</a:t>
-            </a:r>
-          </a:p>
-          <a:p>
-            <a:r>
-              <a:rPr lang="hu-HU" dirty="0">
-                <a:sym typeface="Wingdings" panose="05000000000000000000" pitchFamily="2" charset="2"/>
-              </a:rPr>
-              <a:t>- </a:t>
-            </a:r>
-            <a:r>
-              <a:rPr lang="hu-HU" dirty="0" err="1">
-                <a:sym typeface="Wingdings" panose="05000000000000000000" pitchFamily="2" charset="2"/>
-              </a:rPr>
-              <a:t>leaf</a:t>
-            </a:r>
-            <a:r>
-              <a:rPr lang="hu-HU" dirty="0">
-                <a:sym typeface="Wingdings" panose="05000000000000000000" pitchFamily="2" charset="2"/>
-              </a:rPr>
-              <a:t>: </a:t>
-            </a:r>
-            <a:r>
-              <a:rPr lang="hu-HU" dirty="0" err="1">
-                <a:sym typeface="Wingdings" panose="05000000000000000000" pitchFamily="2" charset="2"/>
-              </a:rPr>
-              <a:t>only</a:t>
-            </a:r>
-            <a:r>
-              <a:rPr lang="hu-HU" dirty="0">
-                <a:sym typeface="Wingdings" panose="05000000000000000000" pitchFamily="2" charset="2"/>
-              </a:rPr>
-              <a:t> </a:t>
-            </a:r>
-            <a:r>
-              <a:rPr lang="hu-HU" dirty="0" err="1">
-                <a:sym typeface="Wingdings" panose="05000000000000000000" pitchFamily="2" charset="2"/>
-              </a:rPr>
-              <a:t>long</a:t>
-            </a:r>
-            <a:r>
-              <a:rPr lang="hu-HU" dirty="0">
-                <a:sym typeface="Wingdings" panose="05000000000000000000" pitchFamily="2" charset="2"/>
-              </a:rPr>
-              <a:t> </a:t>
-            </a:r>
-            <a:r>
-              <a:rPr lang="hu-HU" dirty="0" err="1">
-                <a:sym typeface="Wingdings" panose="05000000000000000000" pitchFamily="2" charset="2"/>
-              </a:rPr>
-              <a:t>tests</a:t>
-            </a:r>
-            <a:r>
-              <a:rPr lang="hu-HU" dirty="0">
-                <a:sym typeface="Wingdings" panose="05000000000000000000" pitchFamily="2" charset="2"/>
-              </a:rPr>
-              <a:t>?</a:t>
-            </a:r>
             <a:endParaRPr lang="hu-HU" dirty="0"/>
           </a:p>
         </p:txBody>
@@ -1031,7 +856,7 @@
           <a:p>
             <a:fld id="{C11003BB-E929-40B2-9984-9A08D93271BA}" type="slidenum">
               <a:rPr lang="hu-HU" smtClean="0"/>
-              <a:t>7</a:t>
+              <a:t>4</a:t>
             </a:fld>
             <a:endParaRPr lang="hu-HU"/>
           </a:p>
@@ -1040,7 +865,7 @@
     </p:spTree>
     <p:extLst>
       <p:ext uri="{BB962C8B-B14F-4D97-AF65-F5344CB8AC3E}">
-        <p14:creationId xmlns:p14="http://schemas.microsoft.com/office/powerpoint/2010/main" val="1909243384"/>
+        <p14:creationId xmlns:p14="http://schemas.microsoft.com/office/powerpoint/2010/main" val="1735223836"/>
       </p:ext>
     </p:extLst>
   </p:cSld>
@@ -1353,7 +1178,7 @@
           <a:p>
             <a:fld id="{C11003BB-E929-40B2-9984-9A08D93271BA}" type="slidenum">
               <a:rPr lang="hu-HU" smtClean="0"/>
-              <a:t>8</a:t>
+              <a:t>7</a:t>
             </a:fld>
             <a:endParaRPr lang="hu-HU"/>
           </a:p>
@@ -1362,7 +1187,7 @@
     </p:spTree>
     <p:extLst>
       <p:ext uri="{BB962C8B-B14F-4D97-AF65-F5344CB8AC3E}">
-        <p14:creationId xmlns:p14="http://schemas.microsoft.com/office/powerpoint/2010/main" val="1172586105"/>
+        <p14:creationId xmlns:p14="http://schemas.microsoft.com/office/powerpoint/2010/main" val="1909243384"/>
       </p:ext>
     </p:extLst>
   </p:cSld>
@@ -1416,6 +1241,244 @@
           <a:bodyPr/>
           <a:lstStyle/>
           <a:p>
+            <a:r>
+              <a:rPr lang="hu-HU" dirty="0"/>
+              <a:t>- </a:t>
+            </a:r>
+            <a:r>
+              <a:rPr lang="hu-HU" dirty="0" err="1"/>
+              <a:t>autoware</a:t>
+            </a:r>
+            <a:r>
+              <a:rPr lang="hu-HU" dirty="0"/>
+              <a:t> </a:t>
+            </a:r>
+            <a:r>
+              <a:rPr lang="hu-HU" dirty="0" err="1"/>
+              <a:t>compliance</a:t>
+            </a:r>
+            <a:r>
+              <a:rPr lang="hu-HU" dirty="0"/>
+              <a:t>: </a:t>
+            </a:r>
+            <a:r>
+              <a:rPr lang="hu-HU" dirty="0" err="1"/>
+              <a:t>architecture</a:t>
+            </a:r>
+            <a:r>
+              <a:rPr lang="hu-HU" dirty="0"/>
+              <a:t> </a:t>
+            </a:r>
+            <a:r>
+              <a:rPr lang="hu-HU" dirty="0" err="1"/>
+              <a:t>setup</a:t>
+            </a:r>
+            <a:r>
+              <a:rPr lang="hu-HU" dirty="0"/>
+              <a:t>, </a:t>
+            </a:r>
+            <a:r>
+              <a:rPr lang="hu-HU" dirty="0" err="1"/>
+              <a:t>interfaces</a:t>
+            </a:r>
+            <a:r>
+              <a:rPr lang="hu-HU" dirty="0"/>
+              <a:t> / </a:t>
+            </a:r>
+            <a:r>
+              <a:rPr lang="hu-HU" dirty="0" err="1"/>
+              <a:t>message</a:t>
+            </a:r>
+            <a:r>
+              <a:rPr lang="hu-HU" dirty="0"/>
+              <a:t> </a:t>
+            </a:r>
+            <a:r>
+              <a:rPr lang="hu-HU" dirty="0" err="1"/>
+              <a:t>types</a:t>
+            </a:r>
+            <a:r>
+              <a:rPr lang="hu-HU" dirty="0"/>
+              <a:t>? </a:t>
+            </a:r>
+            <a:r>
+              <a:rPr lang="hu-HU" dirty="0" err="1"/>
+              <a:t>Planning</a:t>
+            </a:r>
+            <a:r>
+              <a:rPr lang="hu-HU" dirty="0"/>
+              <a:t> </a:t>
+            </a:r>
+            <a:r>
+              <a:rPr lang="hu-HU" dirty="0">
+                <a:sym typeface="Wingdings" panose="05000000000000000000" pitchFamily="2" charset="2"/>
+              </a:rPr>
+              <a:t> </a:t>
+            </a:r>
+            <a:r>
+              <a:rPr lang="hu-HU" dirty="0" err="1">
+                <a:sym typeface="Wingdings" panose="05000000000000000000" pitchFamily="2" charset="2"/>
+              </a:rPr>
+              <a:t>Control</a:t>
+            </a:r>
+            <a:r>
+              <a:rPr lang="hu-HU" dirty="0">
+                <a:sym typeface="Wingdings" panose="05000000000000000000" pitchFamily="2" charset="2"/>
+              </a:rPr>
+              <a:t>? </a:t>
+            </a:r>
+            <a:r>
+              <a:rPr lang="hu-HU" dirty="0" err="1">
+                <a:sym typeface="Wingdings" panose="05000000000000000000" pitchFamily="2" charset="2"/>
+              </a:rPr>
+              <a:t>Perception</a:t>
+            </a:r>
+            <a:r>
+              <a:rPr lang="hu-HU" dirty="0">
+                <a:sym typeface="Wingdings" panose="05000000000000000000" pitchFamily="2" charset="2"/>
+              </a:rPr>
+              <a:t>  </a:t>
+            </a:r>
+            <a:r>
+              <a:rPr lang="hu-HU" dirty="0" err="1">
+                <a:sym typeface="Wingdings" panose="05000000000000000000" pitchFamily="2" charset="2"/>
+              </a:rPr>
+              <a:t>Planning</a:t>
+            </a:r>
+            <a:r>
+              <a:rPr lang="hu-HU" dirty="0">
+                <a:sym typeface="Wingdings" panose="05000000000000000000" pitchFamily="2" charset="2"/>
+              </a:rPr>
+              <a:t>?  </a:t>
+            </a:r>
+            <a:r>
+              <a:rPr lang="hu-HU" dirty="0" err="1">
+                <a:sym typeface="Wingdings" panose="05000000000000000000" pitchFamily="2" charset="2"/>
+              </a:rPr>
+              <a:t>tbd</a:t>
+            </a:r>
+            <a:r>
+              <a:rPr lang="hu-HU" dirty="0">
+                <a:sym typeface="Wingdings" panose="05000000000000000000" pitchFamily="2" charset="2"/>
+              </a:rPr>
+              <a:t>: </a:t>
+            </a:r>
+            <a:r>
+              <a:rPr lang="hu-HU" dirty="0" err="1">
+                <a:sym typeface="Wingdings" panose="05000000000000000000" pitchFamily="2" charset="2"/>
+              </a:rPr>
+              <a:t>detection</a:t>
+            </a:r>
+            <a:r>
+              <a:rPr lang="hu-HU" dirty="0">
+                <a:sym typeface="Wingdings" panose="05000000000000000000" pitchFamily="2" charset="2"/>
+              </a:rPr>
+              <a:t>  </a:t>
+            </a:r>
+            <a:r>
+              <a:rPr lang="hu-HU" dirty="0" err="1">
+                <a:sym typeface="Wingdings" panose="05000000000000000000" pitchFamily="2" charset="2"/>
+              </a:rPr>
+              <a:t>perception</a:t>
+            </a:r>
+            <a:r>
+              <a:rPr lang="hu-HU" dirty="0">
+                <a:sym typeface="Wingdings" panose="05000000000000000000" pitchFamily="2" charset="2"/>
+              </a:rPr>
+              <a:t> (</a:t>
+            </a:r>
+            <a:r>
+              <a:rPr lang="hu-HU" dirty="0" err="1">
+                <a:sym typeface="Wingdings" panose="05000000000000000000" pitchFamily="2" charset="2"/>
+              </a:rPr>
+              <a:t>sensor</a:t>
+            </a:r>
+            <a:r>
+              <a:rPr lang="hu-HU" dirty="0">
+                <a:sym typeface="Wingdings" panose="05000000000000000000" pitchFamily="2" charset="2"/>
+              </a:rPr>
+              <a:t> </a:t>
+            </a:r>
+            <a:r>
+              <a:rPr lang="hu-HU" dirty="0" err="1">
+                <a:sym typeface="Wingdings" panose="05000000000000000000" pitchFamily="2" charset="2"/>
+              </a:rPr>
+              <a:t>abstraction</a:t>
+            </a:r>
+            <a:r>
+              <a:rPr lang="hu-HU" dirty="0">
+                <a:sym typeface="Wingdings" panose="05000000000000000000" pitchFamily="2" charset="2"/>
+              </a:rPr>
+              <a:t> </a:t>
+            </a:r>
+            <a:r>
+              <a:rPr lang="hu-HU" dirty="0" err="1">
+                <a:sym typeface="Wingdings" panose="05000000000000000000" pitchFamily="2" charset="2"/>
+              </a:rPr>
+              <a:t>interfaces</a:t>
+            </a:r>
+            <a:r>
+              <a:rPr lang="hu-HU" dirty="0">
+                <a:sym typeface="Wingdings" panose="05000000000000000000" pitchFamily="2" charset="2"/>
+              </a:rPr>
+              <a:t>)</a:t>
+            </a:r>
+          </a:p>
+          <a:p>
+            <a:r>
+              <a:rPr lang="hu-HU" dirty="0">
+                <a:sym typeface="Wingdings" panose="05000000000000000000" pitchFamily="2" charset="2"/>
+              </a:rPr>
+              <a:t>- </a:t>
+            </a:r>
+            <a:r>
+              <a:rPr lang="hu-HU" dirty="0" err="1">
+                <a:sym typeface="Wingdings" panose="05000000000000000000" pitchFamily="2" charset="2"/>
+              </a:rPr>
+              <a:t>leaf</a:t>
+            </a:r>
+            <a:r>
+              <a:rPr lang="hu-HU" dirty="0">
+                <a:sym typeface="Wingdings" panose="05000000000000000000" pitchFamily="2" charset="2"/>
+              </a:rPr>
+              <a:t>: </a:t>
+            </a:r>
+            <a:r>
+              <a:rPr lang="hu-HU" dirty="0" err="1">
+                <a:sym typeface="Wingdings" panose="05000000000000000000" pitchFamily="2" charset="2"/>
+              </a:rPr>
+              <a:t>only</a:t>
+            </a:r>
+            <a:r>
+              <a:rPr lang="hu-HU" dirty="0">
+                <a:sym typeface="Wingdings" panose="05000000000000000000" pitchFamily="2" charset="2"/>
+              </a:rPr>
+              <a:t> </a:t>
+            </a:r>
+            <a:r>
+              <a:rPr lang="hu-HU" dirty="0" err="1">
+                <a:sym typeface="Wingdings" panose="05000000000000000000" pitchFamily="2" charset="2"/>
+              </a:rPr>
+              <a:t>long</a:t>
+            </a:r>
+            <a:r>
+              <a:rPr lang="hu-HU" dirty="0">
+                <a:sym typeface="Wingdings" panose="05000000000000000000" pitchFamily="2" charset="2"/>
+              </a:rPr>
+              <a:t> </a:t>
+            </a:r>
+            <a:r>
+              <a:rPr lang="hu-HU" dirty="0" err="1">
+                <a:sym typeface="Wingdings" panose="05000000000000000000" pitchFamily="2" charset="2"/>
+              </a:rPr>
+              <a:t>tests</a:t>
+            </a:r>
+            <a:r>
+              <a:rPr lang="hu-HU" dirty="0">
+                <a:sym typeface="Wingdings" panose="05000000000000000000" pitchFamily="2" charset="2"/>
+              </a:rPr>
+              <a:t>?</a:t>
+            </a:r>
             <a:endParaRPr lang="hu-HU" dirty="0"/>
           </a:p>
         </p:txBody>
@@ -1437,7 +1500,7 @@
           <a:p>
             <a:fld id="{C11003BB-E929-40B2-9984-9A08D93271BA}" type="slidenum">
               <a:rPr lang="hu-HU" smtClean="0"/>
-              <a:t>10</a:t>
+              <a:t>8</a:t>
             </a:fld>
             <a:endParaRPr lang="hu-HU"/>
           </a:p>
@@ -1446,7 +1509,7 @@
     </p:spTree>
     <p:extLst>
       <p:ext uri="{BB962C8B-B14F-4D97-AF65-F5344CB8AC3E}">
-        <p14:creationId xmlns:p14="http://schemas.microsoft.com/office/powerpoint/2010/main" val="3377171459"/>
+        <p14:creationId xmlns:p14="http://schemas.microsoft.com/office/powerpoint/2010/main" val="1172586105"/>
       </p:ext>
     </p:extLst>
   </p:cSld>
@@ -1521,7 +1584,7 @@
           <a:p>
             <a:fld id="{C11003BB-E929-40B2-9984-9A08D93271BA}" type="slidenum">
               <a:rPr lang="hu-HU" smtClean="0"/>
-              <a:t>12</a:t>
+              <a:t>10</a:t>
             </a:fld>
             <a:endParaRPr lang="hu-HU"/>
           </a:p>
@@ -1530,7 +1593,7 @@
     </p:spTree>
     <p:extLst>
       <p:ext uri="{BB962C8B-B14F-4D97-AF65-F5344CB8AC3E}">
-        <p14:creationId xmlns:p14="http://schemas.microsoft.com/office/powerpoint/2010/main" val="2451326423"/>
+        <p14:creationId xmlns:p14="http://schemas.microsoft.com/office/powerpoint/2010/main" val="3377171459"/>
       </p:ext>
     </p:extLst>
   </p:cSld>
@@ -1605,7 +1668,7 @@
           <a:p>
             <a:fld id="{C11003BB-E929-40B2-9984-9A08D93271BA}" type="slidenum">
               <a:rPr lang="hu-HU" smtClean="0"/>
-              <a:t>13</a:t>
+              <a:t>12</a:t>
             </a:fld>
             <a:endParaRPr lang="hu-HU"/>
           </a:p>
@@ -1614,7 +1677,7 @@
     </p:spTree>
     <p:extLst>
       <p:ext uri="{BB962C8B-B14F-4D97-AF65-F5344CB8AC3E}">
-        <p14:creationId xmlns:p14="http://schemas.microsoft.com/office/powerpoint/2010/main" val="786289220"/>
+        <p14:creationId xmlns:p14="http://schemas.microsoft.com/office/powerpoint/2010/main" val="2451326423"/>
       </p:ext>
     </p:extLst>
   </p:cSld>
@@ -1771,7 +1834,7 @@
           <a:p>
             <a:fld id="{79499D30-19C5-4491-A806-11EE74577FB2}" type="datetimeFigureOut">
               <a:rPr lang="hu-HU" smtClean="0"/>
-              <a:t>2024. 07. 23.</a:t>
+              <a:t>2024. 07. 25.</a:t>
             </a:fld>
             <a:endParaRPr lang="hu-HU"/>
           </a:p>
@@ -1969,7 +2032,7 @@
           <a:p>
             <a:fld id="{79499D30-19C5-4491-A806-11EE74577FB2}" type="datetimeFigureOut">
               <a:rPr lang="hu-HU" smtClean="0"/>
-              <a:t>2024. 07. 23.</a:t>
+              <a:t>2024. 07. 25.</a:t>
             </a:fld>
             <a:endParaRPr lang="hu-HU"/>
           </a:p>
@@ -2177,7 +2240,7 @@
           <a:p>
             <a:fld id="{79499D30-19C5-4491-A806-11EE74577FB2}" type="datetimeFigureOut">
               <a:rPr lang="hu-HU" smtClean="0"/>
-              <a:t>2024. 07. 23.</a:t>
+              <a:t>2024. 07. 25.</a:t>
             </a:fld>
             <a:endParaRPr lang="hu-HU"/>
           </a:p>
@@ -2615,7 +2678,7 @@
           <a:p>
             <a:fld id="{79499D30-19C5-4491-A806-11EE74577FB2}" type="datetimeFigureOut">
               <a:rPr lang="hu-HU" smtClean="0"/>
-              <a:t>2024. 07. 23.</a:t>
+              <a:t>2024. 07. 25.</a:t>
             </a:fld>
             <a:endParaRPr lang="hu-HU"/>
           </a:p>
@@ -2890,7 +2953,7 @@
           <a:p>
             <a:fld id="{79499D30-19C5-4491-A806-11EE74577FB2}" type="datetimeFigureOut">
               <a:rPr lang="hu-HU" smtClean="0"/>
-              <a:t>2024. 07. 23.</a:t>
+              <a:t>2024. 07. 25.</a:t>
             </a:fld>
             <a:endParaRPr lang="hu-HU"/>
           </a:p>
@@ -3155,7 +3218,7 @@
           <a:p>
             <a:fld id="{79499D30-19C5-4491-A806-11EE74577FB2}" type="datetimeFigureOut">
               <a:rPr lang="hu-HU" smtClean="0"/>
-              <a:t>2024. 07. 23.</a:t>
+              <a:t>2024. 07. 25.</a:t>
             </a:fld>
             <a:endParaRPr lang="hu-HU"/>
           </a:p>
@@ -3567,7 +3630,7 @@
           <a:p>
             <a:fld id="{79499D30-19C5-4491-A806-11EE74577FB2}" type="datetimeFigureOut">
               <a:rPr lang="hu-HU" smtClean="0"/>
-              <a:t>2024. 07. 23.</a:t>
+              <a:t>2024. 07. 25.</a:t>
             </a:fld>
             <a:endParaRPr lang="hu-HU"/>
           </a:p>
@@ -3708,7 +3771,7 @@
           <a:p>
             <a:fld id="{79499D30-19C5-4491-A806-11EE74577FB2}" type="datetimeFigureOut">
               <a:rPr lang="hu-HU" smtClean="0"/>
-              <a:t>2024. 07. 23.</a:t>
+              <a:t>2024. 07. 25.</a:t>
             </a:fld>
             <a:endParaRPr lang="hu-HU"/>
           </a:p>
@@ -3821,7 +3884,7 @@
           <a:p>
             <a:fld id="{79499D30-19C5-4491-A806-11EE74577FB2}" type="datetimeFigureOut">
               <a:rPr lang="hu-HU" smtClean="0"/>
-              <a:t>2024. 07. 23.</a:t>
+              <a:t>2024. 07. 25.</a:t>
             </a:fld>
             <a:endParaRPr lang="hu-HU"/>
           </a:p>
@@ -4132,7 +4195,7 @@
           <a:p>
             <a:fld id="{79499D30-19C5-4491-A806-11EE74577FB2}" type="datetimeFigureOut">
               <a:rPr lang="hu-HU" smtClean="0"/>
-              <a:t>2024. 07. 23.</a:t>
+              <a:t>2024. 07. 25.</a:t>
             </a:fld>
             <a:endParaRPr lang="hu-HU"/>
           </a:p>
@@ -4420,7 +4483,7 @@
           <a:p>
             <a:fld id="{79499D30-19C5-4491-A806-11EE74577FB2}" type="datetimeFigureOut">
               <a:rPr lang="hu-HU" smtClean="0"/>
-              <a:t>2024. 07. 23.</a:t>
+              <a:t>2024. 07. 25.</a:t>
             </a:fld>
             <a:endParaRPr lang="hu-HU"/>
           </a:p>
@@ -4661,7 +4724,7 @@
           <a:p>
             <a:fld id="{79499D30-19C5-4491-A806-11EE74577FB2}" type="datetimeFigureOut">
               <a:rPr lang="hu-HU" smtClean="0"/>
-              <a:t>2024. 07. 23.</a:t>
+              <a:t>2024. 07. 25.</a:t>
             </a:fld>
             <a:endParaRPr lang="hu-HU"/>
           </a:p>
@@ -5120,7 +5183,8 @@
                 <a:solidFill>
                   <a:srgbClr val="000000"/>
                 </a:solidFill>
-                <a:latin typeface="Bosch Office Sans"/>
+                <a:latin typeface="Arial" panose="020B0604020202020204" pitchFamily="34" charset="0"/>
+                <a:cs typeface="Arial" panose="020B0604020202020204" pitchFamily="34" charset="0"/>
               </a:rPr>
               <a:t>Vehicle</a:t>
             </a:r>
@@ -5129,7 +5193,8 @@
                 <a:solidFill>
                   <a:srgbClr val="000000"/>
                 </a:solidFill>
-                <a:latin typeface="Bosch Office Sans"/>
+                <a:latin typeface="Arial" panose="020B0604020202020204" pitchFamily="34" charset="0"/>
+                <a:cs typeface="Arial" panose="020B0604020202020204" pitchFamily="34" charset="0"/>
               </a:rPr>
               <a:t> </a:t>
             </a:r>
@@ -5138,7 +5203,8 @@
                 <a:solidFill>
                   <a:srgbClr val="000000"/>
                 </a:solidFill>
-                <a:latin typeface="Bosch Office Sans"/>
+                <a:latin typeface="Arial" panose="020B0604020202020204" pitchFamily="34" charset="0"/>
+                <a:cs typeface="Arial" panose="020B0604020202020204" pitchFamily="34" charset="0"/>
               </a:rPr>
               <a:t>integration</a:t>
             </a:r>
@@ -5147,7 +5213,8 @@
                 <a:solidFill>
                   <a:srgbClr val="000000"/>
                 </a:solidFill>
-                <a:latin typeface="Bosch Office Sans"/>
+                <a:latin typeface="Arial" panose="020B0604020202020204" pitchFamily="34" charset="0"/>
+                <a:cs typeface="Arial" panose="020B0604020202020204" pitchFamily="34" charset="0"/>
               </a:rPr>
               <a:t> </a:t>
             </a:r>
@@ -5156,7 +5223,8 @@
                 <a:solidFill>
                   <a:srgbClr val="000000"/>
                 </a:solidFill>
-                <a:latin typeface="Bosch Office Sans"/>
+                <a:latin typeface="Arial" panose="020B0604020202020204" pitchFamily="34" charset="0"/>
+                <a:cs typeface="Arial" panose="020B0604020202020204" pitchFamily="34" charset="0"/>
               </a:rPr>
               <a:t>layer</a:t>
             </a:r>
@@ -5164,7 +5232,8 @@
               <a:solidFill>
                 <a:srgbClr val="000000"/>
               </a:solidFill>
-              <a:latin typeface="Bosch Office Sans"/>
+              <a:latin typeface="Arial" panose="020B0604020202020204" pitchFamily="34" charset="0"/>
+              <a:cs typeface="Arial" panose="020B0604020202020204" pitchFamily="34" charset="0"/>
             </a:endParaRPr>
           </a:p>
         </p:txBody>
@@ -5281,7 +5350,8 @@
                 <a:solidFill>
                   <a:srgbClr val="000000"/>
                 </a:solidFill>
-                <a:latin typeface="Bosch Office Sans"/>
+                <a:latin typeface="Arial" panose="020B0604020202020204" pitchFamily="34" charset="0"/>
+                <a:cs typeface="Arial" panose="020B0604020202020204" pitchFamily="34" charset="0"/>
               </a:rPr>
               <a:t>Controller</a:t>
             </a:r>
@@ -5290,7 +5360,8 @@
                 <a:solidFill>
                   <a:srgbClr val="000000"/>
                 </a:solidFill>
-                <a:latin typeface="Bosch Office Sans"/>
+                <a:latin typeface="Arial" panose="020B0604020202020204" pitchFamily="34" charset="0"/>
+                <a:cs typeface="Arial" panose="020B0604020202020204" pitchFamily="34" charset="0"/>
               </a:rPr>
               <a:t> </a:t>
             </a:r>
@@ -5299,7 +5370,8 @@
                 <a:solidFill>
                   <a:srgbClr val="000000"/>
                 </a:solidFill>
-                <a:latin typeface="Bosch Office Sans"/>
+                <a:latin typeface="Arial" panose="020B0604020202020204" pitchFamily="34" charset="0"/>
+                <a:cs typeface="Arial" panose="020B0604020202020204" pitchFamily="34" charset="0"/>
               </a:rPr>
               <a:t>integration</a:t>
             </a:r>
@@ -5308,7 +5380,8 @@
                 <a:solidFill>
                   <a:srgbClr val="000000"/>
                 </a:solidFill>
-                <a:latin typeface="Bosch Office Sans"/>
+                <a:latin typeface="Arial" panose="020B0604020202020204" pitchFamily="34" charset="0"/>
+                <a:cs typeface="Arial" panose="020B0604020202020204" pitchFamily="34" charset="0"/>
               </a:rPr>
               <a:t> </a:t>
             </a:r>
@@ -5317,7 +5390,8 @@
                 <a:solidFill>
                   <a:srgbClr val="000000"/>
                 </a:solidFill>
-                <a:latin typeface="Bosch Office Sans"/>
+                <a:latin typeface="Arial" panose="020B0604020202020204" pitchFamily="34" charset="0"/>
+                <a:cs typeface="Arial" panose="020B0604020202020204" pitchFamily="34" charset="0"/>
               </a:rPr>
               <a:t>layer</a:t>
             </a:r>
@@ -5325,7 +5399,8 @@
               <a:solidFill>
                 <a:srgbClr val="000000"/>
               </a:solidFill>
-              <a:latin typeface="Bosch Office Sans"/>
+              <a:latin typeface="Arial" panose="020B0604020202020204" pitchFamily="34" charset="0"/>
+              <a:cs typeface="Arial" panose="020B0604020202020204" pitchFamily="34" charset="0"/>
             </a:endParaRPr>
           </a:p>
           <a:p>
@@ -5335,7 +5410,8 @@
                 <a:solidFill>
                   <a:srgbClr val="000000"/>
                 </a:solidFill>
-                <a:latin typeface="Bosch Office Sans"/>
+                <a:latin typeface="Arial" panose="020B0604020202020204" pitchFamily="34" charset="0"/>
+                <a:cs typeface="Arial" panose="020B0604020202020204" pitchFamily="34" charset="0"/>
               </a:rPr>
               <a:t>(~MW-ROS)</a:t>
             </a:r>
@@ -5381,7 +5457,8 @@
                 <a:solidFill>
                   <a:srgbClr val="000000"/>
                 </a:solidFill>
-                <a:latin typeface="Bosch Office Sans"/>
+                <a:latin typeface="Arial" panose="020B0604020202020204" pitchFamily="34" charset="0"/>
+                <a:cs typeface="Arial" panose="020B0604020202020204" pitchFamily="34" charset="0"/>
               </a:rPr>
               <a:t>Functional</a:t>
             </a:r>
@@ -5390,7 +5467,8 @@
                 <a:solidFill>
                   <a:srgbClr val="000000"/>
                 </a:solidFill>
-                <a:latin typeface="Bosch Office Sans"/>
+                <a:latin typeface="Arial" panose="020B0604020202020204" pitchFamily="34" charset="0"/>
+                <a:cs typeface="Arial" panose="020B0604020202020204" pitchFamily="34" charset="0"/>
               </a:rPr>
               <a:t> </a:t>
             </a:r>
@@ -5399,7 +5477,8 @@
                 <a:solidFill>
                   <a:srgbClr val="000000"/>
                 </a:solidFill>
-                <a:latin typeface="Bosch Office Sans"/>
+                <a:latin typeface="Arial" panose="020B0604020202020204" pitchFamily="34" charset="0"/>
+                <a:cs typeface="Arial" panose="020B0604020202020204" pitchFamily="34" charset="0"/>
               </a:rPr>
               <a:t>Layer</a:t>
             </a:r>
@@ -5407,7 +5486,8 @@
               <a:solidFill>
                 <a:srgbClr val="000000"/>
               </a:solidFill>
-              <a:latin typeface="Bosch Office Sans"/>
+              <a:latin typeface="Arial" panose="020B0604020202020204" pitchFamily="34" charset="0"/>
+              <a:cs typeface="Arial" panose="020B0604020202020204" pitchFamily="34" charset="0"/>
             </a:endParaRPr>
           </a:p>
         </p:txBody>
@@ -5456,7 +5536,8 @@
                 <a:solidFill>
                   <a:srgbClr val="000000"/>
                 </a:solidFill>
-                <a:latin typeface="Bosch Office Sans"/>
+                <a:latin typeface="Arial" panose="020B0604020202020204" pitchFamily="34" charset="0"/>
+                <a:cs typeface="Arial" panose="020B0604020202020204" pitchFamily="34" charset="0"/>
               </a:rPr>
               <a:t>Application </a:t>
             </a:r>
@@ -5465,7 +5546,8 @@
                 <a:solidFill>
                   <a:srgbClr val="000000"/>
                 </a:solidFill>
-                <a:latin typeface="Bosch Office Sans"/>
+                <a:latin typeface="Arial" panose="020B0604020202020204" pitchFamily="34" charset="0"/>
+                <a:cs typeface="Arial" panose="020B0604020202020204" pitchFamily="34" charset="0"/>
               </a:rPr>
               <a:t>layer</a:t>
             </a:r>
@@ -5473,7 +5555,8 @@
               <a:solidFill>
                 <a:srgbClr val="000000"/>
               </a:solidFill>
-              <a:latin typeface="Bosch Office Sans"/>
+              <a:latin typeface="Arial" panose="020B0604020202020204" pitchFamily="34" charset="0"/>
+              <a:cs typeface="Arial" panose="020B0604020202020204" pitchFamily="34" charset="0"/>
             </a:endParaRPr>
           </a:p>
           <a:p>
@@ -5483,7 +5566,8 @@
                 <a:solidFill>
                   <a:srgbClr val="000000"/>
                 </a:solidFill>
-                <a:latin typeface="Bosch Office Sans"/>
+                <a:latin typeface="Arial" panose="020B0604020202020204" pitchFamily="34" charset="0"/>
+                <a:cs typeface="Arial" panose="020B0604020202020204" pitchFamily="34" charset="0"/>
               </a:rPr>
               <a:t>(MW-ROS)</a:t>
             </a:r>
@@ -5535,6 +5619,8 @@
                 <a:solidFill>
                   <a:srgbClr val="000000"/>
                 </a:solidFill>
+                <a:latin typeface="Arial" panose="020B0604020202020204" pitchFamily="34" charset="0"/>
+                <a:cs typeface="Arial" panose="020B0604020202020204" pitchFamily="34" charset="0"/>
               </a:rPr>
               <a:t>CAN driver</a:t>
             </a:r>
@@ -5586,6 +5672,8 @@
                 <a:solidFill>
                   <a:srgbClr val="000000"/>
                 </a:solidFill>
+                <a:latin typeface="Arial" panose="020B0604020202020204" pitchFamily="34" charset="0"/>
+                <a:cs typeface="Arial" panose="020B0604020202020204" pitchFamily="34" charset="0"/>
               </a:rPr>
               <a:t>Sensor</a:t>
             </a:r>
@@ -5594,6 +5682,8 @@
                 <a:solidFill>
                   <a:srgbClr val="000000"/>
                 </a:solidFill>
+                <a:latin typeface="Arial" panose="020B0604020202020204" pitchFamily="34" charset="0"/>
+                <a:cs typeface="Arial" panose="020B0604020202020204" pitchFamily="34" charset="0"/>
               </a:rPr>
               <a:t> driver 1</a:t>
             </a:r>
@@ -5645,6 +5735,8 @@
                 <a:solidFill>
                   <a:srgbClr val="000000"/>
                 </a:solidFill>
+                <a:latin typeface="Arial" panose="020B0604020202020204" pitchFamily="34" charset="0"/>
+                <a:cs typeface="Arial" panose="020B0604020202020204" pitchFamily="34" charset="0"/>
               </a:rPr>
               <a:t>Sensor</a:t>
             </a:r>
@@ -5653,6 +5745,8 @@
                 <a:solidFill>
                   <a:srgbClr val="000000"/>
                 </a:solidFill>
+                <a:latin typeface="Arial" panose="020B0604020202020204" pitchFamily="34" charset="0"/>
+                <a:cs typeface="Arial" panose="020B0604020202020204" pitchFamily="34" charset="0"/>
               </a:rPr>
               <a:t> driver 2</a:t>
             </a:r>
@@ -5704,6 +5798,8 @@
                 <a:solidFill>
                   <a:srgbClr val="000000"/>
                 </a:solidFill>
+                <a:latin typeface="Arial" panose="020B0604020202020204" pitchFamily="34" charset="0"/>
+                <a:cs typeface="Arial" panose="020B0604020202020204" pitchFamily="34" charset="0"/>
               </a:rPr>
               <a:t>Sensor</a:t>
             </a:r>
@@ -5712,6 +5808,8 @@
                 <a:solidFill>
                   <a:srgbClr val="000000"/>
                 </a:solidFill>
+                <a:latin typeface="Arial" panose="020B0604020202020204" pitchFamily="34" charset="0"/>
+                <a:cs typeface="Arial" panose="020B0604020202020204" pitchFamily="34" charset="0"/>
               </a:rPr>
               <a:t> </a:t>
             </a:r>
@@ -5720,6 +5818,8 @@
                 <a:solidFill>
                   <a:srgbClr val="000000"/>
                 </a:solidFill>
+                <a:latin typeface="Arial" panose="020B0604020202020204" pitchFamily="34" charset="0"/>
+                <a:cs typeface="Arial" panose="020B0604020202020204" pitchFamily="34" charset="0"/>
               </a:rPr>
               <a:t>abstraction</a:t>
             </a:r>
@@ -5727,6 +5827,8 @@
               <a:solidFill>
                 <a:srgbClr val="000000"/>
               </a:solidFill>
+              <a:latin typeface="Arial" panose="020B0604020202020204" pitchFamily="34" charset="0"/>
+              <a:cs typeface="Arial" panose="020B0604020202020204" pitchFamily="34" charset="0"/>
             </a:endParaRPr>
           </a:p>
         </p:txBody>
@@ -5776,6 +5878,8 @@
                 <a:solidFill>
                   <a:srgbClr val="000000"/>
                 </a:solidFill>
+                <a:latin typeface="Arial" panose="020B0604020202020204" pitchFamily="34" charset="0"/>
+                <a:cs typeface="Arial" panose="020B0604020202020204" pitchFamily="34" charset="0"/>
               </a:rPr>
               <a:t>Topic</a:t>
             </a:r>
@@ -5784,6 +5888,8 @@
                 <a:solidFill>
                   <a:srgbClr val="000000"/>
                 </a:solidFill>
+                <a:latin typeface="Arial" panose="020B0604020202020204" pitchFamily="34" charset="0"/>
+                <a:cs typeface="Arial" panose="020B0604020202020204" pitchFamily="34" charset="0"/>
               </a:rPr>
               <a:t> </a:t>
             </a:r>
@@ -5792,6 +5898,8 @@
                 <a:solidFill>
                   <a:srgbClr val="000000"/>
                 </a:solidFill>
+                <a:latin typeface="Arial" panose="020B0604020202020204" pitchFamily="34" charset="0"/>
+                <a:cs typeface="Arial" panose="020B0604020202020204" pitchFamily="34" charset="0"/>
               </a:rPr>
               <a:t>handler</a:t>
             </a:r>
@@ -5799,6 +5907,8 @@
               <a:solidFill>
                 <a:srgbClr val="000000"/>
               </a:solidFill>
+              <a:latin typeface="Arial" panose="020B0604020202020204" pitchFamily="34" charset="0"/>
+              <a:cs typeface="Arial" panose="020B0604020202020204" pitchFamily="34" charset="0"/>
             </a:endParaRPr>
           </a:p>
         </p:txBody>
@@ -5848,6 +5958,8 @@
                 <a:solidFill>
                   <a:srgbClr val="000000"/>
                 </a:solidFill>
+                <a:latin typeface="Arial" panose="020B0604020202020204" pitchFamily="34" charset="0"/>
+                <a:cs typeface="Arial" panose="020B0604020202020204" pitchFamily="34" charset="0"/>
               </a:rPr>
               <a:t>Function</a:t>
             </a:r>
@@ -5856,6 +5968,8 @@
                 <a:solidFill>
                   <a:srgbClr val="000000"/>
                 </a:solidFill>
+                <a:latin typeface="Arial" panose="020B0604020202020204" pitchFamily="34" charset="0"/>
+                <a:cs typeface="Arial" panose="020B0604020202020204" pitchFamily="34" charset="0"/>
               </a:rPr>
               <a:t> </a:t>
             </a:r>
@@ -5864,6 +5978,8 @@
                 <a:solidFill>
                   <a:srgbClr val="000000"/>
                 </a:solidFill>
+                <a:latin typeface="Arial" panose="020B0604020202020204" pitchFamily="34" charset="0"/>
+                <a:cs typeface="Arial" panose="020B0604020202020204" pitchFamily="34" charset="0"/>
               </a:rPr>
               <a:t>Code</a:t>
             </a:r>
@@ -5871,6 +5987,8 @@
               <a:solidFill>
                 <a:srgbClr val="000000"/>
               </a:solidFill>
+              <a:latin typeface="Arial" panose="020B0604020202020204" pitchFamily="34" charset="0"/>
+              <a:cs typeface="Arial" panose="020B0604020202020204" pitchFamily="34" charset="0"/>
             </a:endParaRPr>
           </a:p>
         </p:txBody>
@@ -5920,6 +6038,8 @@
                 <a:solidFill>
                   <a:srgbClr val="000000"/>
                 </a:solidFill>
+                <a:latin typeface="Arial" panose="020B0604020202020204" pitchFamily="34" charset="0"/>
+                <a:cs typeface="Arial" panose="020B0604020202020204" pitchFamily="34" charset="0"/>
               </a:rPr>
               <a:t>Configuration</a:t>
             </a:r>
@@ -5927,6 +6047,8 @@
               <a:solidFill>
                 <a:srgbClr val="000000"/>
               </a:solidFill>
+              <a:latin typeface="Arial" panose="020B0604020202020204" pitchFamily="34" charset="0"/>
+              <a:cs typeface="Arial" panose="020B0604020202020204" pitchFamily="34" charset="0"/>
             </a:endParaRPr>
           </a:p>
         </p:txBody>
@@ -6250,6 +6372,8 @@
                 <a:solidFill>
                   <a:srgbClr val="000000"/>
                 </a:solidFill>
+                <a:latin typeface="Arial" panose="020B0604020202020204" pitchFamily="34" charset="0"/>
+                <a:cs typeface="Arial" panose="020B0604020202020204" pitchFamily="34" charset="0"/>
               </a:rPr>
               <a:t>Topic</a:t>
             </a:r>
@@ -6258,6 +6382,8 @@
                 <a:solidFill>
                   <a:srgbClr val="000000"/>
                 </a:solidFill>
+                <a:latin typeface="Arial" panose="020B0604020202020204" pitchFamily="34" charset="0"/>
+                <a:cs typeface="Arial" panose="020B0604020202020204" pitchFamily="34" charset="0"/>
               </a:rPr>
               <a:t> </a:t>
             </a:r>
@@ -6266,6 +6392,8 @@
                 <a:solidFill>
                   <a:srgbClr val="000000"/>
                 </a:solidFill>
+                <a:latin typeface="Arial" panose="020B0604020202020204" pitchFamily="34" charset="0"/>
+                <a:cs typeface="Arial" panose="020B0604020202020204" pitchFamily="34" charset="0"/>
               </a:rPr>
               <a:t>handler</a:t>
             </a:r>
@@ -6273,6 +6401,8 @@
               <a:solidFill>
                 <a:srgbClr val="000000"/>
               </a:solidFill>
+              <a:latin typeface="Arial" panose="020B0604020202020204" pitchFamily="34" charset="0"/>
+              <a:cs typeface="Arial" panose="020B0604020202020204" pitchFamily="34" charset="0"/>
             </a:endParaRPr>
           </a:p>
         </p:txBody>
@@ -6368,6 +6498,8 @@
                 <a:solidFill>
                   <a:srgbClr val="000000"/>
                 </a:solidFill>
+                <a:latin typeface="Arial" panose="020B0604020202020204" pitchFamily="34" charset="0"/>
+                <a:cs typeface="Arial" panose="020B0604020202020204" pitchFamily="34" charset="0"/>
               </a:rPr>
               <a:t>Actuator</a:t>
             </a:r>
@@ -6376,6 +6508,8 @@
                 <a:solidFill>
                   <a:srgbClr val="000000"/>
                 </a:solidFill>
+                <a:latin typeface="Arial" panose="020B0604020202020204" pitchFamily="34" charset="0"/>
+                <a:cs typeface="Arial" panose="020B0604020202020204" pitchFamily="34" charset="0"/>
               </a:rPr>
               <a:t> </a:t>
             </a:r>
@@ -6384,6 +6518,8 @@
                 <a:solidFill>
                   <a:srgbClr val="000000"/>
                 </a:solidFill>
+                <a:latin typeface="Arial" panose="020B0604020202020204" pitchFamily="34" charset="0"/>
+                <a:cs typeface="Arial" panose="020B0604020202020204" pitchFamily="34" charset="0"/>
               </a:rPr>
               <a:t>abstraction</a:t>
             </a:r>
@@ -6391,6 +6527,8 @@
               <a:solidFill>
                 <a:srgbClr val="000000"/>
               </a:solidFill>
+              <a:latin typeface="Arial" panose="020B0604020202020204" pitchFamily="34" charset="0"/>
+              <a:cs typeface="Arial" panose="020B0604020202020204" pitchFamily="34" charset="0"/>
             </a:endParaRPr>
           </a:p>
         </p:txBody>
@@ -6486,6 +6624,8 @@
                 <a:solidFill>
                   <a:srgbClr val="000000"/>
                 </a:solidFill>
+                <a:latin typeface="Arial" panose="020B0604020202020204" pitchFamily="34" charset="0"/>
+                <a:cs typeface="Arial" panose="020B0604020202020204" pitchFamily="34" charset="0"/>
               </a:rPr>
               <a:t>CAN driver</a:t>
             </a:r>
@@ -17148,3273 +17288,6 @@
     <p:extLst>
       <p:ext uri="{BB962C8B-B14F-4D97-AF65-F5344CB8AC3E}">
         <p14:creationId xmlns:p14="http://schemas.microsoft.com/office/powerpoint/2010/main" val="716675338"/>
-      </p:ext>
-    </p:extLst>
-  </p:cSld>
-  <p:clrMapOvr>
-    <a:masterClrMapping/>
-  </p:clrMapOvr>
-</p:sld>
-</file>
-
-<file path=ppt/slides/slide13.xml><?xml version="1.0" encoding="utf-8"?>
-<p:sld xmlns:a="http://schemas.openxmlformats.org/drawingml/2006/main" xmlns:r="http://schemas.openxmlformats.org/officeDocument/2006/relationships" xmlns:p="http://schemas.openxmlformats.org/presentationml/2006/main" show="0">
-  <p:cSld>
-    <p:spTree>
-      <p:nvGrpSpPr>
-        <p:cNvPr id="1" name=""/>
-        <p:cNvGrpSpPr/>
-        <p:nvPr/>
-      </p:nvGrpSpPr>
-      <p:grpSpPr>
-        <a:xfrm>
-          <a:off x="0" y="0"/>
-          <a:ext cx="0" cy="0"/>
-          <a:chOff x="0" y="0"/>
-          <a:chExt cx="0" cy="0"/>
-        </a:xfrm>
-      </p:grpSpPr>
-      <p:sp>
-        <p:nvSpPr>
-          <p:cNvPr id="2" name="Téglalap 1">
-            <a:extLst>
-              <a:ext uri="{FF2B5EF4-FFF2-40B4-BE49-F238E27FC236}">
-                <a16:creationId xmlns:a16="http://schemas.microsoft.com/office/drawing/2014/main" id="{835E865F-D965-CF8B-9D4A-7E51A409AD20}"/>
-              </a:ext>
-            </a:extLst>
-          </p:cNvPr>
-          <p:cNvSpPr/>
-          <p:nvPr/>
-        </p:nvSpPr>
-        <p:spPr>
-          <a:xfrm>
-            <a:off x="332232" y="237167"/>
-            <a:ext cx="2430054" cy="2944908"/>
-          </a:xfrm>
-          <a:prstGeom prst="rect">
-            <a:avLst/>
-          </a:prstGeom>
-          <a:solidFill>
-            <a:schemeClr val="accent1">
-              <a:lumMod val="60000"/>
-              <a:lumOff val="40000"/>
-              <a:alpha val="30000"/>
-            </a:schemeClr>
-          </a:solidFill>
-          <a:ln>
-            <a:noFill/>
-          </a:ln>
-        </p:spPr>
-        <p:style>
-          <a:lnRef idx="2">
-            <a:schemeClr val="accent1">
-              <a:shade val="15000"/>
-            </a:schemeClr>
-          </a:lnRef>
-          <a:fillRef idx="1">
-            <a:schemeClr val="accent1"/>
-          </a:fillRef>
-          <a:effectRef idx="0">
-            <a:schemeClr val="accent1"/>
-          </a:effectRef>
-          <a:fontRef idx="minor">
-            <a:schemeClr val="lt1"/>
-          </a:fontRef>
-        </p:style>
-        <p:txBody>
-          <a:bodyPr rtlCol="0" anchor="t"/>
-          <a:lstStyle/>
-          <a:p>
-            <a:pPr algn="ctr"/>
-            <a:r>
-              <a:rPr lang="hu-HU" sz="1000" b="1" dirty="0" err="1">
-                <a:solidFill>
-                  <a:schemeClr val="tx1"/>
-                </a:solidFill>
-                <a:latin typeface="Bosch Office Sans" pitchFamily="2" charset="0"/>
-              </a:rPr>
-              <a:t>Detection</a:t>
-            </a:r>
-            <a:endParaRPr lang="hu-HU" sz="1000" b="1" dirty="0">
-              <a:solidFill>
-                <a:schemeClr val="tx1"/>
-              </a:solidFill>
-              <a:latin typeface="Bosch Office Sans" pitchFamily="2" charset="0"/>
-            </a:endParaRPr>
-          </a:p>
-          <a:p>
-            <a:pPr algn="ctr"/>
-            <a:r>
-              <a:rPr lang="hu-HU" sz="1000" b="1" dirty="0">
-                <a:solidFill>
-                  <a:schemeClr val="tx1"/>
-                </a:solidFill>
-                <a:latin typeface="Bosch Office Sans" pitchFamily="2" charset="0"/>
-              </a:rPr>
-              <a:t>(</a:t>
-            </a:r>
-            <a:r>
-              <a:rPr lang="hu-HU" sz="1000" b="1" dirty="0" err="1">
-                <a:solidFill>
-                  <a:schemeClr val="tx1"/>
-                </a:solidFill>
-                <a:latin typeface="Bosch Office Sans" pitchFamily="2" charset="0"/>
-              </a:rPr>
-              <a:t>Sensor</a:t>
-            </a:r>
-            <a:r>
-              <a:rPr lang="hu-HU" sz="1000" b="1" dirty="0">
-                <a:solidFill>
-                  <a:schemeClr val="tx1"/>
-                </a:solidFill>
-                <a:latin typeface="Bosch Office Sans" pitchFamily="2" charset="0"/>
-              </a:rPr>
-              <a:t> </a:t>
-            </a:r>
-            <a:r>
-              <a:rPr lang="hu-HU" sz="1000" b="1" dirty="0" err="1">
-                <a:solidFill>
-                  <a:schemeClr val="tx1"/>
-                </a:solidFill>
-                <a:latin typeface="Bosch Office Sans" pitchFamily="2" charset="0"/>
-              </a:rPr>
-              <a:t>Abstraction</a:t>
-            </a:r>
-            <a:r>
-              <a:rPr lang="hu-HU" sz="1000" b="1" dirty="0">
-                <a:solidFill>
-                  <a:schemeClr val="tx1"/>
-                </a:solidFill>
-                <a:latin typeface="Bosch Office Sans" pitchFamily="2" charset="0"/>
-              </a:rPr>
-              <a:t>)</a:t>
-            </a:r>
-          </a:p>
-        </p:txBody>
-      </p:sp>
-      <p:sp>
-        <p:nvSpPr>
-          <p:cNvPr id="3" name="Téglalap 2">
-            <a:extLst>
-              <a:ext uri="{FF2B5EF4-FFF2-40B4-BE49-F238E27FC236}">
-                <a16:creationId xmlns:a16="http://schemas.microsoft.com/office/drawing/2014/main" id="{754B1DEB-A8EF-4B1F-3B58-D940AC590866}"/>
-              </a:ext>
-            </a:extLst>
-          </p:cNvPr>
-          <p:cNvSpPr/>
-          <p:nvPr/>
-        </p:nvSpPr>
-        <p:spPr>
-          <a:xfrm>
-            <a:off x="2899219" y="237167"/>
-            <a:ext cx="1652184" cy="2944907"/>
-          </a:xfrm>
-          <a:prstGeom prst="rect">
-            <a:avLst/>
-          </a:prstGeom>
-          <a:solidFill>
-            <a:schemeClr val="accent4">
-              <a:lumMod val="40000"/>
-              <a:lumOff val="60000"/>
-              <a:alpha val="30000"/>
-            </a:schemeClr>
-          </a:solidFill>
-          <a:ln>
-            <a:noFill/>
-          </a:ln>
-        </p:spPr>
-        <p:style>
-          <a:lnRef idx="2">
-            <a:schemeClr val="accent1">
-              <a:shade val="15000"/>
-            </a:schemeClr>
-          </a:lnRef>
-          <a:fillRef idx="1">
-            <a:schemeClr val="accent1"/>
-          </a:fillRef>
-          <a:effectRef idx="0">
-            <a:schemeClr val="accent1"/>
-          </a:effectRef>
-          <a:fontRef idx="minor">
-            <a:schemeClr val="lt1"/>
-          </a:fontRef>
-        </p:style>
-        <p:txBody>
-          <a:bodyPr rtlCol="0" anchor="t"/>
-          <a:lstStyle/>
-          <a:p>
-            <a:pPr algn="ctr"/>
-            <a:r>
-              <a:rPr lang="hu-HU" sz="1000" b="1" dirty="0" err="1">
-                <a:solidFill>
-                  <a:schemeClr val="tx1"/>
-                </a:solidFill>
-                <a:latin typeface="Bosch Office Sans" pitchFamily="2" charset="0"/>
-              </a:rPr>
-              <a:t>Perception</a:t>
-            </a:r>
-            <a:endParaRPr lang="hu-HU" sz="1000" b="1" dirty="0">
-              <a:solidFill>
-                <a:schemeClr val="tx1"/>
-              </a:solidFill>
-              <a:latin typeface="Bosch Office Sans" pitchFamily="2" charset="0"/>
-            </a:endParaRPr>
-          </a:p>
-        </p:txBody>
-      </p:sp>
-      <p:sp>
-        <p:nvSpPr>
-          <p:cNvPr id="6" name="Téglalap 5">
-            <a:extLst>
-              <a:ext uri="{FF2B5EF4-FFF2-40B4-BE49-F238E27FC236}">
-                <a16:creationId xmlns:a16="http://schemas.microsoft.com/office/drawing/2014/main" id="{3832F6F8-9573-B942-BE87-229FFF5C6628}"/>
-              </a:ext>
-            </a:extLst>
-          </p:cNvPr>
-          <p:cNvSpPr/>
-          <p:nvPr/>
-        </p:nvSpPr>
-        <p:spPr>
-          <a:xfrm>
-            <a:off x="576079" y="835632"/>
-            <a:ext cx="1439412" cy="393712"/>
-          </a:xfrm>
-          <a:prstGeom prst="rect">
-            <a:avLst/>
-          </a:prstGeom>
-          <a:solidFill>
-            <a:schemeClr val="bg1"/>
-          </a:solidFill>
-          <a:ln>
-            <a:solidFill>
-              <a:schemeClr val="tx1"/>
-            </a:solidFill>
-          </a:ln>
-        </p:spPr>
-        <p:style>
-          <a:lnRef idx="2">
-            <a:schemeClr val="accent1">
-              <a:shade val="15000"/>
-            </a:schemeClr>
-          </a:lnRef>
-          <a:fillRef idx="1">
-            <a:schemeClr val="accent1"/>
-          </a:fillRef>
-          <a:effectRef idx="0">
-            <a:schemeClr val="accent1"/>
-          </a:effectRef>
-          <a:fontRef idx="minor">
-            <a:schemeClr val="lt1"/>
-          </a:fontRef>
-        </p:style>
-        <p:txBody>
-          <a:bodyPr rtlCol="0" anchor="ctr"/>
-          <a:lstStyle/>
-          <a:p>
-            <a:pPr algn="ctr"/>
-            <a:r>
-              <a:rPr lang="hu-HU" sz="900" dirty="0">
-                <a:solidFill>
-                  <a:schemeClr val="tx1"/>
-                </a:solidFill>
-                <a:latin typeface="Bosch Office Sans" pitchFamily="2" charset="0"/>
-              </a:rPr>
-              <a:t>/</a:t>
-            </a:r>
-            <a:r>
-              <a:rPr lang="hu-HU" sz="900" dirty="0" err="1">
-                <a:solidFill>
-                  <a:schemeClr val="tx1"/>
-                </a:solidFill>
-                <a:latin typeface="Bosch Office Sans" pitchFamily="2" charset="0"/>
-              </a:rPr>
-              <a:t>sensabst_global_scenario_provider</a:t>
-            </a:r>
-            <a:endParaRPr lang="hu-HU" sz="900" dirty="0">
-              <a:solidFill>
-                <a:schemeClr val="tx1"/>
-              </a:solidFill>
-              <a:latin typeface="Bosch Office Sans" pitchFamily="2" charset="0"/>
-            </a:endParaRPr>
-          </a:p>
-        </p:txBody>
-      </p:sp>
-      <p:sp>
-        <p:nvSpPr>
-          <p:cNvPr id="7" name="Téglalap 6">
-            <a:extLst>
-              <a:ext uri="{FF2B5EF4-FFF2-40B4-BE49-F238E27FC236}">
-                <a16:creationId xmlns:a16="http://schemas.microsoft.com/office/drawing/2014/main" id="{13A39008-798D-3AB0-9B18-DCCEC3262B1B}"/>
-              </a:ext>
-            </a:extLst>
-          </p:cNvPr>
-          <p:cNvSpPr/>
-          <p:nvPr/>
-        </p:nvSpPr>
-        <p:spPr>
-          <a:xfrm>
-            <a:off x="581734" y="2228382"/>
-            <a:ext cx="1425712" cy="381030"/>
-          </a:xfrm>
-          <a:prstGeom prst="rect">
-            <a:avLst/>
-          </a:prstGeom>
-          <a:solidFill>
-            <a:schemeClr val="bg1"/>
-          </a:solidFill>
-          <a:ln>
-            <a:solidFill>
-              <a:schemeClr val="tx1"/>
-            </a:solidFill>
-          </a:ln>
-        </p:spPr>
-        <p:style>
-          <a:lnRef idx="2">
-            <a:schemeClr val="accent1">
-              <a:shade val="15000"/>
-            </a:schemeClr>
-          </a:lnRef>
-          <a:fillRef idx="1">
-            <a:schemeClr val="accent1"/>
-          </a:fillRef>
-          <a:effectRef idx="0">
-            <a:schemeClr val="accent1"/>
-          </a:effectRef>
-          <a:fontRef idx="minor">
-            <a:schemeClr val="lt1"/>
-          </a:fontRef>
-        </p:style>
-        <p:txBody>
-          <a:bodyPr rtlCol="0" anchor="ctr"/>
-          <a:lstStyle/>
-          <a:p>
-            <a:pPr algn="ctr"/>
-            <a:r>
-              <a:rPr lang="hu-HU" sz="900" dirty="0">
-                <a:solidFill>
-                  <a:schemeClr val="tx1"/>
-                </a:solidFill>
-                <a:latin typeface="Bosch Office Sans" pitchFamily="2" charset="0"/>
-              </a:rPr>
-              <a:t>/</a:t>
-            </a:r>
-            <a:r>
-              <a:rPr lang="hu-HU" sz="900" dirty="0" err="1">
-                <a:solidFill>
-                  <a:schemeClr val="tx1"/>
-                </a:solidFill>
-                <a:latin typeface="Bosch Office Sans" pitchFamily="2" charset="0"/>
-              </a:rPr>
-              <a:t>sensabst_cam_adapter</a:t>
-            </a:r>
-            <a:endParaRPr lang="hu-HU" sz="900" dirty="0">
-              <a:solidFill>
-                <a:schemeClr val="tx1"/>
-              </a:solidFill>
-              <a:latin typeface="Bosch Office Sans" pitchFamily="2" charset="0"/>
-            </a:endParaRPr>
-          </a:p>
-        </p:txBody>
-      </p:sp>
-      <p:sp>
-        <p:nvSpPr>
-          <p:cNvPr id="17" name="Szövegdoboz 16">
-            <a:extLst>
-              <a:ext uri="{FF2B5EF4-FFF2-40B4-BE49-F238E27FC236}">
-                <a16:creationId xmlns:a16="http://schemas.microsoft.com/office/drawing/2014/main" id="{ACEA1490-1138-0ACE-0406-EE24B24BE3D3}"/>
-              </a:ext>
-            </a:extLst>
-          </p:cNvPr>
-          <p:cNvSpPr txBox="1"/>
-          <p:nvPr/>
-        </p:nvSpPr>
-        <p:spPr>
-          <a:xfrm>
-            <a:off x="416414" y="4553660"/>
-            <a:ext cx="1618488" cy="307777"/>
-          </a:xfrm>
-          <a:prstGeom prst="rect">
-            <a:avLst/>
-          </a:prstGeom>
-          <a:solidFill>
-            <a:schemeClr val="bg1"/>
-          </a:solidFill>
-        </p:spPr>
-        <p:txBody>
-          <a:bodyPr wrap="square" rtlCol="0">
-            <a:spAutoFit/>
-          </a:bodyPr>
-          <a:lstStyle/>
-          <a:p>
-            <a:r>
-              <a:rPr lang="hu-HU" sz="700" dirty="0" err="1">
-                <a:latin typeface="Bosch Office Sans" pitchFamily="2" charset="0"/>
-              </a:rPr>
-              <a:t>map_projector_info</a:t>
-            </a:r>
-            <a:r>
-              <a:rPr lang="hu-HU" sz="700" dirty="0">
-                <a:latin typeface="Bosch Office Sans" pitchFamily="2" charset="0"/>
-              </a:rPr>
-              <a:t> &lt;</a:t>
-            </a:r>
-            <a:r>
-              <a:rPr lang="hu-HU" sz="700" dirty="0" err="1">
-                <a:latin typeface="Bosch Office Sans" pitchFamily="2" charset="0"/>
-              </a:rPr>
-              <a:t>type</a:t>
-            </a:r>
-            <a:r>
-              <a:rPr lang="hu-HU" sz="700" dirty="0">
-                <a:latin typeface="Bosch Office Sans" pitchFamily="2" charset="0"/>
-              </a:rPr>
-              <a:t>: tier4_map_msgs/</a:t>
-            </a:r>
-            <a:r>
-              <a:rPr lang="hu-HU" sz="700" dirty="0" err="1">
-                <a:latin typeface="Bosch Office Sans" pitchFamily="2" charset="0"/>
-              </a:rPr>
-              <a:t>MapProjectorInfo</a:t>
-            </a:r>
-            <a:r>
-              <a:rPr lang="hu-HU" sz="700" dirty="0">
-                <a:latin typeface="Bosch Office Sans" pitchFamily="2" charset="0"/>
-              </a:rPr>
-              <a:t>&gt;</a:t>
-            </a:r>
-          </a:p>
-        </p:txBody>
-      </p:sp>
-      <p:sp>
-        <p:nvSpPr>
-          <p:cNvPr id="18" name="Téglalap 17">
-            <a:extLst>
-              <a:ext uri="{FF2B5EF4-FFF2-40B4-BE49-F238E27FC236}">
-                <a16:creationId xmlns:a16="http://schemas.microsoft.com/office/drawing/2014/main" id="{D1C36508-E7BF-0C25-4176-0FA8757B96C3}"/>
-              </a:ext>
-            </a:extLst>
-          </p:cNvPr>
-          <p:cNvSpPr/>
-          <p:nvPr/>
-        </p:nvSpPr>
-        <p:spPr>
-          <a:xfrm>
-            <a:off x="3022951" y="1059094"/>
-            <a:ext cx="1317096" cy="393712"/>
-          </a:xfrm>
-          <a:prstGeom prst="rect">
-            <a:avLst/>
-          </a:prstGeom>
-          <a:solidFill>
-            <a:schemeClr val="bg1"/>
-          </a:solidFill>
-          <a:ln>
-            <a:solidFill>
-              <a:schemeClr val="tx1"/>
-            </a:solidFill>
-          </a:ln>
-        </p:spPr>
-        <p:style>
-          <a:lnRef idx="2">
-            <a:schemeClr val="accent1">
-              <a:shade val="15000"/>
-            </a:schemeClr>
-          </a:lnRef>
-          <a:fillRef idx="1">
-            <a:schemeClr val="accent1"/>
-          </a:fillRef>
-          <a:effectRef idx="0">
-            <a:schemeClr val="accent1"/>
-          </a:effectRef>
-          <a:fontRef idx="minor">
-            <a:schemeClr val="lt1"/>
-          </a:fontRef>
-        </p:style>
-        <p:txBody>
-          <a:bodyPr rtlCol="0" anchor="ctr"/>
-          <a:lstStyle/>
-          <a:p>
-            <a:pPr algn="ctr"/>
-            <a:r>
-              <a:rPr lang="hu-HU" sz="900" dirty="0">
-                <a:solidFill>
-                  <a:schemeClr val="tx1"/>
-                </a:solidFill>
-                <a:latin typeface="Bosch Office Sans" pitchFamily="2" charset="0"/>
-              </a:rPr>
-              <a:t>/</a:t>
-            </a:r>
-            <a:r>
-              <a:rPr lang="hu-HU" sz="900" dirty="0" err="1">
-                <a:solidFill>
-                  <a:schemeClr val="tx1"/>
-                </a:solidFill>
-                <a:latin typeface="Bosch Office Sans" pitchFamily="2" charset="0"/>
-              </a:rPr>
-              <a:t>prcp_static_scenario_fusion</a:t>
-            </a:r>
-            <a:endParaRPr lang="hu-HU" sz="900" dirty="0">
-              <a:solidFill>
-                <a:schemeClr val="tx1"/>
-              </a:solidFill>
-              <a:latin typeface="Bosch Office Sans" pitchFamily="2" charset="0"/>
-            </a:endParaRPr>
-          </a:p>
-        </p:txBody>
-      </p:sp>
-      <p:sp>
-        <p:nvSpPr>
-          <p:cNvPr id="51" name="Téglalap 50">
-            <a:extLst>
-              <a:ext uri="{FF2B5EF4-FFF2-40B4-BE49-F238E27FC236}">
-                <a16:creationId xmlns:a16="http://schemas.microsoft.com/office/drawing/2014/main" id="{68FF3019-8B67-8F74-E231-ED7E0800DA50}"/>
-              </a:ext>
-            </a:extLst>
-          </p:cNvPr>
-          <p:cNvSpPr/>
-          <p:nvPr/>
-        </p:nvSpPr>
-        <p:spPr>
-          <a:xfrm>
-            <a:off x="4698486" y="240191"/>
-            <a:ext cx="1652185" cy="2941883"/>
-          </a:xfrm>
-          <a:prstGeom prst="rect">
-            <a:avLst/>
-          </a:prstGeom>
-          <a:solidFill>
-            <a:srgbClr val="FFFF00">
-              <a:alpha val="30000"/>
-            </a:srgbClr>
-          </a:solidFill>
-          <a:ln>
-            <a:noFill/>
-          </a:ln>
-        </p:spPr>
-        <p:style>
-          <a:lnRef idx="2">
-            <a:schemeClr val="accent1">
-              <a:shade val="15000"/>
-            </a:schemeClr>
-          </a:lnRef>
-          <a:fillRef idx="1">
-            <a:schemeClr val="accent1"/>
-          </a:fillRef>
-          <a:effectRef idx="0">
-            <a:schemeClr val="accent1"/>
-          </a:effectRef>
-          <a:fontRef idx="minor">
-            <a:schemeClr val="lt1"/>
-          </a:fontRef>
-        </p:style>
-        <p:txBody>
-          <a:bodyPr rtlCol="0" anchor="t"/>
-          <a:lstStyle/>
-          <a:p>
-            <a:pPr algn="ctr"/>
-            <a:r>
-              <a:rPr lang="hu-HU" sz="1000" b="1" dirty="0" err="1">
-                <a:solidFill>
-                  <a:schemeClr val="tx1"/>
-                </a:solidFill>
-                <a:latin typeface="Bosch Office Sans" pitchFamily="2" charset="0"/>
-              </a:rPr>
-              <a:t>Situation</a:t>
-            </a:r>
-            <a:r>
-              <a:rPr lang="hu-HU" sz="1000" b="1" dirty="0">
-                <a:solidFill>
-                  <a:schemeClr val="tx1"/>
-                </a:solidFill>
-                <a:latin typeface="Bosch Office Sans" pitchFamily="2" charset="0"/>
-              </a:rPr>
-              <a:t> </a:t>
-            </a:r>
-            <a:r>
-              <a:rPr lang="hu-HU" sz="1000" b="1" dirty="0" err="1">
-                <a:solidFill>
-                  <a:schemeClr val="tx1"/>
-                </a:solidFill>
-                <a:latin typeface="Bosch Office Sans" pitchFamily="2" charset="0"/>
-              </a:rPr>
-              <a:t>Analysis</a:t>
-            </a:r>
-            <a:endParaRPr lang="hu-HU" sz="1000" b="1" dirty="0">
-              <a:solidFill>
-                <a:schemeClr val="tx1"/>
-              </a:solidFill>
-              <a:latin typeface="Bosch Office Sans" pitchFamily="2" charset="0"/>
-            </a:endParaRPr>
-          </a:p>
-        </p:txBody>
-      </p:sp>
-      <p:sp>
-        <p:nvSpPr>
-          <p:cNvPr id="52" name="Téglalap 51">
-            <a:extLst>
-              <a:ext uri="{FF2B5EF4-FFF2-40B4-BE49-F238E27FC236}">
-                <a16:creationId xmlns:a16="http://schemas.microsoft.com/office/drawing/2014/main" id="{09022143-A9B6-A3EF-9EC9-FDB0138C45E7}"/>
-              </a:ext>
-            </a:extLst>
-          </p:cNvPr>
-          <p:cNvSpPr/>
-          <p:nvPr/>
-        </p:nvSpPr>
-        <p:spPr>
-          <a:xfrm>
-            <a:off x="4739309" y="3651909"/>
-            <a:ext cx="1515188" cy="338347"/>
-          </a:xfrm>
-          <a:prstGeom prst="rect">
-            <a:avLst/>
-          </a:prstGeom>
-          <a:solidFill>
-            <a:schemeClr val="bg1"/>
-          </a:solidFill>
-          <a:ln w="28575">
-            <a:solidFill>
-              <a:schemeClr val="tx1"/>
-            </a:solidFill>
-          </a:ln>
-        </p:spPr>
-        <p:style>
-          <a:lnRef idx="2">
-            <a:schemeClr val="accent1">
-              <a:shade val="15000"/>
-            </a:schemeClr>
-          </a:lnRef>
-          <a:fillRef idx="1">
-            <a:schemeClr val="accent1"/>
-          </a:fillRef>
-          <a:effectRef idx="0">
-            <a:schemeClr val="accent1"/>
-          </a:effectRef>
-          <a:fontRef idx="minor">
-            <a:schemeClr val="lt1"/>
-          </a:fontRef>
-        </p:style>
-        <p:txBody>
-          <a:bodyPr rtlCol="0" anchor="ctr"/>
-          <a:lstStyle/>
-          <a:p>
-            <a:pPr algn="ctr"/>
-            <a:r>
-              <a:rPr lang="hu-HU" sz="900" dirty="0" err="1">
-                <a:solidFill>
-                  <a:schemeClr val="tx1"/>
-                </a:solidFill>
-                <a:latin typeface="Bosch Office Sans" pitchFamily="2" charset="0"/>
-              </a:rPr>
-              <a:t>Strategy</a:t>
-            </a:r>
-            <a:r>
-              <a:rPr lang="hu-HU" sz="900" dirty="0">
-                <a:solidFill>
-                  <a:schemeClr val="tx1"/>
-                </a:solidFill>
-                <a:latin typeface="Bosch Office Sans" pitchFamily="2" charset="0"/>
-              </a:rPr>
-              <a:t> </a:t>
-            </a:r>
-            <a:r>
-              <a:rPr lang="hu-HU" sz="900" dirty="0" err="1">
-                <a:solidFill>
-                  <a:schemeClr val="tx1"/>
-                </a:solidFill>
-                <a:latin typeface="Bosch Office Sans" pitchFamily="2" charset="0"/>
-              </a:rPr>
-              <a:t>selection</a:t>
-            </a:r>
-            <a:endParaRPr lang="hu-HU" sz="900" dirty="0">
-              <a:solidFill>
-                <a:schemeClr val="tx1"/>
-              </a:solidFill>
-              <a:latin typeface="Bosch Office Sans" pitchFamily="2" charset="0"/>
-            </a:endParaRPr>
-          </a:p>
-        </p:txBody>
-      </p:sp>
-      <p:sp>
-        <p:nvSpPr>
-          <p:cNvPr id="53" name="Téglalap 52">
-            <a:extLst>
-              <a:ext uri="{FF2B5EF4-FFF2-40B4-BE49-F238E27FC236}">
-                <a16:creationId xmlns:a16="http://schemas.microsoft.com/office/drawing/2014/main" id="{6374869F-300A-1DD7-87F5-4C4E77D8D33F}"/>
-              </a:ext>
-            </a:extLst>
-          </p:cNvPr>
-          <p:cNvSpPr/>
-          <p:nvPr/>
-        </p:nvSpPr>
-        <p:spPr>
-          <a:xfrm>
-            <a:off x="6518181" y="237167"/>
-            <a:ext cx="1652184" cy="2944907"/>
-          </a:xfrm>
-          <a:prstGeom prst="rect">
-            <a:avLst/>
-          </a:prstGeom>
-          <a:solidFill>
-            <a:schemeClr val="accent6">
-              <a:lumMod val="40000"/>
-              <a:lumOff val="60000"/>
-              <a:alpha val="30000"/>
-            </a:schemeClr>
-          </a:solidFill>
-          <a:ln>
-            <a:noFill/>
-          </a:ln>
-        </p:spPr>
-        <p:style>
-          <a:lnRef idx="2">
-            <a:schemeClr val="accent1">
-              <a:shade val="15000"/>
-            </a:schemeClr>
-          </a:lnRef>
-          <a:fillRef idx="1">
-            <a:schemeClr val="accent1"/>
-          </a:fillRef>
-          <a:effectRef idx="0">
-            <a:schemeClr val="accent1"/>
-          </a:effectRef>
-          <a:fontRef idx="minor">
-            <a:schemeClr val="lt1"/>
-          </a:fontRef>
-        </p:style>
-        <p:txBody>
-          <a:bodyPr rtlCol="0" anchor="t"/>
-          <a:lstStyle/>
-          <a:p>
-            <a:pPr algn="ctr"/>
-            <a:r>
-              <a:rPr lang="hu-HU" sz="1000" b="1" dirty="0" err="1">
-                <a:solidFill>
-                  <a:schemeClr val="tx1"/>
-                </a:solidFill>
-                <a:latin typeface="Bosch Office Sans" pitchFamily="2" charset="0"/>
-              </a:rPr>
-              <a:t>Planning</a:t>
-            </a:r>
-            <a:endParaRPr lang="hu-HU" sz="1000" b="1" dirty="0">
-              <a:solidFill>
-                <a:schemeClr val="tx1"/>
-              </a:solidFill>
-              <a:latin typeface="Bosch Office Sans" pitchFamily="2" charset="0"/>
-            </a:endParaRPr>
-          </a:p>
-        </p:txBody>
-      </p:sp>
-      <p:sp>
-        <p:nvSpPr>
-          <p:cNvPr id="54" name="Téglalap 53">
-            <a:extLst>
-              <a:ext uri="{FF2B5EF4-FFF2-40B4-BE49-F238E27FC236}">
-                <a16:creationId xmlns:a16="http://schemas.microsoft.com/office/drawing/2014/main" id="{8C15397E-79D8-4B0A-58CD-3F948BC6DD69}"/>
-              </a:ext>
-            </a:extLst>
-          </p:cNvPr>
-          <p:cNvSpPr/>
-          <p:nvPr/>
-        </p:nvSpPr>
-        <p:spPr>
-          <a:xfrm>
-            <a:off x="7501554" y="698161"/>
-            <a:ext cx="1560584" cy="342272"/>
-          </a:xfrm>
-          <a:prstGeom prst="rect">
-            <a:avLst/>
-          </a:prstGeom>
-          <a:solidFill>
-            <a:schemeClr val="bg1"/>
-          </a:solidFill>
-          <a:ln>
-            <a:solidFill>
-              <a:schemeClr val="tx1"/>
-            </a:solidFill>
-          </a:ln>
-        </p:spPr>
-        <p:style>
-          <a:lnRef idx="2">
-            <a:schemeClr val="accent1">
-              <a:shade val="15000"/>
-            </a:schemeClr>
-          </a:lnRef>
-          <a:fillRef idx="1">
-            <a:schemeClr val="accent1"/>
-          </a:fillRef>
-          <a:effectRef idx="0">
-            <a:schemeClr val="accent1"/>
-          </a:effectRef>
-          <a:fontRef idx="minor">
-            <a:schemeClr val="lt1"/>
-          </a:fontRef>
-        </p:style>
-        <p:txBody>
-          <a:bodyPr rtlCol="0" anchor="ctr"/>
-          <a:lstStyle/>
-          <a:p>
-            <a:pPr algn="ctr"/>
-            <a:r>
-              <a:rPr lang="hu-HU" sz="900" dirty="0" err="1">
-                <a:solidFill>
-                  <a:schemeClr val="tx1"/>
-                </a:solidFill>
-                <a:latin typeface="Bosch Office Sans" pitchFamily="2" charset="0"/>
-              </a:rPr>
-              <a:t>Target</a:t>
-            </a:r>
-            <a:r>
-              <a:rPr lang="hu-HU" sz="900" dirty="0">
-                <a:solidFill>
-                  <a:schemeClr val="tx1"/>
-                </a:solidFill>
-                <a:latin typeface="Bosch Office Sans" pitchFamily="2" charset="0"/>
-              </a:rPr>
-              <a:t> </a:t>
-            </a:r>
-            <a:r>
-              <a:rPr lang="hu-HU" sz="900" dirty="0" err="1">
-                <a:solidFill>
-                  <a:schemeClr val="tx1"/>
-                </a:solidFill>
-                <a:latin typeface="Bosch Office Sans" pitchFamily="2" charset="0"/>
-              </a:rPr>
-              <a:t>speed</a:t>
-            </a:r>
-            <a:r>
-              <a:rPr lang="hu-HU" sz="900" dirty="0">
-                <a:solidFill>
-                  <a:schemeClr val="tx1"/>
-                </a:solidFill>
-                <a:latin typeface="Bosch Office Sans" pitchFamily="2" charset="0"/>
-              </a:rPr>
-              <a:t> </a:t>
-            </a:r>
-            <a:r>
-              <a:rPr lang="hu-HU" sz="900" dirty="0" err="1">
-                <a:solidFill>
-                  <a:schemeClr val="tx1"/>
-                </a:solidFill>
-                <a:latin typeface="Bosch Office Sans" pitchFamily="2" charset="0"/>
-              </a:rPr>
-              <a:t>calculation</a:t>
-            </a:r>
-            <a:endParaRPr lang="hu-HU" sz="900" dirty="0">
-              <a:solidFill>
-                <a:schemeClr val="tx1"/>
-              </a:solidFill>
-              <a:latin typeface="Bosch Office Sans" pitchFamily="2" charset="0"/>
-            </a:endParaRPr>
-          </a:p>
-        </p:txBody>
-      </p:sp>
-      <p:cxnSp>
-        <p:nvCxnSpPr>
-          <p:cNvPr id="58" name="Összekötő: szögletes 57">
-            <a:extLst>
-              <a:ext uri="{FF2B5EF4-FFF2-40B4-BE49-F238E27FC236}">
-                <a16:creationId xmlns:a16="http://schemas.microsoft.com/office/drawing/2014/main" id="{8B25ED67-C521-C384-0A2A-71E740AE71AF}"/>
-              </a:ext>
-            </a:extLst>
-          </p:cNvPr>
-          <p:cNvCxnSpPr>
-            <a:cxnSpLocks/>
-          </p:cNvCxnSpPr>
-          <p:nvPr/>
-        </p:nvCxnSpPr>
-        <p:spPr>
-          <a:xfrm>
-            <a:off x="8287517" y="1350771"/>
-            <a:ext cx="1232891" cy="280143"/>
-          </a:xfrm>
-          <a:prstGeom prst="bentConnector3">
-            <a:avLst>
-              <a:gd name="adj1" fmla="val 50000"/>
-            </a:avLst>
-          </a:prstGeom>
-          <a:ln>
-            <a:solidFill>
-              <a:schemeClr val="tx1"/>
-            </a:solidFill>
-            <a:tailEnd type="triangle"/>
-          </a:ln>
-        </p:spPr>
-        <p:style>
-          <a:lnRef idx="1">
-            <a:schemeClr val="accent1"/>
-          </a:lnRef>
-          <a:fillRef idx="0">
-            <a:schemeClr val="accent1"/>
-          </a:fillRef>
-          <a:effectRef idx="0">
-            <a:schemeClr val="accent1"/>
-          </a:effectRef>
-          <a:fontRef idx="minor">
-            <a:schemeClr val="tx1"/>
-          </a:fontRef>
-        </p:style>
-      </p:cxnSp>
-      <p:cxnSp>
-        <p:nvCxnSpPr>
-          <p:cNvPr id="64" name="Összekötő: szögletes 63">
-            <a:extLst>
-              <a:ext uri="{FF2B5EF4-FFF2-40B4-BE49-F238E27FC236}">
-                <a16:creationId xmlns:a16="http://schemas.microsoft.com/office/drawing/2014/main" id="{9DC82B7E-8479-2864-EC91-15188DD94E37}"/>
-              </a:ext>
-            </a:extLst>
-          </p:cNvPr>
-          <p:cNvCxnSpPr>
-            <a:cxnSpLocks/>
-            <a:endCxn id="54" idx="1"/>
-          </p:cNvCxnSpPr>
-          <p:nvPr/>
-        </p:nvCxnSpPr>
-        <p:spPr>
-          <a:xfrm>
-            <a:off x="5740495" y="574434"/>
-            <a:ext cx="1761059" cy="294863"/>
-          </a:xfrm>
-          <a:prstGeom prst="bentConnector3">
-            <a:avLst>
-              <a:gd name="adj1" fmla="val 50000"/>
-            </a:avLst>
-          </a:prstGeom>
-          <a:ln>
-            <a:solidFill>
-              <a:schemeClr val="tx1"/>
-            </a:solidFill>
-            <a:tailEnd type="triangle"/>
-          </a:ln>
-        </p:spPr>
-        <p:style>
-          <a:lnRef idx="1">
-            <a:schemeClr val="accent1"/>
-          </a:lnRef>
-          <a:fillRef idx="0">
-            <a:schemeClr val="accent1"/>
-          </a:fillRef>
-          <a:effectRef idx="0">
-            <a:schemeClr val="accent1"/>
-          </a:effectRef>
-          <a:fontRef idx="minor">
-            <a:schemeClr val="tx1"/>
-          </a:fontRef>
-        </p:style>
-      </p:cxnSp>
-      <p:cxnSp>
-        <p:nvCxnSpPr>
-          <p:cNvPr id="69" name="Összekötő: szögletes 68">
-            <a:extLst>
-              <a:ext uri="{FF2B5EF4-FFF2-40B4-BE49-F238E27FC236}">
-                <a16:creationId xmlns:a16="http://schemas.microsoft.com/office/drawing/2014/main" id="{302C1207-10D4-8635-E131-D83F6DC0EF12}"/>
-              </a:ext>
-            </a:extLst>
-          </p:cNvPr>
-          <p:cNvCxnSpPr>
-            <a:cxnSpLocks/>
-          </p:cNvCxnSpPr>
-          <p:nvPr/>
-        </p:nvCxnSpPr>
-        <p:spPr>
-          <a:xfrm>
-            <a:off x="5431677" y="1259282"/>
-            <a:ext cx="986438" cy="776337"/>
-          </a:xfrm>
-          <a:prstGeom prst="bentConnector3">
-            <a:avLst>
-              <a:gd name="adj1" fmla="val 50000"/>
-            </a:avLst>
-          </a:prstGeom>
-          <a:ln>
-            <a:solidFill>
-              <a:schemeClr val="tx1"/>
-            </a:solidFill>
-            <a:tailEnd type="triangle"/>
-          </a:ln>
-        </p:spPr>
-        <p:style>
-          <a:lnRef idx="1">
-            <a:schemeClr val="accent1"/>
-          </a:lnRef>
-          <a:fillRef idx="0">
-            <a:schemeClr val="accent1"/>
-          </a:fillRef>
-          <a:effectRef idx="0">
-            <a:schemeClr val="accent1"/>
-          </a:effectRef>
-          <a:fontRef idx="minor">
-            <a:schemeClr val="tx1"/>
-          </a:fontRef>
-        </p:style>
-      </p:cxnSp>
-      <p:sp>
-        <p:nvSpPr>
-          <p:cNvPr id="63" name="Szövegdoboz 62">
-            <a:extLst>
-              <a:ext uri="{FF2B5EF4-FFF2-40B4-BE49-F238E27FC236}">
-                <a16:creationId xmlns:a16="http://schemas.microsoft.com/office/drawing/2014/main" id="{CA862F8D-5652-A718-0AB5-DAAAEF2CE712}"/>
-              </a:ext>
-            </a:extLst>
-          </p:cNvPr>
-          <p:cNvSpPr txBox="1"/>
-          <p:nvPr/>
-        </p:nvSpPr>
-        <p:spPr>
-          <a:xfrm>
-            <a:off x="5902842" y="307517"/>
-            <a:ext cx="1383795" cy="571695"/>
-          </a:xfrm>
-          <a:prstGeom prst="rect">
-            <a:avLst/>
-          </a:prstGeom>
-          <a:solidFill>
-            <a:schemeClr val="bg1"/>
-          </a:solidFill>
-        </p:spPr>
-        <p:txBody>
-          <a:bodyPr wrap="square" rtlCol="0">
-            <a:spAutoFit/>
-          </a:bodyPr>
-          <a:lstStyle/>
-          <a:p>
-            <a:pPr>
-              <a:lnSpc>
-                <a:spcPct val="115000"/>
-              </a:lnSpc>
-            </a:pPr>
-            <a:r>
-              <a:rPr lang="hu-HU" sz="700" dirty="0" err="1">
-                <a:effectLst/>
-                <a:latin typeface="Bosch Office Sans" pitchFamily="2" charset="0"/>
-                <a:ea typeface="Arial" panose="020B0604020202020204" pitchFamily="34" charset="0"/>
-              </a:rPr>
-              <a:t>motion_planning</a:t>
-            </a:r>
-            <a:r>
-              <a:rPr lang="hu-HU" sz="700" dirty="0">
-                <a:effectLst/>
-                <a:latin typeface="Bosch Office Sans" pitchFamily="2" charset="0"/>
-                <a:ea typeface="Arial" panose="020B0604020202020204" pitchFamily="34" charset="0"/>
-              </a:rPr>
-              <a:t> / </a:t>
-            </a:r>
-            <a:r>
-              <a:rPr lang="hu-HU" sz="700" dirty="0" err="1">
-                <a:effectLst/>
-                <a:latin typeface="Bosch Office Sans" pitchFamily="2" charset="0"/>
-                <a:ea typeface="Arial" panose="020B0604020202020204" pitchFamily="34" charset="0"/>
-              </a:rPr>
-              <a:t>obstacle_avoidance_planner</a:t>
-            </a:r>
-            <a:r>
-              <a:rPr lang="hu-HU" sz="700" dirty="0">
-                <a:effectLst/>
-                <a:latin typeface="Bosch Office Sans" pitchFamily="2" charset="0"/>
-                <a:ea typeface="Arial" panose="020B0604020202020204" pitchFamily="34" charset="0"/>
-              </a:rPr>
-              <a:t> / </a:t>
-            </a:r>
-            <a:r>
-              <a:rPr lang="hu-HU" sz="700" dirty="0" err="1">
-                <a:effectLst/>
-                <a:latin typeface="Bosch Office Sans" pitchFamily="2" charset="0"/>
-                <a:ea typeface="Arial" panose="020B0604020202020204" pitchFamily="34" charset="0"/>
-              </a:rPr>
-              <a:t>trajectory</a:t>
-            </a:r>
-            <a:r>
-              <a:rPr lang="hu-HU" sz="700" dirty="0">
-                <a:effectLst/>
-                <a:latin typeface="Bosch Office Sans" pitchFamily="2" charset="0"/>
-                <a:ea typeface="Arial" panose="020B0604020202020204" pitchFamily="34" charset="0"/>
-              </a:rPr>
-              <a:t> </a:t>
-            </a:r>
-          </a:p>
-          <a:p>
-            <a:r>
-              <a:rPr lang="hu-HU" sz="700" dirty="0">
-                <a:latin typeface="Bosch Office Sans" pitchFamily="2" charset="0"/>
-              </a:rPr>
-              <a:t> &lt;</a:t>
-            </a:r>
-            <a:r>
-              <a:rPr lang="hu-HU" sz="700" dirty="0" err="1">
-                <a:latin typeface="Bosch Office Sans" pitchFamily="2" charset="0"/>
-              </a:rPr>
-              <a:t>type</a:t>
-            </a:r>
-            <a:r>
-              <a:rPr lang="hu-HU" sz="700" dirty="0">
-                <a:latin typeface="Bosch Office Sans" pitchFamily="2" charset="0"/>
-              </a:rPr>
-              <a:t>: </a:t>
-            </a:r>
-            <a:r>
-              <a:rPr lang="hu-HU" sz="700" dirty="0" err="1">
-                <a:effectLst/>
-                <a:latin typeface="Bosch Office Sans" pitchFamily="2" charset="0"/>
-                <a:ea typeface="Arial" panose="020B0604020202020204" pitchFamily="34" charset="0"/>
-              </a:rPr>
-              <a:t>Trajectory</a:t>
-            </a:r>
-            <a:r>
-              <a:rPr lang="hu-HU" sz="700" dirty="0">
-                <a:latin typeface="Bosch Office Sans" pitchFamily="2" charset="0"/>
-              </a:rPr>
-              <a:t>&gt;</a:t>
-            </a:r>
-          </a:p>
-        </p:txBody>
-      </p:sp>
-      <p:cxnSp>
-        <p:nvCxnSpPr>
-          <p:cNvPr id="74" name="Összekötő: szögletes 73">
-            <a:extLst>
-              <a:ext uri="{FF2B5EF4-FFF2-40B4-BE49-F238E27FC236}">
-                <a16:creationId xmlns:a16="http://schemas.microsoft.com/office/drawing/2014/main" id="{010E066F-15C8-8E40-CDE7-D9F19BDA6062}"/>
-              </a:ext>
-            </a:extLst>
-          </p:cNvPr>
-          <p:cNvCxnSpPr>
-            <a:cxnSpLocks/>
-            <a:stCxn id="18" idx="3"/>
-          </p:cNvCxnSpPr>
-          <p:nvPr/>
-        </p:nvCxnSpPr>
-        <p:spPr>
-          <a:xfrm flipV="1">
-            <a:off x="4340047" y="574434"/>
-            <a:ext cx="503540" cy="681516"/>
-          </a:xfrm>
-          <a:prstGeom prst="bentConnector3">
-            <a:avLst/>
-          </a:prstGeom>
-          <a:ln>
-            <a:solidFill>
-              <a:schemeClr val="tx1"/>
-            </a:solidFill>
-            <a:tailEnd type="triangle"/>
-          </a:ln>
-        </p:spPr>
-        <p:style>
-          <a:lnRef idx="1">
-            <a:schemeClr val="accent1"/>
-          </a:lnRef>
-          <a:fillRef idx="0">
-            <a:schemeClr val="accent1"/>
-          </a:fillRef>
-          <a:effectRef idx="0">
-            <a:schemeClr val="accent1"/>
-          </a:effectRef>
-          <a:fontRef idx="minor">
-            <a:schemeClr val="tx1"/>
-          </a:fontRef>
-        </p:style>
-      </p:cxnSp>
-      <p:cxnSp>
-        <p:nvCxnSpPr>
-          <p:cNvPr id="79" name="Összekötő: szögletes 78">
-            <a:extLst>
-              <a:ext uri="{FF2B5EF4-FFF2-40B4-BE49-F238E27FC236}">
-                <a16:creationId xmlns:a16="http://schemas.microsoft.com/office/drawing/2014/main" id="{4C3A0E45-DC23-8E30-4E3C-A74DE6FF2D22}"/>
-              </a:ext>
-            </a:extLst>
-          </p:cNvPr>
-          <p:cNvCxnSpPr>
-            <a:cxnSpLocks/>
-          </p:cNvCxnSpPr>
-          <p:nvPr/>
-        </p:nvCxnSpPr>
-        <p:spPr>
-          <a:xfrm rot="5400000">
-            <a:off x="9919709" y="2208761"/>
-            <a:ext cx="761983" cy="12700"/>
-          </a:xfrm>
-          <a:prstGeom prst="bentConnector3">
-            <a:avLst>
-              <a:gd name="adj1" fmla="val 50000"/>
-            </a:avLst>
-          </a:prstGeom>
-          <a:ln>
-            <a:solidFill>
-              <a:schemeClr val="tx1"/>
-            </a:solidFill>
-            <a:tailEnd type="triangle"/>
-          </a:ln>
-        </p:spPr>
-        <p:style>
-          <a:lnRef idx="1">
-            <a:schemeClr val="accent1"/>
-          </a:lnRef>
-          <a:fillRef idx="0">
-            <a:schemeClr val="accent1"/>
-          </a:fillRef>
-          <a:effectRef idx="0">
-            <a:schemeClr val="accent1"/>
-          </a:effectRef>
-          <a:fontRef idx="minor">
-            <a:schemeClr val="tx1"/>
-          </a:fontRef>
-        </p:style>
-      </p:cxnSp>
-      <p:sp>
-        <p:nvSpPr>
-          <p:cNvPr id="78" name="Szövegdoboz 77">
-            <a:extLst>
-              <a:ext uri="{FF2B5EF4-FFF2-40B4-BE49-F238E27FC236}">
-                <a16:creationId xmlns:a16="http://schemas.microsoft.com/office/drawing/2014/main" id="{0A58D5D8-8903-0C8F-23CA-C86C9CAA3656}"/>
-              </a:ext>
-            </a:extLst>
-          </p:cNvPr>
-          <p:cNvSpPr txBox="1"/>
-          <p:nvPr/>
-        </p:nvSpPr>
-        <p:spPr>
-          <a:xfrm>
-            <a:off x="9807480" y="2083329"/>
-            <a:ext cx="986439" cy="307777"/>
-          </a:xfrm>
-          <a:prstGeom prst="rect">
-            <a:avLst/>
-          </a:prstGeom>
-          <a:solidFill>
-            <a:schemeClr val="bg1"/>
-          </a:solidFill>
-        </p:spPr>
-        <p:txBody>
-          <a:bodyPr wrap="square" rtlCol="0">
-            <a:spAutoFit/>
-          </a:bodyPr>
-          <a:lstStyle/>
-          <a:p>
-            <a:r>
-              <a:rPr lang="hu-HU" sz="700" dirty="0">
-                <a:effectLst/>
-                <a:latin typeface="Bosch Office Sans" pitchFamily="2" charset="0"/>
-                <a:ea typeface="Arial" panose="020B0604020202020204" pitchFamily="34" charset="0"/>
-              </a:rPr>
-              <a:t>~/output/</a:t>
-            </a:r>
-            <a:r>
-              <a:rPr lang="hu-HU" sz="700" dirty="0" err="1">
-                <a:effectLst/>
-                <a:latin typeface="Bosch Office Sans" pitchFamily="2" charset="0"/>
-                <a:ea typeface="Arial" panose="020B0604020202020204" pitchFamily="34" charset="0"/>
-              </a:rPr>
-              <a:t>trajectory</a:t>
-            </a:r>
-            <a:endParaRPr lang="hu-HU" sz="700" dirty="0">
-              <a:effectLst/>
-              <a:latin typeface="Bosch Office Sans" pitchFamily="2" charset="0"/>
-              <a:ea typeface="Arial" panose="020B0604020202020204" pitchFamily="34" charset="0"/>
-            </a:endParaRPr>
-          </a:p>
-          <a:p>
-            <a:r>
-              <a:rPr lang="hu-HU" sz="700" dirty="0">
-                <a:latin typeface="Bosch Office Sans" pitchFamily="2" charset="0"/>
-              </a:rPr>
-              <a:t> &lt;</a:t>
-            </a:r>
-            <a:r>
-              <a:rPr lang="hu-HU" sz="700" dirty="0" err="1">
-                <a:latin typeface="Bosch Office Sans" pitchFamily="2" charset="0"/>
-              </a:rPr>
-              <a:t>type</a:t>
-            </a:r>
-            <a:r>
-              <a:rPr lang="hu-HU" sz="700" dirty="0">
-                <a:latin typeface="Bosch Office Sans" pitchFamily="2" charset="0"/>
-              </a:rPr>
-              <a:t>: </a:t>
-            </a:r>
-            <a:r>
-              <a:rPr lang="hu-HU" sz="700" dirty="0" err="1">
-                <a:effectLst/>
-                <a:latin typeface="Bosch Office Sans" pitchFamily="2" charset="0"/>
-                <a:ea typeface="Arial" panose="020B0604020202020204" pitchFamily="34" charset="0"/>
-              </a:rPr>
-              <a:t>Trajectory</a:t>
-            </a:r>
-            <a:r>
-              <a:rPr lang="hu-HU" sz="700" dirty="0">
-                <a:latin typeface="Bosch Office Sans" pitchFamily="2" charset="0"/>
-              </a:rPr>
-              <a:t>&gt;</a:t>
-            </a:r>
-          </a:p>
-        </p:txBody>
-      </p:sp>
-      <p:cxnSp>
-        <p:nvCxnSpPr>
-          <p:cNvPr id="83" name="Összekötő: szögletes 82">
-            <a:extLst>
-              <a:ext uri="{FF2B5EF4-FFF2-40B4-BE49-F238E27FC236}">
-                <a16:creationId xmlns:a16="http://schemas.microsoft.com/office/drawing/2014/main" id="{B9BAED0B-7ACF-A88E-F2B1-04AE093FF2BF}"/>
-              </a:ext>
-            </a:extLst>
-          </p:cNvPr>
-          <p:cNvCxnSpPr>
-            <a:cxnSpLocks/>
-            <a:stCxn id="54" idx="3"/>
-          </p:cNvCxnSpPr>
-          <p:nvPr/>
-        </p:nvCxnSpPr>
-        <p:spPr>
-          <a:xfrm>
-            <a:off x="9062138" y="869297"/>
-            <a:ext cx="458270" cy="761617"/>
-          </a:xfrm>
-          <a:prstGeom prst="bentConnector3">
-            <a:avLst>
-              <a:gd name="adj1" fmla="val 50000"/>
-            </a:avLst>
-          </a:prstGeom>
-          <a:ln>
-            <a:solidFill>
-              <a:schemeClr val="tx1"/>
-            </a:solidFill>
-            <a:tailEnd type="triangle"/>
-          </a:ln>
-        </p:spPr>
-        <p:style>
-          <a:lnRef idx="1">
-            <a:schemeClr val="accent1"/>
-          </a:lnRef>
-          <a:fillRef idx="0">
-            <a:schemeClr val="accent1"/>
-          </a:fillRef>
-          <a:effectRef idx="0">
-            <a:schemeClr val="accent1"/>
-          </a:effectRef>
-          <a:fontRef idx="minor">
-            <a:schemeClr val="tx1"/>
-          </a:fontRef>
-        </p:style>
-      </p:cxnSp>
-      <p:sp>
-        <p:nvSpPr>
-          <p:cNvPr id="86" name="Téglalap 85">
-            <a:extLst>
-              <a:ext uri="{FF2B5EF4-FFF2-40B4-BE49-F238E27FC236}">
-                <a16:creationId xmlns:a16="http://schemas.microsoft.com/office/drawing/2014/main" id="{C0554898-8CF4-D125-DE46-259769B4EE53}"/>
-              </a:ext>
-            </a:extLst>
-          </p:cNvPr>
-          <p:cNvSpPr/>
-          <p:nvPr/>
-        </p:nvSpPr>
-        <p:spPr>
-          <a:xfrm>
-            <a:off x="9682755" y="664496"/>
-            <a:ext cx="1560584" cy="342272"/>
-          </a:xfrm>
-          <a:prstGeom prst="rect">
-            <a:avLst/>
-          </a:prstGeom>
-          <a:solidFill>
-            <a:schemeClr val="bg1"/>
-          </a:solidFill>
-          <a:ln>
-            <a:solidFill>
-              <a:schemeClr val="tx1"/>
-            </a:solidFill>
-          </a:ln>
-        </p:spPr>
-        <p:style>
-          <a:lnRef idx="2">
-            <a:schemeClr val="accent1">
-              <a:shade val="15000"/>
-            </a:schemeClr>
-          </a:lnRef>
-          <a:fillRef idx="1">
-            <a:schemeClr val="accent1"/>
-          </a:fillRef>
-          <a:effectRef idx="0">
-            <a:schemeClr val="accent1"/>
-          </a:effectRef>
-          <a:fontRef idx="minor">
-            <a:schemeClr val="lt1"/>
-          </a:fontRef>
-        </p:style>
-        <p:txBody>
-          <a:bodyPr rtlCol="0" anchor="ctr"/>
-          <a:lstStyle/>
-          <a:p>
-            <a:pPr algn="ctr"/>
-            <a:r>
-              <a:rPr lang="hu-HU" sz="900" dirty="0" err="1">
-                <a:solidFill>
-                  <a:schemeClr val="tx1"/>
-                </a:solidFill>
-                <a:latin typeface="Bosch Office Sans" pitchFamily="2" charset="0"/>
-              </a:rPr>
-              <a:t>Target</a:t>
-            </a:r>
-            <a:r>
-              <a:rPr lang="hu-HU" sz="900" dirty="0">
-                <a:solidFill>
-                  <a:schemeClr val="tx1"/>
-                </a:solidFill>
-                <a:latin typeface="Bosch Office Sans" pitchFamily="2" charset="0"/>
-              </a:rPr>
-              <a:t> </a:t>
-            </a:r>
-            <a:r>
-              <a:rPr lang="hu-HU" sz="900" dirty="0" err="1">
-                <a:solidFill>
-                  <a:schemeClr val="tx1"/>
-                </a:solidFill>
-                <a:latin typeface="Bosch Office Sans" pitchFamily="2" charset="0"/>
-              </a:rPr>
-              <a:t>position</a:t>
-            </a:r>
-            <a:r>
-              <a:rPr lang="hu-HU" sz="900" dirty="0">
-                <a:solidFill>
-                  <a:schemeClr val="tx1"/>
-                </a:solidFill>
-                <a:latin typeface="Bosch Office Sans" pitchFamily="2" charset="0"/>
-              </a:rPr>
-              <a:t> </a:t>
-            </a:r>
-            <a:r>
-              <a:rPr lang="hu-HU" sz="900" dirty="0" err="1">
-                <a:solidFill>
-                  <a:schemeClr val="tx1"/>
-                </a:solidFill>
-                <a:latin typeface="Bosch Office Sans" pitchFamily="2" charset="0"/>
-              </a:rPr>
-              <a:t>calculation</a:t>
-            </a:r>
-            <a:endParaRPr lang="hu-HU" sz="900" dirty="0">
-              <a:solidFill>
-                <a:schemeClr val="tx1"/>
-              </a:solidFill>
-              <a:latin typeface="Bosch Office Sans" pitchFamily="2" charset="0"/>
-            </a:endParaRPr>
-          </a:p>
-        </p:txBody>
-      </p:sp>
-      <p:cxnSp>
-        <p:nvCxnSpPr>
-          <p:cNvPr id="87" name="Összekötő: szögletes 86">
-            <a:extLst>
-              <a:ext uri="{FF2B5EF4-FFF2-40B4-BE49-F238E27FC236}">
-                <a16:creationId xmlns:a16="http://schemas.microsoft.com/office/drawing/2014/main" id="{20256F0A-04D5-4A62-B097-BBB89EC5FEAC}"/>
-              </a:ext>
-            </a:extLst>
-          </p:cNvPr>
-          <p:cNvCxnSpPr>
-            <a:cxnSpLocks/>
-            <a:stCxn id="54" idx="3"/>
-            <a:endCxn id="86" idx="1"/>
-          </p:cNvCxnSpPr>
-          <p:nvPr/>
-        </p:nvCxnSpPr>
-        <p:spPr>
-          <a:xfrm flipV="1">
-            <a:off x="9062138" y="835632"/>
-            <a:ext cx="620617" cy="33665"/>
-          </a:xfrm>
-          <a:prstGeom prst="bentConnector3">
-            <a:avLst>
-              <a:gd name="adj1" fmla="val 50000"/>
-            </a:avLst>
-          </a:prstGeom>
-          <a:ln>
-            <a:solidFill>
-              <a:schemeClr val="tx1"/>
-            </a:solidFill>
-            <a:tailEnd type="triangle"/>
-          </a:ln>
-        </p:spPr>
-        <p:style>
-          <a:lnRef idx="1">
-            <a:schemeClr val="accent1"/>
-          </a:lnRef>
-          <a:fillRef idx="0">
-            <a:schemeClr val="accent1"/>
-          </a:fillRef>
-          <a:effectRef idx="0">
-            <a:schemeClr val="accent1"/>
-          </a:effectRef>
-          <a:fontRef idx="minor">
-            <a:schemeClr val="tx1"/>
-          </a:fontRef>
-        </p:style>
-      </p:cxnSp>
-      <p:cxnSp>
-        <p:nvCxnSpPr>
-          <p:cNvPr id="90" name="Összekötő: szögletes 89">
-            <a:extLst>
-              <a:ext uri="{FF2B5EF4-FFF2-40B4-BE49-F238E27FC236}">
-                <a16:creationId xmlns:a16="http://schemas.microsoft.com/office/drawing/2014/main" id="{5FF9775E-C326-81E5-29B7-4A515C0BF10B}"/>
-              </a:ext>
-            </a:extLst>
-          </p:cNvPr>
-          <p:cNvCxnSpPr>
-            <a:cxnSpLocks/>
-            <a:stCxn id="86" idx="3"/>
-          </p:cNvCxnSpPr>
-          <p:nvPr/>
-        </p:nvCxnSpPr>
-        <p:spPr>
-          <a:xfrm flipH="1">
-            <a:off x="11080992" y="835632"/>
-            <a:ext cx="162347" cy="1950977"/>
-          </a:xfrm>
-          <a:prstGeom prst="bentConnector3">
-            <a:avLst>
-              <a:gd name="adj1" fmla="val -140810"/>
-            </a:avLst>
-          </a:prstGeom>
-          <a:ln>
-            <a:solidFill>
-              <a:schemeClr val="tx1"/>
-            </a:solidFill>
-            <a:tailEnd type="triangle"/>
-          </a:ln>
-        </p:spPr>
-        <p:style>
-          <a:lnRef idx="1">
-            <a:schemeClr val="accent1"/>
-          </a:lnRef>
-          <a:fillRef idx="0">
-            <a:schemeClr val="accent1"/>
-          </a:fillRef>
-          <a:effectRef idx="0">
-            <a:schemeClr val="accent1"/>
-          </a:effectRef>
-          <a:fontRef idx="minor">
-            <a:schemeClr val="tx1"/>
-          </a:fontRef>
-        </p:style>
-      </p:cxnSp>
-      <p:sp>
-        <p:nvSpPr>
-          <p:cNvPr id="102" name="Téglalap 101">
-            <a:extLst>
-              <a:ext uri="{FF2B5EF4-FFF2-40B4-BE49-F238E27FC236}">
-                <a16:creationId xmlns:a16="http://schemas.microsoft.com/office/drawing/2014/main" id="{4D7EF25E-14B6-BC24-F214-0E5F25F15BEA}"/>
-              </a:ext>
-            </a:extLst>
-          </p:cNvPr>
-          <p:cNvSpPr/>
-          <p:nvPr/>
-        </p:nvSpPr>
-        <p:spPr>
-          <a:xfrm>
-            <a:off x="6391494" y="3295595"/>
-            <a:ext cx="5623722" cy="2577304"/>
-          </a:xfrm>
-          <a:prstGeom prst="rect">
-            <a:avLst/>
-          </a:prstGeom>
-          <a:solidFill>
-            <a:srgbClr val="FFC000">
-              <a:alpha val="30000"/>
-            </a:srgbClr>
-          </a:solidFill>
-          <a:ln>
-            <a:noFill/>
-          </a:ln>
-        </p:spPr>
-        <p:style>
-          <a:lnRef idx="2">
-            <a:schemeClr val="accent1">
-              <a:shade val="15000"/>
-            </a:schemeClr>
-          </a:lnRef>
-          <a:fillRef idx="1">
-            <a:schemeClr val="accent1"/>
-          </a:fillRef>
-          <a:effectRef idx="0">
-            <a:schemeClr val="accent1"/>
-          </a:effectRef>
-          <a:fontRef idx="minor">
-            <a:schemeClr val="lt1"/>
-          </a:fontRef>
-        </p:style>
-        <p:txBody>
-          <a:bodyPr rtlCol="0" anchor="t"/>
-          <a:lstStyle/>
-          <a:p>
-            <a:pPr algn="ctr"/>
-            <a:r>
-              <a:rPr lang="hu-HU" sz="1000" b="1" dirty="0" err="1">
-                <a:solidFill>
-                  <a:schemeClr val="tx1"/>
-                </a:solidFill>
-                <a:latin typeface="Bosch Office Sans" pitchFamily="2" charset="0"/>
-              </a:rPr>
-              <a:t>Vehicle</a:t>
-            </a:r>
-            <a:r>
-              <a:rPr lang="hu-HU" sz="1000" b="1" dirty="0">
-                <a:solidFill>
-                  <a:schemeClr val="tx1"/>
-                </a:solidFill>
-                <a:latin typeface="Bosch Office Sans" pitchFamily="2" charset="0"/>
-              </a:rPr>
-              <a:t> </a:t>
-            </a:r>
-            <a:r>
-              <a:rPr lang="hu-HU" sz="1000" b="1" dirty="0" err="1">
-                <a:solidFill>
-                  <a:schemeClr val="tx1"/>
-                </a:solidFill>
-                <a:latin typeface="Bosch Office Sans" pitchFamily="2" charset="0"/>
-              </a:rPr>
-              <a:t>Control</a:t>
-            </a:r>
-            <a:endParaRPr lang="hu-HU" sz="1000" b="1" dirty="0">
-              <a:solidFill>
-                <a:schemeClr val="tx1"/>
-              </a:solidFill>
-              <a:latin typeface="Bosch Office Sans" pitchFamily="2" charset="0"/>
-            </a:endParaRPr>
-          </a:p>
-        </p:txBody>
-      </p:sp>
-      <p:sp>
-        <p:nvSpPr>
-          <p:cNvPr id="103" name="Téglalap 102">
-            <a:extLst>
-              <a:ext uri="{FF2B5EF4-FFF2-40B4-BE49-F238E27FC236}">
-                <a16:creationId xmlns:a16="http://schemas.microsoft.com/office/drawing/2014/main" id="{ADFFB885-D9C2-62FD-ED4F-46272EB707A3}"/>
-              </a:ext>
-            </a:extLst>
-          </p:cNvPr>
-          <p:cNvSpPr/>
-          <p:nvPr/>
-        </p:nvSpPr>
-        <p:spPr>
-          <a:xfrm>
-            <a:off x="7883609" y="3731625"/>
-            <a:ext cx="2815327" cy="393712"/>
-          </a:xfrm>
-          <a:prstGeom prst="rect">
-            <a:avLst/>
-          </a:prstGeom>
-          <a:solidFill>
-            <a:schemeClr val="bg1"/>
-          </a:solidFill>
-          <a:ln w="28575">
-            <a:solidFill>
-              <a:schemeClr val="tx1"/>
-            </a:solidFill>
-            <a:prstDash val="solid"/>
-          </a:ln>
-        </p:spPr>
-        <p:style>
-          <a:lnRef idx="2">
-            <a:schemeClr val="accent1">
-              <a:shade val="15000"/>
-            </a:schemeClr>
-          </a:lnRef>
-          <a:fillRef idx="1">
-            <a:schemeClr val="accent1"/>
-          </a:fillRef>
-          <a:effectRef idx="0">
-            <a:schemeClr val="accent1"/>
-          </a:effectRef>
-          <a:fontRef idx="minor">
-            <a:schemeClr val="lt1"/>
-          </a:fontRef>
-        </p:style>
-        <p:txBody>
-          <a:bodyPr rtlCol="0" anchor="ctr"/>
-          <a:lstStyle/>
-          <a:p>
-            <a:pPr algn="ctr"/>
-            <a:r>
-              <a:rPr lang="hu-HU" sz="900" dirty="0" err="1">
-                <a:solidFill>
-                  <a:schemeClr val="tx1"/>
-                </a:solidFill>
-                <a:latin typeface="Bosch Office Sans" pitchFamily="2" charset="0"/>
-              </a:rPr>
-              <a:t>effective_plan_calculation</a:t>
-            </a:r>
-            <a:endParaRPr lang="hu-HU" sz="900" dirty="0">
-              <a:solidFill>
-                <a:schemeClr val="tx1"/>
-              </a:solidFill>
-              <a:latin typeface="Bosch Office Sans" pitchFamily="2" charset="0"/>
-            </a:endParaRPr>
-          </a:p>
-        </p:txBody>
-      </p:sp>
-      <p:cxnSp>
-        <p:nvCxnSpPr>
-          <p:cNvPr id="105" name="Összekötő: szögletes 104">
-            <a:extLst>
-              <a:ext uri="{FF2B5EF4-FFF2-40B4-BE49-F238E27FC236}">
-                <a16:creationId xmlns:a16="http://schemas.microsoft.com/office/drawing/2014/main" id="{72721E7A-0140-9CB7-B3A4-815450E8D9B2}"/>
-              </a:ext>
-            </a:extLst>
-          </p:cNvPr>
-          <p:cNvCxnSpPr>
-            <a:stCxn id="52" idx="3"/>
-            <a:endCxn id="103" idx="1"/>
-          </p:cNvCxnSpPr>
-          <p:nvPr/>
-        </p:nvCxnSpPr>
-        <p:spPr>
-          <a:xfrm>
-            <a:off x="6254497" y="3821083"/>
-            <a:ext cx="1629112" cy="107398"/>
-          </a:xfrm>
-          <a:prstGeom prst="bentConnector3">
-            <a:avLst/>
-          </a:prstGeom>
-          <a:ln>
-            <a:solidFill>
-              <a:schemeClr val="tx1"/>
-            </a:solidFill>
-            <a:tailEnd type="triangle"/>
-          </a:ln>
-        </p:spPr>
-        <p:style>
-          <a:lnRef idx="1">
-            <a:schemeClr val="accent1"/>
-          </a:lnRef>
-          <a:fillRef idx="0">
-            <a:schemeClr val="accent1"/>
-          </a:fillRef>
-          <a:effectRef idx="0">
-            <a:schemeClr val="accent1"/>
-          </a:effectRef>
-          <a:fontRef idx="minor">
-            <a:schemeClr val="tx1"/>
-          </a:fontRef>
-        </p:style>
-      </p:cxnSp>
-      <p:cxnSp>
-        <p:nvCxnSpPr>
-          <p:cNvPr id="108" name="Összekötő: szögletes 107">
-            <a:extLst>
-              <a:ext uri="{FF2B5EF4-FFF2-40B4-BE49-F238E27FC236}">
-                <a16:creationId xmlns:a16="http://schemas.microsoft.com/office/drawing/2014/main" id="{E340F23F-3DEC-70CD-B802-A25DD984083F}"/>
-              </a:ext>
-            </a:extLst>
-          </p:cNvPr>
-          <p:cNvCxnSpPr>
-            <a:cxnSpLocks/>
-            <a:endCxn id="103" idx="0"/>
-          </p:cNvCxnSpPr>
-          <p:nvPr/>
-        </p:nvCxnSpPr>
-        <p:spPr>
-          <a:xfrm rot="5400000">
-            <a:off x="9421907" y="2852832"/>
-            <a:ext cx="748160" cy="1009427"/>
-          </a:xfrm>
-          <a:prstGeom prst="bentConnector3">
-            <a:avLst>
-              <a:gd name="adj1" fmla="val 79333"/>
-            </a:avLst>
-          </a:prstGeom>
-          <a:ln>
-            <a:solidFill>
-              <a:schemeClr val="tx1"/>
-            </a:solidFill>
-            <a:tailEnd type="triangle"/>
-          </a:ln>
-        </p:spPr>
-        <p:style>
-          <a:lnRef idx="1">
-            <a:schemeClr val="accent1"/>
-          </a:lnRef>
-          <a:fillRef idx="0">
-            <a:schemeClr val="accent1"/>
-          </a:fillRef>
-          <a:effectRef idx="0">
-            <a:schemeClr val="accent1"/>
-          </a:effectRef>
-          <a:fontRef idx="minor">
-            <a:schemeClr val="tx1"/>
-          </a:fontRef>
-        </p:style>
-      </p:cxnSp>
-      <p:sp>
-        <p:nvSpPr>
-          <p:cNvPr id="110" name="Szövegdoboz 109">
-            <a:extLst>
-              <a:ext uri="{FF2B5EF4-FFF2-40B4-BE49-F238E27FC236}">
-                <a16:creationId xmlns:a16="http://schemas.microsoft.com/office/drawing/2014/main" id="{AE4B185D-4CE4-ACFD-1472-FADABD94C5D0}"/>
-              </a:ext>
-            </a:extLst>
-          </p:cNvPr>
-          <p:cNvSpPr txBox="1"/>
-          <p:nvPr/>
-        </p:nvSpPr>
-        <p:spPr>
-          <a:xfrm>
-            <a:off x="9819459" y="3132156"/>
-            <a:ext cx="986439" cy="307777"/>
-          </a:xfrm>
-          <a:prstGeom prst="rect">
-            <a:avLst/>
-          </a:prstGeom>
-          <a:solidFill>
-            <a:schemeClr val="bg1"/>
-          </a:solidFill>
-        </p:spPr>
-        <p:txBody>
-          <a:bodyPr wrap="square" rtlCol="0">
-            <a:spAutoFit/>
-          </a:bodyPr>
-          <a:lstStyle/>
-          <a:p>
-            <a:r>
-              <a:rPr lang="hu-HU" sz="700" dirty="0">
-                <a:effectLst/>
-                <a:latin typeface="Bosch Office Sans" pitchFamily="2" charset="0"/>
-                <a:ea typeface="Arial" panose="020B0604020202020204" pitchFamily="34" charset="0"/>
-              </a:rPr>
-              <a:t>~/output/</a:t>
-            </a:r>
-            <a:r>
-              <a:rPr lang="hu-HU" sz="700" dirty="0" err="1">
-                <a:effectLst/>
-                <a:latin typeface="Bosch Office Sans" pitchFamily="2" charset="0"/>
-                <a:ea typeface="Arial" panose="020B0604020202020204" pitchFamily="34" charset="0"/>
-              </a:rPr>
-              <a:t>trajectory</a:t>
-            </a:r>
-            <a:endParaRPr lang="hu-HU" sz="700" dirty="0">
-              <a:effectLst/>
-              <a:latin typeface="Bosch Office Sans" pitchFamily="2" charset="0"/>
-              <a:ea typeface="Arial" panose="020B0604020202020204" pitchFamily="34" charset="0"/>
-            </a:endParaRPr>
-          </a:p>
-          <a:p>
-            <a:r>
-              <a:rPr lang="hu-HU" sz="700" dirty="0">
-                <a:latin typeface="Bosch Office Sans" pitchFamily="2" charset="0"/>
-              </a:rPr>
-              <a:t> &lt;</a:t>
-            </a:r>
-            <a:r>
-              <a:rPr lang="hu-HU" sz="700" dirty="0" err="1">
-                <a:latin typeface="Bosch Office Sans" pitchFamily="2" charset="0"/>
-              </a:rPr>
-              <a:t>type</a:t>
-            </a:r>
-            <a:r>
-              <a:rPr lang="hu-HU" sz="700" dirty="0">
-                <a:latin typeface="Bosch Office Sans" pitchFamily="2" charset="0"/>
-              </a:rPr>
-              <a:t>: </a:t>
-            </a:r>
-            <a:r>
-              <a:rPr lang="hu-HU" sz="700" dirty="0" err="1">
-                <a:effectLst/>
-                <a:latin typeface="Bosch Office Sans" pitchFamily="2" charset="0"/>
-                <a:ea typeface="Arial" panose="020B0604020202020204" pitchFamily="34" charset="0"/>
-              </a:rPr>
-              <a:t>Trajectory</a:t>
-            </a:r>
-            <a:r>
-              <a:rPr lang="hu-HU" sz="700" dirty="0">
-                <a:latin typeface="Bosch Office Sans" pitchFamily="2" charset="0"/>
-              </a:rPr>
-              <a:t>&gt;</a:t>
-            </a:r>
-          </a:p>
-        </p:txBody>
-      </p:sp>
-      <p:sp>
-        <p:nvSpPr>
-          <p:cNvPr id="113" name="Rectangle 4">
-            <a:extLst>
-              <a:ext uri="{FF2B5EF4-FFF2-40B4-BE49-F238E27FC236}">
-                <a16:creationId xmlns:a16="http://schemas.microsoft.com/office/drawing/2014/main" id="{F6108CCD-90C0-63C0-ED61-EF908B92298E}"/>
-              </a:ext>
-            </a:extLst>
-          </p:cNvPr>
-          <p:cNvSpPr>
-            <a:spLocks noChangeArrowheads="1"/>
-          </p:cNvSpPr>
-          <p:nvPr/>
-        </p:nvSpPr>
-        <p:spPr bwMode="auto">
-          <a:xfrm>
-            <a:off x="6154338" y="2609412"/>
-            <a:ext cx="1829430" cy="307777"/>
-          </a:xfrm>
-          <a:prstGeom prst="rect">
-            <a:avLst/>
-          </a:prstGeom>
-          <a:solidFill>
-            <a:schemeClr val="bg1"/>
-          </a:solidFill>
-          <a:ln>
-            <a:noFill/>
-          </a:ln>
-          <a:effectLst/>
-        </p:spPr>
-        <p:txBody>
-          <a:bodyPr vert="horz" wrap="square" lIns="91440" tIns="45720" rIns="91440" bIns="45720" numCol="1" anchor="ctr" anchorCtr="0" compatLnSpc="1">
-            <a:prstTxWarp prst="textNoShape">
-              <a:avLst/>
-            </a:prstTxWarp>
-            <a:spAutoFit/>
-          </a:bodyPr>
-          <a:lstStyle/>
-          <a:p>
-            <a:pPr marL="0" marR="0" lvl="0" indent="0" algn="l" defTabSz="914400" rtl="0" eaLnBrk="0" fontAlgn="base" latinLnBrk="0" hangingPunct="0">
-              <a:lnSpc>
-                <a:spcPct val="100000"/>
-              </a:lnSpc>
-              <a:spcBef>
-                <a:spcPct val="0"/>
-              </a:spcBef>
-              <a:spcAft>
-                <a:spcPct val="0"/>
-              </a:spcAft>
-              <a:buClrTx/>
-              <a:buSzTx/>
-              <a:buFontTx/>
-              <a:buNone/>
-              <a:tabLst/>
-            </a:pPr>
-            <a:r>
-              <a:rPr kumimoji="0" lang="hu-HU" altLang="hu-HU" sz="700" b="0" i="0" u="none" strike="noStrike" cap="none" normalizeH="0" baseline="0" dirty="0">
-                <a:ln>
-                  <a:noFill/>
-                </a:ln>
-                <a:solidFill>
-                  <a:schemeClr val="tx1"/>
-                </a:solidFill>
-                <a:effectLst/>
-                <a:latin typeface="Bosch Office Sans" pitchFamily="2" charset="0"/>
-              </a:rPr>
-              <a:t>/</a:t>
-            </a:r>
-            <a:r>
-              <a:rPr kumimoji="0" lang="hu-HU" altLang="hu-HU" sz="700" b="0" i="0" u="none" strike="noStrike" cap="none" normalizeH="0" baseline="0" dirty="0" err="1">
-                <a:ln>
-                  <a:noFill/>
-                </a:ln>
-                <a:solidFill>
-                  <a:schemeClr val="tx1"/>
-                </a:solidFill>
-                <a:effectLst/>
-                <a:latin typeface="Bosch Office Sans" pitchFamily="2" charset="0"/>
-              </a:rPr>
-              <a:t>planning</a:t>
-            </a:r>
-            <a:r>
-              <a:rPr kumimoji="0" lang="hu-HU" altLang="hu-HU" sz="700" b="0" i="0" u="none" strike="noStrike" cap="none" normalizeH="0" baseline="0" dirty="0">
-                <a:ln>
-                  <a:noFill/>
-                </a:ln>
-                <a:solidFill>
-                  <a:schemeClr val="tx1"/>
-                </a:solidFill>
-                <a:effectLst/>
-                <a:latin typeface="Bosch Office Sans" pitchFamily="2" charset="0"/>
-              </a:rPr>
-              <a:t>/</a:t>
-            </a:r>
-            <a:r>
-              <a:rPr kumimoji="0" lang="hu-HU" altLang="hu-HU" sz="700" b="0" i="0" u="none" strike="noStrike" cap="none" normalizeH="0" baseline="0" dirty="0" err="1">
-                <a:ln>
-                  <a:noFill/>
-                </a:ln>
-                <a:solidFill>
-                  <a:schemeClr val="tx1"/>
-                </a:solidFill>
-                <a:effectLst/>
-                <a:latin typeface="Bosch Office Sans" pitchFamily="2" charset="0"/>
-              </a:rPr>
-              <a:t>scenario_planning</a:t>
-            </a:r>
-            <a:r>
-              <a:rPr kumimoji="0" lang="hu-HU" altLang="hu-HU" sz="700" b="0" i="0" u="none" strike="noStrike" cap="none" normalizeH="0" baseline="0" dirty="0">
-                <a:ln>
-                  <a:noFill/>
-                </a:ln>
-                <a:solidFill>
-                  <a:schemeClr val="tx1"/>
-                </a:solidFill>
-                <a:effectLst/>
-                <a:latin typeface="Bosch Office Sans" pitchFamily="2" charset="0"/>
-              </a:rPr>
-              <a:t>/</a:t>
-            </a:r>
-            <a:r>
-              <a:rPr kumimoji="0" lang="hu-HU" altLang="hu-HU" sz="700" b="0" i="0" u="none" strike="noStrike" cap="none" normalizeH="0" baseline="0" dirty="0" err="1">
-                <a:ln>
-                  <a:noFill/>
-                </a:ln>
-                <a:solidFill>
-                  <a:schemeClr val="tx1"/>
-                </a:solidFill>
-                <a:effectLst/>
-                <a:latin typeface="Bosch Office Sans" pitchFamily="2" charset="0"/>
-              </a:rPr>
-              <a:t>max_velocity</a:t>
-            </a:r>
-            <a:endParaRPr kumimoji="0" lang="hu-HU" altLang="hu-HU" sz="700" b="0" i="0" u="none" strike="noStrike" cap="none" normalizeH="0" baseline="0" dirty="0">
-              <a:ln>
-                <a:noFill/>
-              </a:ln>
-              <a:solidFill>
-                <a:schemeClr val="tx1"/>
-              </a:solidFill>
-              <a:effectLst/>
-              <a:latin typeface="Bosch Office Sans" pitchFamily="2" charset="0"/>
-            </a:endParaRPr>
-          </a:p>
-          <a:p>
-            <a:pPr marL="0" marR="0" lvl="0" indent="0" algn="l" defTabSz="914400" rtl="0" eaLnBrk="0" fontAlgn="base" latinLnBrk="0" hangingPunct="0">
-              <a:lnSpc>
-                <a:spcPct val="100000"/>
-              </a:lnSpc>
-              <a:spcBef>
-                <a:spcPct val="0"/>
-              </a:spcBef>
-              <a:spcAft>
-                <a:spcPct val="0"/>
-              </a:spcAft>
-              <a:buClrTx/>
-              <a:buSzTx/>
-              <a:buFontTx/>
-              <a:buNone/>
-              <a:tabLst/>
-            </a:pPr>
-            <a:r>
-              <a:rPr lang="hu-HU" altLang="hu-HU" sz="700" dirty="0">
-                <a:latin typeface="Bosch Office Sans" pitchFamily="2" charset="0"/>
-              </a:rPr>
-              <a:t>&lt;</a:t>
-            </a:r>
-            <a:r>
-              <a:rPr lang="hu-HU" altLang="hu-HU" sz="700" dirty="0" err="1">
-                <a:latin typeface="Bosch Office Sans" pitchFamily="2" charset="0"/>
-              </a:rPr>
-              <a:t>type</a:t>
-            </a:r>
-            <a:r>
-              <a:rPr lang="hu-HU" altLang="hu-HU" sz="700" dirty="0">
-                <a:latin typeface="Bosch Office Sans" pitchFamily="2" charset="0"/>
-              </a:rPr>
-              <a:t>: </a:t>
-            </a:r>
-            <a:r>
-              <a:rPr lang="hu-HU" altLang="hu-HU" sz="700" dirty="0" err="1">
-                <a:latin typeface="Bosch Office Sans" pitchFamily="2" charset="0"/>
-              </a:rPr>
-              <a:t>std_msgs</a:t>
-            </a:r>
-            <a:r>
-              <a:rPr lang="hu-HU" altLang="hu-HU" sz="700" dirty="0">
-                <a:latin typeface="Bosch Office Sans" pitchFamily="2" charset="0"/>
-              </a:rPr>
-              <a:t>/Float32&gt;</a:t>
-            </a:r>
-            <a:r>
-              <a:rPr kumimoji="0" lang="hu-HU" altLang="hu-HU" sz="700" b="0" i="0" u="none" strike="noStrike" cap="none" normalizeH="0" baseline="0" dirty="0">
-                <a:ln>
-                  <a:noFill/>
-                </a:ln>
-                <a:solidFill>
-                  <a:schemeClr val="tx1"/>
-                </a:solidFill>
-                <a:effectLst/>
-                <a:latin typeface="Bosch Office Sans" pitchFamily="2" charset="0"/>
-              </a:rPr>
-              <a:t> </a:t>
-            </a:r>
-          </a:p>
-        </p:txBody>
-      </p:sp>
-      <p:sp>
-        <p:nvSpPr>
-          <p:cNvPr id="118" name="Téglalap 117">
-            <a:extLst>
-              <a:ext uri="{FF2B5EF4-FFF2-40B4-BE49-F238E27FC236}">
-                <a16:creationId xmlns:a16="http://schemas.microsoft.com/office/drawing/2014/main" id="{E13FCE1A-7E43-D8FB-440E-4A46E79FE0E5}"/>
-              </a:ext>
-            </a:extLst>
-          </p:cNvPr>
-          <p:cNvSpPr/>
-          <p:nvPr/>
-        </p:nvSpPr>
-        <p:spPr>
-          <a:xfrm>
-            <a:off x="7400319" y="4497611"/>
-            <a:ext cx="1560584" cy="393712"/>
-          </a:xfrm>
-          <a:prstGeom prst="rect">
-            <a:avLst/>
-          </a:prstGeom>
-          <a:solidFill>
-            <a:schemeClr val="bg1"/>
-          </a:solidFill>
-          <a:ln w="28575">
-            <a:solidFill>
-              <a:schemeClr val="tx1"/>
-            </a:solidFill>
-            <a:prstDash val="sysDot"/>
-          </a:ln>
-        </p:spPr>
-        <p:style>
-          <a:lnRef idx="2">
-            <a:schemeClr val="accent1">
-              <a:shade val="15000"/>
-            </a:schemeClr>
-          </a:lnRef>
-          <a:fillRef idx="1">
-            <a:schemeClr val="accent1"/>
-          </a:fillRef>
-          <a:effectRef idx="0">
-            <a:schemeClr val="accent1"/>
-          </a:effectRef>
-          <a:fontRef idx="minor">
-            <a:schemeClr val="lt1"/>
-          </a:fontRef>
-        </p:style>
-        <p:txBody>
-          <a:bodyPr rtlCol="0" anchor="ctr"/>
-          <a:lstStyle/>
-          <a:p>
-            <a:pPr algn="ctr"/>
-            <a:r>
-              <a:rPr lang="hu-HU" sz="900" dirty="0" err="1">
-                <a:solidFill>
-                  <a:schemeClr val="tx1"/>
-                </a:solidFill>
-                <a:effectLst/>
-                <a:latin typeface="Bosch Office Sans" pitchFamily="2" charset="0"/>
-                <a:ea typeface="Arial" panose="020B0604020202020204" pitchFamily="34" charset="0"/>
-              </a:rPr>
-              <a:t>trajectory_follower</a:t>
-            </a:r>
-            <a:r>
-              <a:rPr lang="hu-HU" sz="900" dirty="0">
-                <a:solidFill>
-                  <a:schemeClr val="tx1"/>
-                </a:solidFill>
-                <a:effectLst/>
-                <a:latin typeface="Bosch Office Sans" pitchFamily="2" charset="0"/>
-                <a:ea typeface="Arial" panose="020B0604020202020204" pitchFamily="34" charset="0"/>
-              </a:rPr>
-              <a:t> / </a:t>
-            </a:r>
-            <a:r>
-              <a:rPr lang="hu-HU" sz="900" dirty="0" err="1">
-                <a:solidFill>
-                  <a:schemeClr val="tx1"/>
-                </a:solidFill>
-                <a:effectLst/>
-                <a:latin typeface="Bosch Office Sans" pitchFamily="2" charset="0"/>
-                <a:ea typeface="Arial" panose="020B0604020202020204" pitchFamily="34" charset="0"/>
-              </a:rPr>
-              <a:t>longitudinal_controller</a:t>
-            </a:r>
-            <a:endParaRPr lang="hu-HU" sz="900" dirty="0">
-              <a:solidFill>
-                <a:schemeClr val="tx1"/>
-              </a:solidFill>
-              <a:latin typeface="Bosch Office Sans" pitchFamily="2" charset="0"/>
-            </a:endParaRPr>
-          </a:p>
-        </p:txBody>
-      </p:sp>
-      <p:sp>
-        <p:nvSpPr>
-          <p:cNvPr id="120" name="Téglalap 119">
-            <a:extLst>
-              <a:ext uri="{FF2B5EF4-FFF2-40B4-BE49-F238E27FC236}">
-                <a16:creationId xmlns:a16="http://schemas.microsoft.com/office/drawing/2014/main" id="{3A54A462-DEA0-9FCC-B17E-2404E5512B03}"/>
-              </a:ext>
-            </a:extLst>
-          </p:cNvPr>
-          <p:cNvSpPr/>
-          <p:nvPr/>
-        </p:nvSpPr>
-        <p:spPr>
-          <a:xfrm>
-            <a:off x="9601581" y="4523331"/>
-            <a:ext cx="1560584" cy="342272"/>
-          </a:xfrm>
-          <a:prstGeom prst="rect">
-            <a:avLst/>
-          </a:prstGeom>
-          <a:solidFill>
-            <a:schemeClr val="bg1"/>
-          </a:solidFill>
-          <a:ln>
-            <a:solidFill>
-              <a:schemeClr val="tx1"/>
-            </a:solidFill>
-          </a:ln>
-        </p:spPr>
-        <p:style>
-          <a:lnRef idx="2">
-            <a:schemeClr val="accent1">
-              <a:shade val="15000"/>
-            </a:schemeClr>
-          </a:lnRef>
-          <a:fillRef idx="1">
-            <a:schemeClr val="accent1"/>
-          </a:fillRef>
-          <a:effectRef idx="0">
-            <a:schemeClr val="accent1"/>
-          </a:effectRef>
-          <a:fontRef idx="minor">
-            <a:schemeClr val="lt1"/>
-          </a:fontRef>
-        </p:style>
-        <p:txBody>
-          <a:bodyPr rtlCol="0" anchor="ctr"/>
-          <a:lstStyle/>
-          <a:p>
-            <a:pPr algn="ctr"/>
-            <a:r>
-              <a:rPr lang="hu-HU" sz="900" dirty="0" err="1">
-                <a:solidFill>
-                  <a:schemeClr val="tx1"/>
-                </a:solidFill>
-                <a:effectLst/>
-                <a:latin typeface="Bosch Office Sans" pitchFamily="2" charset="0"/>
-                <a:ea typeface="Arial" panose="020B0604020202020204" pitchFamily="34" charset="0"/>
-              </a:rPr>
-              <a:t>Vehicle</a:t>
-            </a:r>
-            <a:r>
-              <a:rPr lang="hu-HU" sz="900" dirty="0">
-                <a:solidFill>
-                  <a:schemeClr val="tx1"/>
-                </a:solidFill>
-                <a:effectLst/>
-                <a:latin typeface="Bosch Office Sans" pitchFamily="2" charset="0"/>
-                <a:ea typeface="Arial" panose="020B0604020202020204" pitchFamily="34" charset="0"/>
-              </a:rPr>
-              <a:t> </a:t>
-            </a:r>
-            <a:r>
-              <a:rPr lang="hu-HU" sz="900" dirty="0" err="1">
-                <a:solidFill>
-                  <a:schemeClr val="tx1"/>
-                </a:solidFill>
-                <a:effectLst/>
-                <a:latin typeface="Bosch Office Sans" pitchFamily="2" charset="0"/>
-                <a:ea typeface="Arial" panose="020B0604020202020204" pitchFamily="34" charset="0"/>
-              </a:rPr>
-              <a:t>Control</a:t>
-            </a:r>
-            <a:r>
-              <a:rPr lang="hu-HU" sz="900" dirty="0">
-                <a:solidFill>
-                  <a:schemeClr val="tx1"/>
-                </a:solidFill>
-                <a:effectLst/>
-                <a:latin typeface="Bosch Office Sans" pitchFamily="2" charset="0"/>
-                <a:ea typeface="Arial" panose="020B0604020202020204" pitchFamily="34" charset="0"/>
-              </a:rPr>
-              <a:t> / </a:t>
-            </a:r>
-            <a:r>
-              <a:rPr lang="hu-HU" sz="900" dirty="0" err="1">
-                <a:solidFill>
-                  <a:schemeClr val="tx1"/>
-                </a:solidFill>
-                <a:effectLst/>
-                <a:latin typeface="Bosch Office Sans" pitchFamily="2" charset="0"/>
-                <a:ea typeface="Arial" panose="020B0604020202020204" pitchFamily="34" charset="0"/>
-              </a:rPr>
-              <a:t>Speed</a:t>
-            </a:r>
-            <a:r>
-              <a:rPr lang="hu-HU" sz="900" dirty="0">
-                <a:solidFill>
-                  <a:schemeClr val="tx1"/>
-                </a:solidFill>
-                <a:effectLst/>
-                <a:latin typeface="Bosch Office Sans" pitchFamily="2" charset="0"/>
-                <a:ea typeface="Arial" panose="020B0604020202020204" pitchFamily="34" charset="0"/>
-              </a:rPr>
-              <a:t> </a:t>
-            </a:r>
-            <a:r>
-              <a:rPr lang="hu-HU" sz="900" dirty="0" err="1">
-                <a:solidFill>
-                  <a:schemeClr val="tx1"/>
-                </a:solidFill>
-                <a:effectLst/>
-                <a:latin typeface="Bosch Office Sans" pitchFamily="2" charset="0"/>
-                <a:ea typeface="Arial" panose="020B0604020202020204" pitchFamily="34" charset="0"/>
-              </a:rPr>
-              <a:t>Conditioner</a:t>
-            </a:r>
-            <a:endParaRPr lang="hu-HU" sz="900" dirty="0">
-              <a:solidFill>
-                <a:schemeClr val="tx1"/>
-              </a:solidFill>
-              <a:latin typeface="Bosch Office Sans" pitchFamily="2" charset="0"/>
-            </a:endParaRPr>
-          </a:p>
-        </p:txBody>
-      </p:sp>
-      <p:cxnSp>
-        <p:nvCxnSpPr>
-          <p:cNvPr id="121" name="Összekötő: szögletes 120">
-            <a:extLst>
-              <a:ext uri="{FF2B5EF4-FFF2-40B4-BE49-F238E27FC236}">
-                <a16:creationId xmlns:a16="http://schemas.microsoft.com/office/drawing/2014/main" id="{B865C2D8-8EDC-D4EE-9A4D-F5F87A37AF7D}"/>
-              </a:ext>
-            </a:extLst>
-          </p:cNvPr>
-          <p:cNvCxnSpPr>
-            <a:cxnSpLocks/>
-            <a:stCxn id="103" idx="2"/>
-            <a:endCxn id="118" idx="0"/>
-          </p:cNvCxnSpPr>
-          <p:nvPr/>
-        </p:nvCxnSpPr>
-        <p:spPr>
-          <a:xfrm rot="5400000">
-            <a:off x="8549805" y="3756143"/>
-            <a:ext cx="372274" cy="1110662"/>
-          </a:xfrm>
-          <a:prstGeom prst="bentConnector3">
-            <a:avLst>
-              <a:gd name="adj1" fmla="val 50000"/>
-            </a:avLst>
-          </a:prstGeom>
-          <a:ln>
-            <a:solidFill>
-              <a:schemeClr val="tx1"/>
-            </a:solidFill>
-            <a:tailEnd type="triangle"/>
-          </a:ln>
-        </p:spPr>
-        <p:style>
-          <a:lnRef idx="1">
-            <a:schemeClr val="accent1"/>
-          </a:lnRef>
-          <a:fillRef idx="0">
-            <a:schemeClr val="accent1"/>
-          </a:fillRef>
-          <a:effectRef idx="0">
-            <a:schemeClr val="accent1"/>
-          </a:effectRef>
-          <a:fontRef idx="minor">
-            <a:schemeClr val="tx1"/>
-          </a:fontRef>
-        </p:style>
-      </p:cxnSp>
-      <p:cxnSp>
-        <p:nvCxnSpPr>
-          <p:cNvPr id="125" name="Összekötő: szögletes 124">
-            <a:extLst>
-              <a:ext uri="{FF2B5EF4-FFF2-40B4-BE49-F238E27FC236}">
-                <a16:creationId xmlns:a16="http://schemas.microsoft.com/office/drawing/2014/main" id="{EFF7A71F-A2C5-E51B-B4A2-B98FD8094681}"/>
-              </a:ext>
-            </a:extLst>
-          </p:cNvPr>
-          <p:cNvCxnSpPr>
-            <a:cxnSpLocks/>
-            <a:stCxn id="103" idx="2"/>
-            <a:endCxn id="120" idx="0"/>
-          </p:cNvCxnSpPr>
-          <p:nvPr/>
-        </p:nvCxnSpPr>
-        <p:spPr>
-          <a:xfrm rot="16200000" flipH="1">
-            <a:off x="9637576" y="3779034"/>
-            <a:ext cx="397994" cy="1090600"/>
-          </a:xfrm>
-          <a:prstGeom prst="bentConnector3">
-            <a:avLst>
-              <a:gd name="adj1" fmla="val 50000"/>
-            </a:avLst>
-          </a:prstGeom>
-          <a:ln>
-            <a:solidFill>
-              <a:schemeClr val="tx1"/>
-            </a:solidFill>
-            <a:tailEnd type="triangle"/>
-          </a:ln>
-        </p:spPr>
-        <p:style>
-          <a:lnRef idx="1">
-            <a:schemeClr val="accent1"/>
-          </a:lnRef>
-          <a:fillRef idx="0">
-            <a:schemeClr val="accent1"/>
-          </a:fillRef>
-          <a:effectRef idx="0">
-            <a:schemeClr val="accent1"/>
-          </a:effectRef>
-          <a:fontRef idx="minor">
-            <a:schemeClr val="tx1"/>
-          </a:fontRef>
-        </p:style>
-      </p:cxnSp>
-      <p:sp>
-        <p:nvSpPr>
-          <p:cNvPr id="124" name="Szövegdoboz 123">
-            <a:extLst>
-              <a:ext uri="{FF2B5EF4-FFF2-40B4-BE49-F238E27FC236}">
-                <a16:creationId xmlns:a16="http://schemas.microsoft.com/office/drawing/2014/main" id="{E5166DE0-5DB1-6FEF-A8D3-D6AC04F96E12}"/>
-              </a:ext>
-            </a:extLst>
-          </p:cNvPr>
-          <p:cNvSpPr txBox="1"/>
-          <p:nvPr/>
-        </p:nvSpPr>
-        <p:spPr>
-          <a:xfrm>
-            <a:off x="8592220" y="4190852"/>
-            <a:ext cx="1461330" cy="200055"/>
-          </a:xfrm>
-          <a:prstGeom prst="rect">
-            <a:avLst/>
-          </a:prstGeom>
-          <a:solidFill>
-            <a:schemeClr val="bg1"/>
-          </a:solidFill>
-        </p:spPr>
-        <p:txBody>
-          <a:bodyPr wrap="square" rtlCol="0">
-            <a:spAutoFit/>
-          </a:bodyPr>
-          <a:lstStyle/>
-          <a:p>
-            <a:r>
-              <a:rPr lang="hu-HU" sz="700" dirty="0">
-                <a:effectLst/>
-                <a:latin typeface="Bosch Office Sans" pitchFamily="2" charset="0"/>
-                <a:ea typeface="Arial" panose="020B0604020202020204" pitchFamily="34" charset="0"/>
-              </a:rPr>
-              <a:t>~/</a:t>
-            </a:r>
-            <a:r>
-              <a:rPr lang="hu-HU" sz="700" dirty="0" err="1">
-                <a:effectLst/>
-                <a:latin typeface="Bosch Office Sans" pitchFamily="2" charset="0"/>
-                <a:ea typeface="Arial" panose="020B0604020202020204" pitchFamily="34" charset="0"/>
-              </a:rPr>
-              <a:t>trajectory</a:t>
-            </a:r>
-            <a:r>
-              <a:rPr lang="hu-HU" sz="700" dirty="0">
-                <a:latin typeface="Bosch Office Sans" pitchFamily="2" charset="0"/>
-              </a:rPr>
-              <a:t> &lt;</a:t>
-            </a:r>
-            <a:r>
-              <a:rPr lang="hu-HU" sz="700" dirty="0" err="1">
-                <a:latin typeface="Bosch Office Sans" pitchFamily="2" charset="0"/>
-              </a:rPr>
-              <a:t>type</a:t>
-            </a:r>
-            <a:r>
-              <a:rPr lang="hu-HU" sz="700" dirty="0">
-                <a:latin typeface="Bosch Office Sans" pitchFamily="2" charset="0"/>
-              </a:rPr>
-              <a:t>: </a:t>
-            </a:r>
-            <a:r>
-              <a:rPr lang="hu-HU" sz="700" dirty="0" err="1">
-                <a:effectLst/>
-                <a:latin typeface="Bosch Office Sans" pitchFamily="2" charset="0"/>
-                <a:ea typeface="Arial" panose="020B0604020202020204" pitchFamily="34" charset="0"/>
-              </a:rPr>
-              <a:t>Trajectory</a:t>
-            </a:r>
-            <a:r>
-              <a:rPr lang="hu-HU" sz="700" dirty="0">
-                <a:latin typeface="Bosch Office Sans" pitchFamily="2" charset="0"/>
-              </a:rPr>
-              <a:t>&gt;</a:t>
-            </a:r>
-          </a:p>
-        </p:txBody>
-      </p:sp>
-      <p:sp>
-        <p:nvSpPr>
-          <p:cNvPr id="128" name="Ellipszis 127">
-            <a:extLst>
-              <a:ext uri="{FF2B5EF4-FFF2-40B4-BE49-F238E27FC236}">
-                <a16:creationId xmlns:a16="http://schemas.microsoft.com/office/drawing/2014/main" id="{BDCF706F-6744-621B-5FFB-24EAA6703BF9}"/>
-              </a:ext>
-            </a:extLst>
-          </p:cNvPr>
-          <p:cNvSpPr/>
-          <p:nvPr/>
-        </p:nvSpPr>
-        <p:spPr>
-          <a:xfrm>
-            <a:off x="8821198" y="4425361"/>
-            <a:ext cx="270591" cy="239247"/>
-          </a:xfrm>
-          <a:prstGeom prst="ellipse">
-            <a:avLst/>
-          </a:prstGeom>
-          <a:solidFill>
-            <a:schemeClr val="bg1">
-              <a:lumMod val="85000"/>
-            </a:schemeClr>
-          </a:solidFill>
-          <a:ln>
-            <a:solidFill>
-              <a:schemeClr val="tx1"/>
-            </a:solidFill>
-          </a:ln>
-        </p:spPr>
-        <p:style>
-          <a:lnRef idx="2">
-            <a:schemeClr val="accent1">
-              <a:shade val="15000"/>
-            </a:schemeClr>
-          </a:lnRef>
-          <a:fillRef idx="1">
-            <a:schemeClr val="accent1"/>
-          </a:fillRef>
-          <a:effectRef idx="0">
-            <a:schemeClr val="accent1"/>
-          </a:effectRef>
-          <a:fontRef idx="minor">
-            <a:schemeClr val="lt1"/>
-          </a:fontRef>
-        </p:style>
-        <p:txBody>
-          <a:bodyPr rtlCol="0" anchor="ctr"/>
-          <a:lstStyle/>
-          <a:p>
-            <a:pPr algn="ctr"/>
-            <a:r>
-              <a:rPr lang="hu-HU" sz="1400" dirty="0">
-                <a:solidFill>
-                  <a:schemeClr val="tx1"/>
-                </a:solidFill>
-                <a:latin typeface="Bosch Office Sans" pitchFamily="2" charset="0"/>
-              </a:rPr>
-              <a:t>4</a:t>
-            </a:r>
-            <a:endParaRPr lang="hu-HU" dirty="0">
-              <a:solidFill>
-                <a:schemeClr val="tx1"/>
-              </a:solidFill>
-              <a:latin typeface="Bosch Office Sans" pitchFamily="2" charset="0"/>
-            </a:endParaRPr>
-          </a:p>
-        </p:txBody>
-      </p:sp>
-      <p:sp>
-        <p:nvSpPr>
-          <p:cNvPr id="129" name="Ellipszis 128">
-            <a:extLst>
-              <a:ext uri="{FF2B5EF4-FFF2-40B4-BE49-F238E27FC236}">
-                <a16:creationId xmlns:a16="http://schemas.microsoft.com/office/drawing/2014/main" id="{22F2D4F3-FC5A-7AC6-9369-3ACF25956CE6}"/>
-              </a:ext>
-            </a:extLst>
-          </p:cNvPr>
-          <p:cNvSpPr/>
-          <p:nvPr/>
-        </p:nvSpPr>
-        <p:spPr>
-          <a:xfrm>
-            <a:off x="11047794" y="4387339"/>
-            <a:ext cx="270591" cy="239247"/>
-          </a:xfrm>
-          <a:prstGeom prst="ellipse">
-            <a:avLst/>
-          </a:prstGeom>
-          <a:solidFill>
-            <a:schemeClr val="bg1">
-              <a:lumMod val="85000"/>
-            </a:schemeClr>
-          </a:solidFill>
-          <a:ln>
-            <a:solidFill>
-              <a:schemeClr val="tx1"/>
-            </a:solidFill>
-          </a:ln>
-        </p:spPr>
-        <p:style>
-          <a:lnRef idx="2">
-            <a:schemeClr val="accent1">
-              <a:shade val="15000"/>
-            </a:schemeClr>
-          </a:lnRef>
-          <a:fillRef idx="1">
-            <a:schemeClr val="accent1"/>
-          </a:fillRef>
-          <a:effectRef idx="0">
-            <a:schemeClr val="accent1"/>
-          </a:effectRef>
-          <a:fontRef idx="minor">
-            <a:schemeClr val="lt1"/>
-          </a:fontRef>
-        </p:style>
-        <p:txBody>
-          <a:bodyPr rtlCol="0" anchor="ctr"/>
-          <a:lstStyle/>
-          <a:p>
-            <a:pPr algn="ctr"/>
-            <a:r>
-              <a:rPr lang="hu-HU" sz="1400">
-                <a:solidFill>
-                  <a:schemeClr val="tx1"/>
-                </a:solidFill>
-                <a:latin typeface="Bosch Office Sans" pitchFamily="2" charset="0"/>
-              </a:rPr>
-              <a:t>4</a:t>
-            </a:r>
-            <a:endParaRPr lang="hu-HU" dirty="0">
-              <a:solidFill>
-                <a:schemeClr val="tx1"/>
-              </a:solidFill>
-              <a:latin typeface="Bosch Office Sans" pitchFamily="2" charset="0"/>
-            </a:endParaRPr>
-          </a:p>
-        </p:txBody>
-      </p:sp>
-      <p:sp>
-        <p:nvSpPr>
-          <p:cNvPr id="60" name="Szövegdoboz 59">
-            <a:extLst>
-              <a:ext uri="{FF2B5EF4-FFF2-40B4-BE49-F238E27FC236}">
-                <a16:creationId xmlns:a16="http://schemas.microsoft.com/office/drawing/2014/main" id="{96E59FCD-933E-14BE-D98A-73CF01741435}"/>
-              </a:ext>
-            </a:extLst>
-          </p:cNvPr>
-          <p:cNvSpPr txBox="1"/>
-          <p:nvPr/>
-        </p:nvSpPr>
-        <p:spPr>
-          <a:xfrm>
-            <a:off x="8649238" y="1097559"/>
-            <a:ext cx="2316483" cy="307777"/>
-          </a:xfrm>
-          <a:prstGeom prst="rect">
-            <a:avLst/>
-          </a:prstGeom>
-          <a:solidFill>
-            <a:schemeClr val="bg1"/>
-          </a:solidFill>
-        </p:spPr>
-        <p:txBody>
-          <a:bodyPr wrap="square" rtlCol="0">
-            <a:spAutoFit/>
-          </a:bodyPr>
-          <a:lstStyle/>
-          <a:p>
-            <a:r>
-              <a:rPr lang="hu-HU" sz="700" dirty="0" err="1">
-                <a:effectLst/>
-                <a:latin typeface="Bosch Office Sans" pitchFamily="2" charset="0"/>
-                <a:ea typeface="Arial" panose="020B0604020202020204" pitchFamily="34" charset="0"/>
-              </a:rPr>
-              <a:t>motion_planning</a:t>
-            </a:r>
-            <a:r>
-              <a:rPr lang="hu-HU" sz="700" dirty="0">
-                <a:effectLst/>
-                <a:latin typeface="Bosch Office Sans" pitchFamily="2" charset="0"/>
-                <a:ea typeface="Arial" panose="020B0604020202020204" pitchFamily="34" charset="0"/>
-              </a:rPr>
-              <a:t> / </a:t>
-            </a:r>
-            <a:r>
-              <a:rPr lang="hu-HU" sz="700" dirty="0" err="1">
-                <a:effectLst/>
-                <a:latin typeface="Bosch Office Sans" pitchFamily="2" charset="0"/>
-                <a:ea typeface="Arial" panose="020B0604020202020204" pitchFamily="34" charset="0"/>
-              </a:rPr>
-              <a:t>obstacle_velocity_limiter</a:t>
-            </a:r>
-            <a:r>
-              <a:rPr lang="hu-HU" sz="700" dirty="0">
-                <a:effectLst/>
-                <a:latin typeface="Bosch Office Sans" pitchFamily="2" charset="0"/>
-                <a:ea typeface="Arial" panose="020B0604020202020204" pitchFamily="34" charset="0"/>
-              </a:rPr>
-              <a:t> / </a:t>
-            </a:r>
-            <a:r>
-              <a:rPr lang="hu-HU" sz="700" dirty="0" err="1">
-                <a:effectLst/>
-                <a:latin typeface="Bosch Office Sans" pitchFamily="2" charset="0"/>
-                <a:ea typeface="Arial" panose="020B0604020202020204" pitchFamily="34" charset="0"/>
-              </a:rPr>
-              <a:t>trajectory</a:t>
-            </a:r>
-            <a:r>
-              <a:rPr lang="hu-HU" sz="700" dirty="0">
-                <a:effectLst/>
-                <a:latin typeface="Bosch Office Sans" pitchFamily="2" charset="0"/>
-                <a:ea typeface="Arial" panose="020B0604020202020204" pitchFamily="34" charset="0"/>
-              </a:rPr>
-              <a:t> </a:t>
-            </a:r>
-          </a:p>
-          <a:p>
-            <a:r>
-              <a:rPr lang="hu-HU" sz="700" dirty="0">
-                <a:latin typeface="Bosch Office Sans" pitchFamily="2" charset="0"/>
-              </a:rPr>
-              <a:t> &lt;</a:t>
-            </a:r>
-            <a:r>
-              <a:rPr lang="hu-HU" sz="700" dirty="0" err="1">
-                <a:latin typeface="Bosch Office Sans" pitchFamily="2" charset="0"/>
-              </a:rPr>
-              <a:t>type</a:t>
-            </a:r>
-            <a:r>
-              <a:rPr lang="hu-HU" sz="700" dirty="0">
-                <a:latin typeface="Bosch Office Sans" pitchFamily="2" charset="0"/>
-              </a:rPr>
-              <a:t>: </a:t>
-            </a:r>
-            <a:r>
-              <a:rPr lang="hu-HU" sz="700" dirty="0" err="1">
-                <a:effectLst/>
-                <a:latin typeface="Bosch Office Sans" pitchFamily="2" charset="0"/>
-                <a:ea typeface="Arial" panose="020B0604020202020204" pitchFamily="34" charset="0"/>
-              </a:rPr>
-              <a:t>Trajectory</a:t>
-            </a:r>
-            <a:r>
-              <a:rPr lang="hu-HU" sz="700" dirty="0">
-                <a:latin typeface="Bosch Office Sans" pitchFamily="2" charset="0"/>
-              </a:rPr>
-              <a:t>&gt;</a:t>
-            </a:r>
-          </a:p>
-        </p:txBody>
-      </p:sp>
-      <p:sp>
-        <p:nvSpPr>
-          <p:cNvPr id="135" name="Téglalap 134">
-            <a:extLst>
-              <a:ext uri="{FF2B5EF4-FFF2-40B4-BE49-F238E27FC236}">
-                <a16:creationId xmlns:a16="http://schemas.microsoft.com/office/drawing/2014/main" id="{531FAB10-82AD-4271-8199-AAB41D763202}"/>
-              </a:ext>
-            </a:extLst>
-          </p:cNvPr>
-          <p:cNvSpPr/>
-          <p:nvPr/>
-        </p:nvSpPr>
-        <p:spPr>
-          <a:xfrm>
-            <a:off x="6391495" y="5949002"/>
-            <a:ext cx="5623722" cy="689542"/>
-          </a:xfrm>
-          <a:prstGeom prst="rect">
-            <a:avLst/>
-          </a:prstGeom>
-          <a:solidFill>
-            <a:schemeClr val="accent5">
-              <a:lumMod val="60000"/>
-              <a:lumOff val="40000"/>
-              <a:alpha val="30000"/>
-            </a:schemeClr>
-          </a:solidFill>
-          <a:ln>
-            <a:noFill/>
-          </a:ln>
-        </p:spPr>
-        <p:style>
-          <a:lnRef idx="2">
-            <a:schemeClr val="accent1">
-              <a:shade val="15000"/>
-            </a:schemeClr>
-          </a:lnRef>
-          <a:fillRef idx="1">
-            <a:schemeClr val="accent1"/>
-          </a:fillRef>
-          <a:effectRef idx="0">
-            <a:schemeClr val="accent1"/>
-          </a:effectRef>
-          <a:fontRef idx="minor">
-            <a:schemeClr val="lt1"/>
-          </a:fontRef>
-        </p:style>
-        <p:txBody>
-          <a:bodyPr rtlCol="0" anchor="t"/>
-          <a:lstStyle/>
-          <a:p>
-            <a:pPr algn="ctr"/>
-            <a:r>
-              <a:rPr lang="hu-HU" sz="1000" b="1" dirty="0" err="1">
-                <a:solidFill>
-                  <a:schemeClr val="tx1"/>
-                </a:solidFill>
-                <a:latin typeface="Bosch Office Sans" pitchFamily="2" charset="0"/>
-              </a:rPr>
-              <a:t>Actuator</a:t>
-            </a:r>
-            <a:r>
-              <a:rPr lang="hu-HU" sz="1000" b="1" dirty="0">
-                <a:solidFill>
-                  <a:schemeClr val="tx1"/>
-                </a:solidFill>
-                <a:latin typeface="Bosch Office Sans" pitchFamily="2" charset="0"/>
-              </a:rPr>
-              <a:t> </a:t>
-            </a:r>
-            <a:r>
-              <a:rPr lang="hu-HU" sz="1000" b="1" dirty="0" err="1">
-                <a:solidFill>
-                  <a:schemeClr val="tx1"/>
-                </a:solidFill>
-                <a:latin typeface="Bosch Office Sans" pitchFamily="2" charset="0"/>
-              </a:rPr>
-              <a:t>Control</a:t>
-            </a:r>
-            <a:endParaRPr lang="hu-HU" sz="1000" b="1" dirty="0">
-              <a:solidFill>
-                <a:schemeClr val="tx1"/>
-              </a:solidFill>
-              <a:latin typeface="Bosch Office Sans" pitchFamily="2" charset="0"/>
-            </a:endParaRPr>
-          </a:p>
-          <a:p>
-            <a:pPr algn="ctr"/>
-            <a:r>
-              <a:rPr lang="hu-HU" sz="1000" b="1" dirty="0">
-                <a:solidFill>
-                  <a:schemeClr val="tx1"/>
-                </a:solidFill>
-                <a:latin typeface="Bosch Office Sans" pitchFamily="2" charset="0"/>
-              </a:rPr>
-              <a:t>(</a:t>
-            </a:r>
-            <a:r>
-              <a:rPr lang="hu-HU" sz="1000" b="1" dirty="0" err="1">
-                <a:solidFill>
-                  <a:schemeClr val="tx1"/>
-                </a:solidFill>
-                <a:latin typeface="Bosch Office Sans" pitchFamily="2" charset="0"/>
-              </a:rPr>
-              <a:t>Actuator</a:t>
-            </a:r>
-            <a:r>
-              <a:rPr lang="hu-HU" sz="1000" b="1" dirty="0">
-                <a:solidFill>
-                  <a:schemeClr val="tx1"/>
-                </a:solidFill>
-                <a:latin typeface="Bosch Office Sans" pitchFamily="2" charset="0"/>
-              </a:rPr>
-              <a:t> </a:t>
-            </a:r>
-            <a:r>
-              <a:rPr lang="hu-HU" sz="1000" b="1" dirty="0" err="1">
-                <a:solidFill>
-                  <a:schemeClr val="tx1"/>
-                </a:solidFill>
-                <a:latin typeface="Bosch Office Sans" pitchFamily="2" charset="0"/>
-              </a:rPr>
-              <a:t>Abstraction</a:t>
-            </a:r>
-            <a:r>
-              <a:rPr lang="hu-HU" sz="1000" b="1" dirty="0">
-                <a:solidFill>
-                  <a:schemeClr val="tx1"/>
-                </a:solidFill>
-                <a:latin typeface="Bosch Office Sans" pitchFamily="2" charset="0"/>
-              </a:rPr>
-              <a:t>)</a:t>
-            </a:r>
-          </a:p>
-        </p:txBody>
-      </p:sp>
-      <p:sp>
-        <p:nvSpPr>
-          <p:cNvPr id="4" name="Téglalap 3">
-            <a:extLst>
-              <a:ext uri="{FF2B5EF4-FFF2-40B4-BE49-F238E27FC236}">
-                <a16:creationId xmlns:a16="http://schemas.microsoft.com/office/drawing/2014/main" id="{49B8AE38-31DF-5CB9-979A-136012EABBF8}"/>
-              </a:ext>
-            </a:extLst>
-          </p:cNvPr>
-          <p:cNvSpPr/>
-          <p:nvPr/>
-        </p:nvSpPr>
-        <p:spPr>
-          <a:xfrm>
-            <a:off x="571431" y="1274689"/>
-            <a:ext cx="1439412" cy="393712"/>
-          </a:xfrm>
-          <a:prstGeom prst="rect">
-            <a:avLst/>
-          </a:prstGeom>
-          <a:solidFill>
-            <a:schemeClr val="bg1"/>
-          </a:solidFill>
-          <a:ln>
-            <a:solidFill>
-              <a:schemeClr val="tx1"/>
-            </a:solidFill>
-          </a:ln>
-        </p:spPr>
-        <p:style>
-          <a:lnRef idx="2">
-            <a:schemeClr val="accent1">
-              <a:shade val="15000"/>
-            </a:schemeClr>
-          </a:lnRef>
-          <a:fillRef idx="1">
-            <a:schemeClr val="accent1"/>
-          </a:fillRef>
-          <a:effectRef idx="0">
-            <a:schemeClr val="accent1"/>
-          </a:effectRef>
-          <a:fontRef idx="minor">
-            <a:schemeClr val="lt1"/>
-          </a:fontRef>
-        </p:style>
-        <p:txBody>
-          <a:bodyPr rtlCol="0" anchor="ctr"/>
-          <a:lstStyle/>
-          <a:p>
-            <a:pPr algn="ctr"/>
-            <a:r>
-              <a:rPr lang="hu-HU" sz="900" dirty="0">
-                <a:solidFill>
-                  <a:schemeClr val="tx1"/>
-                </a:solidFill>
-                <a:latin typeface="Bosch Office Sans" pitchFamily="2" charset="0"/>
-              </a:rPr>
-              <a:t>/</a:t>
-            </a:r>
-            <a:r>
-              <a:rPr lang="hu-HU" sz="900" dirty="0" err="1">
-                <a:solidFill>
-                  <a:schemeClr val="tx1"/>
-                </a:solidFill>
-                <a:latin typeface="Bosch Office Sans" pitchFamily="2" charset="0"/>
-              </a:rPr>
-              <a:t>sensabst_local_scenario_provider</a:t>
-            </a:r>
-            <a:endParaRPr lang="hu-HU" sz="900" dirty="0">
-              <a:solidFill>
-                <a:schemeClr val="tx1"/>
-              </a:solidFill>
-              <a:latin typeface="Bosch Office Sans" pitchFamily="2" charset="0"/>
-            </a:endParaRPr>
-          </a:p>
-        </p:txBody>
-      </p:sp>
-      <p:sp>
-        <p:nvSpPr>
-          <p:cNvPr id="11" name="Téglalap 10">
-            <a:extLst>
-              <a:ext uri="{FF2B5EF4-FFF2-40B4-BE49-F238E27FC236}">
-                <a16:creationId xmlns:a16="http://schemas.microsoft.com/office/drawing/2014/main" id="{D7577D8A-D6A0-092E-3F71-EAE082818E48}"/>
-              </a:ext>
-            </a:extLst>
-          </p:cNvPr>
-          <p:cNvSpPr/>
-          <p:nvPr/>
-        </p:nvSpPr>
-        <p:spPr>
-          <a:xfrm>
-            <a:off x="2909305" y="3257528"/>
-            <a:ext cx="1652184" cy="2962297"/>
-          </a:xfrm>
-          <a:prstGeom prst="rect">
-            <a:avLst/>
-          </a:prstGeom>
-          <a:solidFill>
-            <a:schemeClr val="accent5">
-              <a:lumMod val="75000"/>
-              <a:alpha val="30000"/>
-            </a:schemeClr>
-          </a:solidFill>
-          <a:ln>
-            <a:noFill/>
-          </a:ln>
-        </p:spPr>
-        <p:style>
-          <a:lnRef idx="2">
-            <a:schemeClr val="accent1">
-              <a:shade val="15000"/>
-            </a:schemeClr>
-          </a:lnRef>
-          <a:fillRef idx="1">
-            <a:schemeClr val="accent1"/>
-          </a:fillRef>
-          <a:effectRef idx="0">
-            <a:schemeClr val="accent1"/>
-          </a:effectRef>
-          <a:fontRef idx="minor">
-            <a:schemeClr val="lt1"/>
-          </a:fontRef>
-        </p:style>
-        <p:txBody>
-          <a:bodyPr rtlCol="0" anchor="b"/>
-          <a:lstStyle/>
-          <a:p>
-            <a:pPr algn="ctr"/>
-            <a:r>
-              <a:rPr lang="hu-HU" sz="1000" b="1" dirty="0" err="1">
-                <a:solidFill>
-                  <a:schemeClr val="tx1"/>
-                </a:solidFill>
-                <a:latin typeface="Bosch Office Sans" pitchFamily="2" charset="0"/>
-              </a:rPr>
-              <a:t>Behavior</a:t>
-            </a:r>
-            <a:r>
-              <a:rPr lang="hu-HU" sz="1000" b="1" dirty="0">
-                <a:solidFill>
-                  <a:schemeClr val="tx1"/>
-                </a:solidFill>
-                <a:latin typeface="Bosch Office Sans" pitchFamily="2" charset="0"/>
-              </a:rPr>
-              <a:t> </a:t>
-            </a:r>
-            <a:r>
-              <a:rPr lang="hu-HU" sz="1000" b="1" dirty="0" err="1">
-                <a:solidFill>
-                  <a:schemeClr val="tx1"/>
-                </a:solidFill>
-                <a:latin typeface="Bosch Office Sans" pitchFamily="2" charset="0"/>
-              </a:rPr>
-              <a:t>Layer</a:t>
-            </a:r>
-            <a:endParaRPr lang="hu-HU" sz="1000" b="1" dirty="0">
-              <a:solidFill>
-                <a:schemeClr val="tx1"/>
-              </a:solidFill>
-              <a:latin typeface="Bosch Office Sans" pitchFamily="2" charset="0"/>
-            </a:endParaRPr>
-          </a:p>
-        </p:txBody>
-      </p:sp>
-      <p:sp>
-        <p:nvSpPr>
-          <p:cNvPr id="9" name="Téglalap 8">
-            <a:extLst>
-              <a:ext uri="{FF2B5EF4-FFF2-40B4-BE49-F238E27FC236}">
-                <a16:creationId xmlns:a16="http://schemas.microsoft.com/office/drawing/2014/main" id="{D9219E3E-FC7B-AD7A-2D51-4C83C242CD5C}"/>
-              </a:ext>
-            </a:extLst>
-          </p:cNvPr>
-          <p:cNvSpPr/>
-          <p:nvPr/>
-        </p:nvSpPr>
-        <p:spPr>
-          <a:xfrm>
-            <a:off x="2965695" y="3406764"/>
-            <a:ext cx="1505208" cy="393712"/>
-          </a:xfrm>
-          <a:prstGeom prst="rect">
-            <a:avLst/>
-          </a:prstGeom>
-          <a:solidFill>
-            <a:schemeClr val="bg1"/>
-          </a:solidFill>
-          <a:ln>
-            <a:solidFill>
-              <a:schemeClr val="tx1"/>
-            </a:solidFill>
-          </a:ln>
-        </p:spPr>
-        <p:style>
-          <a:lnRef idx="2">
-            <a:schemeClr val="accent1">
-              <a:shade val="15000"/>
-            </a:schemeClr>
-          </a:lnRef>
-          <a:fillRef idx="1">
-            <a:schemeClr val="accent1"/>
-          </a:fillRef>
-          <a:effectRef idx="0">
-            <a:schemeClr val="accent1"/>
-          </a:effectRef>
-          <a:fontRef idx="minor">
-            <a:schemeClr val="lt1"/>
-          </a:fontRef>
-        </p:style>
-        <p:txBody>
-          <a:bodyPr rtlCol="0" anchor="ctr"/>
-          <a:lstStyle/>
-          <a:p>
-            <a:pPr algn="ctr"/>
-            <a:r>
-              <a:rPr lang="hu-HU" sz="900" dirty="0">
-                <a:solidFill>
-                  <a:schemeClr val="tx1"/>
-                </a:solidFill>
-                <a:latin typeface="Bosch Office Sans" pitchFamily="2" charset="0"/>
-              </a:rPr>
-              <a:t>/</a:t>
-            </a:r>
-            <a:r>
-              <a:rPr lang="hu-HU" sz="900" dirty="0" err="1">
-                <a:solidFill>
-                  <a:schemeClr val="tx1"/>
-                </a:solidFill>
-                <a:latin typeface="Bosch Office Sans" pitchFamily="2" charset="0"/>
-              </a:rPr>
-              <a:t>bhvr_linear_driver_model</a:t>
-            </a:r>
-            <a:endParaRPr lang="hu-HU" sz="900" dirty="0">
-              <a:solidFill>
-                <a:schemeClr val="tx1"/>
-              </a:solidFill>
-              <a:latin typeface="Bosch Office Sans" pitchFamily="2" charset="0"/>
-            </a:endParaRPr>
-          </a:p>
-        </p:txBody>
-      </p:sp>
-      <p:sp>
-        <p:nvSpPr>
-          <p:cNvPr id="13" name="Téglalap 12">
-            <a:extLst>
-              <a:ext uri="{FF2B5EF4-FFF2-40B4-BE49-F238E27FC236}">
-                <a16:creationId xmlns:a16="http://schemas.microsoft.com/office/drawing/2014/main" id="{7117D5D4-9F55-0C45-1434-EB6F7CE0F0CF}"/>
-              </a:ext>
-            </a:extLst>
-          </p:cNvPr>
-          <p:cNvSpPr/>
-          <p:nvPr/>
-        </p:nvSpPr>
-        <p:spPr>
-          <a:xfrm>
-            <a:off x="589780" y="1753604"/>
-            <a:ext cx="1425711" cy="393712"/>
-          </a:xfrm>
-          <a:prstGeom prst="rect">
-            <a:avLst/>
-          </a:prstGeom>
-          <a:solidFill>
-            <a:schemeClr val="bg1"/>
-          </a:solidFill>
-          <a:ln>
-            <a:solidFill>
-              <a:schemeClr val="tx1"/>
-            </a:solidFill>
-          </a:ln>
-        </p:spPr>
-        <p:style>
-          <a:lnRef idx="2">
-            <a:schemeClr val="accent1">
-              <a:shade val="15000"/>
-            </a:schemeClr>
-          </a:lnRef>
-          <a:fillRef idx="1">
-            <a:schemeClr val="accent1"/>
-          </a:fillRef>
-          <a:effectRef idx="0">
-            <a:schemeClr val="accent1"/>
-          </a:effectRef>
-          <a:fontRef idx="minor">
-            <a:schemeClr val="lt1"/>
-          </a:fontRef>
-        </p:style>
-        <p:txBody>
-          <a:bodyPr rtlCol="0" anchor="ctr"/>
-          <a:lstStyle/>
-          <a:p>
-            <a:pPr algn="ctr"/>
-            <a:r>
-              <a:rPr lang="hu-HU" sz="900" dirty="0">
-                <a:solidFill>
-                  <a:schemeClr val="tx1"/>
-                </a:solidFill>
-                <a:latin typeface="Bosch Office Sans" pitchFamily="2" charset="0"/>
-              </a:rPr>
-              <a:t>/sensabst_zed2_scenario_detection</a:t>
-            </a:r>
-          </a:p>
-        </p:txBody>
-      </p:sp>
-      <p:sp>
-        <p:nvSpPr>
-          <p:cNvPr id="16" name="Téglalap 15">
-            <a:extLst>
-              <a:ext uri="{FF2B5EF4-FFF2-40B4-BE49-F238E27FC236}">
-                <a16:creationId xmlns:a16="http://schemas.microsoft.com/office/drawing/2014/main" id="{6CD7DECA-CEB3-15C8-A05A-51D0B9B5BF62}"/>
-              </a:ext>
-            </a:extLst>
-          </p:cNvPr>
-          <p:cNvSpPr/>
-          <p:nvPr/>
-        </p:nvSpPr>
-        <p:spPr>
-          <a:xfrm>
-            <a:off x="3025162" y="1821399"/>
-            <a:ext cx="1317096" cy="393712"/>
-          </a:xfrm>
-          <a:prstGeom prst="rect">
-            <a:avLst/>
-          </a:prstGeom>
-          <a:solidFill>
-            <a:schemeClr val="bg1"/>
-          </a:solidFill>
-          <a:ln>
-            <a:solidFill>
-              <a:schemeClr val="tx1"/>
-            </a:solidFill>
-          </a:ln>
-        </p:spPr>
-        <p:style>
-          <a:lnRef idx="2">
-            <a:schemeClr val="accent1">
-              <a:shade val="15000"/>
-            </a:schemeClr>
-          </a:lnRef>
-          <a:fillRef idx="1">
-            <a:schemeClr val="accent1"/>
-          </a:fillRef>
-          <a:effectRef idx="0">
-            <a:schemeClr val="accent1"/>
-          </a:effectRef>
-          <a:fontRef idx="minor">
-            <a:schemeClr val="lt1"/>
-          </a:fontRef>
-        </p:style>
-        <p:txBody>
-          <a:bodyPr rtlCol="0" anchor="ctr"/>
-          <a:lstStyle/>
-          <a:p>
-            <a:pPr algn="ctr"/>
-            <a:r>
-              <a:rPr lang="hu-HU" sz="900" dirty="0">
-                <a:solidFill>
-                  <a:schemeClr val="tx1"/>
-                </a:solidFill>
-                <a:latin typeface="Bosch Office Sans" pitchFamily="2" charset="0"/>
-              </a:rPr>
-              <a:t>/</a:t>
-            </a:r>
-            <a:r>
-              <a:rPr lang="hu-HU" sz="900" dirty="0" err="1">
-                <a:solidFill>
-                  <a:schemeClr val="tx1"/>
-                </a:solidFill>
-                <a:latin typeface="Bosch Office Sans" pitchFamily="2" charset="0"/>
-              </a:rPr>
-              <a:t>prcp_dynamic_scenario_fusion</a:t>
-            </a:r>
-            <a:endParaRPr lang="hu-HU" sz="900" dirty="0">
-              <a:solidFill>
-                <a:schemeClr val="tx1"/>
-              </a:solidFill>
-              <a:latin typeface="Bosch Office Sans" pitchFamily="2" charset="0"/>
-            </a:endParaRPr>
-          </a:p>
-        </p:txBody>
-      </p:sp>
-    </p:spTree>
-    <p:extLst>
-      <p:ext uri="{BB962C8B-B14F-4D97-AF65-F5344CB8AC3E}">
-        <p14:creationId xmlns:p14="http://schemas.microsoft.com/office/powerpoint/2010/main" val="3800592995"/>
       </p:ext>
     </p:extLst>
   </p:cSld>

--- a/doc/CRP_arch.pptx
+++ b/doc/CRP_arch.pptx
@@ -5,7 +5,7 @@
     <p:sldMasterId id="2147483648" r:id="rId1"/>
   </p:sldMasterIdLst>
   <p:notesMasterIdLst>
-    <p:notesMasterId r:id="rId14"/>
+    <p:notesMasterId r:id="rId16"/>
   </p:notesMasterIdLst>
   <p:sldIdLst>
     <p:sldId id="268" r:id="rId2"/>
@@ -20,6 +20,8 @@
     <p:sldId id="261" r:id="rId11"/>
     <p:sldId id="262" r:id="rId12"/>
     <p:sldId id="263" r:id="rId13"/>
+    <p:sldId id="269" r:id="rId14"/>
+    <p:sldId id="270" r:id="rId15"/>
   </p:sldIdLst>
   <p:sldSz cx="12192000" cy="6858000"/>
   <p:notesSz cx="6858000" cy="9144000"/>
@@ -208,7 +210,7 @@
           <a:p>
             <a:fld id="{DA15275B-8C37-4C27-B8F8-7B204A7F6029}" type="datetimeFigureOut">
               <a:rPr lang="hu-HU" smtClean="0"/>
-              <a:t>2024. 07. 25.</a:t>
+              <a:t>2025. 01. 23.</a:t>
             </a:fld>
             <a:endParaRPr lang="hu-HU"/>
           </a:p>
@@ -1834,7 +1836,7 @@
           <a:p>
             <a:fld id="{79499D30-19C5-4491-A806-11EE74577FB2}" type="datetimeFigureOut">
               <a:rPr lang="hu-HU" smtClean="0"/>
-              <a:t>2024. 07. 25.</a:t>
+              <a:t>2025. 01. 23.</a:t>
             </a:fld>
             <a:endParaRPr lang="hu-HU"/>
           </a:p>
@@ -2032,7 +2034,7 @@
           <a:p>
             <a:fld id="{79499D30-19C5-4491-A806-11EE74577FB2}" type="datetimeFigureOut">
               <a:rPr lang="hu-HU" smtClean="0"/>
-              <a:t>2024. 07. 25.</a:t>
+              <a:t>2025. 01. 23.</a:t>
             </a:fld>
             <a:endParaRPr lang="hu-HU"/>
           </a:p>
@@ -2240,7 +2242,7 @@
           <a:p>
             <a:fld id="{79499D30-19C5-4491-A806-11EE74577FB2}" type="datetimeFigureOut">
               <a:rPr lang="hu-HU" smtClean="0"/>
-              <a:t>2024. 07. 25.</a:t>
+              <a:t>2025. 01. 23.</a:t>
             </a:fld>
             <a:endParaRPr lang="hu-HU"/>
           </a:p>
@@ -2678,7 +2680,7 @@
           <a:p>
             <a:fld id="{79499D30-19C5-4491-A806-11EE74577FB2}" type="datetimeFigureOut">
               <a:rPr lang="hu-HU" smtClean="0"/>
-              <a:t>2024. 07. 25.</a:t>
+              <a:t>2025. 01. 23.</a:t>
             </a:fld>
             <a:endParaRPr lang="hu-HU"/>
           </a:p>
@@ -2953,7 +2955,7 @@
           <a:p>
             <a:fld id="{79499D30-19C5-4491-A806-11EE74577FB2}" type="datetimeFigureOut">
               <a:rPr lang="hu-HU" smtClean="0"/>
-              <a:t>2024. 07. 25.</a:t>
+              <a:t>2025. 01. 23.</a:t>
             </a:fld>
             <a:endParaRPr lang="hu-HU"/>
           </a:p>
@@ -3218,7 +3220,7 @@
           <a:p>
             <a:fld id="{79499D30-19C5-4491-A806-11EE74577FB2}" type="datetimeFigureOut">
               <a:rPr lang="hu-HU" smtClean="0"/>
-              <a:t>2024. 07. 25.</a:t>
+              <a:t>2025. 01. 23.</a:t>
             </a:fld>
             <a:endParaRPr lang="hu-HU"/>
           </a:p>
@@ -3630,7 +3632,7 @@
           <a:p>
             <a:fld id="{79499D30-19C5-4491-A806-11EE74577FB2}" type="datetimeFigureOut">
               <a:rPr lang="hu-HU" smtClean="0"/>
-              <a:t>2024. 07. 25.</a:t>
+              <a:t>2025. 01. 23.</a:t>
             </a:fld>
             <a:endParaRPr lang="hu-HU"/>
           </a:p>
@@ -3771,7 +3773,7 @@
           <a:p>
             <a:fld id="{79499D30-19C5-4491-A806-11EE74577FB2}" type="datetimeFigureOut">
               <a:rPr lang="hu-HU" smtClean="0"/>
-              <a:t>2024. 07. 25.</a:t>
+              <a:t>2025. 01. 23.</a:t>
             </a:fld>
             <a:endParaRPr lang="hu-HU"/>
           </a:p>
@@ -3884,7 +3886,7 @@
           <a:p>
             <a:fld id="{79499D30-19C5-4491-A806-11EE74577FB2}" type="datetimeFigureOut">
               <a:rPr lang="hu-HU" smtClean="0"/>
-              <a:t>2024. 07. 25.</a:t>
+              <a:t>2025. 01. 23.</a:t>
             </a:fld>
             <a:endParaRPr lang="hu-HU"/>
           </a:p>
@@ -4195,7 +4197,7 @@
           <a:p>
             <a:fld id="{79499D30-19C5-4491-A806-11EE74577FB2}" type="datetimeFigureOut">
               <a:rPr lang="hu-HU" smtClean="0"/>
-              <a:t>2024. 07. 25.</a:t>
+              <a:t>2025. 01. 23.</a:t>
             </a:fld>
             <a:endParaRPr lang="hu-HU"/>
           </a:p>
@@ -4483,7 +4485,7 @@
           <a:p>
             <a:fld id="{79499D30-19C5-4491-A806-11EE74577FB2}" type="datetimeFigureOut">
               <a:rPr lang="hu-HU" smtClean="0"/>
-              <a:t>2024. 07. 25.</a:t>
+              <a:t>2025. 01. 23.</a:t>
             </a:fld>
             <a:endParaRPr lang="hu-HU"/>
           </a:p>
@@ -4724,7 +4726,7 @@
           <a:p>
             <a:fld id="{79499D30-19C5-4491-A806-11EE74577FB2}" type="datetimeFigureOut">
               <a:rPr lang="hu-HU" smtClean="0"/>
-              <a:t>2024. 07. 25.</a:t>
+              <a:t>2025. 01. 23.</a:t>
             </a:fld>
             <a:endParaRPr lang="hu-HU"/>
           </a:p>
@@ -17288,6 +17290,8552 @@
     <p:extLst>
       <p:ext uri="{BB962C8B-B14F-4D97-AF65-F5344CB8AC3E}">
         <p14:creationId xmlns:p14="http://schemas.microsoft.com/office/powerpoint/2010/main" val="716675338"/>
+      </p:ext>
+    </p:extLst>
+  </p:cSld>
+  <p:clrMapOvr>
+    <a:masterClrMapping/>
+  </p:clrMapOvr>
+</p:sld>
+</file>
+
+<file path=ppt/slides/slide13.xml><?xml version="1.0" encoding="utf-8"?>
+<p:sld xmlns:a="http://schemas.openxmlformats.org/drawingml/2006/main" xmlns:r="http://schemas.openxmlformats.org/officeDocument/2006/relationships" xmlns:p="http://schemas.openxmlformats.org/presentationml/2006/main">
+  <p:cSld>
+    <p:spTree>
+      <p:nvGrpSpPr>
+        <p:cNvPr id="1" name=""/>
+        <p:cNvGrpSpPr/>
+        <p:nvPr/>
+      </p:nvGrpSpPr>
+      <p:grpSpPr>
+        <a:xfrm>
+          <a:off x="0" y="0"/>
+          <a:ext cx="0" cy="0"/>
+          <a:chOff x="0" y="0"/>
+          <a:chExt cx="0" cy="0"/>
+        </a:xfrm>
+      </p:grpSpPr>
+      <p:sp>
+        <p:nvSpPr>
+          <p:cNvPr id="2" name="Téglalap 1">
+            <a:extLst>
+              <a:ext uri="{FF2B5EF4-FFF2-40B4-BE49-F238E27FC236}">
+                <a16:creationId xmlns:a16="http://schemas.microsoft.com/office/drawing/2014/main" id="{D8EC16DE-D5D9-85D5-B1C2-3A26C791E55D}"/>
+              </a:ext>
+            </a:extLst>
+          </p:cNvPr>
+          <p:cNvSpPr/>
+          <p:nvPr/>
+        </p:nvSpPr>
+        <p:spPr>
+          <a:xfrm>
+            <a:off x="3720526" y="1166499"/>
+            <a:ext cx="1073684" cy="503510"/>
+          </a:xfrm>
+          <a:prstGeom prst="rect">
+            <a:avLst/>
+          </a:prstGeom>
+          <a:noFill/>
+          <a:ln>
+            <a:solidFill>
+              <a:schemeClr val="tx1"/>
+            </a:solidFill>
+          </a:ln>
+        </p:spPr>
+        <p:style>
+          <a:lnRef idx="2">
+            <a:schemeClr val="accent1">
+              <a:shade val="15000"/>
+            </a:schemeClr>
+          </a:lnRef>
+          <a:fillRef idx="1">
+            <a:schemeClr val="accent1"/>
+          </a:fillRef>
+          <a:effectRef idx="0">
+            <a:schemeClr val="accent1"/>
+          </a:effectRef>
+          <a:fontRef idx="minor">
+            <a:schemeClr val="lt1"/>
+          </a:fontRef>
+        </p:style>
+        <p:txBody>
+          <a:bodyPr rtlCol="0" anchor="t"/>
+          <a:lstStyle/>
+          <a:p>
+            <a:pPr algn="ctr"/>
+            <a:r>
+              <a:rPr lang="hu-HU" sz="1200" dirty="0" err="1">
+                <a:solidFill>
+                  <a:schemeClr val="tx1"/>
+                </a:solidFill>
+                <a:latin typeface="Times New Roman" panose="02020603050405020304" pitchFamily="18" charset="0"/>
+                <a:cs typeface="Times New Roman" panose="02020603050405020304" pitchFamily="18" charset="0"/>
+              </a:rPr>
+              <a:t>Feedforward</a:t>
+            </a:r>
+            <a:endParaRPr lang="hu-HU" sz="1200" dirty="0">
+              <a:solidFill>
+                <a:schemeClr val="tx1"/>
+              </a:solidFill>
+              <a:latin typeface="Times New Roman" panose="02020603050405020304" pitchFamily="18" charset="0"/>
+              <a:cs typeface="Times New Roman" panose="02020603050405020304" pitchFamily="18" charset="0"/>
+            </a:endParaRPr>
+          </a:p>
+          <a:p>
+            <a:pPr algn="ctr"/>
+            <a:r>
+              <a:rPr lang="hu-HU" sz="1200" dirty="0">
+                <a:solidFill>
+                  <a:schemeClr val="tx1"/>
+                </a:solidFill>
+                <a:latin typeface="Times New Roman" panose="02020603050405020304" pitchFamily="18" charset="0"/>
+                <a:cs typeface="Times New Roman" panose="02020603050405020304" pitchFamily="18" charset="0"/>
+              </a:rPr>
+              <a:t>(</a:t>
+            </a:r>
+            <a:r>
+              <a:rPr lang="hu-HU" sz="1200" dirty="0" err="1">
+                <a:solidFill>
+                  <a:schemeClr val="tx1"/>
+                </a:solidFill>
+                <a:latin typeface="Times New Roman" panose="02020603050405020304" pitchFamily="18" charset="0"/>
+                <a:cs typeface="Times New Roman" panose="02020603050405020304" pitchFamily="18" charset="0"/>
+              </a:rPr>
+              <a:t>pure-pursuit</a:t>
+            </a:r>
+            <a:r>
+              <a:rPr lang="hu-HU" sz="1200" dirty="0">
+                <a:solidFill>
+                  <a:schemeClr val="tx1"/>
+                </a:solidFill>
+                <a:latin typeface="Times New Roman" panose="02020603050405020304" pitchFamily="18" charset="0"/>
+                <a:cs typeface="Times New Roman" panose="02020603050405020304" pitchFamily="18" charset="0"/>
+              </a:rPr>
+              <a:t>)</a:t>
+            </a:r>
+          </a:p>
+        </p:txBody>
+      </p:sp>
+      <p:sp>
+        <p:nvSpPr>
+          <p:cNvPr id="3" name="Téglalap 2">
+            <a:extLst>
+              <a:ext uri="{FF2B5EF4-FFF2-40B4-BE49-F238E27FC236}">
+                <a16:creationId xmlns:a16="http://schemas.microsoft.com/office/drawing/2014/main" id="{5FC77A75-6B87-DF78-8AF6-47658E1605BE}"/>
+              </a:ext>
+            </a:extLst>
+          </p:cNvPr>
+          <p:cNvSpPr/>
+          <p:nvPr/>
+        </p:nvSpPr>
+        <p:spPr>
+          <a:xfrm>
+            <a:off x="1620356" y="1166499"/>
+            <a:ext cx="1237882" cy="503510"/>
+          </a:xfrm>
+          <a:prstGeom prst="rect">
+            <a:avLst/>
+          </a:prstGeom>
+          <a:noFill/>
+          <a:ln>
+            <a:solidFill>
+              <a:schemeClr val="tx1"/>
+            </a:solidFill>
+          </a:ln>
+        </p:spPr>
+        <p:style>
+          <a:lnRef idx="2">
+            <a:schemeClr val="accent1">
+              <a:shade val="15000"/>
+            </a:schemeClr>
+          </a:lnRef>
+          <a:fillRef idx="1">
+            <a:schemeClr val="accent1"/>
+          </a:fillRef>
+          <a:effectRef idx="0">
+            <a:schemeClr val="accent1"/>
+          </a:effectRef>
+          <a:fontRef idx="minor">
+            <a:schemeClr val="lt1"/>
+          </a:fontRef>
+        </p:style>
+        <p:txBody>
+          <a:bodyPr rtlCol="0" anchor="t"/>
+          <a:lstStyle/>
+          <a:p>
+            <a:pPr algn="ctr"/>
+            <a:r>
+              <a:rPr lang="hu-HU" sz="1200" dirty="0" err="1">
+                <a:solidFill>
+                  <a:schemeClr val="tx1"/>
+                </a:solidFill>
+                <a:latin typeface="Times New Roman" panose="02020603050405020304" pitchFamily="18" charset="0"/>
+                <a:cs typeface="Times New Roman" panose="02020603050405020304" pitchFamily="18" charset="0"/>
+              </a:rPr>
+              <a:t>Look</a:t>
+            </a:r>
+            <a:r>
+              <a:rPr lang="hu-HU" sz="1200" dirty="0">
+                <a:solidFill>
+                  <a:schemeClr val="tx1"/>
+                </a:solidFill>
+                <a:latin typeface="Times New Roman" panose="02020603050405020304" pitchFamily="18" charset="0"/>
+                <a:cs typeface="Times New Roman" panose="02020603050405020304" pitchFamily="18" charset="0"/>
+              </a:rPr>
+              <a:t> </a:t>
+            </a:r>
+            <a:r>
+              <a:rPr lang="hu-HU" sz="1200" dirty="0" err="1">
+                <a:solidFill>
+                  <a:schemeClr val="tx1"/>
+                </a:solidFill>
+                <a:latin typeface="Times New Roman" panose="02020603050405020304" pitchFamily="18" charset="0"/>
+                <a:cs typeface="Times New Roman" panose="02020603050405020304" pitchFamily="18" charset="0"/>
+              </a:rPr>
+              <a:t>ahead</a:t>
+            </a:r>
+            <a:r>
+              <a:rPr lang="hu-HU" sz="1200" dirty="0">
+                <a:solidFill>
+                  <a:schemeClr val="tx1"/>
+                </a:solidFill>
+                <a:latin typeface="Times New Roman" panose="02020603050405020304" pitchFamily="18" charset="0"/>
+                <a:cs typeface="Times New Roman" panose="02020603050405020304" pitchFamily="18" charset="0"/>
+              </a:rPr>
+              <a:t> </a:t>
+            </a:r>
+            <a:r>
+              <a:rPr lang="hu-HU" sz="1200" dirty="0" err="1">
+                <a:solidFill>
+                  <a:schemeClr val="tx1"/>
+                </a:solidFill>
+                <a:latin typeface="Times New Roman" panose="02020603050405020304" pitchFamily="18" charset="0"/>
+                <a:cs typeface="Times New Roman" panose="02020603050405020304" pitchFamily="18" charset="0"/>
+              </a:rPr>
+              <a:t>point</a:t>
+            </a:r>
+            <a:r>
+              <a:rPr lang="hu-HU" sz="1200" dirty="0">
+                <a:solidFill>
+                  <a:schemeClr val="tx1"/>
+                </a:solidFill>
+                <a:latin typeface="Times New Roman" panose="02020603050405020304" pitchFamily="18" charset="0"/>
+                <a:cs typeface="Times New Roman" panose="02020603050405020304" pitchFamily="18" charset="0"/>
+              </a:rPr>
+              <a:t> </a:t>
+            </a:r>
+            <a:r>
+              <a:rPr lang="hu-HU" sz="1200" dirty="0" err="1">
+                <a:solidFill>
+                  <a:schemeClr val="tx1"/>
+                </a:solidFill>
+                <a:latin typeface="Times New Roman" panose="02020603050405020304" pitchFamily="18" charset="0"/>
+                <a:cs typeface="Times New Roman" panose="02020603050405020304" pitchFamily="18" charset="0"/>
+              </a:rPr>
+              <a:t>calculation</a:t>
+            </a:r>
+            <a:endParaRPr lang="hu-HU" sz="1200" dirty="0">
+              <a:solidFill>
+                <a:schemeClr val="tx1"/>
+              </a:solidFill>
+              <a:latin typeface="Times New Roman" panose="02020603050405020304" pitchFamily="18" charset="0"/>
+              <a:cs typeface="Times New Roman" panose="02020603050405020304" pitchFamily="18" charset="0"/>
+            </a:endParaRPr>
+          </a:p>
+        </p:txBody>
+      </p:sp>
+      <p:sp>
+        <p:nvSpPr>
+          <p:cNvPr id="4" name="Téglalap 3">
+            <a:extLst>
+              <a:ext uri="{FF2B5EF4-FFF2-40B4-BE49-F238E27FC236}">
+                <a16:creationId xmlns:a16="http://schemas.microsoft.com/office/drawing/2014/main" id="{C750F78C-FDD8-CB28-7ED2-4C0D690067C3}"/>
+              </a:ext>
+            </a:extLst>
+          </p:cNvPr>
+          <p:cNvSpPr/>
+          <p:nvPr/>
+        </p:nvSpPr>
+        <p:spPr>
+          <a:xfrm>
+            <a:off x="-667611" y="1166499"/>
+            <a:ext cx="1237882" cy="503510"/>
+          </a:xfrm>
+          <a:prstGeom prst="rect">
+            <a:avLst/>
+          </a:prstGeom>
+          <a:noFill/>
+          <a:ln>
+            <a:solidFill>
+              <a:schemeClr val="tx1"/>
+            </a:solidFill>
+          </a:ln>
+        </p:spPr>
+        <p:style>
+          <a:lnRef idx="2">
+            <a:schemeClr val="accent1">
+              <a:shade val="15000"/>
+            </a:schemeClr>
+          </a:lnRef>
+          <a:fillRef idx="1">
+            <a:schemeClr val="accent1"/>
+          </a:fillRef>
+          <a:effectRef idx="0">
+            <a:schemeClr val="accent1"/>
+          </a:effectRef>
+          <a:fontRef idx="minor">
+            <a:schemeClr val="lt1"/>
+          </a:fontRef>
+        </p:style>
+        <p:txBody>
+          <a:bodyPr rtlCol="0" anchor="t"/>
+          <a:lstStyle/>
+          <a:p>
+            <a:pPr algn="ctr"/>
+            <a:r>
+              <a:rPr lang="hu-HU" sz="1200" dirty="0" err="1">
+                <a:solidFill>
+                  <a:schemeClr val="tx1"/>
+                </a:solidFill>
+                <a:latin typeface="Times New Roman" panose="02020603050405020304" pitchFamily="18" charset="0"/>
+                <a:cs typeface="Times New Roman" panose="02020603050405020304" pitchFamily="18" charset="0"/>
+              </a:rPr>
+              <a:t>Polynomial</a:t>
+            </a:r>
+            <a:r>
+              <a:rPr lang="hu-HU" sz="1200" dirty="0">
+                <a:solidFill>
+                  <a:schemeClr val="tx1"/>
+                </a:solidFill>
+                <a:latin typeface="Times New Roman" panose="02020603050405020304" pitchFamily="18" charset="0"/>
+                <a:cs typeface="Times New Roman" panose="02020603050405020304" pitchFamily="18" charset="0"/>
+              </a:rPr>
+              <a:t> </a:t>
+            </a:r>
+            <a:r>
+              <a:rPr lang="hu-HU" sz="1200" dirty="0" err="1">
+                <a:solidFill>
+                  <a:schemeClr val="tx1"/>
+                </a:solidFill>
+                <a:latin typeface="Times New Roman" panose="02020603050405020304" pitchFamily="18" charset="0"/>
+                <a:cs typeface="Times New Roman" panose="02020603050405020304" pitchFamily="18" charset="0"/>
+              </a:rPr>
+              <a:t>regression</a:t>
+            </a:r>
+            <a:r>
+              <a:rPr lang="hu-HU" sz="1200" dirty="0">
+                <a:solidFill>
+                  <a:schemeClr val="tx1"/>
+                </a:solidFill>
+                <a:latin typeface="Times New Roman" panose="02020603050405020304" pitchFamily="18" charset="0"/>
+                <a:cs typeface="Times New Roman" panose="02020603050405020304" pitchFamily="18" charset="0"/>
+              </a:rPr>
+              <a:t> (LQ)</a:t>
+            </a:r>
+          </a:p>
+        </p:txBody>
+      </p:sp>
+      <p:grpSp>
+        <p:nvGrpSpPr>
+          <p:cNvPr id="10" name="Csoportba foglalás 9">
+            <a:extLst>
+              <a:ext uri="{FF2B5EF4-FFF2-40B4-BE49-F238E27FC236}">
+                <a16:creationId xmlns:a16="http://schemas.microsoft.com/office/drawing/2014/main" id="{A3501720-411A-BFF1-8D2B-0035DE860441}"/>
+              </a:ext>
+            </a:extLst>
+          </p:cNvPr>
+          <p:cNvGrpSpPr/>
+          <p:nvPr/>
+        </p:nvGrpSpPr>
+        <p:grpSpPr>
+          <a:xfrm>
+            <a:off x="-1476374" y="1834316"/>
+            <a:ext cx="470350" cy="519310"/>
+            <a:chOff x="485776" y="1665247"/>
+            <a:chExt cx="470350" cy="519310"/>
+          </a:xfrm>
+        </p:grpSpPr>
+        <p:sp>
+          <p:nvSpPr>
+            <p:cNvPr id="5" name="Ellipszis 4">
+              <a:extLst>
+                <a:ext uri="{FF2B5EF4-FFF2-40B4-BE49-F238E27FC236}">
+                  <a16:creationId xmlns:a16="http://schemas.microsoft.com/office/drawing/2014/main" id="{754295BA-2438-E9EE-C285-88B647527FA8}"/>
+                </a:ext>
+              </a:extLst>
+            </p:cNvPr>
+            <p:cNvSpPr/>
+            <p:nvPr/>
+          </p:nvSpPr>
+          <p:spPr>
+            <a:xfrm>
+              <a:off x="485776" y="2138838"/>
+              <a:ext cx="47625" cy="45719"/>
+            </a:xfrm>
+            <a:prstGeom prst="ellipse">
+              <a:avLst/>
+            </a:prstGeom>
+            <a:solidFill>
+              <a:schemeClr val="tx1"/>
+            </a:solidFill>
+            <a:ln>
+              <a:solidFill>
+                <a:schemeClr val="tx1"/>
+              </a:solidFill>
+            </a:ln>
+          </p:spPr>
+          <p:style>
+            <a:lnRef idx="2">
+              <a:schemeClr val="accent1">
+                <a:shade val="15000"/>
+              </a:schemeClr>
+            </a:lnRef>
+            <a:fillRef idx="1">
+              <a:schemeClr val="accent1"/>
+            </a:fillRef>
+            <a:effectRef idx="0">
+              <a:schemeClr val="accent1"/>
+            </a:effectRef>
+            <a:fontRef idx="minor">
+              <a:schemeClr val="lt1"/>
+            </a:fontRef>
+          </p:style>
+          <p:txBody>
+            <a:bodyPr rtlCol="0" anchor="ctr"/>
+            <a:lstStyle/>
+            <a:p>
+              <a:pPr algn="ctr"/>
+              <a:endParaRPr lang="hu-HU"/>
+            </a:p>
+          </p:txBody>
+        </p:sp>
+        <p:sp>
+          <p:nvSpPr>
+            <p:cNvPr id="6" name="Ellipszis 5">
+              <a:extLst>
+                <a:ext uri="{FF2B5EF4-FFF2-40B4-BE49-F238E27FC236}">
+                  <a16:creationId xmlns:a16="http://schemas.microsoft.com/office/drawing/2014/main" id="{14C49082-D331-D2E8-FE6C-964DD07B0F18}"/>
+                </a:ext>
+              </a:extLst>
+            </p:cNvPr>
+            <p:cNvSpPr/>
+            <p:nvPr/>
+          </p:nvSpPr>
+          <p:spPr>
+            <a:xfrm>
+              <a:off x="533401" y="1984534"/>
+              <a:ext cx="47625" cy="45719"/>
+            </a:xfrm>
+            <a:prstGeom prst="ellipse">
+              <a:avLst/>
+            </a:prstGeom>
+            <a:solidFill>
+              <a:schemeClr val="tx1"/>
+            </a:solidFill>
+            <a:ln>
+              <a:solidFill>
+                <a:schemeClr val="tx1"/>
+              </a:solidFill>
+            </a:ln>
+          </p:spPr>
+          <p:style>
+            <a:lnRef idx="2">
+              <a:schemeClr val="accent1">
+                <a:shade val="15000"/>
+              </a:schemeClr>
+            </a:lnRef>
+            <a:fillRef idx="1">
+              <a:schemeClr val="accent1"/>
+            </a:fillRef>
+            <a:effectRef idx="0">
+              <a:schemeClr val="accent1"/>
+            </a:effectRef>
+            <a:fontRef idx="minor">
+              <a:schemeClr val="lt1"/>
+            </a:fontRef>
+          </p:style>
+          <p:txBody>
+            <a:bodyPr rtlCol="0" anchor="ctr"/>
+            <a:lstStyle/>
+            <a:p>
+              <a:pPr algn="ctr"/>
+              <a:endParaRPr lang="hu-HU"/>
+            </a:p>
+          </p:txBody>
+        </p:sp>
+        <p:sp>
+          <p:nvSpPr>
+            <p:cNvPr id="7" name="Ellipszis 6">
+              <a:extLst>
+                <a:ext uri="{FF2B5EF4-FFF2-40B4-BE49-F238E27FC236}">
+                  <a16:creationId xmlns:a16="http://schemas.microsoft.com/office/drawing/2014/main" id="{0B43A811-6671-5AF7-A956-948A3A17542A}"/>
+                </a:ext>
+              </a:extLst>
+            </p:cNvPr>
+            <p:cNvSpPr/>
+            <p:nvPr/>
+          </p:nvSpPr>
+          <p:spPr>
+            <a:xfrm>
+              <a:off x="764382" y="1746209"/>
+              <a:ext cx="47625" cy="45719"/>
+            </a:xfrm>
+            <a:prstGeom prst="ellipse">
+              <a:avLst/>
+            </a:prstGeom>
+            <a:solidFill>
+              <a:schemeClr val="tx1"/>
+            </a:solidFill>
+            <a:ln>
+              <a:solidFill>
+                <a:schemeClr val="tx1"/>
+              </a:solidFill>
+            </a:ln>
+          </p:spPr>
+          <p:style>
+            <a:lnRef idx="2">
+              <a:schemeClr val="accent1">
+                <a:shade val="15000"/>
+              </a:schemeClr>
+            </a:lnRef>
+            <a:fillRef idx="1">
+              <a:schemeClr val="accent1"/>
+            </a:fillRef>
+            <a:effectRef idx="0">
+              <a:schemeClr val="accent1"/>
+            </a:effectRef>
+            <a:fontRef idx="minor">
+              <a:schemeClr val="lt1"/>
+            </a:fontRef>
+          </p:style>
+          <p:txBody>
+            <a:bodyPr rtlCol="0" anchor="ctr"/>
+            <a:lstStyle/>
+            <a:p>
+              <a:pPr algn="ctr"/>
+              <a:endParaRPr lang="hu-HU"/>
+            </a:p>
+          </p:txBody>
+        </p:sp>
+        <p:sp>
+          <p:nvSpPr>
+            <p:cNvPr id="8" name="Ellipszis 7">
+              <a:extLst>
+                <a:ext uri="{FF2B5EF4-FFF2-40B4-BE49-F238E27FC236}">
+                  <a16:creationId xmlns:a16="http://schemas.microsoft.com/office/drawing/2014/main" id="{7A712DC2-11A5-2A5B-7878-EF28945C2B70}"/>
+                </a:ext>
+              </a:extLst>
+            </p:cNvPr>
+            <p:cNvSpPr/>
+            <p:nvPr/>
+          </p:nvSpPr>
+          <p:spPr>
+            <a:xfrm>
+              <a:off x="633414" y="1854995"/>
+              <a:ext cx="47625" cy="45719"/>
+            </a:xfrm>
+            <a:prstGeom prst="ellipse">
+              <a:avLst/>
+            </a:prstGeom>
+            <a:solidFill>
+              <a:schemeClr val="tx1"/>
+            </a:solidFill>
+            <a:ln>
+              <a:solidFill>
+                <a:schemeClr val="tx1"/>
+              </a:solidFill>
+            </a:ln>
+          </p:spPr>
+          <p:style>
+            <a:lnRef idx="2">
+              <a:schemeClr val="accent1">
+                <a:shade val="15000"/>
+              </a:schemeClr>
+            </a:lnRef>
+            <a:fillRef idx="1">
+              <a:schemeClr val="accent1"/>
+            </a:fillRef>
+            <a:effectRef idx="0">
+              <a:schemeClr val="accent1"/>
+            </a:effectRef>
+            <a:fontRef idx="minor">
+              <a:schemeClr val="lt1"/>
+            </a:fontRef>
+          </p:style>
+          <p:txBody>
+            <a:bodyPr rtlCol="0" anchor="ctr"/>
+            <a:lstStyle/>
+            <a:p>
+              <a:pPr algn="ctr"/>
+              <a:endParaRPr lang="hu-HU"/>
+            </a:p>
+          </p:txBody>
+        </p:sp>
+        <p:sp>
+          <p:nvSpPr>
+            <p:cNvPr id="9" name="Ellipszis 8">
+              <a:extLst>
+                <a:ext uri="{FF2B5EF4-FFF2-40B4-BE49-F238E27FC236}">
+                  <a16:creationId xmlns:a16="http://schemas.microsoft.com/office/drawing/2014/main" id="{D5ABCF24-A7F7-29E8-305B-3E3DF54F6777}"/>
+                </a:ext>
+              </a:extLst>
+            </p:cNvPr>
+            <p:cNvSpPr/>
+            <p:nvPr/>
+          </p:nvSpPr>
+          <p:spPr>
+            <a:xfrm>
+              <a:off x="908501" y="1665247"/>
+              <a:ext cx="47625" cy="45719"/>
+            </a:xfrm>
+            <a:prstGeom prst="ellipse">
+              <a:avLst/>
+            </a:prstGeom>
+            <a:solidFill>
+              <a:schemeClr val="tx1"/>
+            </a:solidFill>
+            <a:ln>
+              <a:solidFill>
+                <a:schemeClr val="tx1"/>
+              </a:solidFill>
+            </a:ln>
+          </p:spPr>
+          <p:style>
+            <a:lnRef idx="2">
+              <a:schemeClr val="accent1">
+                <a:shade val="15000"/>
+              </a:schemeClr>
+            </a:lnRef>
+            <a:fillRef idx="1">
+              <a:schemeClr val="accent1"/>
+            </a:fillRef>
+            <a:effectRef idx="0">
+              <a:schemeClr val="accent1"/>
+            </a:effectRef>
+            <a:fontRef idx="minor">
+              <a:schemeClr val="lt1"/>
+            </a:fontRef>
+          </p:style>
+          <p:txBody>
+            <a:bodyPr rtlCol="0" anchor="ctr"/>
+            <a:lstStyle/>
+            <a:p>
+              <a:pPr algn="ctr"/>
+              <a:endParaRPr lang="hu-HU"/>
+            </a:p>
+          </p:txBody>
+        </p:sp>
+      </p:grpSp>
+      <p:cxnSp>
+        <p:nvCxnSpPr>
+          <p:cNvPr id="12" name="Egyenes összekötő nyíllal 11">
+            <a:extLst>
+              <a:ext uri="{FF2B5EF4-FFF2-40B4-BE49-F238E27FC236}">
+                <a16:creationId xmlns:a16="http://schemas.microsoft.com/office/drawing/2014/main" id="{1CFDCE27-D3BE-D83A-4672-4D56C01895C5}"/>
+              </a:ext>
+            </a:extLst>
+          </p:cNvPr>
+          <p:cNvCxnSpPr>
+            <a:cxnSpLocks/>
+            <a:endCxn id="4" idx="1"/>
+          </p:cNvCxnSpPr>
+          <p:nvPr/>
+        </p:nvCxnSpPr>
+        <p:spPr>
+          <a:xfrm>
+            <a:off x="-1726406" y="1418254"/>
+            <a:ext cx="1058795" cy="0"/>
+          </a:xfrm>
+          <a:prstGeom prst="straightConnector1">
+            <a:avLst/>
+          </a:prstGeom>
+          <a:ln>
+            <a:solidFill>
+              <a:schemeClr val="tx1"/>
+            </a:solidFill>
+            <a:tailEnd type="triangle"/>
+          </a:ln>
+        </p:spPr>
+        <p:style>
+          <a:lnRef idx="1">
+            <a:schemeClr val="accent1"/>
+          </a:lnRef>
+          <a:fillRef idx="0">
+            <a:schemeClr val="accent1"/>
+          </a:fillRef>
+          <a:effectRef idx="0">
+            <a:schemeClr val="accent1"/>
+          </a:effectRef>
+          <a:fontRef idx="minor">
+            <a:schemeClr val="tx1"/>
+          </a:fontRef>
+        </p:style>
+      </p:cxnSp>
+      <mc:AlternateContent xmlns:mc="http://schemas.openxmlformats.org/markup-compatibility/2006">
+        <mc:Choice xmlns:a14="http://schemas.microsoft.com/office/drawing/2010/main" Requires="a14">
+          <p:sp>
+            <p:nvSpPr>
+              <p:cNvPr id="15" name="Szövegdoboz 14">
+                <a:extLst>
+                  <a:ext uri="{FF2B5EF4-FFF2-40B4-BE49-F238E27FC236}">
+                    <a16:creationId xmlns:a16="http://schemas.microsoft.com/office/drawing/2014/main" id="{0DECE11B-15FB-F4AA-6742-4E06E70851DE}"/>
+                  </a:ext>
+                </a:extLst>
+              </p:cNvPr>
+              <p:cNvSpPr txBox="1"/>
+              <p:nvPr/>
+            </p:nvSpPr>
+            <p:spPr>
+              <a:xfrm>
+                <a:off x="-1499828" y="1175469"/>
+                <a:ext cx="472373" cy="184666"/>
+              </a:xfrm>
+              <a:prstGeom prst="rect">
+                <a:avLst/>
+              </a:prstGeom>
+              <a:noFill/>
+            </p:spPr>
+            <p:txBody>
+              <a:bodyPr wrap="none" lIns="0" tIns="0" rIns="0" bIns="0" rtlCol="0">
+                <a:spAutoFit/>
+              </a:bodyPr>
+              <a:lstStyle/>
+              <a:p>
+                <a14:m>
+                  <m:oMathPara xmlns:m="http://schemas.openxmlformats.org/officeDocument/2006/math">
+                    <m:oMathParaPr>
+                      <m:jc m:val="centerGroup"/>
+                    </m:oMathParaPr>
+                    <m:oMath xmlns:m="http://schemas.openxmlformats.org/officeDocument/2006/math">
+                      <m:r>
+                        <a:rPr lang="hu-HU" sz="1200" b="0" i="1" smtClean="0">
+                          <a:latin typeface="Cambria Math" panose="02040503050406030204" pitchFamily="18" charset="0"/>
+                        </a:rPr>
+                        <m:t>𝑇</m:t>
+                      </m:r>
+                      <m:r>
+                        <a:rPr lang="hu-HU" sz="1200" b="0" i="1" smtClean="0">
+                          <a:latin typeface="Cambria Math" panose="02040503050406030204" pitchFamily="18" charset="0"/>
+                        </a:rPr>
+                        <m:t>[</m:t>
+                      </m:r>
+                      <m:r>
+                        <a:rPr lang="hu-HU" sz="1200" b="0" i="1" smtClean="0">
+                          <a:latin typeface="Cambria Math" panose="02040503050406030204" pitchFamily="18" charset="0"/>
+                        </a:rPr>
+                        <m:t>𝑥</m:t>
+                      </m:r>
+                      <m:r>
+                        <a:rPr lang="hu-HU" sz="1200" b="0" i="1" smtClean="0">
+                          <a:latin typeface="Cambria Math" panose="02040503050406030204" pitchFamily="18" charset="0"/>
+                        </a:rPr>
+                        <m:t>,</m:t>
+                      </m:r>
+                      <m:r>
+                        <a:rPr lang="hu-HU" sz="1200" b="0" i="1" smtClean="0">
+                          <a:latin typeface="Cambria Math" panose="02040503050406030204" pitchFamily="18" charset="0"/>
+                        </a:rPr>
+                        <m:t>𝑦</m:t>
+                      </m:r>
+                      <m:r>
+                        <a:rPr lang="hu-HU" sz="1200" b="0" i="1" smtClean="0">
+                          <a:latin typeface="Cambria Math" panose="02040503050406030204" pitchFamily="18" charset="0"/>
+                        </a:rPr>
+                        <m:t>]</m:t>
+                      </m:r>
+                    </m:oMath>
+                  </m:oMathPara>
+                </a14:m>
+                <a:endParaRPr lang="hu-HU" sz="1200" dirty="0"/>
+              </a:p>
+            </p:txBody>
+          </p:sp>
+        </mc:Choice>
+        <mc:Fallback>
+          <p:sp>
+            <p:nvSpPr>
+              <p:cNvPr id="15" name="Szövegdoboz 14">
+                <a:extLst>
+                  <a:ext uri="{FF2B5EF4-FFF2-40B4-BE49-F238E27FC236}">
+                    <a16:creationId xmlns:a16="http://schemas.microsoft.com/office/drawing/2014/main" id="{0DECE11B-15FB-F4AA-6742-4E06E70851DE}"/>
+                  </a:ext>
+                </a:extLst>
+              </p:cNvPr>
+              <p:cNvSpPr txBox="1">
+                <a:spLocks noRot="1" noChangeAspect="1" noMove="1" noResize="1" noEditPoints="1" noAdjustHandles="1" noChangeArrowheads="1" noChangeShapeType="1" noTextEdit="1"/>
+              </p:cNvSpPr>
+              <p:nvPr/>
+            </p:nvSpPr>
+            <p:spPr>
+              <a:xfrm>
+                <a:off x="-1499828" y="1175469"/>
+                <a:ext cx="472373" cy="184666"/>
+              </a:xfrm>
+              <a:prstGeom prst="rect">
+                <a:avLst/>
+              </a:prstGeom>
+              <a:blipFill>
+                <a:blip r:embed="rId2"/>
+                <a:stretch>
+                  <a:fillRect l="-7792" t="-6667" r="-11688" b="-36667"/>
+                </a:stretch>
+              </a:blipFill>
+            </p:spPr>
+            <p:txBody>
+              <a:bodyPr/>
+              <a:lstStyle/>
+              <a:p>
+                <a:r>
+                  <a:rPr lang="hu-HU">
+                    <a:noFill/>
+                  </a:rPr>
+                  <a:t> </a:t>
+                </a:r>
+              </a:p>
+            </p:txBody>
+          </p:sp>
+        </mc:Fallback>
+      </mc:AlternateContent>
+      <p:cxnSp>
+        <p:nvCxnSpPr>
+          <p:cNvPr id="17" name="Egyenes összekötő nyíllal 16">
+            <a:extLst>
+              <a:ext uri="{FF2B5EF4-FFF2-40B4-BE49-F238E27FC236}">
+                <a16:creationId xmlns:a16="http://schemas.microsoft.com/office/drawing/2014/main" id="{8381EC7B-A416-6B88-0E4C-53953274092E}"/>
+              </a:ext>
+            </a:extLst>
+          </p:cNvPr>
+          <p:cNvCxnSpPr/>
+          <p:nvPr/>
+        </p:nvCxnSpPr>
+        <p:spPr>
+          <a:xfrm flipV="1">
+            <a:off x="-1552575" y="2176462"/>
+            <a:ext cx="0" cy="261938"/>
+          </a:xfrm>
+          <a:prstGeom prst="straightConnector1">
+            <a:avLst/>
+          </a:prstGeom>
+          <a:ln>
+            <a:solidFill>
+              <a:schemeClr val="tx1"/>
+            </a:solidFill>
+            <a:tailEnd type="triangle"/>
+          </a:ln>
+        </p:spPr>
+        <p:style>
+          <a:lnRef idx="1">
+            <a:schemeClr val="accent1"/>
+          </a:lnRef>
+          <a:fillRef idx="0">
+            <a:schemeClr val="accent1"/>
+          </a:fillRef>
+          <a:effectRef idx="0">
+            <a:schemeClr val="accent1"/>
+          </a:effectRef>
+          <a:fontRef idx="minor">
+            <a:schemeClr val="tx1"/>
+          </a:fontRef>
+        </p:style>
+      </p:cxnSp>
+      <p:cxnSp>
+        <p:nvCxnSpPr>
+          <p:cNvPr id="18" name="Egyenes összekötő nyíllal 17">
+            <a:extLst>
+              <a:ext uri="{FF2B5EF4-FFF2-40B4-BE49-F238E27FC236}">
+                <a16:creationId xmlns:a16="http://schemas.microsoft.com/office/drawing/2014/main" id="{122852F6-A556-AC23-836A-001E2E5CCC17}"/>
+              </a:ext>
+            </a:extLst>
+          </p:cNvPr>
+          <p:cNvCxnSpPr>
+            <a:cxnSpLocks/>
+          </p:cNvCxnSpPr>
+          <p:nvPr/>
+        </p:nvCxnSpPr>
+        <p:spPr>
+          <a:xfrm rot="16200000" flipV="1">
+            <a:off x="-1683544" y="2312193"/>
+            <a:ext cx="0" cy="261938"/>
+          </a:xfrm>
+          <a:prstGeom prst="straightConnector1">
+            <a:avLst/>
+          </a:prstGeom>
+          <a:ln>
+            <a:solidFill>
+              <a:schemeClr val="tx1"/>
+            </a:solidFill>
+            <a:tailEnd type="triangle"/>
+          </a:ln>
+        </p:spPr>
+        <p:style>
+          <a:lnRef idx="1">
+            <a:schemeClr val="accent1"/>
+          </a:lnRef>
+          <a:fillRef idx="0">
+            <a:schemeClr val="accent1"/>
+          </a:fillRef>
+          <a:effectRef idx="0">
+            <a:schemeClr val="accent1"/>
+          </a:effectRef>
+          <a:fontRef idx="minor">
+            <a:schemeClr val="tx1"/>
+          </a:fontRef>
+        </p:style>
+      </p:cxnSp>
+      <mc:AlternateContent xmlns:mc="http://schemas.openxmlformats.org/markup-compatibility/2006">
+        <mc:Choice xmlns:a14="http://schemas.microsoft.com/office/drawing/2010/main" Requires="a14">
+          <p:sp>
+            <p:nvSpPr>
+              <p:cNvPr id="19" name="Szövegdoboz 18">
+                <a:extLst>
+                  <a:ext uri="{FF2B5EF4-FFF2-40B4-BE49-F238E27FC236}">
+                    <a16:creationId xmlns:a16="http://schemas.microsoft.com/office/drawing/2014/main" id="{DE51F55F-433F-6D82-E652-F6C5E578EFD2}"/>
+                  </a:ext>
+                </a:extLst>
+              </p:cNvPr>
+              <p:cNvSpPr txBox="1"/>
+              <p:nvPr/>
+            </p:nvSpPr>
+            <p:spPr>
+              <a:xfrm>
+                <a:off x="-1667016" y="2046923"/>
+                <a:ext cx="101695" cy="153888"/>
+              </a:xfrm>
+              <a:prstGeom prst="rect">
+                <a:avLst/>
+              </a:prstGeom>
+              <a:noFill/>
+            </p:spPr>
+            <p:txBody>
+              <a:bodyPr wrap="none" lIns="0" tIns="0" rIns="0" bIns="0" rtlCol="0">
+                <a:spAutoFit/>
+              </a:bodyPr>
+              <a:lstStyle/>
+              <a:p>
+                <a14:m>
+                  <m:oMathPara xmlns:m="http://schemas.openxmlformats.org/officeDocument/2006/math">
+                    <m:oMathParaPr>
+                      <m:jc m:val="centerGroup"/>
+                    </m:oMathParaPr>
+                    <m:oMath xmlns:m="http://schemas.openxmlformats.org/officeDocument/2006/math">
+                      <m:r>
+                        <a:rPr lang="hu-HU" sz="1000" b="0" i="1" smtClean="0">
+                          <a:latin typeface="Cambria Math" panose="02040503050406030204" pitchFamily="18" charset="0"/>
+                        </a:rPr>
+                        <m:t>𝑥</m:t>
+                      </m:r>
+                    </m:oMath>
+                  </m:oMathPara>
+                </a14:m>
+                <a:endParaRPr lang="hu-HU" sz="1000" dirty="0"/>
+              </a:p>
+            </p:txBody>
+          </p:sp>
+        </mc:Choice>
+        <mc:Fallback>
+          <p:sp>
+            <p:nvSpPr>
+              <p:cNvPr id="19" name="Szövegdoboz 18">
+                <a:extLst>
+                  <a:ext uri="{FF2B5EF4-FFF2-40B4-BE49-F238E27FC236}">
+                    <a16:creationId xmlns:a16="http://schemas.microsoft.com/office/drawing/2014/main" id="{DE51F55F-433F-6D82-E652-F6C5E578EFD2}"/>
+                  </a:ext>
+                </a:extLst>
+              </p:cNvPr>
+              <p:cNvSpPr txBox="1">
+                <a:spLocks noRot="1" noChangeAspect="1" noMove="1" noResize="1" noEditPoints="1" noAdjustHandles="1" noChangeArrowheads="1" noChangeShapeType="1" noTextEdit="1"/>
+              </p:cNvSpPr>
+              <p:nvPr/>
+            </p:nvSpPr>
+            <p:spPr>
+              <a:xfrm>
+                <a:off x="-1667016" y="2046923"/>
+                <a:ext cx="101695" cy="153888"/>
+              </a:xfrm>
+              <a:prstGeom prst="rect">
+                <a:avLst/>
+              </a:prstGeom>
+              <a:blipFill>
+                <a:blip r:embed="rId3"/>
+                <a:stretch>
+                  <a:fillRect l="-25000" r="-12500"/>
+                </a:stretch>
+              </a:blipFill>
+            </p:spPr>
+            <p:txBody>
+              <a:bodyPr/>
+              <a:lstStyle/>
+              <a:p>
+                <a:r>
+                  <a:rPr lang="hu-HU">
+                    <a:noFill/>
+                  </a:rPr>
+                  <a:t> </a:t>
+                </a:r>
+              </a:p>
+            </p:txBody>
+          </p:sp>
+        </mc:Fallback>
+      </mc:AlternateContent>
+      <mc:AlternateContent xmlns:mc="http://schemas.openxmlformats.org/markup-compatibility/2006">
+        <mc:Choice xmlns:a14="http://schemas.microsoft.com/office/drawing/2010/main" Requires="a14">
+          <p:sp>
+            <p:nvSpPr>
+              <p:cNvPr id="20" name="Szövegdoboz 19">
+                <a:extLst>
+                  <a:ext uri="{FF2B5EF4-FFF2-40B4-BE49-F238E27FC236}">
+                    <a16:creationId xmlns:a16="http://schemas.microsoft.com/office/drawing/2014/main" id="{A61A3A91-C225-B822-BDD0-4B92BD1D6483}"/>
+                  </a:ext>
+                </a:extLst>
+              </p:cNvPr>
+              <p:cNvSpPr txBox="1"/>
+              <p:nvPr/>
+            </p:nvSpPr>
+            <p:spPr>
+              <a:xfrm>
+                <a:off x="-1903460" y="2330766"/>
+                <a:ext cx="103170" cy="153888"/>
+              </a:xfrm>
+              <a:prstGeom prst="rect">
+                <a:avLst/>
+              </a:prstGeom>
+              <a:noFill/>
+            </p:spPr>
+            <p:txBody>
+              <a:bodyPr wrap="none" lIns="0" tIns="0" rIns="0" bIns="0" rtlCol="0">
+                <a:spAutoFit/>
+              </a:bodyPr>
+              <a:lstStyle/>
+              <a:p>
+                <a14:m>
+                  <m:oMathPara xmlns:m="http://schemas.openxmlformats.org/officeDocument/2006/math">
+                    <m:oMathParaPr>
+                      <m:jc m:val="centerGroup"/>
+                    </m:oMathParaPr>
+                    <m:oMath xmlns:m="http://schemas.openxmlformats.org/officeDocument/2006/math">
+                      <m:r>
+                        <a:rPr lang="hu-HU" sz="1000" b="0" i="1" smtClean="0">
+                          <a:latin typeface="Cambria Math" panose="02040503050406030204" pitchFamily="18" charset="0"/>
+                        </a:rPr>
+                        <m:t>𝑦</m:t>
+                      </m:r>
+                    </m:oMath>
+                  </m:oMathPara>
+                </a14:m>
+                <a:endParaRPr lang="hu-HU" sz="1000" dirty="0"/>
+              </a:p>
+            </p:txBody>
+          </p:sp>
+        </mc:Choice>
+        <mc:Fallback>
+          <p:sp>
+            <p:nvSpPr>
+              <p:cNvPr id="20" name="Szövegdoboz 19">
+                <a:extLst>
+                  <a:ext uri="{FF2B5EF4-FFF2-40B4-BE49-F238E27FC236}">
+                    <a16:creationId xmlns:a16="http://schemas.microsoft.com/office/drawing/2014/main" id="{A61A3A91-C225-B822-BDD0-4B92BD1D6483}"/>
+                  </a:ext>
+                </a:extLst>
+              </p:cNvPr>
+              <p:cNvSpPr txBox="1">
+                <a:spLocks noRot="1" noChangeAspect="1" noMove="1" noResize="1" noEditPoints="1" noAdjustHandles="1" noChangeArrowheads="1" noChangeShapeType="1" noTextEdit="1"/>
+              </p:cNvSpPr>
+              <p:nvPr/>
+            </p:nvSpPr>
+            <p:spPr>
+              <a:xfrm>
+                <a:off x="-1903460" y="2330766"/>
+                <a:ext cx="103170" cy="153888"/>
+              </a:xfrm>
+              <a:prstGeom prst="rect">
+                <a:avLst/>
+              </a:prstGeom>
+              <a:blipFill>
+                <a:blip r:embed="rId4"/>
+                <a:stretch>
+                  <a:fillRect l="-35294" r="-23529" b="-23077"/>
+                </a:stretch>
+              </a:blipFill>
+            </p:spPr>
+            <p:txBody>
+              <a:bodyPr/>
+              <a:lstStyle/>
+              <a:p>
+                <a:r>
+                  <a:rPr lang="hu-HU">
+                    <a:noFill/>
+                  </a:rPr>
+                  <a:t> </a:t>
+                </a:r>
+              </a:p>
+            </p:txBody>
+          </p:sp>
+        </mc:Fallback>
+      </mc:AlternateContent>
+      <mc:AlternateContent xmlns:mc="http://schemas.openxmlformats.org/markup-compatibility/2006">
+        <mc:Choice xmlns:a14="http://schemas.microsoft.com/office/drawing/2010/main" Requires="a14">
+          <p:sp>
+            <p:nvSpPr>
+              <p:cNvPr id="21" name="Szövegdoboz 20">
+                <a:extLst>
+                  <a:ext uri="{FF2B5EF4-FFF2-40B4-BE49-F238E27FC236}">
+                    <a16:creationId xmlns:a16="http://schemas.microsoft.com/office/drawing/2014/main" id="{3BD5BAB0-D0D9-7C77-2E37-AB2E838B8D31}"/>
+                  </a:ext>
+                </a:extLst>
+              </p:cNvPr>
+              <p:cNvSpPr txBox="1"/>
+              <p:nvPr/>
+            </p:nvSpPr>
+            <p:spPr>
+              <a:xfrm>
+                <a:off x="-1150143" y="1870176"/>
+                <a:ext cx="557076" cy="153888"/>
+              </a:xfrm>
+              <a:prstGeom prst="rect">
+                <a:avLst/>
+              </a:prstGeom>
+              <a:noFill/>
+            </p:spPr>
+            <p:txBody>
+              <a:bodyPr wrap="none" lIns="0" tIns="0" rIns="0" bIns="0" rtlCol="0">
+                <a:spAutoFit/>
+              </a:bodyPr>
+              <a:lstStyle/>
+              <a:p>
+                <a14:m>
+                  <m:oMathPara xmlns:m="http://schemas.openxmlformats.org/officeDocument/2006/math">
+                    <m:oMathParaPr>
+                      <m:jc m:val="centerGroup"/>
+                    </m:oMathParaPr>
+                    <m:oMath xmlns:m="http://schemas.openxmlformats.org/officeDocument/2006/math">
+                      <m:sSub>
+                        <m:sSubPr>
+                          <m:ctrlPr>
+                            <a:rPr lang="hu-HU" sz="1000" b="0" i="1" smtClean="0">
+                              <a:latin typeface="Cambria Math" panose="02040503050406030204" pitchFamily="18" charset="0"/>
+                            </a:rPr>
+                          </m:ctrlPr>
+                        </m:sSubPr>
+                        <m:e>
+                          <m:r>
+                            <a:rPr lang="hu-HU" sz="1000" b="0" i="1" smtClean="0">
+                              <a:latin typeface="Cambria Math" panose="02040503050406030204" pitchFamily="18" charset="0"/>
+                            </a:rPr>
+                            <m:t>𝑇</m:t>
+                          </m:r>
+                        </m:e>
+                        <m:sub>
+                          <m:r>
+                            <a:rPr lang="hu-HU" sz="1000" b="0" i="1" smtClean="0">
+                              <a:latin typeface="Cambria Math" panose="02040503050406030204" pitchFamily="18" charset="0"/>
+                            </a:rPr>
+                            <m:t>𝑛</m:t>
+                          </m:r>
+                        </m:sub>
+                      </m:sSub>
+                      <m:r>
+                        <a:rPr lang="hu-HU" sz="1000" b="0" i="1" smtClean="0">
+                          <a:latin typeface="Cambria Math" panose="02040503050406030204" pitchFamily="18" charset="0"/>
+                        </a:rPr>
+                        <m:t>[</m:t>
+                      </m:r>
+                      <m:sSub>
+                        <m:sSubPr>
+                          <m:ctrlPr>
+                            <a:rPr lang="hu-HU" sz="1000" b="0" i="1" smtClean="0">
+                              <a:latin typeface="Cambria Math" panose="02040503050406030204" pitchFamily="18" charset="0"/>
+                            </a:rPr>
+                          </m:ctrlPr>
+                        </m:sSubPr>
+                        <m:e>
+                          <m:r>
+                            <a:rPr lang="hu-HU" sz="1000" b="0" i="1" smtClean="0">
+                              <a:latin typeface="Cambria Math" panose="02040503050406030204" pitchFamily="18" charset="0"/>
+                            </a:rPr>
+                            <m:t>𝑥</m:t>
+                          </m:r>
+                        </m:e>
+                        <m:sub>
+                          <m:r>
+                            <a:rPr lang="hu-HU" sz="1000" b="0" i="1" smtClean="0">
+                              <a:latin typeface="Cambria Math" panose="02040503050406030204" pitchFamily="18" charset="0"/>
+                            </a:rPr>
+                            <m:t>𝑛</m:t>
+                          </m:r>
+                        </m:sub>
+                      </m:sSub>
+                      <m:r>
+                        <a:rPr lang="hu-HU" sz="1000" b="0" i="1" smtClean="0">
+                          <a:latin typeface="Cambria Math" panose="02040503050406030204" pitchFamily="18" charset="0"/>
+                        </a:rPr>
+                        <m:t>,</m:t>
+                      </m:r>
+                      <m:sSub>
+                        <m:sSubPr>
+                          <m:ctrlPr>
+                            <a:rPr lang="hu-HU" sz="1000" b="0" i="1" smtClean="0">
+                              <a:latin typeface="Cambria Math" panose="02040503050406030204" pitchFamily="18" charset="0"/>
+                            </a:rPr>
+                          </m:ctrlPr>
+                        </m:sSubPr>
+                        <m:e>
+                          <m:r>
+                            <a:rPr lang="hu-HU" sz="1000" b="0" i="1" smtClean="0">
+                              <a:latin typeface="Cambria Math" panose="02040503050406030204" pitchFamily="18" charset="0"/>
+                            </a:rPr>
+                            <m:t>𝑦</m:t>
+                          </m:r>
+                        </m:e>
+                        <m:sub>
+                          <m:r>
+                            <a:rPr lang="hu-HU" sz="1000" b="0" i="1" smtClean="0">
+                              <a:latin typeface="Cambria Math" panose="02040503050406030204" pitchFamily="18" charset="0"/>
+                            </a:rPr>
+                            <m:t>𝑛</m:t>
+                          </m:r>
+                        </m:sub>
+                      </m:sSub>
+                      <m:r>
+                        <a:rPr lang="hu-HU" sz="1000" b="0" i="1" smtClean="0">
+                          <a:latin typeface="Cambria Math" panose="02040503050406030204" pitchFamily="18" charset="0"/>
+                        </a:rPr>
+                        <m:t>]</m:t>
+                      </m:r>
+                    </m:oMath>
+                  </m:oMathPara>
+                </a14:m>
+                <a:endParaRPr lang="hu-HU" sz="1000" dirty="0"/>
+              </a:p>
+            </p:txBody>
+          </p:sp>
+        </mc:Choice>
+        <mc:Fallback>
+          <p:sp>
+            <p:nvSpPr>
+              <p:cNvPr id="21" name="Szövegdoboz 20">
+                <a:extLst>
+                  <a:ext uri="{FF2B5EF4-FFF2-40B4-BE49-F238E27FC236}">
+                    <a16:creationId xmlns:a16="http://schemas.microsoft.com/office/drawing/2014/main" id="{3BD5BAB0-D0D9-7C77-2E37-AB2E838B8D31}"/>
+                  </a:ext>
+                </a:extLst>
+              </p:cNvPr>
+              <p:cNvSpPr txBox="1">
+                <a:spLocks noRot="1" noChangeAspect="1" noMove="1" noResize="1" noEditPoints="1" noAdjustHandles="1" noChangeArrowheads="1" noChangeShapeType="1" noTextEdit="1"/>
+              </p:cNvSpPr>
+              <p:nvPr/>
+            </p:nvSpPr>
+            <p:spPr>
+              <a:xfrm>
+                <a:off x="-1150143" y="1870176"/>
+                <a:ext cx="557076" cy="153888"/>
+              </a:xfrm>
+              <a:prstGeom prst="rect">
+                <a:avLst/>
+              </a:prstGeom>
+              <a:blipFill>
+                <a:blip r:embed="rId5"/>
+                <a:stretch>
+                  <a:fillRect l="-4348" t="-4000" r="-7609" b="-40000"/>
+                </a:stretch>
+              </a:blipFill>
+            </p:spPr>
+            <p:txBody>
+              <a:bodyPr/>
+              <a:lstStyle/>
+              <a:p>
+                <a:r>
+                  <a:rPr lang="hu-HU">
+                    <a:noFill/>
+                  </a:rPr>
+                  <a:t> </a:t>
+                </a:r>
+              </a:p>
+            </p:txBody>
+          </p:sp>
+        </mc:Fallback>
+      </mc:AlternateContent>
+      <p:grpSp>
+        <p:nvGrpSpPr>
+          <p:cNvPr id="22" name="Csoportba foglalás 21">
+            <a:extLst>
+              <a:ext uri="{FF2B5EF4-FFF2-40B4-BE49-F238E27FC236}">
+                <a16:creationId xmlns:a16="http://schemas.microsoft.com/office/drawing/2014/main" id="{DE0C1F0E-D891-6374-1E0F-8A4FD98B6A4F}"/>
+              </a:ext>
+            </a:extLst>
+          </p:cNvPr>
+          <p:cNvGrpSpPr/>
+          <p:nvPr/>
+        </p:nvGrpSpPr>
+        <p:grpSpPr>
+          <a:xfrm>
+            <a:off x="900113" y="1834316"/>
+            <a:ext cx="470350" cy="519310"/>
+            <a:chOff x="485776" y="1665247"/>
+            <a:chExt cx="470350" cy="519310"/>
+          </a:xfrm>
+        </p:grpSpPr>
+        <p:sp>
+          <p:nvSpPr>
+            <p:cNvPr id="23" name="Ellipszis 22">
+              <a:extLst>
+                <a:ext uri="{FF2B5EF4-FFF2-40B4-BE49-F238E27FC236}">
+                  <a16:creationId xmlns:a16="http://schemas.microsoft.com/office/drawing/2014/main" id="{5E8D6BDF-B687-0B39-291B-C8BA196C4818}"/>
+                </a:ext>
+              </a:extLst>
+            </p:cNvPr>
+            <p:cNvSpPr/>
+            <p:nvPr/>
+          </p:nvSpPr>
+          <p:spPr>
+            <a:xfrm>
+              <a:off x="485776" y="2138838"/>
+              <a:ext cx="47625" cy="45719"/>
+            </a:xfrm>
+            <a:prstGeom prst="ellipse">
+              <a:avLst/>
+            </a:prstGeom>
+            <a:solidFill>
+              <a:schemeClr val="bg1">
+                <a:lumMod val="75000"/>
+              </a:schemeClr>
+            </a:solidFill>
+            <a:ln>
+              <a:solidFill>
+                <a:schemeClr val="bg1">
+                  <a:lumMod val="75000"/>
+                </a:schemeClr>
+              </a:solidFill>
+            </a:ln>
+          </p:spPr>
+          <p:style>
+            <a:lnRef idx="2">
+              <a:schemeClr val="accent1">
+                <a:shade val="15000"/>
+              </a:schemeClr>
+            </a:lnRef>
+            <a:fillRef idx="1">
+              <a:schemeClr val="accent1"/>
+            </a:fillRef>
+            <a:effectRef idx="0">
+              <a:schemeClr val="accent1"/>
+            </a:effectRef>
+            <a:fontRef idx="minor">
+              <a:schemeClr val="lt1"/>
+            </a:fontRef>
+          </p:style>
+          <p:txBody>
+            <a:bodyPr rtlCol="0" anchor="ctr"/>
+            <a:lstStyle/>
+            <a:p>
+              <a:pPr algn="ctr"/>
+              <a:endParaRPr lang="hu-HU"/>
+            </a:p>
+          </p:txBody>
+        </p:sp>
+        <p:sp>
+          <p:nvSpPr>
+            <p:cNvPr id="24" name="Ellipszis 23">
+              <a:extLst>
+                <a:ext uri="{FF2B5EF4-FFF2-40B4-BE49-F238E27FC236}">
+                  <a16:creationId xmlns:a16="http://schemas.microsoft.com/office/drawing/2014/main" id="{D0F8A0FB-3F57-5AB9-7F21-1DC2BD93A717}"/>
+                </a:ext>
+              </a:extLst>
+            </p:cNvPr>
+            <p:cNvSpPr/>
+            <p:nvPr/>
+          </p:nvSpPr>
+          <p:spPr>
+            <a:xfrm>
+              <a:off x="533401" y="1984534"/>
+              <a:ext cx="47625" cy="45719"/>
+            </a:xfrm>
+            <a:prstGeom prst="ellipse">
+              <a:avLst/>
+            </a:prstGeom>
+            <a:solidFill>
+              <a:schemeClr val="bg1">
+                <a:lumMod val="75000"/>
+              </a:schemeClr>
+            </a:solidFill>
+            <a:ln>
+              <a:solidFill>
+                <a:schemeClr val="bg1">
+                  <a:lumMod val="75000"/>
+                </a:schemeClr>
+              </a:solidFill>
+            </a:ln>
+          </p:spPr>
+          <p:style>
+            <a:lnRef idx="2">
+              <a:schemeClr val="accent1">
+                <a:shade val="15000"/>
+              </a:schemeClr>
+            </a:lnRef>
+            <a:fillRef idx="1">
+              <a:schemeClr val="accent1"/>
+            </a:fillRef>
+            <a:effectRef idx="0">
+              <a:schemeClr val="accent1"/>
+            </a:effectRef>
+            <a:fontRef idx="minor">
+              <a:schemeClr val="lt1"/>
+            </a:fontRef>
+          </p:style>
+          <p:txBody>
+            <a:bodyPr rtlCol="0" anchor="ctr"/>
+            <a:lstStyle/>
+            <a:p>
+              <a:pPr algn="ctr"/>
+              <a:endParaRPr lang="hu-HU"/>
+            </a:p>
+          </p:txBody>
+        </p:sp>
+        <p:sp>
+          <p:nvSpPr>
+            <p:cNvPr id="25" name="Ellipszis 24">
+              <a:extLst>
+                <a:ext uri="{FF2B5EF4-FFF2-40B4-BE49-F238E27FC236}">
+                  <a16:creationId xmlns:a16="http://schemas.microsoft.com/office/drawing/2014/main" id="{48642D51-08EF-8557-995B-B0FACF8E8D1F}"/>
+                </a:ext>
+              </a:extLst>
+            </p:cNvPr>
+            <p:cNvSpPr/>
+            <p:nvPr/>
+          </p:nvSpPr>
+          <p:spPr>
+            <a:xfrm>
+              <a:off x="764382" y="1746209"/>
+              <a:ext cx="47625" cy="45719"/>
+            </a:xfrm>
+            <a:prstGeom prst="ellipse">
+              <a:avLst/>
+            </a:prstGeom>
+            <a:solidFill>
+              <a:schemeClr val="bg1">
+                <a:lumMod val="75000"/>
+              </a:schemeClr>
+            </a:solidFill>
+            <a:ln>
+              <a:solidFill>
+                <a:schemeClr val="bg1">
+                  <a:lumMod val="75000"/>
+                </a:schemeClr>
+              </a:solidFill>
+            </a:ln>
+          </p:spPr>
+          <p:style>
+            <a:lnRef idx="2">
+              <a:schemeClr val="accent1">
+                <a:shade val="15000"/>
+              </a:schemeClr>
+            </a:lnRef>
+            <a:fillRef idx="1">
+              <a:schemeClr val="accent1"/>
+            </a:fillRef>
+            <a:effectRef idx="0">
+              <a:schemeClr val="accent1"/>
+            </a:effectRef>
+            <a:fontRef idx="minor">
+              <a:schemeClr val="lt1"/>
+            </a:fontRef>
+          </p:style>
+          <p:txBody>
+            <a:bodyPr rtlCol="0" anchor="ctr"/>
+            <a:lstStyle/>
+            <a:p>
+              <a:pPr algn="ctr"/>
+              <a:endParaRPr lang="hu-HU"/>
+            </a:p>
+          </p:txBody>
+        </p:sp>
+        <p:sp>
+          <p:nvSpPr>
+            <p:cNvPr id="26" name="Ellipszis 25">
+              <a:extLst>
+                <a:ext uri="{FF2B5EF4-FFF2-40B4-BE49-F238E27FC236}">
+                  <a16:creationId xmlns:a16="http://schemas.microsoft.com/office/drawing/2014/main" id="{4A96250A-F346-02D6-7450-5CA88F6A32DF}"/>
+                </a:ext>
+              </a:extLst>
+            </p:cNvPr>
+            <p:cNvSpPr/>
+            <p:nvPr/>
+          </p:nvSpPr>
+          <p:spPr>
+            <a:xfrm>
+              <a:off x="633414" y="1854995"/>
+              <a:ext cx="47625" cy="45719"/>
+            </a:xfrm>
+            <a:prstGeom prst="ellipse">
+              <a:avLst/>
+            </a:prstGeom>
+            <a:solidFill>
+              <a:schemeClr val="bg1">
+                <a:lumMod val="75000"/>
+              </a:schemeClr>
+            </a:solidFill>
+            <a:ln>
+              <a:solidFill>
+                <a:schemeClr val="bg1">
+                  <a:lumMod val="75000"/>
+                </a:schemeClr>
+              </a:solidFill>
+            </a:ln>
+          </p:spPr>
+          <p:style>
+            <a:lnRef idx="2">
+              <a:schemeClr val="accent1">
+                <a:shade val="15000"/>
+              </a:schemeClr>
+            </a:lnRef>
+            <a:fillRef idx="1">
+              <a:schemeClr val="accent1"/>
+            </a:fillRef>
+            <a:effectRef idx="0">
+              <a:schemeClr val="accent1"/>
+            </a:effectRef>
+            <a:fontRef idx="minor">
+              <a:schemeClr val="lt1"/>
+            </a:fontRef>
+          </p:style>
+          <p:txBody>
+            <a:bodyPr rtlCol="0" anchor="ctr"/>
+            <a:lstStyle/>
+            <a:p>
+              <a:pPr algn="ctr"/>
+              <a:endParaRPr lang="hu-HU"/>
+            </a:p>
+          </p:txBody>
+        </p:sp>
+        <p:sp>
+          <p:nvSpPr>
+            <p:cNvPr id="27" name="Ellipszis 26">
+              <a:extLst>
+                <a:ext uri="{FF2B5EF4-FFF2-40B4-BE49-F238E27FC236}">
+                  <a16:creationId xmlns:a16="http://schemas.microsoft.com/office/drawing/2014/main" id="{BFF7F3F2-10A1-BD48-C4F3-525980C426B1}"/>
+                </a:ext>
+              </a:extLst>
+            </p:cNvPr>
+            <p:cNvSpPr/>
+            <p:nvPr/>
+          </p:nvSpPr>
+          <p:spPr>
+            <a:xfrm>
+              <a:off x="908501" y="1665247"/>
+              <a:ext cx="47625" cy="45719"/>
+            </a:xfrm>
+            <a:prstGeom prst="ellipse">
+              <a:avLst/>
+            </a:prstGeom>
+            <a:solidFill>
+              <a:schemeClr val="bg1">
+                <a:lumMod val="75000"/>
+              </a:schemeClr>
+            </a:solidFill>
+            <a:ln>
+              <a:solidFill>
+                <a:schemeClr val="bg1">
+                  <a:lumMod val="75000"/>
+                </a:schemeClr>
+              </a:solidFill>
+            </a:ln>
+          </p:spPr>
+          <p:style>
+            <a:lnRef idx="2">
+              <a:schemeClr val="accent1">
+                <a:shade val="15000"/>
+              </a:schemeClr>
+            </a:lnRef>
+            <a:fillRef idx="1">
+              <a:schemeClr val="accent1"/>
+            </a:fillRef>
+            <a:effectRef idx="0">
+              <a:schemeClr val="accent1"/>
+            </a:effectRef>
+            <a:fontRef idx="minor">
+              <a:schemeClr val="lt1"/>
+            </a:fontRef>
+          </p:style>
+          <p:txBody>
+            <a:bodyPr rtlCol="0" anchor="ctr"/>
+            <a:lstStyle/>
+            <a:p>
+              <a:pPr algn="ctr"/>
+              <a:endParaRPr lang="hu-HU"/>
+            </a:p>
+          </p:txBody>
+        </p:sp>
+      </p:grpSp>
+      <p:cxnSp>
+        <p:nvCxnSpPr>
+          <p:cNvPr id="28" name="Egyenes összekötő nyíllal 27">
+            <a:extLst>
+              <a:ext uri="{FF2B5EF4-FFF2-40B4-BE49-F238E27FC236}">
+                <a16:creationId xmlns:a16="http://schemas.microsoft.com/office/drawing/2014/main" id="{0E6D754A-F138-E5CD-99DC-35158CE88401}"/>
+              </a:ext>
+            </a:extLst>
+          </p:cNvPr>
+          <p:cNvCxnSpPr/>
+          <p:nvPr/>
+        </p:nvCxnSpPr>
+        <p:spPr>
+          <a:xfrm flipV="1">
+            <a:off x="823912" y="2176462"/>
+            <a:ext cx="0" cy="261938"/>
+          </a:xfrm>
+          <a:prstGeom prst="straightConnector1">
+            <a:avLst/>
+          </a:prstGeom>
+          <a:ln>
+            <a:solidFill>
+              <a:schemeClr val="tx1"/>
+            </a:solidFill>
+            <a:tailEnd type="triangle"/>
+          </a:ln>
+        </p:spPr>
+        <p:style>
+          <a:lnRef idx="1">
+            <a:schemeClr val="accent1"/>
+          </a:lnRef>
+          <a:fillRef idx="0">
+            <a:schemeClr val="accent1"/>
+          </a:fillRef>
+          <a:effectRef idx="0">
+            <a:schemeClr val="accent1"/>
+          </a:effectRef>
+          <a:fontRef idx="minor">
+            <a:schemeClr val="tx1"/>
+          </a:fontRef>
+        </p:style>
+      </p:cxnSp>
+      <p:cxnSp>
+        <p:nvCxnSpPr>
+          <p:cNvPr id="29" name="Egyenes összekötő nyíllal 28">
+            <a:extLst>
+              <a:ext uri="{FF2B5EF4-FFF2-40B4-BE49-F238E27FC236}">
+                <a16:creationId xmlns:a16="http://schemas.microsoft.com/office/drawing/2014/main" id="{AD6F8731-771F-041E-758C-3454CD4D645C}"/>
+              </a:ext>
+            </a:extLst>
+          </p:cNvPr>
+          <p:cNvCxnSpPr>
+            <a:cxnSpLocks/>
+          </p:cNvCxnSpPr>
+          <p:nvPr/>
+        </p:nvCxnSpPr>
+        <p:spPr>
+          <a:xfrm rot="16200000" flipV="1">
+            <a:off x="692943" y="2312193"/>
+            <a:ext cx="0" cy="261938"/>
+          </a:xfrm>
+          <a:prstGeom prst="straightConnector1">
+            <a:avLst/>
+          </a:prstGeom>
+          <a:ln>
+            <a:solidFill>
+              <a:schemeClr val="tx1"/>
+            </a:solidFill>
+            <a:tailEnd type="triangle"/>
+          </a:ln>
+        </p:spPr>
+        <p:style>
+          <a:lnRef idx="1">
+            <a:schemeClr val="accent1"/>
+          </a:lnRef>
+          <a:fillRef idx="0">
+            <a:schemeClr val="accent1"/>
+          </a:fillRef>
+          <a:effectRef idx="0">
+            <a:schemeClr val="accent1"/>
+          </a:effectRef>
+          <a:fontRef idx="minor">
+            <a:schemeClr val="tx1"/>
+          </a:fontRef>
+        </p:style>
+      </p:cxnSp>
+      <mc:AlternateContent xmlns:mc="http://schemas.openxmlformats.org/markup-compatibility/2006">
+        <mc:Choice xmlns:a14="http://schemas.microsoft.com/office/drawing/2010/main" Requires="a14">
+          <p:sp>
+            <p:nvSpPr>
+              <p:cNvPr id="30" name="Szövegdoboz 29">
+                <a:extLst>
+                  <a:ext uri="{FF2B5EF4-FFF2-40B4-BE49-F238E27FC236}">
+                    <a16:creationId xmlns:a16="http://schemas.microsoft.com/office/drawing/2014/main" id="{15F444A5-F9CF-5BC8-C4DE-74EDFD26C7A5}"/>
+                  </a:ext>
+                </a:extLst>
+              </p:cNvPr>
+              <p:cNvSpPr txBox="1"/>
+              <p:nvPr/>
+            </p:nvSpPr>
+            <p:spPr>
+              <a:xfrm>
+                <a:off x="709471" y="2046923"/>
+                <a:ext cx="101695" cy="153888"/>
+              </a:xfrm>
+              <a:prstGeom prst="rect">
+                <a:avLst/>
+              </a:prstGeom>
+              <a:noFill/>
+            </p:spPr>
+            <p:txBody>
+              <a:bodyPr wrap="none" lIns="0" tIns="0" rIns="0" bIns="0" rtlCol="0">
+                <a:spAutoFit/>
+              </a:bodyPr>
+              <a:lstStyle/>
+              <a:p>
+                <a14:m>
+                  <m:oMathPara xmlns:m="http://schemas.openxmlformats.org/officeDocument/2006/math">
+                    <m:oMathParaPr>
+                      <m:jc m:val="centerGroup"/>
+                    </m:oMathParaPr>
+                    <m:oMath xmlns:m="http://schemas.openxmlformats.org/officeDocument/2006/math">
+                      <m:r>
+                        <a:rPr lang="hu-HU" sz="1000" b="0" i="1" smtClean="0">
+                          <a:latin typeface="Cambria Math" panose="02040503050406030204" pitchFamily="18" charset="0"/>
+                        </a:rPr>
+                        <m:t>𝑥</m:t>
+                      </m:r>
+                    </m:oMath>
+                  </m:oMathPara>
+                </a14:m>
+                <a:endParaRPr lang="hu-HU" sz="1000" dirty="0"/>
+              </a:p>
+            </p:txBody>
+          </p:sp>
+        </mc:Choice>
+        <mc:Fallback>
+          <p:sp>
+            <p:nvSpPr>
+              <p:cNvPr id="30" name="Szövegdoboz 29">
+                <a:extLst>
+                  <a:ext uri="{FF2B5EF4-FFF2-40B4-BE49-F238E27FC236}">
+                    <a16:creationId xmlns:a16="http://schemas.microsoft.com/office/drawing/2014/main" id="{15F444A5-F9CF-5BC8-C4DE-74EDFD26C7A5}"/>
+                  </a:ext>
+                </a:extLst>
+              </p:cNvPr>
+              <p:cNvSpPr txBox="1">
+                <a:spLocks noRot="1" noChangeAspect="1" noMove="1" noResize="1" noEditPoints="1" noAdjustHandles="1" noChangeArrowheads="1" noChangeShapeType="1" noTextEdit="1"/>
+              </p:cNvSpPr>
+              <p:nvPr/>
+            </p:nvSpPr>
+            <p:spPr>
+              <a:xfrm>
+                <a:off x="709471" y="2046923"/>
+                <a:ext cx="101695" cy="153888"/>
+              </a:xfrm>
+              <a:prstGeom prst="rect">
+                <a:avLst/>
+              </a:prstGeom>
+              <a:blipFill>
+                <a:blip r:embed="rId6"/>
+                <a:stretch>
+                  <a:fillRect l="-17647" r="-11765"/>
+                </a:stretch>
+              </a:blipFill>
+            </p:spPr>
+            <p:txBody>
+              <a:bodyPr/>
+              <a:lstStyle/>
+              <a:p>
+                <a:r>
+                  <a:rPr lang="hu-HU">
+                    <a:noFill/>
+                  </a:rPr>
+                  <a:t> </a:t>
+                </a:r>
+              </a:p>
+            </p:txBody>
+          </p:sp>
+        </mc:Fallback>
+      </mc:AlternateContent>
+      <mc:AlternateContent xmlns:mc="http://schemas.openxmlformats.org/markup-compatibility/2006">
+        <mc:Choice xmlns:a14="http://schemas.microsoft.com/office/drawing/2010/main" Requires="a14">
+          <p:sp>
+            <p:nvSpPr>
+              <p:cNvPr id="31" name="Szövegdoboz 30">
+                <a:extLst>
+                  <a:ext uri="{FF2B5EF4-FFF2-40B4-BE49-F238E27FC236}">
+                    <a16:creationId xmlns:a16="http://schemas.microsoft.com/office/drawing/2014/main" id="{A0849EDF-E972-88C6-52AE-034B717C1406}"/>
+                  </a:ext>
+                </a:extLst>
+              </p:cNvPr>
+              <p:cNvSpPr txBox="1"/>
+              <p:nvPr/>
+            </p:nvSpPr>
+            <p:spPr>
+              <a:xfrm>
+                <a:off x="473027" y="2330766"/>
+                <a:ext cx="103170" cy="153888"/>
+              </a:xfrm>
+              <a:prstGeom prst="rect">
+                <a:avLst/>
+              </a:prstGeom>
+              <a:noFill/>
+            </p:spPr>
+            <p:txBody>
+              <a:bodyPr wrap="none" lIns="0" tIns="0" rIns="0" bIns="0" rtlCol="0">
+                <a:spAutoFit/>
+              </a:bodyPr>
+              <a:lstStyle/>
+              <a:p>
+                <a14:m>
+                  <m:oMathPara xmlns:m="http://schemas.openxmlformats.org/officeDocument/2006/math">
+                    <m:oMathParaPr>
+                      <m:jc m:val="centerGroup"/>
+                    </m:oMathParaPr>
+                    <m:oMath xmlns:m="http://schemas.openxmlformats.org/officeDocument/2006/math">
+                      <m:r>
+                        <a:rPr lang="hu-HU" sz="1000" b="0" i="1" smtClean="0">
+                          <a:latin typeface="Cambria Math" panose="02040503050406030204" pitchFamily="18" charset="0"/>
+                        </a:rPr>
+                        <m:t>𝑦</m:t>
+                      </m:r>
+                    </m:oMath>
+                  </m:oMathPara>
+                </a14:m>
+                <a:endParaRPr lang="hu-HU" sz="1000" dirty="0"/>
+              </a:p>
+            </p:txBody>
+          </p:sp>
+        </mc:Choice>
+        <mc:Fallback>
+          <p:sp>
+            <p:nvSpPr>
+              <p:cNvPr id="31" name="Szövegdoboz 30">
+                <a:extLst>
+                  <a:ext uri="{FF2B5EF4-FFF2-40B4-BE49-F238E27FC236}">
+                    <a16:creationId xmlns:a16="http://schemas.microsoft.com/office/drawing/2014/main" id="{A0849EDF-E972-88C6-52AE-034B717C1406}"/>
+                  </a:ext>
+                </a:extLst>
+              </p:cNvPr>
+              <p:cNvSpPr txBox="1">
+                <a:spLocks noRot="1" noChangeAspect="1" noMove="1" noResize="1" noEditPoints="1" noAdjustHandles="1" noChangeArrowheads="1" noChangeShapeType="1" noTextEdit="1"/>
+              </p:cNvSpPr>
+              <p:nvPr/>
+            </p:nvSpPr>
+            <p:spPr>
+              <a:xfrm>
+                <a:off x="473027" y="2330766"/>
+                <a:ext cx="103170" cy="153888"/>
+              </a:xfrm>
+              <a:prstGeom prst="rect">
+                <a:avLst/>
+              </a:prstGeom>
+              <a:blipFill>
+                <a:blip r:embed="rId4"/>
+                <a:stretch>
+                  <a:fillRect l="-35294" r="-23529" b="-23077"/>
+                </a:stretch>
+              </a:blipFill>
+            </p:spPr>
+            <p:txBody>
+              <a:bodyPr/>
+              <a:lstStyle/>
+              <a:p>
+                <a:r>
+                  <a:rPr lang="hu-HU">
+                    <a:noFill/>
+                  </a:rPr>
+                  <a:t> </a:t>
+                </a:r>
+              </a:p>
+            </p:txBody>
+          </p:sp>
+        </mc:Fallback>
+      </mc:AlternateContent>
+      <p:sp>
+        <p:nvSpPr>
+          <p:cNvPr id="33" name="Szabadkézi sokszög: alakzat 32">
+            <a:extLst>
+              <a:ext uri="{FF2B5EF4-FFF2-40B4-BE49-F238E27FC236}">
+                <a16:creationId xmlns:a16="http://schemas.microsoft.com/office/drawing/2014/main" id="{021F1881-9A45-72B1-5793-6F8147AA9A94}"/>
+              </a:ext>
+            </a:extLst>
+          </p:cNvPr>
+          <p:cNvSpPr/>
+          <p:nvPr/>
+        </p:nvSpPr>
+        <p:spPr>
+          <a:xfrm>
+            <a:off x="900113" y="1821656"/>
+            <a:ext cx="516731" cy="609600"/>
+          </a:xfrm>
+          <a:custGeom>
+            <a:avLst/>
+            <a:gdLst>
+              <a:gd name="connsiteX0" fmla="*/ 0 w 516731"/>
+              <a:gd name="connsiteY0" fmla="*/ 609600 h 609600"/>
+              <a:gd name="connsiteX1" fmla="*/ 73818 w 516731"/>
+              <a:gd name="connsiteY1" fmla="*/ 330994 h 609600"/>
+              <a:gd name="connsiteX2" fmla="*/ 302418 w 516731"/>
+              <a:gd name="connsiteY2" fmla="*/ 116682 h 609600"/>
+              <a:gd name="connsiteX3" fmla="*/ 516731 w 516731"/>
+              <a:gd name="connsiteY3" fmla="*/ 0 h 609600"/>
+            </a:gdLst>
+            <a:ahLst/>
+            <a:cxnLst>
+              <a:cxn ang="0">
+                <a:pos x="connsiteX0" y="connsiteY0"/>
+              </a:cxn>
+              <a:cxn ang="0">
+                <a:pos x="connsiteX1" y="connsiteY1"/>
+              </a:cxn>
+              <a:cxn ang="0">
+                <a:pos x="connsiteX2" y="connsiteY2"/>
+              </a:cxn>
+              <a:cxn ang="0">
+                <a:pos x="connsiteX3" y="connsiteY3"/>
+              </a:cxn>
+            </a:cxnLst>
+            <a:rect l="l" t="t" r="r" b="b"/>
+            <a:pathLst>
+              <a:path w="516731" h="609600">
+                <a:moveTo>
+                  <a:pt x="0" y="609600"/>
+                </a:moveTo>
+                <a:cubicBezTo>
+                  <a:pt x="11707" y="511373"/>
+                  <a:pt x="23415" y="413147"/>
+                  <a:pt x="73818" y="330994"/>
+                </a:cubicBezTo>
+                <a:cubicBezTo>
+                  <a:pt x="124221" y="248841"/>
+                  <a:pt x="228599" y="171848"/>
+                  <a:pt x="302418" y="116682"/>
+                </a:cubicBezTo>
+                <a:cubicBezTo>
+                  <a:pt x="376237" y="61516"/>
+                  <a:pt x="446484" y="30758"/>
+                  <a:pt x="516731" y="0"/>
+                </a:cubicBezTo>
+              </a:path>
+            </a:pathLst>
+          </a:custGeom>
+          <a:noFill/>
+          <a:ln>
+            <a:solidFill>
+              <a:schemeClr val="tx1"/>
+            </a:solidFill>
+          </a:ln>
+        </p:spPr>
+        <p:style>
+          <a:lnRef idx="2">
+            <a:schemeClr val="accent1">
+              <a:shade val="15000"/>
+            </a:schemeClr>
+          </a:lnRef>
+          <a:fillRef idx="1">
+            <a:schemeClr val="accent1"/>
+          </a:fillRef>
+          <a:effectRef idx="0">
+            <a:schemeClr val="accent1"/>
+          </a:effectRef>
+          <a:fontRef idx="minor">
+            <a:schemeClr val="lt1"/>
+          </a:fontRef>
+        </p:style>
+        <p:txBody>
+          <a:bodyPr rtlCol="0" anchor="ctr"/>
+          <a:lstStyle/>
+          <a:p>
+            <a:pPr algn="ctr"/>
+            <a:endParaRPr lang="hu-HU"/>
+          </a:p>
+        </p:txBody>
+      </p:sp>
+      <p:cxnSp>
+        <p:nvCxnSpPr>
+          <p:cNvPr id="34" name="Egyenes összekötő nyíllal 33">
+            <a:extLst>
+              <a:ext uri="{FF2B5EF4-FFF2-40B4-BE49-F238E27FC236}">
+                <a16:creationId xmlns:a16="http://schemas.microsoft.com/office/drawing/2014/main" id="{25CA2850-8C5A-8D53-D098-DD20E344ACBC}"/>
+              </a:ext>
+            </a:extLst>
+          </p:cNvPr>
+          <p:cNvCxnSpPr>
+            <a:cxnSpLocks/>
+            <a:stCxn id="4" idx="3"/>
+            <a:endCxn id="3" idx="1"/>
+          </p:cNvCxnSpPr>
+          <p:nvPr/>
+        </p:nvCxnSpPr>
+        <p:spPr>
+          <a:xfrm>
+            <a:off x="570271" y="1418254"/>
+            <a:ext cx="1050085" cy="0"/>
+          </a:xfrm>
+          <a:prstGeom prst="straightConnector1">
+            <a:avLst/>
+          </a:prstGeom>
+          <a:ln>
+            <a:solidFill>
+              <a:schemeClr val="tx1"/>
+            </a:solidFill>
+            <a:tailEnd type="triangle"/>
+          </a:ln>
+        </p:spPr>
+        <p:style>
+          <a:lnRef idx="1">
+            <a:schemeClr val="accent1"/>
+          </a:lnRef>
+          <a:fillRef idx="0">
+            <a:schemeClr val="accent1"/>
+          </a:fillRef>
+          <a:effectRef idx="0">
+            <a:schemeClr val="accent1"/>
+          </a:effectRef>
+          <a:fontRef idx="minor">
+            <a:schemeClr val="tx1"/>
+          </a:fontRef>
+        </p:style>
+      </p:cxnSp>
+      <mc:AlternateContent xmlns:mc="http://schemas.openxmlformats.org/markup-compatibility/2006">
+        <mc:Choice xmlns:a14="http://schemas.microsoft.com/office/drawing/2010/main" Requires="a14">
+          <p:sp>
+            <p:nvSpPr>
+              <p:cNvPr id="37" name="Szövegdoboz 36">
+                <a:extLst>
+                  <a:ext uri="{FF2B5EF4-FFF2-40B4-BE49-F238E27FC236}">
+                    <a16:creationId xmlns:a16="http://schemas.microsoft.com/office/drawing/2014/main" id="{C5609520-54C4-9B6A-8FA1-A2F8CAC8CCE0}"/>
+                  </a:ext>
+                </a:extLst>
+              </p:cNvPr>
+              <p:cNvSpPr txBox="1"/>
+              <p:nvPr/>
+            </p:nvSpPr>
+            <p:spPr>
+              <a:xfrm>
+                <a:off x="608004" y="1175904"/>
+                <a:ext cx="976999" cy="184666"/>
+              </a:xfrm>
+              <a:prstGeom prst="rect">
+                <a:avLst/>
+              </a:prstGeom>
+              <a:noFill/>
+            </p:spPr>
+            <p:txBody>
+              <a:bodyPr wrap="none" lIns="0" tIns="0" rIns="0" bIns="0" rtlCol="0">
+                <a:spAutoFit/>
+              </a:bodyPr>
+              <a:lstStyle/>
+              <a:p>
+                <a14:m>
+                  <m:oMathPara xmlns:m="http://schemas.openxmlformats.org/officeDocument/2006/math">
+                    <m:oMathParaPr>
+                      <m:jc m:val="centerGroup"/>
+                    </m:oMathParaPr>
+                    <m:oMath xmlns:m="http://schemas.openxmlformats.org/officeDocument/2006/math">
+                      <m:r>
+                        <a:rPr lang="hu-HU" sz="1200" b="0" i="1" smtClean="0">
+                          <a:latin typeface="Cambria Math" panose="02040503050406030204" pitchFamily="18" charset="0"/>
+                        </a:rPr>
+                        <m:t>𝑝</m:t>
+                      </m:r>
+                      <m:r>
+                        <a:rPr lang="hu-HU" sz="1200" b="0" i="1" smtClean="0">
+                          <a:latin typeface="Cambria Math" panose="02040503050406030204" pitchFamily="18" charset="0"/>
+                        </a:rPr>
+                        <m:t>(</m:t>
+                      </m:r>
+                      <m:sSub>
+                        <m:sSubPr>
+                          <m:ctrlPr>
+                            <a:rPr lang="hu-HU" sz="1200" b="0" i="1" smtClean="0">
+                              <a:latin typeface="Cambria Math" panose="02040503050406030204" pitchFamily="18" charset="0"/>
+                            </a:rPr>
+                          </m:ctrlPr>
+                        </m:sSubPr>
+                        <m:e>
+                          <m:r>
+                            <a:rPr lang="hu-HU" sz="1200" b="0" i="1" smtClean="0">
+                              <a:latin typeface="Cambria Math" panose="02040503050406030204" pitchFamily="18" charset="0"/>
+                            </a:rPr>
+                            <m:t>𝑐</m:t>
+                          </m:r>
+                        </m:e>
+                        <m:sub>
+                          <m:r>
+                            <a:rPr lang="hu-HU" sz="1200" b="0" i="1" smtClean="0">
+                              <a:latin typeface="Cambria Math" panose="02040503050406030204" pitchFamily="18" charset="0"/>
+                            </a:rPr>
+                            <m:t>0</m:t>
+                          </m:r>
+                        </m:sub>
+                      </m:sSub>
+                      <m:r>
+                        <a:rPr lang="hu-HU" sz="1200" b="0" i="1" smtClean="0">
+                          <a:latin typeface="Cambria Math" panose="02040503050406030204" pitchFamily="18" charset="0"/>
+                        </a:rPr>
+                        <m:t>,</m:t>
+                      </m:r>
+                      <m:sSub>
+                        <m:sSubPr>
+                          <m:ctrlPr>
+                            <a:rPr lang="hu-HU" sz="1200" b="0" i="1" smtClean="0">
+                              <a:latin typeface="Cambria Math" panose="02040503050406030204" pitchFamily="18" charset="0"/>
+                            </a:rPr>
+                          </m:ctrlPr>
+                        </m:sSubPr>
+                        <m:e>
+                          <m:r>
+                            <a:rPr lang="hu-HU" sz="1200" b="0" i="1" smtClean="0">
+                              <a:latin typeface="Cambria Math" panose="02040503050406030204" pitchFamily="18" charset="0"/>
+                            </a:rPr>
+                            <m:t>𝑐</m:t>
+                          </m:r>
+                        </m:e>
+                        <m:sub>
+                          <m:r>
+                            <a:rPr lang="hu-HU" sz="1200" b="0" i="1" smtClean="0">
+                              <a:latin typeface="Cambria Math" panose="02040503050406030204" pitchFamily="18" charset="0"/>
+                            </a:rPr>
+                            <m:t>1</m:t>
+                          </m:r>
+                        </m:sub>
+                      </m:sSub>
+                      <m:r>
+                        <a:rPr lang="hu-HU" sz="1200" b="0" i="1" smtClean="0">
+                          <a:latin typeface="Cambria Math" panose="02040503050406030204" pitchFamily="18" charset="0"/>
+                        </a:rPr>
+                        <m:t>,</m:t>
+                      </m:r>
+                      <m:sSub>
+                        <m:sSubPr>
+                          <m:ctrlPr>
+                            <a:rPr lang="hu-HU" sz="1200" b="0" i="1" smtClean="0">
+                              <a:latin typeface="Cambria Math" panose="02040503050406030204" pitchFamily="18" charset="0"/>
+                            </a:rPr>
+                          </m:ctrlPr>
+                        </m:sSubPr>
+                        <m:e>
+                          <m:r>
+                            <a:rPr lang="hu-HU" sz="1200" b="0" i="1" smtClean="0">
+                              <a:latin typeface="Cambria Math" panose="02040503050406030204" pitchFamily="18" charset="0"/>
+                            </a:rPr>
+                            <m:t>𝑐</m:t>
+                          </m:r>
+                        </m:e>
+                        <m:sub>
+                          <m:r>
+                            <a:rPr lang="hu-HU" sz="1200" b="0" i="1" smtClean="0">
+                              <a:latin typeface="Cambria Math" panose="02040503050406030204" pitchFamily="18" charset="0"/>
+                            </a:rPr>
+                            <m:t>2</m:t>
+                          </m:r>
+                        </m:sub>
+                      </m:sSub>
+                      <m:r>
+                        <a:rPr lang="hu-HU" sz="1200" b="0" i="1" smtClean="0">
+                          <a:latin typeface="Cambria Math" panose="02040503050406030204" pitchFamily="18" charset="0"/>
+                        </a:rPr>
+                        <m:t>,</m:t>
+                      </m:r>
+                      <m:sSub>
+                        <m:sSubPr>
+                          <m:ctrlPr>
+                            <a:rPr lang="hu-HU" sz="1200" b="0" i="1" smtClean="0">
+                              <a:latin typeface="Cambria Math" panose="02040503050406030204" pitchFamily="18" charset="0"/>
+                            </a:rPr>
+                          </m:ctrlPr>
+                        </m:sSubPr>
+                        <m:e>
+                          <m:r>
+                            <a:rPr lang="hu-HU" sz="1200" b="0" i="1" smtClean="0">
+                              <a:latin typeface="Cambria Math" panose="02040503050406030204" pitchFamily="18" charset="0"/>
+                            </a:rPr>
+                            <m:t>𝑐</m:t>
+                          </m:r>
+                        </m:e>
+                        <m:sub>
+                          <m:r>
+                            <a:rPr lang="hu-HU" sz="1200" b="0" i="1" smtClean="0">
+                              <a:latin typeface="Cambria Math" panose="02040503050406030204" pitchFamily="18" charset="0"/>
+                            </a:rPr>
+                            <m:t>3</m:t>
+                          </m:r>
+                        </m:sub>
+                      </m:sSub>
+                      <m:r>
+                        <a:rPr lang="hu-HU" sz="1200" b="0" i="1" smtClean="0">
+                          <a:latin typeface="Cambria Math" panose="02040503050406030204" pitchFamily="18" charset="0"/>
+                        </a:rPr>
+                        <m:t>)</m:t>
+                      </m:r>
+                    </m:oMath>
+                  </m:oMathPara>
+                </a14:m>
+                <a:endParaRPr lang="hu-HU" sz="1200" dirty="0"/>
+              </a:p>
+            </p:txBody>
+          </p:sp>
+        </mc:Choice>
+        <mc:Fallback>
+          <p:sp>
+            <p:nvSpPr>
+              <p:cNvPr id="37" name="Szövegdoboz 36">
+                <a:extLst>
+                  <a:ext uri="{FF2B5EF4-FFF2-40B4-BE49-F238E27FC236}">
+                    <a16:creationId xmlns:a16="http://schemas.microsoft.com/office/drawing/2014/main" id="{C5609520-54C4-9B6A-8FA1-A2F8CAC8CCE0}"/>
+                  </a:ext>
+                </a:extLst>
+              </p:cNvPr>
+              <p:cNvSpPr txBox="1">
+                <a:spLocks noRot="1" noChangeAspect="1" noMove="1" noResize="1" noEditPoints="1" noAdjustHandles="1" noChangeArrowheads="1" noChangeShapeType="1" noTextEdit="1"/>
+              </p:cNvSpPr>
+              <p:nvPr/>
+            </p:nvSpPr>
+            <p:spPr>
+              <a:xfrm>
+                <a:off x="608004" y="1175904"/>
+                <a:ext cx="976999" cy="184666"/>
+              </a:xfrm>
+              <a:prstGeom prst="rect">
+                <a:avLst/>
+              </a:prstGeom>
+              <a:blipFill>
+                <a:blip r:embed="rId7"/>
+                <a:stretch>
+                  <a:fillRect l="-3125" t="-6667" r="-5000" b="-36667"/>
+                </a:stretch>
+              </a:blipFill>
+            </p:spPr>
+            <p:txBody>
+              <a:bodyPr/>
+              <a:lstStyle/>
+              <a:p>
+                <a:r>
+                  <a:rPr lang="hu-HU">
+                    <a:noFill/>
+                  </a:rPr>
+                  <a:t> </a:t>
+                </a:r>
+              </a:p>
+            </p:txBody>
+          </p:sp>
+        </mc:Fallback>
+      </mc:AlternateContent>
+      <p:grpSp>
+        <p:nvGrpSpPr>
+          <p:cNvPr id="38" name="Csoportba foglalás 37">
+            <a:extLst>
+              <a:ext uri="{FF2B5EF4-FFF2-40B4-BE49-F238E27FC236}">
+                <a16:creationId xmlns:a16="http://schemas.microsoft.com/office/drawing/2014/main" id="{98039990-8062-767A-01F0-7E8E1D5F1F7D}"/>
+              </a:ext>
+            </a:extLst>
+          </p:cNvPr>
+          <p:cNvGrpSpPr/>
+          <p:nvPr/>
+        </p:nvGrpSpPr>
+        <p:grpSpPr>
+          <a:xfrm>
+            <a:off x="3140869" y="1788062"/>
+            <a:ext cx="470350" cy="519310"/>
+            <a:chOff x="485776" y="1665247"/>
+            <a:chExt cx="470350" cy="519310"/>
+          </a:xfrm>
+        </p:grpSpPr>
+        <p:sp>
+          <p:nvSpPr>
+            <p:cNvPr id="39" name="Ellipszis 38">
+              <a:extLst>
+                <a:ext uri="{FF2B5EF4-FFF2-40B4-BE49-F238E27FC236}">
+                  <a16:creationId xmlns:a16="http://schemas.microsoft.com/office/drawing/2014/main" id="{B2B45319-09B7-56BD-2E89-13BBE986B7BC}"/>
+                </a:ext>
+              </a:extLst>
+            </p:cNvPr>
+            <p:cNvSpPr/>
+            <p:nvPr/>
+          </p:nvSpPr>
+          <p:spPr>
+            <a:xfrm>
+              <a:off x="485776" y="2138838"/>
+              <a:ext cx="47625" cy="45719"/>
+            </a:xfrm>
+            <a:prstGeom prst="ellipse">
+              <a:avLst/>
+            </a:prstGeom>
+            <a:solidFill>
+              <a:schemeClr val="bg1">
+                <a:lumMod val="75000"/>
+              </a:schemeClr>
+            </a:solidFill>
+            <a:ln>
+              <a:solidFill>
+                <a:schemeClr val="bg1">
+                  <a:lumMod val="75000"/>
+                </a:schemeClr>
+              </a:solidFill>
+            </a:ln>
+          </p:spPr>
+          <p:style>
+            <a:lnRef idx="2">
+              <a:schemeClr val="accent1">
+                <a:shade val="15000"/>
+              </a:schemeClr>
+            </a:lnRef>
+            <a:fillRef idx="1">
+              <a:schemeClr val="accent1"/>
+            </a:fillRef>
+            <a:effectRef idx="0">
+              <a:schemeClr val="accent1"/>
+            </a:effectRef>
+            <a:fontRef idx="minor">
+              <a:schemeClr val="lt1"/>
+            </a:fontRef>
+          </p:style>
+          <p:txBody>
+            <a:bodyPr rtlCol="0" anchor="ctr"/>
+            <a:lstStyle/>
+            <a:p>
+              <a:pPr algn="ctr"/>
+              <a:endParaRPr lang="hu-HU"/>
+            </a:p>
+          </p:txBody>
+        </p:sp>
+        <p:sp>
+          <p:nvSpPr>
+            <p:cNvPr id="40" name="Ellipszis 39">
+              <a:extLst>
+                <a:ext uri="{FF2B5EF4-FFF2-40B4-BE49-F238E27FC236}">
+                  <a16:creationId xmlns:a16="http://schemas.microsoft.com/office/drawing/2014/main" id="{AA9881DB-6628-6851-7EC0-2D05ADA7EAA2}"/>
+                </a:ext>
+              </a:extLst>
+            </p:cNvPr>
+            <p:cNvSpPr/>
+            <p:nvPr/>
+          </p:nvSpPr>
+          <p:spPr>
+            <a:xfrm>
+              <a:off x="533401" y="1984534"/>
+              <a:ext cx="47625" cy="45719"/>
+            </a:xfrm>
+            <a:prstGeom prst="ellipse">
+              <a:avLst/>
+            </a:prstGeom>
+            <a:solidFill>
+              <a:schemeClr val="bg1">
+                <a:lumMod val="75000"/>
+              </a:schemeClr>
+            </a:solidFill>
+            <a:ln>
+              <a:solidFill>
+                <a:schemeClr val="bg1">
+                  <a:lumMod val="75000"/>
+                </a:schemeClr>
+              </a:solidFill>
+            </a:ln>
+          </p:spPr>
+          <p:style>
+            <a:lnRef idx="2">
+              <a:schemeClr val="accent1">
+                <a:shade val="15000"/>
+              </a:schemeClr>
+            </a:lnRef>
+            <a:fillRef idx="1">
+              <a:schemeClr val="accent1"/>
+            </a:fillRef>
+            <a:effectRef idx="0">
+              <a:schemeClr val="accent1"/>
+            </a:effectRef>
+            <a:fontRef idx="minor">
+              <a:schemeClr val="lt1"/>
+            </a:fontRef>
+          </p:style>
+          <p:txBody>
+            <a:bodyPr rtlCol="0" anchor="ctr"/>
+            <a:lstStyle/>
+            <a:p>
+              <a:pPr algn="ctr"/>
+              <a:endParaRPr lang="hu-HU"/>
+            </a:p>
+          </p:txBody>
+        </p:sp>
+        <p:sp>
+          <p:nvSpPr>
+            <p:cNvPr id="41" name="Ellipszis 40">
+              <a:extLst>
+                <a:ext uri="{FF2B5EF4-FFF2-40B4-BE49-F238E27FC236}">
+                  <a16:creationId xmlns:a16="http://schemas.microsoft.com/office/drawing/2014/main" id="{0D1C0F30-F60F-C20D-B680-2E293C6BF946}"/>
+                </a:ext>
+              </a:extLst>
+            </p:cNvPr>
+            <p:cNvSpPr/>
+            <p:nvPr/>
+          </p:nvSpPr>
+          <p:spPr>
+            <a:xfrm>
+              <a:off x="764382" y="1746209"/>
+              <a:ext cx="47625" cy="45719"/>
+            </a:xfrm>
+            <a:prstGeom prst="ellipse">
+              <a:avLst/>
+            </a:prstGeom>
+            <a:solidFill>
+              <a:schemeClr val="bg1">
+                <a:lumMod val="75000"/>
+              </a:schemeClr>
+            </a:solidFill>
+            <a:ln>
+              <a:solidFill>
+                <a:schemeClr val="bg1">
+                  <a:lumMod val="75000"/>
+                </a:schemeClr>
+              </a:solidFill>
+            </a:ln>
+          </p:spPr>
+          <p:style>
+            <a:lnRef idx="2">
+              <a:schemeClr val="accent1">
+                <a:shade val="15000"/>
+              </a:schemeClr>
+            </a:lnRef>
+            <a:fillRef idx="1">
+              <a:schemeClr val="accent1"/>
+            </a:fillRef>
+            <a:effectRef idx="0">
+              <a:schemeClr val="accent1"/>
+            </a:effectRef>
+            <a:fontRef idx="minor">
+              <a:schemeClr val="lt1"/>
+            </a:fontRef>
+          </p:style>
+          <p:txBody>
+            <a:bodyPr rtlCol="0" anchor="ctr"/>
+            <a:lstStyle/>
+            <a:p>
+              <a:pPr algn="ctr"/>
+              <a:endParaRPr lang="hu-HU"/>
+            </a:p>
+          </p:txBody>
+        </p:sp>
+        <p:sp>
+          <p:nvSpPr>
+            <p:cNvPr id="42" name="Ellipszis 41">
+              <a:extLst>
+                <a:ext uri="{FF2B5EF4-FFF2-40B4-BE49-F238E27FC236}">
+                  <a16:creationId xmlns:a16="http://schemas.microsoft.com/office/drawing/2014/main" id="{7751FCAA-D208-8F8E-5C42-5D18412B1613}"/>
+                </a:ext>
+              </a:extLst>
+            </p:cNvPr>
+            <p:cNvSpPr/>
+            <p:nvPr/>
+          </p:nvSpPr>
+          <p:spPr>
+            <a:xfrm>
+              <a:off x="633414" y="1854995"/>
+              <a:ext cx="47625" cy="45719"/>
+            </a:xfrm>
+            <a:prstGeom prst="ellipse">
+              <a:avLst/>
+            </a:prstGeom>
+            <a:solidFill>
+              <a:schemeClr val="bg1">
+                <a:lumMod val="75000"/>
+              </a:schemeClr>
+            </a:solidFill>
+            <a:ln>
+              <a:solidFill>
+                <a:schemeClr val="bg1">
+                  <a:lumMod val="75000"/>
+                </a:schemeClr>
+              </a:solidFill>
+            </a:ln>
+          </p:spPr>
+          <p:style>
+            <a:lnRef idx="2">
+              <a:schemeClr val="accent1">
+                <a:shade val="15000"/>
+              </a:schemeClr>
+            </a:lnRef>
+            <a:fillRef idx="1">
+              <a:schemeClr val="accent1"/>
+            </a:fillRef>
+            <a:effectRef idx="0">
+              <a:schemeClr val="accent1"/>
+            </a:effectRef>
+            <a:fontRef idx="minor">
+              <a:schemeClr val="lt1"/>
+            </a:fontRef>
+          </p:style>
+          <p:txBody>
+            <a:bodyPr rtlCol="0" anchor="ctr"/>
+            <a:lstStyle/>
+            <a:p>
+              <a:pPr algn="ctr"/>
+              <a:endParaRPr lang="hu-HU"/>
+            </a:p>
+          </p:txBody>
+        </p:sp>
+        <p:sp>
+          <p:nvSpPr>
+            <p:cNvPr id="43" name="Ellipszis 42">
+              <a:extLst>
+                <a:ext uri="{FF2B5EF4-FFF2-40B4-BE49-F238E27FC236}">
+                  <a16:creationId xmlns:a16="http://schemas.microsoft.com/office/drawing/2014/main" id="{16670B34-3B89-7723-A3D3-A513C264EBBB}"/>
+                </a:ext>
+              </a:extLst>
+            </p:cNvPr>
+            <p:cNvSpPr/>
+            <p:nvPr/>
+          </p:nvSpPr>
+          <p:spPr>
+            <a:xfrm>
+              <a:off x="908501" y="1665247"/>
+              <a:ext cx="47625" cy="45719"/>
+            </a:xfrm>
+            <a:prstGeom prst="ellipse">
+              <a:avLst/>
+            </a:prstGeom>
+            <a:solidFill>
+              <a:schemeClr val="bg1">
+                <a:lumMod val="75000"/>
+              </a:schemeClr>
+            </a:solidFill>
+            <a:ln>
+              <a:solidFill>
+                <a:schemeClr val="bg1">
+                  <a:lumMod val="75000"/>
+                </a:schemeClr>
+              </a:solidFill>
+            </a:ln>
+          </p:spPr>
+          <p:style>
+            <a:lnRef idx="2">
+              <a:schemeClr val="accent1">
+                <a:shade val="15000"/>
+              </a:schemeClr>
+            </a:lnRef>
+            <a:fillRef idx="1">
+              <a:schemeClr val="accent1"/>
+            </a:fillRef>
+            <a:effectRef idx="0">
+              <a:schemeClr val="accent1"/>
+            </a:effectRef>
+            <a:fontRef idx="minor">
+              <a:schemeClr val="lt1"/>
+            </a:fontRef>
+          </p:style>
+          <p:txBody>
+            <a:bodyPr rtlCol="0" anchor="ctr"/>
+            <a:lstStyle/>
+            <a:p>
+              <a:pPr algn="ctr"/>
+              <a:endParaRPr lang="hu-HU"/>
+            </a:p>
+          </p:txBody>
+        </p:sp>
+      </p:grpSp>
+      <p:cxnSp>
+        <p:nvCxnSpPr>
+          <p:cNvPr id="44" name="Egyenes összekötő nyíllal 43">
+            <a:extLst>
+              <a:ext uri="{FF2B5EF4-FFF2-40B4-BE49-F238E27FC236}">
+                <a16:creationId xmlns:a16="http://schemas.microsoft.com/office/drawing/2014/main" id="{24DCAD47-82A4-1E32-ED7D-7625C86357A5}"/>
+              </a:ext>
+            </a:extLst>
+          </p:cNvPr>
+          <p:cNvCxnSpPr/>
+          <p:nvPr/>
+        </p:nvCxnSpPr>
+        <p:spPr>
+          <a:xfrm flipV="1">
+            <a:off x="3064668" y="2130208"/>
+            <a:ext cx="0" cy="261938"/>
+          </a:xfrm>
+          <a:prstGeom prst="straightConnector1">
+            <a:avLst/>
+          </a:prstGeom>
+          <a:ln>
+            <a:solidFill>
+              <a:schemeClr val="bg1">
+                <a:lumMod val="75000"/>
+              </a:schemeClr>
+            </a:solidFill>
+            <a:tailEnd type="triangle"/>
+          </a:ln>
+        </p:spPr>
+        <p:style>
+          <a:lnRef idx="1">
+            <a:schemeClr val="accent1"/>
+          </a:lnRef>
+          <a:fillRef idx="0">
+            <a:schemeClr val="accent1"/>
+          </a:fillRef>
+          <a:effectRef idx="0">
+            <a:schemeClr val="accent1"/>
+          </a:effectRef>
+          <a:fontRef idx="minor">
+            <a:schemeClr val="tx1"/>
+          </a:fontRef>
+        </p:style>
+      </p:cxnSp>
+      <p:cxnSp>
+        <p:nvCxnSpPr>
+          <p:cNvPr id="45" name="Egyenes összekötő nyíllal 44">
+            <a:extLst>
+              <a:ext uri="{FF2B5EF4-FFF2-40B4-BE49-F238E27FC236}">
+                <a16:creationId xmlns:a16="http://schemas.microsoft.com/office/drawing/2014/main" id="{84ADC895-7031-6C10-42E0-CC8C345DD3EF}"/>
+              </a:ext>
+            </a:extLst>
+          </p:cNvPr>
+          <p:cNvCxnSpPr>
+            <a:cxnSpLocks/>
+          </p:cNvCxnSpPr>
+          <p:nvPr/>
+        </p:nvCxnSpPr>
+        <p:spPr>
+          <a:xfrm rot="16200000" flipV="1">
+            <a:off x="2933699" y="2263558"/>
+            <a:ext cx="0" cy="261938"/>
+          </a:xfrm>
+          <a:prstGeom prst="straightConnector1">
+            <a:avLst/>
+          </a:prstGeom>
+          <a:ln>
+            <a:solidFill>
+              <a:schemeClr val="bg1">
+                <a:lumMod val="75000"/>
+              </a:schemeClr>
+            </a:solidFill>
+            <a:tailEnd type="triangle"/>
+          </a:ln>
+        </p:spPr>
+        <p:style>
+          <a:lnRef idx="1">
+            <a:schemeClr val="accent1"/>
+          </a:lnRef>
+          <a:fillRef idx="0">
+            <a:schemeClr val="accent1"/>
+          </a:fillRef>
+          <a:effectRef idx="0">
+            <a:schemeClr val="accent1"/>
+          </a:effectRef>
+          <a:fontRef idx="minor">
+            <a:schemeClr val="tx1"/>
+          </a:fontRef>
+        </p:style>
+      </p:cxnSp>
+      <mc:AlternateContent xmlns:mc="http://schemas.openxmlformats.org/markup-compatibility/2006">
+        <mc:Choice xmlns:a14="http://schemas.microsoft.com/office/drawing/2010/main" Requires="a14">
+          <p:sp>
+            <p:nvSpPr>
+              <p:cNvPr id="46" name="Szövegdoboz 45">
+                <a:extLst>
+                  <a:ext uri="{FF2B5EF4-FFF2-40B4-BE49-F238E27FC236}">
+                    <a16:creationId xmlns:a16="http://schemas.microsoft.com/office/drawing/2014/main" id="{6AE2D879-DC45-F1C6-AAC6-3EF60E74CBA9}"/>
+                  </a:ext>
+                </a:extLst>
+              </p:cNvPr>
+              <p:cNvSpPr txBox="1"/>
+              <p:nvPr/>
+            </p:nvSpPr>
+            <p:spPr>
+              <a:xfrm>
+                <a:off x="2950227" y="2000669"/>
+                <a:ext cx="275652" cy="153888"/>
+              </a:xfrm>
+              <a:prstGeom prst="rect">
+                <a:avLst/>
+              </a:prstGeom>
+              <a:noFill/>
+            </p:spPr>
+            <p:txBody>
+              <a:bodyPr wrap="none" lIns="0" tIns="0" rIns="0" bIns="0" rtlCol="0">
+                <a:spAutoFit/>
+              </a:bodyPr>
+              <a:lstStyle/>
+              <a:p>
+                <a14:m>
+                  <m:oMathPara xmlns:m="http://schemas.openxmlformats.org/officeDocument/2006/math">
+                    <m:oMathParaPr>
+                      <m:jc m:val="centerGroup"/>
+                    </m:oMathParaPr>
+                    <m:oMath xmlns:m="http://schemas.openxmlformats.org/officeDocument/2006/math">
+                      <m:r>
+                        <a:rPr lang="hu-HU" sz="1000" b="0" i="1" smtClean="0">
+                          <a:latin typeface="Cambria Math" panose="02040503050406030204" pitchFamily="18" charset="0"/>
+                        </a:rPr>
+                        <m:t>𝑥</m:t>
+                      </m:r>
+                      <m:r>
+                        <a:rPr lang="hu-HU" sz="1000" b="0" i="1" smtClean="0">
+                          <a:latin typeface="Cambria Math" panose="02040503050406030204" pitchFamily="18" charset="0"/>
+                        </a:rPr>
+                        <m:t>,</m:t>
+                      </m:r>
+                      <m:sSub>
+                        <m:sSubPr>
+                          <m:ctrlPr>
+                            <a:rPr lang="hu-HU" sz="1000" b="0" i="1" smtClean="0">
+                              <a:latin typeface="Cambria Math" panose="02040503050406030204" pitchFamily="18" charset="0"/>
+                            </a:rPr>
+                          </m:ctrlPr>
+                        </m:sSubPr>
+                        <m:e>
+                          <m:r>
+                            <a:rPr lang="hu-HU" sz="1000" b="0" i="1" smtClean="0">
+                              <a:latin typeface="Cambria Math" panose="02040503050406030204" pitchFamily="18" charset="0"/>
+                            </a:rPr>
+                            <m:t>𝑣</m:t>
+                          </m:r>
+                        </m:e>
+                        <m:sub>
+                          <m:r>
+                            <a:rPr lang="hu-HU" sz="1000" b="0" i="1" smtClean="0">
+                              <a:latin typeface="Cambria Math" panose="02040503050406030204" pitchFamily="18" charset="0"/>
+                            </a:rPr>
+                            <m:t>𝑥</m:t>
+                          </m:r>
+                        </m:sub>
+                      </m:sSub>
+                    </m:oMath>
+                  </m:oMathPara>
+                </a14:m>
+                <a:endParaRPr lang="hu-HU" sz="1000" dirty="0"/>
+              </a:p>
+            </p:txBody>
+          </p:sp>
+        </mc:Choice>
+        <mc:Fallback>
+          <p:sp>
+            <p:nvSpPr>
+              <p:cNvPr id="46" name="Szövegdoboz 45">
+                <a:extLst>
+                  <a:ext uri="{FF2B5EF4-FFF2-40B4-BE49-F238E27FC236}">
+                    <a16:creationId xmlns:a16="http://schemas.microsoft.com/office/drawing/2014/main" id="{6AE2D879-DC45-F1C6-AAC6-3EF60E74CBA9}"/>
+                  </a:ext>
+                </a:extLst>
+              </p:cNvPr>
+              <p:cNvSpPr txBox="1">
+                <a:spLocks noRot="1" noChangeAspect="1" noMove="1" noResize="1" noEditPoints="1" noAdjustHandles="1" noChangeArrowheads="1" noChangeShapeType="1" noTextEdit="1"/>
+              </p:cNvSpPr>
+              <p:nvPr/>
+            </p:nvSpPr>
+            <p:spPr>
+              <a:xfrm>
+                <a:off x="2950227" y="2000669"/>
+                <a:ext cx="275652" cy="153888"/>
+              </a:xfrm>
+              <a:prstGeom prst="rect">
+                <a:avLst/>
+              </a:prstGeom>
+              <a:blipFill>
+                <a:blip r:embed="rId8"/>
+                <a:stretch>
+                  <a:fillRect l="-8889" b="-12000"/>
+                </a:stretch>
+              </a:blipFill>
+            </p:spPr>
+            <p:txBody>
+              <a:bodyPr/>
+              <a:lstStyle/>
+              <a:p>
+                <a:r>
+                  <a:rPr lang="hu-HU">
+                    <a:noFill/>
+                  </a:rPr>
+                  <a:t> </a:t>
+                </a:r>
+              </a:p>
+            </p:txBody>
+          </p:sp>
+        </mc:Fallback>
+      </mc:AlternateContent>
+      <mc:AlternateContent xmlns:mc="http://schemas.openxmlformats.org/markup-compatibility/2006">
+        <mc:Choice xmlns:a14="http://schemas.microsoft.com/office/drawing/2010/main" Requires="a14">
+          <p:sp>
+            <p:nvSpPr>
+              <p:cNvPr id="47" name="Szövegdoboz 46">
+                <a:extLst>
+                  <a:ext uri="{FF2B5EF4-FFF2-40B4-BE49-F238E27FC236}">
+                    <a16:creationId xmlns:a16="http://schemas.microsoft.com/office/drawing/2014/main" id="{08C481C4-7E9E-12CF-A850-8901B9295548}"/>
+                  </a:ext>
+                </a:extLst>
+              </p:cNvPr>
+              <p:cNvSpPr txBox="1"/>
+              <p:nvPr/>
+            </p:nvSpPr>
+            <p:spPr>
+              <a:xfrm>
+                <a:off x="2713783" y="2284512"/>
+                <a:ext cx="103170" cy="153888"/>
+              </a:xfrm>
+              <a:prstGeom prst="rect">
+                <a:avLst/>
+              </a:prstGeom>
+              <a:noFill/>
+            </p:spPr>
+            <p:txBody>
+              <a:bodyPr wrap="none" lIns="0" tIns="0" rIns="0" bIns="0" rtlCol="0">
+                <a:spAutoFit/>
+              </a:bodyPr>
+              <a:lstStyle/>
+              <a:p>
+                <a14:m>
+                  <m:oMathPara xmlns:m="http://schemas.openxmlformats.org/officeDocument/2006/math">
+                    <m:oMathParaPr>
+                      <m:jc m:val="centerGroup"/>
+                    </m:oMathParaPr>
+                    <m:oMath xmlns:m="http://schemas.openxmlformats.org/officeDocument/2006/math">
+                      <m:r>
+                        <a:rPr lang="hu-HU" sz="1000" b="0" i="1" smtClean="0">
+                          <a:latin typeface="Cambria Math" panose="02040503050406030204" pitchFamily="18" charset="0"/>
+                        </a:rPr>
+                        <m:t>𝑦</m:t>
+                      </m:r>
+                    </m:oMath>
+                  </m:oMathPara>
+                </a14:m>
+                <a:endParaRPr lang="hu-HU" sz="1000" dirty="0"/>
+              </a:p>
+            </p:txBody>
+          </p:sp>
+        </mc:Choice>
+        <mc:Fallback>
+          <p:sp>
+            <p:nvSpPr>
+              <p:cNvPr id="47" name="Szövegdoboz 46">
+                <a:extLst>
+                  <a:ext uri="{FF2B5EF4-FFF2-40B4-BE49-F238E27FC236}">
+                    <a16:creationId xmlns:a16="http://schemas.microsoft.com/office/drawing/2014/main" id="{08C481C4-7E9E-12CF-A850-8901B9295548}"/>
+                  </a:ext>
+                </a:extLst>
+              </p:cNvPr>
+              <p:cNvSpPr txBox="1">
+                <a:spLocks noRot="1" noChangeAspect="1" noMove="1" noResize="1" noEditPoints="1" noAdjustHandles="1" noChangeArrowheads="1" noChangeShapeType="1" noTextEdit="1"/>
+              </p:cNvSpPr>
+              <p:nvPr/>
+            </p:nvSpPr>
+            <p:spPr>
+              <a:xfrm>
+                <a:off x="2713783" y="2284512"/>
+                <a:ext cx="103170" cy="153888"/>
+              </a:xfrm>
+              <a:prstGeom prst="rect">
+                <a:avLst/>
+              </a:prstGeom>
+              <a:blipFill>
+                <a:blip r:embed="rId9"/>
+                <a:stretch>
+                  <a:fillRect l="-29412" r="-29412" b="-24000"/>
+                </a:stretch>
+              </a:blipFill>
+            </p:spPr>
+            <p:txBody>
+              <a:bodyPr/>
+              <a:lstStyle/>
+              <a:p>
+                <a:r>
+                  <a:rPr lang="hu-HU">
+                    <a:noFill/>
+                  </a:rPr>
+                  <a:t> </a:t>
+                </a:r>
+              </a:p>
+            </p:txBody>
+          </p:sp>
+        </mc:Fallback>
+      </mc:AlternateContent>
+      <p:sp>
+        <p:nvSpPr>
+          <p:cNvPr id="48" name="Szabadkézi sokszög: alakzat 47">
+            <a:extLst>
+              <a:ext uri="{FF2B5EF4-FFF2-40B4-BE49-F238E27FC236}">
+                <a16:creationId xmlns:a16="http://schemas.microsoft.com/office/drawing/2014/main" id="{A4D89E03-EB7B-969D-E632-C7EAA8A2BA99}"/>
+              </a:ext>
+            </a:extLst>
+          </p:cNvPr>
+          <p:cNvSpPr/>
+          <p:nvPr/>
+        </p:nvSpPr>
+        <p:spPr>
+          <a:xfrm>
+            <a:off x="3140869" y="1775402"/>
+            <a:ext cx="516731" cy="609600"/>
+          </a:xfrm>
+          <a:custGeom>
+            <a:avLst/>
+            <a:gdLst>
+              <a:gd name="connsiteX0" fmla="*/ 0 w 516731"/>
+              <a:gd name="connsiteY0" fmla="*/ 609600 h 609600"/>
+              <a:gd name="connsiteX1" fmla="*/ 73818 w 516731"/>
+              <a:gd name="connsiteY1" fmla="*/ 330994 h 609600"/>
+              <a:gd name="connsiteX2" fmla="*/ 302418 w 516731"/>
+              <a:gd name="connsiteY2" fmla="*/ 116682 h 609600"/>
+              <a:gd name="connsiteX3" fmla="*/ 516731 w 516731"/>
+              <a:gd name="connsiteY3" fmla="*/ 0 h 609600"/>
+            </a:gdLst>
+            <a:ahLst/>
+            <a:cxnLst>
+              <a:cxn ang="0">
+                <a:pos x="connsiteX0" y="connsiteY0"/>
+              </a:cxn>
+              <a:cxn ang="0">
+                <a:pos x="connsiteX1" y="connsiteY1"/>
+              </a:cxn>
+              <a:cxn ang="0">
+                <a:pos x="connsiteX2" y="connsiteY2"/>
+              </a:cxn>
+              <a:cxn ang="0">
+                <a:pos x="connsiteX3" y="connsiteY3"/>
+              </a:cxn>
+            </a:cxnLst>
+            <a:rect l="l" t="t" r="r" b="b"/>
+            <a:pathLst>
+              <a:path w="516731" h="609600">
+                <a:moveTo>
+                  <a:pt x="0" y="609600"/>
+                </a:moveTo>
+                <a:cubicBezTo>
+                  <a:pt x="11707" y="511373"/>
+                  <a:pt x="23415" y="413147"/>
+                  <a:pt x="73818" y="330994"/>
+                </a:cubicBezTo>
+                <a:cubicBezTo>
+                  <a:pt x="124221" y="248841"/>
+                  <a:pt x="228599" y="171848"/>
+                  <a:pt x="302418" y="116682"/>
+                </a:cubicBezTo>
+                <a:cubicBezTo>
+                  <a:pt x="376237" y="61516"/>
+                  <a:pt x="446484" y="30758"/>
+                  <a:pt x="516731" y="0"/>
+                </a:cubicBezTo>
+              </a:path>
+            </a:pathLst>
+          </a:custGeom>
+          <a:noFill/>
+          <a:ln>
+            <a:solidFill>
+              <a:schemeClr val="bg1">
+                <a:lumMod val="75000"/>
+              </a:schemeClr>
+            </a:solidFill>
+          </a:ln>
+        </p:spPr>
+        <p:style>
+          <a:lnRef idx="2">
+            <a:schemeClr val="accent1">
+              <a:shade val="15000"/>
+            </a:schemeClr>
+          </a:lnRef>
+          <a:fillRef idx="1">
+            <a:schemeClr val="accent1"/>
+          </a:fillRef>
+          <a:effectRef idx="0">
+            <a:schemeClr val="accent1"/>
+          </a:effectRef>
+          <a:fontRef idx="minor">
+            <a:schemeClr val="lt1"/>
+          </a:fontRef>
+        </p:style>
+        <p:txBody>
+          <a:bodyPr rtlCol="0" anchor="ctr"/>
+          <a:lstStyle/>
+          <a:p>
+            <a:pPr algn="ctr"/>
+            <a:endParaRPr lang="hu-HU"/>
+          </a:p>
+        </p:txBody>
+      </p:sp>
+      <p:sp>
+        <p:nvSpPr>
+          <p:cNvPr id="49" name="Ellipszis 48">
+            <a:extLst>
+              <a:ext uri="{FF2B5EF4-FFF2-40B4-BE49-F238E27FC236}">
+                <a16:creationId xmlns:a16="http://schemas.microsoft.com/office/drawing/2014/main" id="{4CD5203F-2430-1504-13E1-6BCB847F49B3}"/>
+              </a:ext>
+            </a:extLst>
+          </p:cNvPr>
+          <p:cNvSpPr/>
+          <p:nvPr/>
+        </p:nvSpPr>
+        <p:spPr>
+          <a:xfrm>
+            <a:off x="3351609" y="1924260"/>
+            <a:ext cx="47625" cy="45719"/>
+          </a:xfrm>
+          <a:prstGeom prst="ellipse">
+            <a:avLst/>
+          </a:prstGeom>
+          <a:solidFill>
+            <a:srgbClr val="C00000"/>
+          </a:solidFill>
+          <a:ln>
+            <a:solidFill>
+              <a:srgbClr val="C00000"/>
+            </a:solidFill>
+          </a:ln>
+        </p:spPr>
+        <p:style>
+          <a:lnRef idx="2">
+            <a:schemeClr val="accent1">
+              <a:shade val="15000"/>
+            </a:schemeClr>
+          </a:lnRef>
+          <a:fillRef idx="1">
+            <a:schemeClr val="accent1"/>
+          </a:fillRef>
+          <a:effectRef idx="0">
+            <a:schemeClr val="accent1"/>
+          </a:effectRef>
+          <a:fontRef idx="minor">
+            <a:schemeClr val="lt1"/>
+          </a:fontRef>
+        </p:style>
+        <p:txBody>
+          <a:bodyPr rtlCol="0" anchor="ctr"/>
+          <a:lstStyle/>
+          <a:p>
+            <a:pPr algn="ctr"/>
+            <a:endParaRPr lang="hu-HU"/>
+          </a:p>
+        </p:txBody>
+      </p:sp>
+      <mc:AlternateContent xmlns:mc="http://schemas.openxmlformats.org/markup-compatibility/2006">
+        <mc:Choice xmlns:a14="http://schemas.microsoft.com/office/drawing/2010/main" Requires="a14">
+          <p:sp>
+            <p:nvSpPr>
+              <p:cNvPr id="52" name="Szövegdoboz 51">
+                <a:extLst>
+                  <a:ext uri="{FF2B5EF4-FFF2-40B4-BE49-F238E27FC236}">
+                    <a16:creationId xmlns:a16="http://schemas.microsoft.com/office/drawing/2014/main" id="{F50A1735-16F8-DAEB-F597-0336D424BBB0}"/>
+                  </a:ext>
+                </a:extLst>
+              </p:cNvPr>
+              <p:cNvSpPr txBox="1"/>
+              <p:nvPr/>
+            </p:nvSpPr>
+            <p:spPr>
+              <a:xfrm>
+                <a:off x="3419475" y="1892947"/>
+                <a:ext cx="800154" cy="161583"/>
+              </a:xfrm>
+              <a:prstGeom prst="rect">
+                <a:avLst/>
+              </a:prstGeom>
+              <a:noFill/>
+            </p:spPr>
+            <p:txBody>
+              <a:bodyPr wrap="none" lIns="0" tIns="0" rIns="0" bIns="0" rtlCol="0">
+                <a:spAutoFit/>
+              </a:bodyPr>
+              <a:lstStyle/>
+              <a:p>
+                <a14:m>
+                  <m:oMathPara xmlns:m="http://schemas.openxmlformats.org/officeDocument/2006/math">
+                    <m:oMathParaPr>
+                      <m:jc m:val="centerGroup"/>
+                    </m:oMathParaPr>
+                    <m:oMath xmlns:m="http://schemas.openxmlformats.org/officeDocument/2006/math">
+                      <m:sSub>
+                        <m:sSubPr>
+                          <m:ctrlPr>
+                            <a:rPr lang="hu-HU" sz="1050" b="0" i="1" smtClean="0">
+                              <a:latin typeface="Cambria Math" panose="02040503050406030204" pitchFamily="18" charset="0"/>
+                            </a:rPr>
+                          </m:ctrlPr>
+                        </m:sSubPr>
+                        <m:e>
+                          <m:r>
+                            <a:rPr lang="hu-HU" sz="1050" b="0" i="1" smtClean="0">
+                              <a:latin typeface="Cambria Math" panose="02040503050406030204" pitchFamily="18" charset="0"/>
+                            </a:rPr>
+                            <m:t>𝐹</m:t>
+                          </m:r>
+                        </m:e>
+                        <m:sub>
+                          <m:r>
+                            <a:rPr lang="hu-HU" sz="1050" b="0" i="1" smtClean="0">
+                              <a:latin typeface="Cambria Math" panose="02040503050406030204" pitchFamily="18" charset="0"/>
+                            </a:rPr>
+                            <m:t>𝐹𝑃</m:t>
+                          </m:r>
+                        </m:sub>
+                      </m:sSub>
+                      <m:r>
+                        <a:rPr lang="hu-HU" sz="1050" b="0" i="1" smtClean="0">
+                          <a:latin typeface="Cambria Math" panose="02040503050406030204" pitchFamily="18" charset="0"/>
+                        </a:rPr>
+                        <m:t>(</m:t>
+                      </m:r>
+                      <m:sSub>
+                        <m:sSubPr>
+                          <m:ctrlPr>
+                            <a:rPr lang="hu-HU" sz="1050" b="0" i="1" smtClean="0">
+                              <a:latin typeface="Cambria Math" panose="02040503050406030204" pitchFamily="18" charset="0"/>
+                            </a:rPr>
+                          </m:ctrlPr>
+                        </m:sSubPr>
+                        <m:e>
+                          <m:r>
+                            <a:rPr lang="hu-HU" sz="1050" b="0" i="1" smtClean="0">
+                              <a:latin typeface="Cambria Math" panose="02040503050406030204" pitchFamily="18" charset="0"/>
+                            </a:rPr>
+                            <m:t>𝑥</m:t>
+                          </m:r>
+                        </m:e>
+                        <m:sub>
+                          <m:r>
+                            <a:rPr lang="hu-HU" sz="1050" b="0" i="1" smtClean="0">
+                              <a:latin typeface="Cambria Math" panose="02040503050406030204" pitchFamily="18" charset="0"/>
+                            </a:rPr>
+                            <m:t>𝐹𝑃</m:t>
+                          </m:r>
+                        </m:sub>
+                      </m:sSub>
+                      <m:r>
+                        <a:rPr lang="hu-HU" sz="1050" b="0" i="1" smtClean="0">
+                          <a:latin typeface="Cambria Math" panose="02040503050406030204" pitchFamily="18" charset="0"/>
+                        </a:rPr>
+                        <m:t>,</m:t>
+                      </m:r>
+                      <m:sSub>
+                        <m:sSubPr>
+                          <m:ctrlPr>
+                            <a:rPr lang="hu-HU" sz="1050" b="0" i="1" smtClean="0">
+                              <a:latin typeface="Cambria Math" panose="02040503050406030204" pitchFamily="18" charset="0"/>
+                            </a:rPr>
+                          </m:ctrlPr>
+                        </m:sSubPr>
+                        <m:e>
+                          <m:r>
+                            <a:rPr lang="hu-HU" sz="1050" b="0" i="1" smtClean="0">
+                              <a:latin typeface="Cambria Math" panose="02040503050406030204" pitchFamily="18" charset="0"/>
+                            </a:rPr>
+                            <m:t>𝑦</m:t>
+                          </m:r>
+                        </m:e>
+                        <m:sub>
+                          <m:r>
+                            <a:rPr lang="hu-HU" sz="1050" b="0" i="1" smtClean="0">
+                              <a:latin typeface="Cambria Math" panose="02040503050406030204" pitchFamily="18" charset="0"/>
+                            </a:rPr>
+                            <m:t>𝐹𝑃</m:t>
+                          </m:r>
+                        </m:sub>
+                      </m:sSub>
+                      <m:r>
+                        <a:rPr lang="hu-HU" sz="1050" b="0" i="1" smtClean="0">
+                          <a:latin typeface="Cambria Math" panose="02040503050406030204" pitchFamily="18" charset="0"/>
+                        </a:rPr>
+                        <m:t>)</m:t>
+                      </m:r>
+                    </m:oMath>
+                  </m:oMathPara>
+                </a14:m>
+                <a:endParaRPr lang="hu-HU" sz="1050" dirty="0"/>
+              </a:p>
+            </p:txBody>
+          </p:sp>
+        </mc:Choice>
+        <mc:Fallback>
+          <p:sp>
+            <p:nvSpPr>
+              <p:cNvPr id="52" name="Szövegdoboz 51">
+                <a:extLst>
+                  <a:ext uri="{FF2B5EF4-FFF2-40B4-BE49-F238E27FC236}">
+                    <a16:creationId xmlns:a16="http://schemas.microsoft.com/office/drawing/2014/main" id="{F50A1735-16F8-DAEB-F597-0336D424BBB0}"/>
+                  </a:ext>
+                </a:extLst>
+              </p:cNvPr>
+              <p:cNvSpPr txBox="1">
+                <a:spLocks noRot="1" noChangeAspect="1" noMove="1" noResize="1" noEditPoints="1" noAdjustHandles="1" noChangeArrowheads="1" noChangeShapeType="1" noTextEdit="1"/>
+              </p:cNvSpPr>
+              <p:nvPr/>
+            </p:nvSpPr>
+            <p:spPr>
+              <a:xfrm>
+                <a:off x="3419475" y="1892947"/>
+                <a:ext cx="800154" cy="161583"/>
+              </a:xfrm>
+              <a:prstGeom prst="rect">
+                <a:avLst/>
+              </a:prstGeom>
+              <a:blipFill>
+                <a:blip r:embed="rId10"/>
+                <a:stretch>
+                  <a:fillRect l="-3817" t="-3846" r="-6107" b="-42308"/>
+                </a:stretch>
+              </a:blipFill>
+            </p:spPr>
+            <p:txBody>
+              <a:bodyPr/>
+              <a:lstStyle/>
+              <a:p>
+                <a:r>
+                  <a:rPr lang="hu-HU">
+                    <a:noFill/>
+                  </a:rPr>
+                  <a:t> </a:t>
+                </a:r>
+              </a:p>
+            </p:txBody>
+          </p:sp>
+        </mc:Fallback>
+      </mc:AlternateContent>
+      <p:cxnSp>
+        <p:nvCxnSpPr>
+          <p:cNvPr id="54" name="Egyenes összekötő 53">
+            <a:extLst>
+              <a:ext uri="{FF2B5EF4-FFF2-40B4-BE49-F238E27FC236}">
+                <a16:creationId xmlns:a16="http://schemas.microsoft.com/office/drawing/2014/main" id="{5F16C77D-CFCB-0D03-E2A1-E13949DB4DCC}"/>
+              </a:ext>
+            </a:extLst>
+          </p:cNvPr>
+          <p:cNvCxnSpPr>
+            <a:cxnSpLocks/>
+            <a:endCxn id="49" idx="3"/>
+          </p:cNvCxnSpPr>
+          <p:nvPr/>
+        </p:nvCxnSpPr>
+        <p:spPr>
+          <a:xfrm flipV="1">
+            <a:off x="3063827" y="1963284"/>
+            <a:ext cx="294757" cy="428862"/>
+          </a:xfrm>
+          <a:prstGeom prst="line">
+            <a:avLst/>
+          </a:prstGeom>
+          <a:ln>
+            <a:solidFill>
+              <a:schemeClr val="tx1"/>
+            </a:solidFill>
+          </a:ln>
+        </p:spPr>
+        <p:style>
+          <a:lnRef idx="1">
+            <a:schemeClr val="accent1"/>
+          </a:lnRef>
+          <a:fillRef idx="0">
+            <a:schemeClr val="accent1"/>
+          </a:fillRef>
+          <a:effectRef idx="0">
+            <a:schemeClr val="accent1"/>
+          </a:effectRef>
+          <a:fontRef idx="minor">
+            <a:schemeClr val="tx1"/>
+          </a:fontRef>
+        </p:style>
+      </p:cxnSp>
+      <p:cxnSp>
+        <p:nvCxnSpPr>
+          <p:cNvPr id="56" name="Egyenes összekötő nyíllal 55">
+            <a:extLst>
+              <a:ext uri="{FF2B5EF4-FFF2-40B4-BE49-F238E27FC236}">
+                <a16:creationId xmlns:a16="http://schemas.microsoft.com/office/drawing/2014/main" id="{E7493C29-EF78-96B9-CA7E-4D0CA4DF80CC}"/>
+              </a:ext>
+            </a:extLst>
+          </p:cNvPr>
+          <p:cNvCxnSpPr>
+            <a:cxnSpLocks/>
+            <a:stCxn id="3" idx="3"/>
+            <a:endCxn id="2" idx="1"/>
+          </p:cNvCxnSpPr>
+          <p:nvPr/>
+        </p:nvCxnSpPr>
+        <p:spPr>
+          <a:xfrm>
+            <a:off x="2858238" y="1418254"/>
+            <a:ext cx="862288" cy="0"/>
+          </a:xfrm>
+          <a:prstGeom prst="straightConnector1">
+            <a:avLst/>
+          </a:prstGeom>
+          <a:ln>
+            <a:solidFill>
+              <a:schemeClr val="tx1"/>
+            </a:solidFill>
+            <a:tailEnd type="triangle"/>
+          </a:ln>
+        </p:spPr>
+        <p:style>
+          <a:lnRef idx="1">
+            <a:schemeClr val="accent1"/>
+          </a:lnRef>
+          <a:fillRef idx="0">
+            <a:schemeClr val="accent1"/>
+          </a:fillRef>
+          <a:effectRef idx="0">
+            <a:schemeClr val="accent1"/>
+          </a:effectRef>
+          <a:fontRef idx="minor">
+            <a:schemeClr val="tx1"/>
+          </a:fontRef>
+        </p:style>
+      </p:cxnSp>
+      <mc:AlternateContent xmlns:mc="http://schemas.openxmlformats.org/markup-compatibility/2006">
+        <mc:Choice xmlns:a14="http://schemas.microsoft.com/office/drawing/2010/main" Requires="a14">
+          <p:sp>
+            <p:nvSpPr>
+              <p:cNvPr id="64" name="Szövegdoboz 63">
+                <a:extLst>
+                  <a:ext uri="{FF2B5EF4-FFF2-40B4-BE49-F238E27FC236}">
+                    <a16:creationId xmlns:a16="http://schemas.microsoft.com/office/drawing/2014/main" id="{7C70164F-C840-5B40-3269-689F3DB84A26}"/>
+                  </a:ext>
+                </a:extLst>
+              </p:cNvPr>
+              <p:cNvSpPr txBox="1"/>
+              <p:nvPr/>
+            </p:nvSpPr>
+            <p:spPr>
+              <a:xfrm>
+                <a:off x="4913538" y="1056758"/>
+                <a:ext cx="742960" cy="326180"/>
+              </a:xfrm>
+              <a:prstGeom prst="rect">
+                <a:avLst/>
+              </a:prstGeom>
+              <a:noFill/>
+            </p:spPr>
+            <p:txBody>
+              <a:bodyPr wrap="none" lIns="0" tIns="0" rIns="0" bIns="0" rtlCol="0">
+                <a:spAutoFit/>
+              </a:bodyPr>
+              <a:lstStyle/>
+              <a:p>
+                <a14:m>
+                  <m:oMathPara xmlns:m="http://schemas.openxmlformats.org/officeDocument/2006/math">
+                    <m:oMathParaPr>
+                      <m:jc m:val="centerGroup"/>
+                    </m:oMathParaPr>
+                    <m:oMath xmlns:m="http://schemas.openxmlformats.org/officeDocument/2006/math">
+                      <m:sSub>
+                        <m:sSubPr>
+                          <m:ctrlPr>
+                            <a:rPr lang="hu-HU" sz="1000" b="0" i="1" smtClean="0">
+                              <a:latin typeface="Cambria Math" panose="02040503050406030204" pitchFamily="18" charset="0"/>
+                            </a:rPr>
+                          </m:ctrlPr>
+                        </m:sSubPr>
+                        <m:e>
+                          <m:r>
+                            <a:rPr lang="hu-HU" sz="1000" b="0" i="1" smtClean="0">
+                              <a:latin typeface="Cambria Math" panose="02040503050406030204" pitchFamily="18" charset="0"/>
+                            </a:rPr>
+                            <m:t>𝑎</m:t>
+                          </m:r>
+                        </m:e>
+                        <m:sub>
+                          <m:r>
+                            <a:rPr lang="hu-HU" sz="1000" b="0" i="1" smtClean="0">
+                              <a:latin typeface="Cambria Math" panose="02040503050406030204" pitchFamily="18" charset="0"/>
+                            </a:rPr>
+                            <m:t>𝑦</m:t>
+                          </m:r>
+                          <m:r>
+                            <a:rPr lang="hu-HU" sz="1000" b="0" i="1" smtClean="0">
+                              <a:latin typeface="Cambria Math" panose="02040503050406030204" pitchFamily="18" charset="0"/>
+                            </a:rPr>
+                            <m:t>,</m:t>
+                          </m:r>
+                          <m:r>
+                            <a:rPr lang="hu-HU" sz="1000" b="0" i="1" smtClean="0">
+                              <a:latin typeface="Cambria Math" panose="02040503050406030204" pitchFamily="18" charset="0"/>
+                            </a:rPr>
+                            <m:t>𝐹𝐹</m:t>
+                          </m:r>
+                        </m:sub>
+                      </m:sSub>
+                      <m:r>
+                        <a:rPr lang="hu-HU" sz="1000" b="0" i="1" smtClean="0">
+                          <a:latin typeface="Cambria Math" panose="02040503050406030204" pitchFamily="18" charset="0"/>
+                        </a:rPr>
+                        <m:t>=</m:t>
+                      </m:r>
+                      <m:f>
+                        <m:fPr>
+                          <m:ctrlPr>
+                            <a:rPr lang="hu-HU" sz="1000" b="0" i="1" smtClean="0">
+                              <a:latin typeface="Cambria Math" panose="02040503050406030204" pitchFamily="18" charset="0"/>
+                            </a:rPr>
+                          </m:ctrlPr>
+                        </m:fPr>
+                        <m:num>
+                          <m:r>
+                            <a:rPr lang="hu-HU" sz="1000" b="0" i="1" smtClean="0">
+                              <a:latin typeface="Cambria Math" panose="02040503050406030204" pitchFamily="18" charset="0"/>
+                            </a:rPr>
+                            <m:t>2</m:t>
+                          </m:r>
+                          <m:sSub>
+                            <m:sSubPr>
+                              <m:ctrlPr>
+                                <a:rPr lang="hu-HU" sz="1000" b="0" i="1" smtClean="0">
+                                  <a:latin typeface="Cambria Math" panose="02040503050406030204" pitchFamily="18" charset="0"/>
+                                </a:rPr>
+                              </m:ctrlPr>
+                            </m:sSubPr>
+                            <m:e>
+                              <m:r>
+                                <a:rPr lang="hu-HU" sz="1000" b="0" i="1" smtClean="0">
+                                  <a:latin typeface="Cambria Math" panose="02040503050406030204" pitchFamily="18" charset="0"/>
+                                </a:rPr>
+                                <m:t>𝑦</m:t>
+                              </m:r>
+                            </m:e>
+                            <m:sub>
+                              <m:r>
+                                <a:rPr lang="hu-HU" sz="1000" b="0" i="1" smtClean="0">
+                                  <a:latin typeface="Cambria Math" panose="02040503050406030204" pitchFamily="18" charset="0"/>
+                                </a:rPr>
+                                <m:t>𝐹𝑃</m:t>
+                              </m:r>
+                            </m:sub>
+                          </m:sSub>
+                        </m:num>
+                        <m:den>
+                          <m:sSubSup>
+                            <m:sSubSupPr>
+                              <m:ctrlPr>
+                                <a:rPr lang="hu-HU" sz="1000" b="0" i="1" smtClean="0">
+                                  <a:latin typeface="Cambria Math" panose="02040503050406030204" pitchFamily="18" charset="0"/>
+                                </a:rPr>
+                              </m:ctrlPr>
+                            </m:sSubSupPr>
+                            <m:e>
+                              <m:r>
+                                <a:rPr lang="hu-HU" sz="1000" b="0" i="1" smtClean="0">
+                                  <a:latin typeface="Cambria Math" panose="02040503050406030204" pitchFamily="18" charset="0"/>
+                                </a:rPr>
+                                <m:t>𝑡</m:t>
+                              </m:r>
+                            </m:e>
+                            <m:sub>
+                              <m:r>
+                                <a:rPr lang="hu-HU" sz="1000" b="0" i="1" smtClean="0">
+                                  <a:latin typeface="Cambria Math" panose="02040503050406030204" pitchFamily="18" charset="0"/>
+                                </a:rPr>
+                                <m:t>𝐹𝑃</m:t>
+                              </m:r>
+                            </m:sub>
+                            <m:sup>
+                              <m:r>
+                                <a:rPr lang="hu-HU" sz="1000" b="0" i="1" smtClean="0">
+                                  <a:latin typeface="Cambria Math" panose="02040503050406030204" pitchFamily="18" charset="0"/>
+                                </a:rPr>
+                                <m:t>2</m:t>
+                              </m:r>
+                            </m:sup>
+                          </m:sSubSup>
+                        </m:den>
+                      </m:f>
+                    </m:oMath>
+                  </m:oMathPara>
+                </a14:m>
+                <a:endParaRPr lang="hu-HU" sz="1000" dirty="0"/>
+              </a:p>
+            </p:txBody>
+          </p:sp>
+        </mc:Choice>
+        <mc:Fallback>
+          <p:sp>
+            <p:nvSpPr>
+              <p:cNvPr id="64" name="Szövegdoboz 63">
+                <a:extLst>
+                  <a:ext uri="{FF2B5EF4-FFF2-40B4-BE49-F238E27FC236}">
+                    <a16:creationId xmlns:a16="http://schemas.microsoft.com/office/drawing/2014/main" id="{7C70164F-C840-5B40-3269-689F3DB84A26}"/>
+                  </a:ext>
+                </a:extLst>
+              </p:cNvPr>
+              <p:cNvSpPr txBox="1">
+                <a:spLocks noRot="1" noChangeAspect="1" noMove="1" noResize="1" noEditPoints="1" noAdjustHandles="1" noChangeArrowheads="1" noChangeShapeType="1" noTextEdit="1"/>
+              </p:cNvSpPr>
+              <p:nvPr/>
+            </p:nvSpPr>
+            <p:spPr>
+              <a:xfrm>
+                <a:off x="4913538" y="1056758"/>
+                <a:ext cx="742960" cy="326180"/>
+              </a:xfrm>
+              <a:prstGeom prst="rect">
+                <a:avLst/>
+              </a:prstGeom>
+              <a:blipFill>
+                <a:blip r:embed="rId11"/>
+                <a:stretch>
+                  <a:fillRect l="-1639" t="-1852" r="-1639" b="-11111"/>
+                </a:stretch>
+              </a:blipFill>
+            </p:spPr>
+            <p:txBody>
+              <a:bodyPr/>
+              <a:lstStyle/>
+              <a:p>
+                <a:r>
+                  <a:rPr lang="hu-HU">
+                    <a:noFill/>
+                  </a:rPr>
+                  <a:t> </a:t>
+                </a:r>
+              </a:p>
+            </p:txBody>
+          </p:sp>
+        </mc:Fallback>
+      </mc:AlternateContent>
+      <mc:AlternateContent xmlns:mc="http://schemas.openxmlformats.org/markup-compatibility/2006">
+        <mc:Choice xmlns:a14="http://schemas.microsoft.com/office/drawing/2010/main" Requires="a14">
+          <p:sp>
+            <p:nvSpPr>
+              <p:cNvPr id="65" name="Szövegdoboz 64">
+                <a:extLst>
+                  <a:ext uri="{FF2B5EF4-FFF2-40B4-BE49-F238E27FC236}">
+                    <a16:creationId xmlns:a16="http://schemas.microsoft.com/office/drawing/2014/main" id="{098BBBA4-7922-2064-F95B-8FAC89E3A017}"/>
+                  </a:ext>
+                </a:extLst>
+              </p:cNvPr>
+              <p:cNvSpPr txBox="1"/>
+              <p:nvPr/>
+            </p:nvSpPr>
+            <p:spPr>
+              <a:xfrm>
+                <a:off x="3229005" y="2125777"/>
+                <a:ext cx="332976" cy="153888"/>
+              </a:xfrm>
+              <a:prstGeom prst="rect">
+                <a:avLst/>
+              </a:prstGeom>
+              <a:noFill/>
+            </p:spPr>
+            <p:txBody>
+              <a:bodyPr wrap="none" lIns="0" tIns="0" rIns="0" bIns="0" rtlCol="0">
+                <a:spAutoFit/>
+              </a:bodyPr>
+              <a:lstStyle/>
+              <a:p>
+                <a14:m>
+                  <m:oMathPara xmlns:m="http://schemas.openxmlformats.org/officeDocument/2006/math">
+                    <m:oMathParaPr>
+                      <m:jc m:val="centerGroup"/>
+                    </m:oMathParaPr>
+                    <m:oMath xmlns:m="http://schemas.openxmlformats.org/officeDocument/2006/math">
+                      <m:sSub>
+                        <m:sSubPr>
+                          <m:ctrlPr>
+                            <a:rPr lang="hu-HU" sz="1000" b="0" i="1" smtClean="0">
+                              <a:latin typeface="Cambria Math" panose="02040503050406030204" pitchFamily="18" charset="0"/>
+                            </a:rPr>
+                          </m:ctrlPr>
+                        </m:sSubPr>
+                        <m:e>
+                          <m:r>
+                            <a:rPr lang="hu-HU" sz="1000" b="0" i="1" smtClean="0">
+                              <a:latin typeface="Cambria Math" panose="02040503050406030204" pitchFamily="18" charset="0"/>
+                            </a:rPr>
+                            <m:t>𝑡</m:t>
+                          </m:r>
+                        </m:e>
+                        <m:sub>
+                          <m:r>
+                            <a:rPr lang="hu-HU" sz="1000" b="0" i="1" smtClean="0">
+                              <a:latin typeface="Cambria Math" panose="02040503050406030204" pitchFamily="18" charset="0"/>
+                            </a:rPr>
+                            <m:t>𝐹𝑃</m:t>
+                          </m:r>
+                        </m:sub>
+                      </m:sSub>
+                      <m:sSub>
+                        <m:sSubPr>
+                          <m:ctrlPr>
+                            <a:rPr lang="hu-HU" sz="1000" b="0" i="1" smtClean="0">
+                              <a:latin typeface="Cambria Math" panose="02040503050406030204" pitchFamily="18" charset="0"/>
+                            </a:rPr>
+                          </m:ctrlPr>
+                        </m:sSubPr>
+                        <m:e>
+                          <m:r>
+                            <a:rPr lang="hu-HU" sz="1000" b="0" i="1" smtClean="0">
+                              <a:latin typeface="Cambria Math" panose="02040503050406030204" pitchFamily="18" charset="0"/>
+                            </a:rPr>
+                            <m:t>𝑣</m:t>
+                          </m:r>
+                        </m:e>
+                        <m:sub>
+                          <m:r>
+                            <a:rPr lang="hu-HU" sz="1000" b="0" i="1" smtClean="0">
+                              <a:latin typeface="Cambria Math" panose="02040503050406030204" pitchFamily="18" charset="0"/>
+                            </a:rPr>
+                            <m:t>𝑥</m:t>
+                          </m:r>
+                        </m:sub>
+                      </m:sSub>
+                    </m:oMath>
+                  </m:oMathPara>
+                </a14:m>
+                <a:endParaRPr lang="hu-HU" sz="1000" dirty="0"/>
+              </a:p>
+            </p:txBody>
+          </p:sp>
+        </mc:Choice>
+        <mc:Fallback>
+          <p:sp>
+            <p:nvSpPr>
+              <p:cNvPr id="65" name="Szövegdoboz 64">
+                <a:extLst>
+                  <a:ext uri="{FF2B5EF4-FFF2-40B4-BE49-F238E27FC236}">
+                    <a16:creationId xmlns:a16="http://schemas.microsoft.com/office/drawing/2014/main" id="{098BBBA4-7922-2064-F95B-8FAC89E3A017}"/>
+                  </a:ext>
+                </a:extLst>
+              </p:cNvPr>
+              <p:cNvSpPr txBox="1">
+                <a:spLocks noRot="1" noChangeAspect="1" noMove="1" noResize="1" noEditPoints="1" noAdjustHandles="1" noChangeArrowheads="1" noChangeShapeType="1" noTextEdit="1"/>
+              </p:cNvSpPr>
+              <p:nvPr/>
+            </p:nvSpPr>
+            <p:spPr>
+              <a:xfrm>
+                <a:off x="3229005" y="2125777"/>
+                <a:ext cx="332976" cy="153888"/>
+              </a:xfrm>
+              <a:prstGeom prst="rect">
+                <a:avLst/>
+              </a:prstGeom>
+              <a:blipFill>
+                <a:blip r:embed="rId12"/>
+                <a:stretch>
+                  <a:fillRect l="-7407" b="-16000"/>
+                </a:stretch>
+              </a:blipFill>
+            </p:spPr>
+            <p:txBody>
+              <a:bodyPr/>
+              <a:lstStyle/>
+              <a:p>
+                <a:r>
+                  <a:rPr lang="hu-HU">
+                    <a:noFill/>
+                  </a:rPr>
+                  <a:t> </a:t>
+                </a:r>
+              </a:p>
+            </p:txBody>
+          </p:sp>
+        </mc:Fallback>
+      </mc:AlternateContent>
+      <p:sp>
+        <p:nvSpPr>
+          <p:cNvPr id="68" name="Téglalap 67">
+            <a:extLst>
+              <a:ext uri="{FF2B5EF4-FFF2-40B4-BE49-F238E27FC236}">
+                <a16:creationId xmlns:a16="http://schemas.microsoft.com/office/drawing/2014/main" id="{9E22F501-EADC-7DA6-A8C0-F137E07E3456}"/>
+              </a:ext>
+            </a:extLst>
+          </p:cNvPr>
+          <p:cNvSpPr/>
+          <p:nvPr/>
+        </p:nvSpPr>
+        <p:spPr>
+          <a:xfrm>
+            <a:off x="1620356" y="3004824"/>
+            <a:ext cx="1237882" cy="503510"/>
+          </a:xfrm>
+          <a:prstGeom prst="rect">
+            <a:avLst/>
+          </a:prstGeom>
+          <a:noFill/>
+          <a:ln>
+            <a:solidFill>
+              <a:schemeClr val="tx1"/>
+            </a:solidFill>
+          </a:ln>
+        </p:spPr>
+        <p:style>
+          <a:lnRef idx="2">
+            <a:schemeClr val="accent1">
+              <a:shade val="15000"/>
+            </a:schemeClr>
+          </a:lnRef>
+          <a:fillRef idx="1">
+            <a:schemeClr val="accent1"/>
+          </a:fillRef>
+          <a:effectRef idx="0">
+            <a:schemeClr val="accent1"/>
+          </a:effectRef>
+          <a:fontRef idx="minor">
+            <a:schemeClr val="lt1"/>
+          </a:fontRef>
+        </p:style>
+        <p:txBody>
+          <a:bodyPr rtlCol="0" anchor="ctr"/>
+          <a:lstStyle/>
+          <a:p>
+            <a:pPr algn="ctr"/>
+            <a:r>
+              <a:rPr lang="hu-HU" sz="1200" dirty="0" err="1">
+                <a:solidFill>
+                  <a:schemeClr val="tx1"/>
+                </a:solidFill>
+                <a:latin typeface="Times New Roman" panose="02020603050405020304" pitchFamily="18" charset="0"/>
+                <a:cs typeface="Times New Roman" panose="02020603050405020304" pitchFamily="18" charset="0"/>
+              </a:rPr>
+              <a:t>Error</a:t>
+            </a:r>
+            <a:r>
+              <a:rPr lang="hu-HU" sz="1200" dirty="0">
+                <a:solidFill>
+                  <a:schemeClr val="tx1"/>
+                </a:solidFill>
+                <a:latin typeface="Times New Roman" panose="02020603050405020304" pitchFamily="18" charset="0"/>
+                <a:cs typeface="Times New Roman" panose="02020603050405020304" pitchFamily="18" charset="0"/>
+              </a:rPr>
+              <a:t> </a:t>
+            </a:r>
+            <a:r>
+              <a:rPr lang="hu-HU" sz="1200" dirty="0" err="1">
+                <a:solidFill>
+                  <a:schemeClr val="tx1"/>
+                </a:solidFill>
+                <a:latin typeface="Times New Roman" panose="02020603050405020304" pitchFamily="18" charset="0"/>
+                <a:cs typeface="Times New Roman" panose="02020603050405020304" pitchFamily="18" charset="0"/>
+              </a:rPr>
+              <a:t>calculation</a:t>
+            </a:r>
+            <a:endParaRPr lang="hu-HU" sz="1200" dirty="0">
+              <a:solidFill>
+                <a:schemeClr val="tx1"/>
+              </a:solidFill>
+              <a:latin typeface="Times New Roman" panose="02020603050405020304" pitchFamily="18" charset="0"/>
+              <a:cs typeface="Times New Roman" panose="02020603050405020304" pitchFamily="18" charset="0"/>
+            </a:endParaRPr>
+          </a:p>
+        </p:txBody>
+      </p:sp>
+      <p:cxnSp>
+        <p:nvCxnSpPr>
+          <p:cNvPr id="70" name="Összekötő: szögletes 69">
+            <a:extLst>
+              <a:ext uri="{FF2B5EF4-FFF2-40B4-BE49-F238E27FC236}">
+                <a16:creationId xmlns:a16="http://schemas.microsoft.com/office/drawing/2014/main" id="{9509371E-2B0F-E341-0B6C-AFF8F835E179}"/>
+              </a:ext>
+            </a:extLst>
+          </p:cNvPr>
+          <p:cNvCxnSpPr>
+            <a:stCxn id="4" idx="3"/>
+            <a:endCxn id="68" idx="1"/>
+          </p:cNvCxnSpPr>
+          <p:nvPr/>
+        </p:nvCxnSpPr>
+        <p:spPr>
+          <a:xfrm>
+            <a:off x="570271" y="1418254"/>
+            <a:ext cx="1050085" cy="1838325"/>
+          </a:xfrm>
+          <a:prstGeom prst="bentConnector3">
+            <a:avLst>
+              <a:gd name="adj1" fmla="val 84922"/>
+            </a:avLst>
+          </a:prstGeom>
+          <a:ln>
+            <a:solidFill>
+              <a:schemeClr val="tx1"/>
+            </a:solidFill>
+            <a:tailEnd type="triangle"/>
+          </a:ln>
+        </p:spPr>
+        <p:style>
+          <a:lnRef idx="1">
+            <a:schemeClr val="accent1"/>
+          </a:lnRef>
+          <a:fillRef idx="0">
+            <a:schemeClr val="accent1"/>
+          </a:fillRef>
+          <a:effectRef idx="0">
+            <a:schemeClr val="accent1"/>
+          </a:effectRef>
+          <a:fontRef idx="minor">
+            <a:schemeClr val="tx1"/>
+          </a:fontRef>
+        </p:style>
+      </p:cxnSp>
+      <p:cxnSp>
+        <p:nvCxnSpPr>
+          <p:cNvPr id="78" name="Egyenes összekötő nyíllal 77">
+            <a:extLst>
+              <a:ext uri="{FF2B5EF4-FFF2-40B4-BE49-F238E27FC236}">
+                <a16:creationId xmlns:a16="http://schemas.microsoft.com/office/drawing/2014/main" id="{2436595C-E47E-FC4B-BD92-518B58824F41}"/>
+              </a:ext>
+            </a:extLst>
+          </p:cNvPr>
+          <p:cNvCxnSpPr/>
+          <p:nvPr/>
+        </p:nvCxnSpPr>
+        <p:spPr>
+          <a:xfrm flipV="1">
+            <a:off x="2006119" y="3904976"/>
+            <a:ext cx="0" cy="261938"/>
+          </a:xfrm>
+          <a:prstGeom prst="straightConnector1">
+            <a:avLst/>
+          </a:prstGeom>
+          <a:ln>
+            <a:solidFill>
+              <a:schemeClr val="tx1"/>
+            </a:solidFill>
+            <a:tailEnd type="triangle"/>
+          </a:ln>
+        </p:spPr>
+        <p:style>
+          <a:lnRef idx="1">
+            <a:schemeClr val="accent1"/>
+          </a:lnRef>
+          <a:fillRef idx="0">
+            <a:schemeClr val="accent1"/>
+          </a:fillRef>
+          <a:effectRef idx="0">
+            <a:schemeClr val="accent1"/>
+          </a:effectRef>
+          <a:fontRef idx="minor">
+            <a:schemeClr val="tx1"/>
+          </a:fontRef>
+        </p:style>
+      </p:cxnSp>
+      <p:cxnSp>
+        <p:nvCxnSpPr>
+          <p:cNvPr id="79" name="Egyenes összekötő nyíllal 78">
+            <a:extLst>
+              <a:ext uri="{FF2B5EF4-FFF2-40B4-BE49-F238E27FC236}">
+                <a16:creationId xmlns:a16="http://schemas.microsoft.com/office/drawing/2014/main" id="{3EAAFECC-610D-EBA3-4EFB-3830E1B7CA4F}"/>
+              </a:ext>
+            </a:extLst>
+          </p:cNvPr>
+          <p:cNvCxnSpPr>
+            <a:cxnSpLocks/>
+          </p:cNvCxnSpPr>
+          <p:nvPr/>
+        </p:nvCxnSpPr>
+        <p:spPr>
+          <a:xfrm rot="16200000" flipV="1">
+            <a:off x="1875150" y="4040707"/>
+            <a:ext cx="0" cy="261938"/>
+          </a:xfrm>
+          <a:prstGeom prst="straightConnector1">
+            <a:avLst/>
+          </a:prstGeom>
+          <a:ln>
+            <a:solidFill>
+              <a:schemeClr val="tx1"/>
+            </a:solidFill>
+            <a:tailEnd type="triangle"/>
+          </a:ln>
+        </p:spPr>
+        <p:style>
+          <a:lnRef idx="1">
+            <a:schemeClr val="accent1"/>
+          </a:lnRef>
+          <a:fillRef idx="0">
+            <a:schemeClr val="accent1"/>
+          </a:fillRef>
+          <a:effectRef idx="0">
+            <a:schemeClr val="accent1"/>
+          </a:effectRef>
+          <a:fontRef idx="minor">
+            <a:schemeClr val="tx1"/>
+          </a:fontRef>
+        </p:style>
+      </p:cxnSp>
+      <mc:AlternateContent xmlns:mc="http://schemas.openxmlformats.org/markup-compatibility/2006">
+        <mc:Choice xmlns:a14="http://schemas.microsoft.com/office/drawing/2010/main" Requires="a14">
+          <p:sp>
+            <p:nvSpPr>
+              <p:cNvPr id="80" name="Szövegdoboz 79">
+                <a:extLst>
+                  <a:ext uri="{FF2B5EF4-FFF2-40B4-BE49-F238E27FC236}">
+                    <a16:creationId xmlns:a16="http://schemas.microsoft.com/office/drawing/2014/main" id="{A22834A2-72FC-F349-F6BD-B895EAB57262}"/>
+                  </a:ext>
+                </a:extLst>
+              </p:cNvPr>
+              <p:cNvSpPr txBox="1"/>
+              <p:nvPr/>
+            </p:nvSpPr>
+            <p:spPr>
+              <a:xfrm>
+                <a:off x="1891678" y="3775437"/>
+                <a:ext cx="101695" cy="153888"/>
+              </a:xfrm>
+              <a:prstGeom prst="rect">
+                <a:avLst/>
+              </a:prstGeom>
+              <a:noFill/>
+            </p:spPr>
+            <p:txBody>
+              <a:bodyPr wrap="none" lIns="0" tIns="0" rIns="0" bIns="0" rtlCol="0">
+                <a:spAutoFit/>
+              </a:bodyPr>
+              <a:lstStyle/>
+              <a:p>
+                <a14:m>
+                  <m:oMathPara xmlns:m="http://schemas.openxmlformats.org/officeDocument/2006/math">
+                    <m:oMathParaPr>
+                      <m:jc m:val="centerGroup"/>
+                    </m:oMathParaPr>
+                    <m:oMath xmlns:m="http://schemas.openxmlformats.org/officeDocument/2006/math">
+                      <m:r>
+                        <a:rPr lang="hu-HU" sz="1000" b="0" i="1" smtClean="0">
+                          <a:latin typeface="Cambria Math" panose="02040503050406030204" pitchFamily="18" charset="0"/>
+                        </a:rPr>
+                        <m:t>𝑥</m:t>
+                      </m:r>
+                    </m:oMath>
+                  </m:oMathPara>
+                </a14:m>
+                <a:endParaRPr lang="hu-HU" sz="1000" dirty="0"/>
+              </a:p>
+            </p:txBody>
+          </p:sp>
+        </mc:Choice>
+        <mc:Fallback>
+          <p:sp>
+            <p:nvSpPr>
+              <p:cNvPr id="80" name="Szövegdoboz 79">
+                <a:extLst>
+                  <a:ext uri="{FF2B5EF4-FFF2-40B4-BE49-F238E27FC236}">
+                    <a16:creationId xmlns:a16="http://schemas.microsoft.com/office/drawing/2014/main" id="{A22834A2-72FC-F349-F6BD-B895EAB57262}"/>
+                  </a:ext>
+                </a:extLst>
+              </p:cNvPr>
+              <p:cNvSpPr txBox="1">
+                <a:spLocks noRot="1" noChangeAspect="1" noMove="1" noResize="1" noEditPoints="1" noAdjustHandles="1" noChangeArrowheads="1" noChangeShapeType="1" noTextEdit="1"/>
+              </p:cNvSpPr>
+              <p:nvPr/>
+            </p:nvSpPr>
+            <p:spPr>
+              <a:xfrm>
+                <a:off x="1891678" y="3775437"/>
+                <a:ext cx="101695" cy="153888"/>
+              </a:xfrm>
+              <a:prstGeom prst="rect">
+                <a:avLst/>
+              </a:prstGeom>
+              <a:blipFill>
+                <a:blip r:embed="rId13"/>
+                <a:stretch>
+                  <a:fillRect l="-17647" r="-11765"/>
+                </a:stretch>
+              </a:blipFill>
+            </p:spPr>
+            <p:txBody>
+              <a:bodyPr/>
+              <a:lstStyle/>
+              <a:p>
+                <a:r>
+                  <a:rPr lang="hu-HU">
+                    <a:noFill/>
+                  </a:rPr>
+                  <a:t> </a:t>
+                </a:r>
+              </a:p>
+            </p:txBody>
+          </p:sp>
+        </mc:Fallback>
+      </mc:AlternateContent>
+      <mc:AlternateContent xmlns:mc="http://schemas.openxmlformats.org/markup-compatibility/2006">
+        <mc:Choice xmlns:a14="http://schemas.microsoft.com/office/drawing/2010/main" Requires="a14">
+          <p:sp>
+            <p:nvSpPr>
+              <p:cNvPr id="81" name="Szövegdoboz 80">
+                <a:extLst>
+                  <a:ext uri="{FF2B5EF4-FFF2-40B4-BE49-F238E27FC236}">
+                    <a16:creationId xmlns:a16="http://schemas.microsoft.com/office/drawing/2014/main" id="{D5A0AC89-ABB1-28C7-B0AE-4F858538B2D6}"/>
+                  </a:ext>
+                </a:extLst>
+              </p:cNvPr>
+              <p:cNvSpPr txBox="1"/>
+              <p:nvPr/>
+            </p:nvSpPr>
+            <p:spPr>
+              <a:xfrm>
+                <a:off x="1655234" y="4059280"/>
+                <a:ext cx="103170" cy="153888"/>
+              </a:xfrm>
+              <a:prstGeom prst="rect">
+                <a:avLst/>
+              </a:prstGeom>
+              <a:noFill/>
+            </p:spPr>
+            <p:txBody>
+              <a:bodyPr wrap="none" lIns="0" tIns="0" rIns="0" bIns="0" rtlCol="0">
+                <a:spAutoFit/>
+              </a:bodyPr>
+              <a:lstStyle/>
+              <a:p>
+                <a14:m>
+                  <m:oMathPara xmlns:m="http://schemas.openxmlformats.org/officeDocument/2006/math">
+                    <m:oMathParaPr>
+                      <m:jc m:val="centerGroup"/>
+                    </m:oMathParaPr>
+                    <m:oMath xmlns:m="http://schemas.openxmlformats.org/officeDocument/2006/math">
+                      <m:r>
+                        <a:rPr lang="hu-HU" sz="1000" b="0" i="1" smtClean="0">
+                          <a:latin typeface="Cambria Math" panose="02040503050406030204" pitchFamily="18" charset="0"/>
+                        </a:rPr>
+                        <m:t>𝑦</m:t>
+                      </m:r>
+                    </m:oMath>
+                  </m:oMathPara>
+                </a14:m>
+                <a:endParaRPr lang="hu-HU" sz="1000" dirty="0"/>
+              </a:p>
+            </p:txBody>
+          </p:sp>
+        </mc:Choice>
+        <mc:Fallback>
+          <p:sp>
+            <p:nvSpPr>
+              <p:cNvPr id="81" name="Szövegdoboz 80">
+                <a:extLst>
+                  <a:ext uri="{FF2B5EF4-FFF2-40B4-BE49-F238E27FC236}">
+                    <a16:creationId xmlns:a16="http://schemas.microsoft.com/office/drawing/2014/main" id="{D5A0AC89-ABB1-28C7-B0AE-4F858538B2D6}"/>
+                  </a:ext>
+                </a:extLst>
+              </p:cNvPr>
+              <p:cNvSpPr txBox="1">
+                <a:spLocks noRot="1" noChangeAspect="1" noMove="1" noResize="1" noEditPoints="1" noAdjustHandles="1" noChangeArrowheads="1" noChangeShapeType="1" noTextEdit="1"/>
+              </p:cNvSpPr>
+              <p:nvPr/>
+            </p:nvSpPr>
+            <p:spPr>
+              <a:xfrm>
+                <a:off x="1655234" y="4059280"/>
+                <a:ext cx="103170" cy="153888"/>
+              </a:xfrm>
+              <a:prstGeom prst="rect">
+                <a:avLst/>
+              </a:prstGeom>
+              <a:blipFill>
+                <a:blip r:embed="rId14"/>
+                <a:stretch>
+                  <a:fillRect l="-37500" r="-31250" b="-24000"/>
+                </a:stretch>
+              </a:blipFill>
+            </p:spPr>
+            <p:txBody>
+              <a:bodyPr/>
+              <a:lstStyle/>
+              <a:p>
+                <a:r>
+                  <a:rPr lang="hu-HU">
+                    <a:noFill/>
+                  </a:rPr>
+                  <a:t> </a:t>
+                </a:r>
+              </a:p>
+            </p:txBody>
+          </p:sp>
+        </mc:Fallback>
+      </mc:AlternateContent>
+      <p:sp>
+        <p:nvSpPr>
+          <p:cNvPr id="82" name="Szabadkézi sokszög: alakzat 81">
+            <a:extLst>
+              <a:ext uri="{FF2B5EF4-FFF2-40B4-BE49-F238E27FC236}">
+                <a16:creationId xmlns:a16="http://schemas.microsoft.com/office/drawing/2014/main" id="{BAE02B08-124A-82AF-9B32-1BAFF799783D}"/>
+              </a:ext>
+            </a:extLst>
+          </p:cNvPr>
+          <p:cNvSpPr/>
+          <p:nvPr/>
+        </p:nvSpPr>
+        <p:spPr>
+          <a:xfrm>
+            <a:off x="2238375" y="3562076"/>
+            <a:ext cx="516731" cy="609600"/>
+          </a:xfrm>
+          <a:custGeom>
+            <a:avLst/>
+            <a:gdLst>
+              <a:gd name="connsiteX0" fmla="*/ 0 w 516731"/>
+              <a:gd name="connsiteY0" fmla="*/ 609600 h 609600"/>
+              <a:gd name="connsiteX1" fmla="*/ 73818 w 516731"/>
+              <a:gd name="connsiteY1" fmla="*/ 330994 h 609600"/>
+              <a:gd name="connsiteX2" fmla="*/ 302418 w 516731"/>
+              <a:gd name="connsiteY2" fmla="*/ 116682 h 609600"/>
+              <a:gd name="connsiteX3" fmla="*/ 516731 w 516731"/>
+              <a:gd name="connsiteY3" fmla="*/ 0 h 609600"/>
+            </a:gdLst>
+            <a:ahLst/>
+            <a:cxnLst>
+              <a:cxn ang="0">
+                <a:pos x="connsiteX0" y="connsiteY0"/>
+              </a:cxn>
+              <a:cxn ang="0">
+                <a:pos x="connsiteX1" y="connsiteY1"/>
+              </a:cxn>
+              <a:cxn ang="0">
+                <a:pos x="connsiteX2" y="connsiteY2"/>
+              </a:cxn>
+              <a:cxn ang="0">
+                <a:pos x="connsiteX3" y="connsiteY3"/>
+              </a:cxn>
+            </a:cxnLst>
+            <a:rect l="l" t="t" r="r" b="b"/>
+            <a:pathLst>
+              <a:path w="516731" h="609600">
+                <a:moveTo>
+                  <a:pt x="0" y="609600"/>
+                </a:moveTo>
+                <a:cubicBezTo>
+                  <a:pt x="11707" y="511373"/>
+                  <a:pt x="23415" y="413147"/>
+                  <a:pt x="73818" y="330994"/>
+                </a:cubicBezTo>
+                <a:cubicBezTo>
+                  <a:pt x="124221" y="248841"/>
+                  <a:pt x="228599" y="171848"/>
+                  <a:pt x="302418" y="116682"/>
+                </a:cubicBezTo>
+                <a:cubicBezTo>
+                  <a:pt x="376237" y="61516"/>
+                  <a:pt x="446484" y="30758"/>
+                  <a:pt x="516731" y="0"/>
+                </a:cubicBezTo>
+              </a:path>
+            </a:pathLst>
+          </a:custGeom>
+          <a:noFill/>
+          <a:ln>
+            <a:solidFill>
+              <a:schemeClr val="tx1"/>
+            </a:solidFill>
+          </a:ln>
+        </p:spPr>
+        <p:style>
+          <a:lnRef idx="2">
+            <a:schemeClr val="accent1">
+              <a:shade val="15000"/>
+            </a:schemeClr>
+          </a:lnRef>
+          <a:fillRef idx="1">
+            <a:schemeClr val="accent1"/>
+          </a:fillRef>
+          <a:effectRef idx="0">
+            <a:schemeClr val="accent1"/>
+          </a:effectRef>
+          <a:fontRef idx="minor">
+            <a:schemeClr val="lt1"/>
+          </a:fontRef>
+        </p:style>
+        <p:txBody>
+          <a:bodyPr rtlCol="0" anchor="ctr"/>
+          <a:lstStyle/>
+          <a:p>
+            <a:pPr algn="ctr"/>
+            <a:endParaRPr lang="hu-HU"/>
+          </a:p>
+        </p:txBody>
+      </p:sp>
+      <p:cxnSp>
+        <p:nvCxnSpPr>
+          <p:cNvPr id="84" name="Egyenes összekötő nyíllal 83">
+            <a:extLst>
+              <a:ext uri="{FF2B5EF4-FFF2-40B4-BE49-F238E27FC236}">
+                <a16:creationId xmlns:a16="http://schemas.microsoft.com/office/drawing/2014/main" id="{606D014F-7ACB-2C1C-AAD7-A3EF07AABAAB}"/>
+              </a:ext>
+            </a:extLst>
+          </p:cNvPr>
+          <p:cNvCxnSpPr/>
+          <p:nvPr/>
+        </p:nvCxnSpPr>
+        <p:spPr>
+          <a:xfrm>
+            <a:off x="2006119" y="4166914"/>
+            <a:ext cx="232256" cy="0"/>
+          </a:xfrm>
+          <a:prstGeom prst="straightConnector1">
+            <a:avLst/>
+          </a:prstGeom>
+          <a:ln>
+            <a:solidFill>
+              <a:schemeClr val="tx1"/>
+            </a:solidFill>
+            <a:headEnd type="arrow"/>
+            <a:tailEnd type="arrow"/>
+          </a:ln>
+        </p:spPr>
+        <p:style>
+          <a:lnRef idx="1">
+            <a:schemeClr val="accent1"/>
+          </a:lnRef>
+          <a:fillRef idx="0">
+            <a:schemeClr val="accent1"/>
+          </a:fillRef>
+          <a:effectRef idx="0">
+            <a:schemeClr val="accent1"/>
+          </a:effectRef>
+          <a:fontRef idx="minor">
+            <a:schemeClr val="tx1"/>
+          </a:fontRef>
+        </p:style>
+      </p:cxnSp>
+      <mc:AlternateContent xmlns:mc="http://schemas.openxmlformats.org/markup-compatibility/2006">
+        <mc:Choice xmlns:a14="http://schemas.microsoft.com/office/drawing/2010/main" Requires="a14">
+          <p:sp>
+            <p:nvSpPr>
+              <p:cNvPr id="85" name="Szövegdoboz 84">
+                <a:extLst>
+                  <a:ext uri="{FF2B5EF4-FFF2-40B4-BE49-F238E27FC236}">
+                    <a16:creationId xmlns:a16="http://schemas.microsoft.com/office/drawing/2014/main" id="{6377AB17-7A98-F5AE-78C5-136F6D3A6FEE}"/>
+                  </a:ext>
+                </a:extLst>
+              </p:cNvPr>
+              <p:cNvSpPr txBox="1"/>
+              <p:nvPr/>
+            </p:nvSpPr>
+            <p:spPr>
+              <a:xfrm>
+                <a:off x="2006119" y="3956828"/>
+                <a:ext cx="219868" cy="153888"/>
+              </a:xfrm>
+              <a:prstGeom prst="rect">
+                <a:avLst/>
+              </a:prstGeom>
+              <a:noFill/>
+            </p:spPr>
+            <p:txBody>
+              <a:bodyPr wrap="none" lIns="0" tIns="0" rIns="0" bIns="0" rtlCol="0">
+                <a:spAutoFit/>
+              </a:bodyPr>
+              <a:lstStyle/>
+              <a:p>
+                <a14:m>
+                  <m:oMathPara xmlns:m="http://schemas.openxmlformats.org/officeDocument/2006/math">
+                    <m:oMathParaPr>
+                      <m:jc m:val="centerGroup"/>
+                    </m:oMathParaPr>
+                    <m:oMath xmlns:m="http://schemas.openxmlformats.org/officeDocument/2006/math">
+                      <m:sSub>
+                        <m:sSubPr>
+                          <m:ctrlPr>
+                            <a:rPr lang="hu-HU" sz="1000" b="0" i="1" smtClean="0">
+                              <a:latin typeface="Cambria Math" panose="02040503050406030204" pitchFamily="18" charset="0"/>
+                            </a:rPr>
+                          </m:ctrlPr>
+                        </m:sSubPr>
+                        <m:e>
+                          <m:r>
+                            <a:rPr lang="hu-HU" sz="1000" b="0" i="1" smtClean="0">
+                              <a:latin typeface="Cambria Math" panose="02040503050406030204" pitchFamily="18" charset="0"/>
+                            </a:rPr>
+                            <m:t>𝑒</m:t>
+                          </m:r>
+                        </m:e>
+                        <m:sub>
+                          <m:r>
+                            <a:rPr lang="hu-HU" sz="1000" b="0" i="1" smtClean="0">
+                              <a:latin typeface="Cambria Math" panose="02040503050406030204" pitchFamily="18" charset="0"/>
+                            </a:rPr>
+                            <m:t>𝑇𝑃</m:t>
+                          </m:r>
+                        </m:sub>
+                      </m:sSub>
+                    </m:oMath>
+                  </m:oMathPara>
+                </a14:m>
+                <a:endParaRPr lang="hu-HU" sz="1000" dirty="0"/>
+              </a:p>
+            </p:txBody>
+          </p:sp>
+        </mc:Choice>
+        <mc:Fallback>
+          <p:sp>
+            <p:nvSpPr>
+              <p:cNvPr id="85" name="Szövegdoboz 84">
+                <a:extLst>
+                  <a:ext uri="{FF2B5EF4-FFF2-40B4-BE49-F238E27FC236}">
+                    <a16:creationId xmlns:a16="http://schemas.microsoft.com/office/drawing/2014/main" id="{6377AB17-7A98-F5AE-78C5-136F6D3A6FEE}"/>
+                  </a:ext>
+                </a:extLst>
+              </p:cNvPr>
+              <p:cNvSpPr txBox="1">
+                <a:spLocks noRot="1" noChangeAspect="1" noMove="1" noResize="1" noEditPoints="1" noAdjustHandles="1" noChangeArrowheads="1" noChangeShapeType="1" noTextEdit="1"/>
+              </p:cNvSpPr>
+              <p:nvPr/>
+            </p:nvSpPr>
+            <p:spPr>
+              <a:xfrm>
+                <a:off x="2006119" y="3956828"/>
+                <a:ext cx="219868" cy="153888"/>
+              </a:xfrm>
+              <a:prstGeom prst="rect">
+                <a:avLst/>
+              </a:prstGeom>
+              <a:blipFill>
+                <a:blip r:embed="rId15"/>
+                <a:stretch>
+                  <a:fillRect l="-8333" r="-2778" b="-20000"/>
+                </a:stretch>
+              </a:blipFill>
+            </p:spPr>
+            <p:txBody>
+              <a:bodyPr/>
+              <a:lstStyle/>
+              <a:p>
+                <a:r>
+                  <a:rPr lang="hu-HU">
+                    <a:noFill/>
+                  </a:rPr>
+                  <a:t> </a:t>
+                </a:r>
+              </a:p>
+            </p:txBody>
+          </p:sp>
+        </mc:Fallback>
+      </mc:AlternateContent>
+      <p:cxnSp>
+        <p:nvCxnSpPr>
+          <p:cNvPr id="87" name="Egyenes összekötő 86">
+            <a:extLst>
+              <a:ext uri="{FF2B5EF4-FFF2-40B4-BE49-F238E27FC236}">
+                <a16:creationId xmlns:a16="http://schemas.microsoft.com/office/drawing/2014/main" id="{4D7E3444-4291-795A-88E2-AE5857B02648}"/>
+              </a:ext>
+            </a:extLst>
+          </p:cNvPr>
+          <p:cNvCxnSpPr>
+            <a:cxnSpLocks/>
+          </p:cNvCxnSpPr>
+          <p:nvPr/>
+        </p:nvCxnSpPr>
+        <p:spPr>
+          <a:xfrm flipH="1">
+            <a:off x="2200275" y="3731145"/>
+            <a:ext cx="95250" cy="702469"/>
+          </a:xfrm>
+          <a:prstGeom prst="line">
+            <a:avLst/>
+          </a:prstGeom>
+        </p:spPr>
+        <p:style>
+          <a:lnRef idx="1">
+            <a:schemeClr val="accent1"/>
+          </a:lnRef>
+          <a:fillRef idx="0">
+            <a:schemeClr val="accent1"/>
+          </a:fillRef>
+          <a:effectRef idx="0">
+            <a:schemeClr val="accent1"/>
+          </a:effectRef>
+          <a:fontRef idx="minor">
+            <a:schemeClr val="tx1"/>
+          </a:fontRef>
+        </p:style>
+      </p:cxnSp>
+      <p:cxnSp>
+        <p:nvCxnSpPr>
+          <p:cNvPr id="89" name="Egyenes összekötő 88">
+            <a:extLst>
+              <a:ext uri="{FF2B5EF4-FFF2-40B4-BE49-F238E27FC236}">
+                <a16:creationId xmlns:a16="http://schemas.microsoft.com/office/drawing/2014/main" id="{F6FA94DD-A113-BF23-31FC-4567838FBB85}"/>
+              </a:ext>
+            </a:extLst>
+          </p:cNvPr>
+          <p:cNvCxnSpPr>
+            <a:cxnSpLocks/>
+          </p:cNvCxnSpPr>
+          <p:nvPr/>
+        </p:nvCxnSpPr>
+        <p:spPr>
+          <a:xfrm>
+            <a:off x="2247900" y="3881372"/>
+            <a:ext cx="0" cy="552242"/>
+          </a:xfrm>
+          <a:prstGeom prst="line">
+            <a:avLst/>
+          </a:prstGeom>
+        </p:spPr>
+        <p:style>
+          <a:lnRef idx="1">
+            <a:schemeClr val="accent1"/>
+          </a:lnRef>
+          <a:fillRef idx="0">
+            <a:schemeClr val="accent1"/>
+          </a:fillRef>
+          <a:effectRef idx="0">
+            <a:schemeClr val="accent1"/>
+          </a:effectRef>
+          <a:fontRef idx="minor">
+            <a:schemeClr val="tx1"/>
+          </a:fontRef>
+        </p:style>
+      </p:cxnSp>
+      <mc:AlternateContent xmlns:mc="http://schemas.openxmlformats.org/markup-compatibility/2006">
+        <mc:Choice xmlns:a14="http://schemas.microsoft.com/office/drawing/2010/main" Requires="a14">
+          <p:sp>
+            <p:nvSpPr>
+              <p:cNvPr id="91" name="Szövegdoboz 90">
+                <a:extLst>
+                  <a:ext uri="{FF2B5EF4-FFF2-40B4-BE49-F238E27FC236}">
+                    <a16:creationId xmlns:a16="http://schemas.microsoft.com/office/drawing/2014/main" id="{FCB9A832-9C17-2229-6C8E-6B691D30CDAC}"/>
+                  </a:ext>
+                </a:extLst>
+              </p:cNvPr>
+              <p:cNvSpPr txBox="1"/>
+              <p:nvPr/>
+            </p:nvSpPr>
+            <p:spPr>
+              <a:xfrm>
+                <a:off x="2368236" y="4239362"/>
+                <a:ext cx="242887" cy="153888"/>
+              </a:xfrm>
+              <a:prstGeom prst="rect">
+                <a:avLst/>
+              </a:prstGeom>
+              <a:noFill/>
+            </p:spPr>
+            <p:txBody>
+              <a:bodyPr wrap="none" lIns="0" tIns="0" rIns="0" bIns="0" rtlCol="0">
+                <a:spAutoFit/>
+              </a:bodyPr>
+              <a:lstStyle/>
+              <a:p>
+                <a14:m>
+                  <m:oMathPara xmlns:m="http://schemas.openxmlformats.org/officeDocument/2006/math">
+                    <m:oMathParaPr>
+                      <m:jc m:val="centerGroup"/>
+                    </m:oMathParaPr>
+                    <m:oMath xmlns:m="http://schemas.openxmlformats.org/officeDocument/2006/math">
+                      <m:sSub>
+                        <m:sSubPr>
+                          <m:ctrlPr>
+                            <a:rPr lang="hu-HU" sz="1000" b="0" i="1" smtClean="0">
+                              <a:latin typeface="Cambria Math" panose="02040503050406030204" pitchFamily="18" charset="0"/>
+                            </a:rPr>
+                          </m:ctrlPr>
+                        </m:sSubPr>
+                        <m:e>
+                          <m:r>
+                            <m:rPr>
+                              <m:sty m:val="p"/>
+                            </m:rPr>
+                            <a:rPr lang="hu-HU" sz="1000" b="0" i="0" smtClean="0">
+                              <a:latin typeface="Cambria Math" panose="02040503050406030204" pitchFamily="18" charset="0"/>
+                            </a:rPr>
+                            <m:t>Θ</m:t>
+                          </m:r>
+                        </m:e>
+                        <m:sub>
+                          <m:r>
+                            <a:rPr lang="hu-HU" sz="1000" b="0" i="1" smtClean="0">
+                              <a:latin typeface="Cambria Math" panose="02040503050406030204" pitchFamily="18" charset="0"/>
+                            </a:rPr>
+                            <m:t>𝑇𝑃</m:t>
+                          </m:r>
+                        </m:sub>
+                      </m:sSub>
+                    </m:oMath>
+                  </m:oMathPara>
+                </a14:m>
+                <a:endParaRPr lang="hu-HU" sz="1000" dirty="0"/>
+              </a:p>
+            </p:txBody>
+          </p:sp>
+        </mc:Choice>
+        <mc:Fallback>
+          <p:sp>
+            <p:nvSpPr>
+              <p:cNvPr id="91" name="Szövegdoboz 90">
+                <a:extLst>
+                  <a:ext uri="{FF2B5EF4-FFF2-40B4-BE49-F238E27FC236}">
+                    <a16:creationId xmlns:a16="http://schemas.microsoft.com/office/drawing/2014/main" id="{FCB9A832-9C17-2229-6C8E-6B691D30CDAC}"/>
+                  </a:ext>
+                </a:extLst>
+              </p:cNvPr>
+              <p:cNvSpPr txBox="1">
+                <a:spLocks noRot="1" noChangeAspect="1" noMove="1" noResize="1" noEditPoints="1" noAdjustHandles="1" noChangeArrowheads="1" noChangeShapeType="1" noTextEdit="1"/>
+              </p:cNvSpPr>
+              <p:nvPr/>
+            </p:nvSpPr>
+            <p:spPr>
+              <a:xfrm>
+                <a:off x="2368236" y="4239362"/>
+                <a:ext cx="242887" cy="153888"/>
+              </a:xfrm>
+              <a:prstGeom prst="rect">
+                <a:avLst/>
+              </a:prstGeom>
+              <a:blipFill>
+                <a:blip r:embed="rId16"/>
+                <a:stretch>
+                  <a:fillRect l="-12500" r="-5000" b="-15385"/>
+                </a:stretch>
+              </a:blipFill>
+            </p:spPr>
+            <p:txBody>
+              <a:bodyPr/>
+              <a:lstStyle/>
+              <a:p>
+                <a:r>
+                  <a:rPr lang="hu-HU">
+                    <a:noFill/>
+                  </a:rPr>
+                  <a:t> </a:t>
+                </a:r>
+              </a:p>
+            </p:txBody>
+          </p:sp>
+        </mc:Fallback>
+      </mc:AlternateContent>
+      <p:cxnSp>
+        <p:nvCxnSpPr>
+          <p:cNvPr id="93" name="Egyenes összekötő nyíllal 92">
+            <a:extLst>
+              <a:ext uri="{FF2B5EF4-FFF2-40B4-BE49-F238E27FC236}">
+                <a16:creationId xmlns:a16="http://schemas.microsoft.com/office/drawing/2014/main" id="{D215C282-74AA-3932-4B22-1E3D06B630ED}"/>
+              </a:ext>
+            </a:extLst>
+          </p:cNvPr>
+          <p:cNvCxnSpPr>
+            <a:cxnSpLocks/>
+            <a:stCxn id="91" idx="1"/>
+          </p:cNvCxnSpPr>
+          <p:nvPr/>
+        </p:nvCxnSpPr>
+        <p:spPr>
+          <a:xfrm flipH="1">
+            <a:off x="2207858" y="4316306"/>
+            <a:ext cx="160378" cy="95877"/>
+          </a:xfrm>
+          <a:prstGeom prst="straightConnector1">
+            <a:avLst/>
+          </a:prstGeom>
+          <a:ln>
+            <a:solidFill>
+              <a:schemeClr val="tx1"/>
+            </a:solidFill>
+            <a:headEnd type="none" w="med" len="med"/>
+            <a:tailEnd type="arrow" w="med" len="med"/>
+          </a:ln>
+        </p:spPr>
+        <p:style>
+          <a:lnRef idx="1">
+            <a:schemeClr val="accent1"/>
+          </a:lnRef>
+          <a:fillRef idx="0">
+            <a:schemeClr val="accent1"/>
+          </a:fillRef>
+          <a:effectRef idx="0">
+            <a:schemeClr val="accent1"/>
+          </a:effectRef>
+          <a:fontRef idx="minor">
+            <a:schemeClr val="tx1"/>
+          </a:fontRef>
+        </p:style>
+      </p:cxnSp>
+      <p:sp>
+        <p:nvSpPr>
+          <p:cNvPr id="96" name="Téglalap 95">
+            <a:extLst>
+              <a:ext uri="{FF2B5EF4-FFF2-40B4-BE49-F238E27FC236}">
+                <a16:creationId xmlns:a16="http://schemas.microsoft.com/office/drawing/2014/main" id="{5E9B5A9D-CFBC-91F1-61F0-12D22C080FA8}"/>
+              </a:ext>
+            </a:extLst>
+          </p:cNvPr>
+          <p:cNvSpPr/>
+          <p:nvPr/>
+        </p:nvSpPr>
+        <p:spPr>
+          <a:xfrm>
+            <a:off x="1620356" y="4656425"/>
+            <a:ext cx="1237882" cy="503510"/>
+          </a:xfrm>
+          <a:prstGeom prst="rect">
+            <a:avLst/>
+          </a:prstGeom>
+          <a:noFill/>
+          <a:ln>
+            <a:solidFill>
+              <a:schemeClr val="tx1"/>
+            </a:solidFill>
+          </a:ln>
+        </p:spPr>
+        <p:style>
+          <a:lnRef idx="2">
+            <a:schemeClr val="accent1">
+              <a:shade val="15000"/>
+            </a:schemeClr>
+          </a:lnRef>
+          <a:fillRef idx="1">
+            <a:schemeClr val="accent1"/>
+          </a:fillRef>
+          <a:effectRef idx="0">
+            <a:schemeClr val="accent1"/>
+          </a:effectRef>
+          <a:fontRef idx="minor">
+            <a:schemeClr val="lt1"/>
+          </a:fontRef>
+        </p:style>
+        <p:txBody>
+          <a:bodyPr rtlCol="0" anchor="ctr"/>
+          <a:lstStyle/>
+          <a:p>
+            <a:pPr algn="ctr"/>
+            <a:r>
+              <a:rPr lang="hu-HU" sz="1200" dirty="0" err="1">
+                <a:solidFill>
+                  <a:schemeClr val="tx1"/>
+                </a:solidFill>
+                <a:latin typeface="Times New Roman" panose="02020603050405020304" pitchFamily="18" charset="0"/>
+                <a:cs typeface="Times New Roman" panose="02020603050405020304" pitchFamily="18" charset="0"/>
+              </a:rPr>
+              <a:t>Gain</a:t>
+            </a:r>
+            <a:r>
+              <a:rPr lang="hu-HU" sz="1200" dirty="0">
+                <a:solidFill>
+                  <a:schemeClr val="tx1"/>
+                </a:solidFill>
+                <a:latin typeface="Times New Roman" panose="02020603050405020304" pitchFamily="18" charset="0"/>
+                <a:cs typeface="Times New Roman" panose="02020603050405020304" pitchFamily="18" charset="0"/>
+              </a:rPr>
+              <a:t> </a:t>
+            </a:r>
+            <a:r>
+              <a:rPr lang="hu-HU" sz="1200" dirty="0" err="1">
+                <a:solidFill>
+                  <a:schemeClr val="tx1"/>
+                </a:solidFill>
+                <a:latin typeface="Times New Roman" panose="02020603050405020304" pitchFamily="18" charset="0"/>
+                <a:cs typeface="Times New Roman" panose="02020603050405020304" pitchFamily="18" charset="0"/>
+              </a:rPr>
+              <a:t>calculation</a:t>
+            </a:r>
+            <a:endParaRPr lang="hu-HU" sz="1200" dirty="0">
+              <a:solidFill>
+                <a:schemeClr val="tx1"/>
+              </a:solidFill>
+              <a:latin typeface="Times New Roman" panose="02020603050405020304" pitchFamily="18" charset="0"/>
+              <a:cs typeface="Times New Roman" panose="02020603050405020304" pitchFamily="18" charset="0"/>
+            </a:endParaRPr>
+          </a:p>
+        </p:txBody>
+      </p:sp>
+      <p:cxnSp>
+        <p:nvCxnSpPr>
+          <p:cNvPr id="97" name="Összekötő: szögletes 96">
+            <a:extLst>
+              <a:ext uri="{FF2B5EF4-FFF2-40B4-BE49-F238E27FC236}">
+                <a16:creationId xmlns:a16="http://schemas.microsoft.com/office/drawing/2014/main" id="{620E3111-DF48-E0C0-430C-C9D615E55D54}"/>
+              </a:ext>
+            </a:extLst>
+          </p:cNvPr>
+          <p:cNvCxnSpPr>
+            <a:cxnSpLocks/>
+            <a:stCxn id="4" idx="3"/>
+            <a:endCxn id="96" idx="1"/>
+          </p:cNvCxnSpPr>
+          <p:nvPr/>
+        </p:nvCxnSpPr>
+        <p:spPr>
+          <a:xfrm>
+            <a:off x="570271" y="1418254"/>
+            <a:ext cx="1050085" cy="3489926"/>
+          </a:xfrm>
+          <a:prstGeom prst="bentConnector3">
+            <a:avLst>
+              <a:gd name="adj1" fmla="val 85376"/>
+            </a:avLst>
+          </a:prstGeom>
+          <a:ln>
+            <a:solidFill>
+              <a:schemeClr val="tx1"/>
+            </a:solidFill>
+            <a:tailEnd type="triangle"/>
+          </a:ln>
+        </p:spPr>
+        <p:style>
+          <a:lnRef idx="1">
+            <a:schemeClr val="accent1"/>
+          </a:lnRef>
+          <a:fillRef idx="0">
+            <a:schemeClr val="accent1"/>
+          </a:fillRef>
+          <a:effectRef idx="0">
+            <a:schemeClr val="accent1"/>
+          </a:effectRef>
+          <a:fontRef idx="minor">
+            <a:schemeClr val="tx1"/>
+          </a:fontRef>
+        </p:style>
+      </p:cxnSp>
+      <p:sp>
+        <p:nvSpPr>
+          <p:cNvPr id="101" name="Téglalap 100">
+            <a:extLst>
+              <a:ext uri="{FF2B5EF4-FFF2-40B4-BE49-F238E27FC236}">
+                <a16:creationId xmlns:a16="http://schemas.microsoft.com/office/drawing/2014/main" id="{3B6697D0-C8A5-AD4E-CC42-67AE2F9D3666}"/>
+              </a:ext>
+            </a:extLst>
+          </p:cNvPr>
+          <p:cNvSpPr/>
+          <p:nvPr/>
+        </p:nvSpPr>
+        <p:spPr>
+          <a:xfrm>
+            <a:off x="3557664" y="3004300"/>
+            <a:ext cx="1237882" cy="503510"/>
+          </a:xfrm>
+          <a:prstGeom prst="rect">
+            <a:avLst/>
+          </a:prstGeom>
+          <a:noFill/>
+          <a:ln>
+            <a:solidFill>
+              <a:schemeClr val="tx1"/>
+            </a:solidFill>
+          </a:ln>
+        </p:spPr>
+        <p:style>
+          <a:lnRef idx="2">
+            <a:schemeClr val="accent1">
+              <a:shade val="15000"/>
+            </a:schemeClr>
+          </a:lnRef>
+          <a:fillRef idx="1">
+            <a:schemeClr val="accent1"/>
+          </a:fillRef>
+          <a:effectRef idx="0">
+            <a:schemeClr val="accent1"/>
+          </a:effectRef>
+          <a:fontRef idx="minor">
+            <a:schemeClr val="lt1"/>
+          </a:fontRef>
+        </p:style>
+        <p:txBody>
+          <a:bodyPr rtlCol="0" anchor="t"/>
+          <a:lstStyle/>
+          <a:p>
+            <a:pPr algn="ctr"/>
+            <a:r>
+              <a:rPr lang="hu-HU" sz="1100" dirty="0" err="1">
+                <a:solidFill>
+                  <a:schemeClr val="tx1"/>
+                </a:solidFill>
+                <a:latin typeface="Times New Roman" panose="02020603050405020304" pitchFamily="18" charset="0"/>
+                <a:cs typeface="Times New Roman" panose="02020603050405020304" pitchFamily="18" charset="0"/>
+              </a:rPr>
+              <a:t>Feedback</a:t>
+            </a:r>
+            <a:r>
+              <a:rPr lang="hu-HU" sz="1100" dirty="0">
+                <a:solidFill>
+                  <a:schemeClr val="tx1"/>
+                </a:solidFill>
+                <a:latin typeface="Times New Roman" panose="02020603050405020304" pitchFamily="18" charset="0"/>
+                <a:cs typeface="Times New Roman" panose="02020603050405020304" pitchFamily="18" charset="0"/>
+              </a:rPr>
+              <a:t> (PID </a:t>
+            </a:r>
+            <a:r>
+              <a:rPr lang="hu-HU" sz="1100" dirty="0" err="1">
+                <a:solidFill>
+                  <a:schemeClr val="tx1"/>
+                </a:solidFill>
+                <a:latin typeface="Times New Roman" panose="02020603050405020304" pitchFamily="18" charset="0"/>
+                <a:cs typeface="Times New Roman" panose="02020603050405020304" pitchFamily="18" charset="0"/>
+              </a:rPr>
+              <a:t>with</a:t>
+            </a:r>
+            <a:r>
+              <a:rPr lang="hu-HU" sz="1100" dirty="0">
+                <a:solidFill>
+                  <a:schemeClr val="tx1"/>
+                </a:solidFill>
+                <a:latin typeface="Times New Roman" panose="02020603050405020304" pitchFamily="18" charset="0"/>
+                <a:cs typeface="Times New Roman" panose="02020603050405020304" pitchFamily="18" charset="0"/>
+              </a:rPr>
+              <a:t> </a:t>
+            </a:r>
+            <a:r>
+              <a:rPr lang="hu-HU" sz="1100" dirty="0" err="1">
+                <a:solidFill>
+                  <a:schemeClr val="tx1"/>
+                </a:solidFill>
+                <a:latin typeface="Times New Roman" panose="02020603050405020304" pitchFamily="18" charset="0"/>
+                <a:cs typeface="Times New Roman" panose="02020603050405020304" pitchFamily="18" charset="0"/>
+              </a:rPr>
+              <a:t>sliding</a:t>
+            </a:r>
+            <a:r>
+              <a:rPr lang="hu-HU" sz="1100" dirty="0">
+                <a:solidFill>
+                  <a:schemeClr val="tx1"/>
+                </a:solidFill>
+                <a:latin typeface="Times New Roman" panose="02020603050405020304" pitchFamily="18" charset="0"/>
+                <a:cs typeface="Times New Roman" panose="02020603050405020304" pitchFamily="18" charset="0"/>
+              </a:rPr>
+              <a:t> </a:t>
+            </a:r>
+            <a:r>
+              <a:rPr lang="hu-HU" sz="1100" dirty="0" err="1">
+                <a:solidFill>
+                  <a:schemeClr val="tx1"/>
+                </a:solidFill>
+                <a:latin typeface="Times New Roman" panose="02020603050405020304" pitchFamily="18" charset="0"/>
+                <a:cs typeface="Times New Roman" panose="02020603050405020304" pitchFamily="18" charset="0"/>
+              </a:rPr>
+              <a:t>gain</a:t>
+            </a:r>
+            <a:r>
+              <a:rPr lang="hu-HU" sz="1100" dirty="0">
+                <a:solidFill>
+                  <a:schemeClr val="tx1"/>
+                </a:solidFill>
+                <a:latin typeface="Times New Roman" panose="02020603050405020304" pitchFamily="18" charset="0"/>
+                <a:cs typeface="Times New Roman" panose="02020603050405020304" pitchFamily="18" charset="0"/>
+              </a:rPr>
+              <a:t>)</a:t>
+            </a:r>
+          </a:p>
+        </p:txBody>
+      </p:sp>
+      <p:cxnSp>
+        <p:nvCxnSpPr>
+          <p:cNvPr id="102" name="Egyenes összekötő nyíllal 101">
+            <a:extLst>
+              <a:ext uri="{FF2B5EF4-FFF2-40B4-BE49-F238E27FC236}">
+                <a16:creationId xmlns:a16="http://schemas.microsoft.com/office/drawing/2014/main" id="{24398989-1A3B-28B5-9E32-5F373699583A}"/>
+              </a:ext>
+            </a:extLst>
+          </p:cNvPr>
+          <p:cNvCxnSpPr>
+            <a:cxnSpLocks/>
+            <a:stCxn id="68" idx="3"/>
+            <a:endCxn id="101" idx="1"/>
+          </p:cNvCxnSpPr>
+          <p:nvPr/>
+        </p:nvCxnSpPr>
+        <p:spPr>
+          <a:xfrm flipV="1">
+            <a:off x="2858238" y="3256055"/>
+            <a:ext cx="699426" cy="524"/>
+          </a:xfrm>
+          <a:prstGeom prst="straightConnector1">
+            <a:avLst/>
+          </a:prstGeom>
+          <a:ln>
+            <a:solidFill>
+              <a:schemeClr val="tx1"/>
+            </a:solidFill>
+            <a:tailEnd type="triangle"/>
+          </a:ln>
+        </p:spPr>
+        <p:style>
+          <a:lnRef idx="1">
+            <a:schemeClr val="accent1"/>
+          </a:lnRef>
+          <a:fillRef idx="0">
+            <a:schemeClr val="accent1"/>
+          </a:fillRef>
+          <a:effectRef idx="0">
+            <a:schemeClr val="accent1"/>
+          </a:effectRef>
+          <a:fontRef idx="minor">
+            <a:schemeClr val="tx1"/>
+          </a:fontRef>
+        </p:style>
+      </p:cxnSp>
+      <p:cxnSp>
+        <p:nvCxnSpPr>
+          <p:cNvPr id="107" name="Összekötő: szögletes 106">
+            <a:extLst>
+              <a:ext uri="{FF2B5EF4-FFF2-40B4-BE49-F238E27FC236}">
+                <a16:creationId xmlns:a16="http://schemas.microsoft.com/office/drawing/2014/main" id="{D377BE53-A831-4545-FE38-15F9B6E25A38}"/>
+              </a:ext>
+            </a:extLst>
+          </p:cNvPr>
+          <p:cNvCxnSpPr>
+            <a:cxnSpLocks/>
+            <a:stCxn id="96" idx="3"/>
+            <a:endCxn id="101" idx="2"/>
+          </p:cNvCxnSpPr>
+          <p:nvPr/>
+        </p:nvCxnSpPr>
+        <p:spPr>
+          <a:xfrm flipV="1">
+            <a:off x="2858238" y="3507810"/>
+            <a:ext cx="1318367" cy="1400370"/>
+          </a:xfrm>
+          <a:prstGeom prst="bentConnector2">
+            <a:avLst/>
+          </a:prstGeom>
+          <a:ln>
+            <a:solidFill>
+              <a:schemeClr val="tx1"/>
+            </a:solidFill>
+            <a:tailEnd type="triangle"/>
+          </a:ln>
+        </p:spPr>
+        <p:style>
+          <a:lnRef idx="1">
+            <a:schemeClr val="accent1"/>
+          </a:lnRef>
+          <a:fillRef idx="0">
+            <a:schemeClr val="accent1"/>
+          </a:fillRef>
+          <a:effectRef idx="0">
+            <a:schemeClr val="accent1"/>
+          </a:effectRef>
+          <a:fontRef idx="minor">
+            <a:schemeClr val="tx1"/>
+          </a:fontRef>
+        </p:style>
+      </p:cxnSp>
+      <mc:AlternateContent xmlns:mc="http://schemas.openxmlformats.org/markup-compatibility/2006">
+        <mc:Choice xmlns:a14="http://schemas.microsoft.com/office/drawing/2010/main" Requires="a14">
+          <p:sp>
+            <p:nvSpPr>
+              <p:cNvPr id="110" name="Szövegdoboz 109">
+                <a:extLst>
+                  <a:ext uri="{FF2B5EF4-FFF2-40B4-BE49-F238E27FC236}">
+                    <a16:creationId xmlns:a16="http://schemas.microsoft.com/office/drawing/2014/main" id="{F35C0013-EB9B-5457-66EC-DD43F7E39D0B}"/>
+                  </a:ext>
+                </a:extLst>
+              </p:cNvPr>
+              <p:cNvSpPr txBox="1"/>
+              <p:nvPr/>
+            </p:nvSpPr>
+            <p:spPr>
+              <a:xfrm>
+                <a:off x="2961370" y="4886733"/>
+                <a:ext cx="1647246" cy="318870"/>
+              </a:xfrm>
+              <a:prstGeom prst="rect">
+                <a:avLst/>
+              </a:prstGeom>
+              <a:noFill/>
+            </p:spPr>
+            <p:txBody>
+              <a:bodyPr wrap="none" lIns="0" tIns="0" rIns="0" bIns="0" rtlCol="0">
+                <a:spAutoFit/>
+              </a:bodyPr>
+              <a:lstStyle/>
+              <a:p>
+                <a14:m>
+                  <m:oMathPara xmlns:m="http://schemas.openxmlformats.org/officeDocument/2006/math">
+                    <m:oMathParaPr>
+                      <m:jc m:val="centerGroup"/>
+                    </m:oMathParaPr>
+                    <m:oMath xmlns:m="http://schemas.openxmlformats.org/officeDocument/2006/math">
+                      <m:r>
+                        <a:rPr lang="hu-HU" sz="1000" b="0" i="1" smtClean="0">
+                          <a:latin typeface="Cambria Math" panose="02040503050406030204" pitchFamily="18" charset="0"/>
+                        </a:rPr>
+                        <m:t>𝑃</m:t>
+                      </m:r>
+                      <m:d>
+                        <m:dPr>
+                          <m:ctrlPr>
+                            <a:rPr lang="hu-HU" sz="1000" b="0" i="1" smtClean="0">
+                              <a:latin typeface="Cambria Math" panose="02040503050406030204" pitchFamily="18" charset="0"/>
+                            </a:rPr>
+                          </m:ctrlPr>
+                        </m:dPr>
+                        <m:e>
+                          <m:sSub>
+                            <m:sSubPr>
+                              <m:ctrlPr>
+                                <a:rPr lang="hu-HU" sz="1000" b="0" i="1" smtClean="0">
+                                  <a:latin typeface="Cambria Math" panose="02040503050406030204" pitchFamily="18" charset="0"/>
+                                </a:rPr>
+                              </m:ctrlPr>
+                            </m:sSubPr>
+                            <m:e>
+                              <m:r>
+                                <m:rPr>
+                                  <m:sty m:val="p"/>
+                                </m:rPr>
+                                <a:rPr lang="hu-HU" sz="1000" b="0" i="0" smtClean="0">
+                                  <a:latin typeface="Cambria Math" panose="02040503050406030204" pitchFamily="18" charset="0"/>
+                                </a:rPr>
+                                <m:t>Θ</m:t>
+                              </m:r>
+                            </m:e>
+                            <m:sub>
+                              <m:r>
+                                <a:rPr lang="hu-HU" sz="1000" b="0" i="1" smtClean="0">
+                                  <a:latin typeface="Cambria Math" panose="02040503050406030204" pitchFamily="18" charset="0"/>
+                                </a:rPr>
+                                <m:t>𝑇𝑃</m:t>
+                              </m:r>
+                            </m:sub>
+                          </m:sSub>
+                          <m:r>
+                            <a:rPr lang="hu-HU" sz="1000" b="0" i="1" smtClean="0">
+                              <a:latin typeface="Cambria Math" panose="02040503050406030204" pitchFamily="18" charset="0"/>
+                            </a:rPr>
+                            <m:t>|</m:t>
+                          </m:r>
+                          <m:sSub>
+                            <m:sSubPr>
+                              <m:ctrlPr>
+                                <a:rPr lang="hu-HU" sz="1000" b="0" i="1" smtClean="0">
+                                  <a:latin typeface="Cambria Math" panose="02040503050406030204" pitchFamily="18" charset="0"/>
+                                </a:rPr>
+                              </m:ctrlPr>
+                            </m:sSubPr>
+                            <m:e>
+                              <m:r>
+                                <a:rPr lang="hu-HU" sz="1000" b="0" i="1" smtClean="0">
+                                  <a:latin typeface="Cambria Math" panose="02040503050406030204" pitchFamily="18" charset="0"/>
+                                </a:rPr>
+                                <m:t>𝜎</m:t>
+                              </m:r>
+                            </m:e>
+                            <m:sub>
+                              <m:r>
+                                <a:rPr lang="hu-HU" sz="1000" b="0" i="1" smtClean="0">
+                                  <a:latin typeface="Cambria Math" panose="02040503050406030204" pitchFamily="18" charset="0"/>
+                                </a:rPr>
+                                <m:t>𝑇𝑃</m:t>
+                              </m:r>
+                            </m:sub>
+                          </m:sSub>
+                        </m:e>
+                      </m:d>
+                      <m:r>
+                        <a:rPr lang="hu-HU" sz="1000" b="0" i="1" smtClean="0">
+                          <a:latin typeface="Cambria Math" panose="02040503050406030204" pitchFamily="18" charset="0"/>
+                        </a:rPr>
+                        <m:t>=</m:t>
+                      </m:r>
+                      <m:sSub>
+                        <m:sSubPr>
+                          <m:ctrlPr>
+                            <a:rPr lang="hu-HU" sz="1000" b="0" i="1" smtClean="0">
+                              <a:latin typeface="Cambria Math" panose="02040503050406030204" pitchFamily="18" charset="0"/>
+                            </a:rPr>
+                          </m:ctrlPr>
+                        </m:sSubPr>
+                        <m:e>
+                          <m:r>
+                            <a:rPr lang="hu-HU" sz="1000" b="0" i="1" smtClean="0">
+                              <a:latin typeface="Cambria Math" panose="02040503050406030204" pitchFamily="18" charset="0"/>
+                            </a:rPr>
+                            <m:t>𝐾</m:t>
+                          </m:r>
+                        </m:e>
+                        <m:sub>
+                          <m:r>
+                            <a:rPr lang="hu-HU" sz="1000" b="0" i="1" smtClean="0">
+                              <a:latin typeface="Cambria Math" panose="02040503050406030204" pitchFamily="18" charset="0"/>
+                            </a:rPr>
+                            <m:t>𝑝</m:t>
+                          </m:r>
+                        </m:sub>
+                      </m:sSub>
+                      <m:r>
+                        <a:rPr lang="hu-HU" sz="1000" b="0" i="1" smtClean="0">
+                          <a:latin typeface="Cambria Math" panose="02040503050406030204" pitchFamily="18" charset="0"/>
+                        </a:rPr>
+                        <m:t>−</m:t>
+                      </m:r>
+                      <m:sSub>
+                        <m:sSubPr>
+                          <m:ctrlPr>
+                            <a:rPr lang="hu-HU" sz="1000" i="1">
+                              <a:latin typeface="Cambria Math" panose="02040503050406030204" pitchFamily="18" charset="0"/>
+                            </a:rPr>
+                          </m:ctrlPr>
+                        </m:sSubPr>
+                        <m:e>
+                          <m:r>
+                            <a:rPr lang="hu-HU" sz="1000" i="1">
+                              <a:latin typeface="Cambria Math" panose="02040503050406030204" pitchFamily="18" charset="0"/>
+                            </a:rPr>
+                            <m:t>𝐾</m:t>
+                          </m:r>
+                        </m:e>
+                        <m:sub>
+                          <m:r>
+                            <a:rPr lang="hu-HU" sz="1000" i="1">
+                              <a:latin typeface="Cambria Math" panose="02040503050406030204" pitchFamily="18" charset="0"/>
+                            </a:rPr>
+                            <m:t>𝑝</m:t>
+                          </m:r>
+                        </m:sub>
+                      </m:sSub>
+                      <m:sSup>
+                        <m:sSupPr>
+                          <m:ctrlPr>
+                            <a:rPr lang="hu-HU" sz="1000" b="0" i="1" smtClean="0">
+                              <a:latin typeface="Cambria Math" panose="02040503050406030204" pitchFamily="18" charset="0"/>
+                            </a:rPr>
+                          </m:ctrlPr>
+                        </m:sSupPr>
+                        <m:e>
+                          <m:r>
+                            <a:rPr lang="hu-HU" sz="1000" b="0" i="1" smtClean="0">
+                              <a:latin typeface="Cambria Math" panose="02040503050406030204" pitchFamily="18" charset="0"/>
+                            </a:rPr>
+                            <m:t>𝑒</m:t>
+                          </m:r>
+                        </m:e>
+                        <m:sup>
+                          <m:r>
+                            <a:rPr lang="hu-HU" sz="1000" b="0" i="1" smtClean="0">
+                              <a:latin typeface="Cambria Math" panose="02040503050406030204" pitchFamily="18" charset="0"/>
+                            </a:rPr>
+                            <m:t>−</m:t>
+                          </m:r>
+                          <m:f>
+                            <m:fPr>
+                              <m:ctrlPr>
+                                <a:rPr lang="hu-HU" sz="1000" b="0" i="1" smtClean="0">
+                                  <a:latin typeface="Cambria Math" panose="02040503050406030204" pitchFamily="18" charset="0"/>
+                                </a:rPr>
+                              </m:ctrlPr>
+                            </m:fPr>
+                            <m:num>
+                              <m:sSubSup>
+                                <m:sSubSupPr>
+                                  <m:ctrlPr>
+                                    <a:rPr lang="hu-HU" sz="1000" b="0" i="1" smtClean="0">
+                                      <a:latin typeface="Cambria Math" panose="02040503050406030204" pitchFamily="18" charset="0"/>
+                                    </a:rPr>
+                                  </m:ctrlPr>
+                                </m:sSubSupPr>
+                                <m:e>
+                                  <m:acc>
+                                    <m:accPr>
+                                      <m:chr m:val="̅"/>
+                                      <m:ctrlPr>
+                                        <a:rPr lang="hu-HU" sz="1000" b="0" i="1" smtClean="0">
+                                          <a:latin typeface="Cambria Math" panose="02040503050406030204" pitchFamily="18" charset="0"/>
+                                        </a:rPr>
+                                      </m:ctrlPr>
+                                    </m:accPr>
+                                    <m:e>
+                                      <m:r>
+                                        <m:rPr>
+                                          <m:sty m:val="p"/>
+                                        </m:rPr>
+                                        <a:rPr lang="hu-HU" sz="1000" b="0" i="0" smtClean="0">
+                                          <a:latin typeface="Cambria Math" panose="02040503050406030204" pitchFamily="18" charset="0"/>
+                                        </a:rPr>
+                                        <m:t>Θ</m:t>
+                                      </m:r>
+                                    </m:e>
+                                  </m:acc>
+                                </m:e>
+                                <m:sub>
+                                  <m:r>
+                                    <a:rPr lang="hu-HU" sz="1000" b="0" i="1" smtClean="0">
+                                      <a:latin typeface="Cambria Math" panose="02040503050406030204" pitchFamily="18" charset="0"/>
+                                    </a:rPr>
+                                    <m:t>𝑇𝑃</m:t>
+                                  </m:r>
+                                </m:sub>
+                                <m:sup>
+                                  <m:r>
+                                    <a:rPr lang="hu-HU" sz="1000" b="0" i="1" smtClean="0">
+                                      <a:latin typeface="Cambria Math" panose="02040503050406030204" pitchFamily="18" charset="0"/>
+                                    </a:rPr>
+                                    <m:t>2</m:t>
+                                  </m:r>
+                                </m:sup>
+                              </m:sSubSup>
+                            </m:num>
+                            <m:den>
+                              <m:r>
+                                <a:rPr lang="hu-HU" sz="1000" b="0" i="1" smtClean="0">
+                                  <a:latin typeface="Cambria Math" panose="02040503050406030204" pitchFamily="18" charset="0"/>
+                                </a:rPr>
+                                <m:t>2</m:t>
+                              </m:r>
+                              <m:sSubSup>
+                                <m:sSubSupPr>
+                                  <m:ctrlPr>
+                                    <a:rPr lang="hu-HU" sz="1000" b="0" i="1" smtClean="0">
+                                      <a:latin typeface="Cambria Math" panose="02040503050406030204" pitchFamily="18" charset="0"/>
+                                    </a:rPr>
+                                  </m:ctrlPr>
+                                </m:sSubSupPr>
+                                <m:e>
+                                  <m:r>
+                                    <a:rPr lang="hu-HU" sz="1000" b="0" i="1" smtClean="0">
+                                      <a:latin typeface="Cambria Math" panose="02040503050406030204" pitchFamily="18" charset="0"/>
+                                    </a:rPr>
+                                    <m:t>𝜎</m:t>
+                                  </m:r>
+                                </m:e>
+                                <m:sub>
+                                  <m:r>
+                                    <a:rPr lang="hu-HU" sz="1000" b="0" i="1" smtClean="0">
+                                      <a:latin typeface="Cambria Math" panose="02040503050406030204" pitchFamily="18" charset="0"/>
+                                    </a:rPr>
+                                    <m:t>𝑇𝑃</m:t>
+                                  </m:r>
+                                </m:sub>
+                                <m:sup>
+                                  <m:r>
+                                    <a:rPr lang="hu-HU" sz="1000" b="0" i="1" smtClean="0">
+                                      <a:latin typeface="Cambria Math" panose="02040503050406030204" pitchFamily="18" charset="0"/>
+                                    </a:rPr>
+                                    <m:t>2</m:t>
+                                  </m:r>
+                                </m:sup>
+                              </m:sSubSup>
+                            </m:den>
+                          </m:f>
+                        </m:sup>
+                      </m:sSup>
+                    </m:oMath>
+                  </m:oMathPara>
+                </a14:m>
+                <a:endParaRPr lang="hu-HU" sz="1000" dirty="0"/>
+              </a:p>
+            </p:txBody>
+          </p:sp>
+        </mc:Choice>
+        <mc:Fallback>
+          <p:sp>
+            <p:nvSpPr>
+              <p:cNvPr id="110" name="Szövegdoboz 109">
+                <a:extLst>
+                  <a:ext uri="{FF2B5EF4-FFF2-40B4-BE49-F238E27FC236}">
+                    <a16:creationId xmlns:a16="http://schemas.microsoft.com/office/drawing/2014/main" id="{F35C0013-EB9B-5457-66EC-DD43F7E39D0B}"/>
+                  </a:ext>
+                </a:extLst>
+              </p:cNvPr>
+              <p:cNvSpPr txBox="1">
+                <a:spLocks noRot="1" noChangeAspect="1" noMove="1" noResize="1" noEditPoints="1" noAdjustHandles="1" noChangeArrowheads="1" noChangeShapeType="1" noTextEdit="1"/>
+              </p:cNvSpPr>
+              <p:nvPr/>
+            </p:nvSpPr>
+            <p:spPr>
+              <a:xfrm>
+                <a:off x="2961370" y="4886733"/>
+                <a:ext cx="1647246" cy="318870"/>
+              </a:xfrm>
+              <a:prstGeom prst="rect">
+                <a:avLst/>
+              </a:prstGeom>
+              <a:blipFill>
+                <a:blip r:embed="rId17"/>
+                <a:stretch>
+                  <a:fillRect l="-1481" r="-741" b="-13462"/>
+                </a:stretch>
+              </a:blipFill>
+            </p:spPr>
+            <p:txBody>
+              <a:bodyPr/>
+              <a:lstStyle/>
+              <a:p>
+                <a:r>
+                  <a:rPr lang="hu-HU">
+                    <a:noFill/>
+                  </a:rPr>
+                  <a:t> </a:t>
+                </a:r>
+              </a:p>
+            </p:txBody>
+          </p:sp>
+        </mc:Fallback>
+      </mc:AlternateContent>
+      <mc:AlternateContent xmlns:mc="http://schemas.openxmlformats.org/markup-compatibility/2006">
+        <mc:Choice xmlns:a14="http://schemas.microsoft.com/office/drawing/2010/main" Requires="a14">
+          <p:sp>
+            <p:nvSpPr>
+              <p:cNvPr id="111" name="Szövegdoboz 110">
+                <a:extLst>
+                  <a:ext uri="{FF2B5EF4-FFF2-40B4-BE49-F238E27FC236}">
+                    <a16:creationId xmlns:a16="http://schemas.microsoft.com/office/drawing/2014/main" id="{9E9650D4-353F-9BBF-48C2-B5940FE534F5}"/>
+                  </a:ext>
+                </a:extLst>
+              </p:cNvPr>
+              <p:cNvSpPr txBox="1"/>
+              <p:nvPr/>
+            </p:nvSpPr>
+            <p:spPr>
+              <a:xfrm>
+                <a:off x="3084879" y="3080246"/>
+                <a:ext cx="219868" cy="153888"/>
+              </a:xfrm>
+              <a:prstGeom prst="rect">
+                <a:avLst/>
+              </a:prstGeom>
+              <a:noFill/>
+            </p:spPr>
+            <p:txBody>
+              <a:bodyPr wrap="none" lIns="0" tIns="0" rIns="0" bIns="0" rtlCol="0">
+                <a:spAutoFit/>
+              </a:bodyPr>
+              <a:lstStyle/>
+              <a:p>
+                <a14:m>
+                  <m:oMathPara xmlns:m="http://schemas.openxmlformats.org/officeDocument/2006/math">
+                    <m:oMathParaPr>
+                      <m:jc m:val="centerGroup"/>
+                    </m:oMathParaPr>
+                    <m:oMath xmlns:m="http://schemas.openxmlformats.org/officeDocument/2006/math">
+                      <m:sSub>
+                        <m:sSubPr>
+                          <m:ctrlPr>
+                            <a:rPr lang="hu-HU" sz="1000" b="0" i="1" smtClean="0">
+                              <a:latin typeface="Cambria Math" panose="02040503050406030204" pitchFamily="18" charset="0"/>
+                            </a:rPr>
+                          </m:ctrlPr>
+                        </m:sSubPr>
+                        <m:e>
+                          <m:r>
+                            <a:rPr lang="hu-HU" sz="1000" b="0" i="1" smtClean="0">
+                              <a:latin typeface="Cambria Math" panose="02040503050406030204" pitchFamily="18" charset="0"/>
+                            </a:rPr>
+                            <m:t>𝑒</m:t>
+                          </m:r>
+                        </m:e>
+                        <m:sub>
+                          <m:r>
+                            <a:rPr lang="hu-HU" sz="1000" b="0" i="1" smtClean="0">
+                              <a:latin typeface="Cambria Math" panose="02040503050406030204" pitchFamily="18" charset="0"/>
+                            </a:rPr>
+                            <m:t>𝑇𝑃</m:t>
+                          </m:r>
+                        </m:sub>
+                      </m:sSub>
+                    </m:oMath>
+                  </m:oMathPara>
+                </a14:m>
+                <a:endParaRPr lang="hu-HU" sz="1000" dirty="0"/>
+              </a:p>
+            </p:txBody>
+          </p:sp>
+        </mc:Choice>
+        <mc:Fallback>
+          <p:sp>
+            <p:nvSpPr>
+              <p:cNvPr id="111" name="Szövegdoboz 110">
+                <a:extLst>
+                  <a:ext uri="{FF2B5EF4-FFF2-40B4-BE49-F238E27FC236}">
+                    <a16:creationId xmlns:a16="http://schemas.microsoft.com/office/drawing/2014/main" id="{9E9650D4-353F-9BBF-48C2-B5940FE534F5}"/>
+                  </a:ext>
+                </a:extLst>
+              </p:cNvPr>
+              <p:cNvSpPr txBox="1">
+                <a:spLocks noRot="1" noChangeAspect="1" noMove="1" noResize="1" noEditPoints="1" noAdjustHandles="1" noChangeArrowheads="1" noChangeShapeType="1" noTextEdit="1"/>
+              </p:cNvSpPr>
+              <p:nvPr/>
+            </p:nvSpPr>
+            <p:spPr>
+              <a:xfrm>
+                <a:off x="3084879" y="3080246"/>
+                <a:ext cx="219868" cy="153888"/>
+              </a:xfrm>
+              <a:prstGeom prst="rect">
+                <a:avLst/>
+              </a:prstGeom>
+              <a:blipFill>
+                <a:blip r:embed="rId15"/>
+                <a:stretch>
+                  <a:fillRect l="-8333" r="-2778" b="-15385"/>
+                </a:stretch>
+              </a:blipFill>
+            </p:spPr>
+            <p:txBody>
+              <a:bodyPr/>
+              <a:lstStyle/>
+              <a:p>
+                <a:r>
+                  <a:rPr lang="hu-HU">
+                    <a:noFill/>
+                  </a:rPr>
+                  <a:t> </a:t>
+                </a:r>
+              </a:p>
+            </p:txBody>
+          </p:sp>
+        </mc:Fallback>
+      </mc:AlternateContent>
+      <mc:AlternateContent xmlns:mc="http://schemas.openxmlformats.org/markup-compatibility/2006">
+        <mc:Choice xmlns:a14="http://schemas.microsoft.com/office/drawing/2010/main" Requires="a14">
+          <p:sp>
+            <p:nvSpPr>
+              <p:cNvPr id="112" name="Szövegdoboz 111">
+                <a:extLst>
+                  <a:ext uri="{FF2B5EF4-FFF2-40B4-BE49-F238E27FC236}">
+                    <a16:creationId xmlns:a16="http://schemas.microsoft.com/office/drawing/2014/main" id="{1F15E0EA-C03D-5D8A-AB19-1BE0D8CD0C1B}"/>
+                  </a:ext>
+                </a:extLst>
+              </p:cNvPr>
+              <p:cNvSpPr txBox="1"/>
+              <p:nvPr/>
+            </p:nvSpPr>
+            <p:spPr>
+              <a:xfrm>
+                <a:off x="2891101" y="3256056"/>
+                <a:ext cx="633700" cy="403700"/>
+              </a:xfrm>
+              <a:prstGeom prst="rect">
+                <a:avLst/>
+              </a:prstGeom>
+              <a:noFill/>
+            </p:spPr>
+            <p:txBody>
+              <a:bodyPr wrap="none" lIns="0" tIns="0" rIns="0" bIns="0" rtlCol="0">
+                <a:spAutoFit/>
+              </a:bodyPr>
+              <a:lstStyle/>
+              <a:p>
+                <a14:m>
+                  <m:oMathPara xmlns:m="http://schemas.openxmlformats.org/officeDocument/2006/math">
+                    <m:oMathParaPr>
+                      <m:jc m:val="centerGroup"/>
+                    </m:oMathParaPr>
+                    <m:oMath xmlns:m="http://schemas.openxmlformats.org/officeDocument/2006/math">
+                      <m:nary>
+                        <m:naryPr>
+                          <m:limLoc m:val="undOvr"/>
+                          <m:subHide m:val="on"/>
+                          <m:supHide m:val="on"/>
+                          <m:ctrlPr>
+                            <a:rPr lang="hu-HU" sz="1000" i="1" smtClean="0">
+                              <a:latin typeface="Cambria Math" panose="02040503050406030204" pitchFamily="18" charset="0"/>
+                            </a:rPr>
+                          </m:ctrlPr>
+                        </m:naryPr>
+                        <m:sub/>
+                        <m:sup/>
+                        <m:e>
+                          <m:sSub>
+                            <m:sSubPr>
+                              <m:ctrlPr>
+                                <a:rPr lang="hu-HU" sz="1000" b="0" i="1" smtClean="0">
+                                  <a:latin typeface="Cambria Math" panose="02040503050406030204" pitchFamily="18" charset="0"/>
+                                </a:rPr>
+                              </m:ctrlPr>
+                            </m:sSubPr>
+                            <m:e>
+                              <m:r>
+                                <a:rPr lang="hu-HU" sz="1000" b="0" i="1" smtClean="0">
+                                  <a:latin typeface="Cambria Math" panose="02040503050406030204" pitchFamily="18" charset="0"/>
+                                </a:rPr>
+                                <m:t>𝑒</m:t>
+                              </m:r>
+                            </m:e>
+                            <m:sub>
+                              <m:r>
+                                <a:rPr lang="hu-HU" sz="1000" b="0" i="1" smtClean="0">
+                                  <a:latin typeface="Cambria Math" panose="02040503050406030204" pitchFamily="18" charset="0"/>
+                                </a:rPr>
+                                <m:t>𝑇𝑃</m:t>
+                              </m:r>
+                            </m:sub>
+                          </m:sSub>
+                          <m:d>
+                            <m:dPr>
+                              <m:ctrlPr>
+                                <a:rPr lang="hu-HU" sz="1000" b="0" i="1" smtClean="0">
+                                  <a:latin typeface="Cambria Math" panose="02040503050406030204" pitchFamily="18" charset="0"/>
+                                </a:rPr>
+                              </m:ctrlPr>
+                            </m:dPr>
+                            <m:e>
+                              <m:r>
+                                <a:rPr lang="hu-HU" sz="1000" b="0" i="1" smtClean="0">
+                                  <a:latin typeface="Cambria Math" panose="02040503050406030204" pitchFamily="18" charset="0"/>
+                                </a:rPr>
+                                <m:t>𝑡</m:t>
+                              </m:r>
+                            </m:e>
+                          </m:d>
+                          <m:r>
+                            <a:rPr lang="hu-HU" sz="1000" b="0" i="1" smtClean="0">
+                              <a:latin typeface="Cambria Math" panose="02040503050406030204" pitchFamily="18" charset="0"/>
+                            </a:rPr>
+                            <m:t>𝑑𝑡</m:t>
+                          </m:r>
+                        </m:e>
+                      </m:nary>
+                    </m:oMath>
+                  </m:oMathPara>
+                </a14:m>
+                <a:endParaRPr lang="hu-HU" sz="1000" dirty="0"/>
+              </a:p>
+            </p:txBody>
+          </p:sp>
+        </mc:Choice>
+        <mc:Fallback>
+          <p:sp>
+            <p:nvSpPr>
+              <p:cNvPr id="112" name="Szövegdoboz 111">
+                <a:extLst>
+                  <a:ext uri="{FF2B5EF4-FFF2-40B4-BE49-F238E27FC236}">
+                    <a16:creationId xmlns:a16="http://schemas.microsoft.com/office/drawing/2014/main" id="{1F15E0EA-C03D-5D8A-AB19-1BE0D8CD0C1B}"/>
+                  </a:ext>
+                </a:extLst>
+              </p:cNvPr>
+              <p:cNvSpPr txBox="1">
+                <a:spLocks noRot="1" noChangeAspect="1" noMove="1" noResize="1" noEditPoints="1" noAdjustHandles="1" noChangeArrowheads="1" noChangeShapeType="1" noTextEdit="1"/>
+              </p:cNvSpPr>
+              <p:nvPr/>
+            </p:nvSpPr>
+            <p:spPr>
+              <a:xfrm>
+                <a:off x="2891101" y="3256056"/>
+                <a:ext cx="633700" cy="403700"/>
+              </a:xfrm>
+              <a:prstGeom prst="rect">
+                <a:avLst/>
+              </a:prstGeom>
+              <a:blipFill>
+                <a:blip r:embed="rId18"/>
+                <a:stretch>
+                  <a:fillRect l="-85577" t="-162121" r="-46154" b="-227273"/>
+                </a:stretch>
+              </a:blipFill>
+            </p:spPr>
+            <p:txBody>
+              <a:bodyPr/>
+              <a:lstStyle/>
+              <a:p>
+                <a:r>
+                  <a:rPr lang="hu-HU">
+                    <a:noFill/>
+                  </a:rPr>
+                  <a:t> </a:t>
+                </a:r>
+              </a:p>
+            </p:txBody>
+          </p:sp>
+        </mc:Fallback>
+      </mc:AlternateContent>
+      <mc:AlternateContent xmlns:mc="http://schemas.openxmlformats.org/markup-compatibility/2006">
+        <mc:Choice xmlns:a14="http://schemas.microsoft.com/office/drawing/2010/main" Requires="a14">
+          <p:sp>
+            <p:nvSpPr>
+              <p:cNvPr id="113" name="Szövegdoboz 112">
+                <a:extLst>
+                  <a:ext uri="{FF2B5EF4-FFF2-40B4-BE49-F238E27FC236}">
+                    <a16:creationId xmlns:a16="http://schemas.microsoft.com/office/drawing/2014/main" id="{6770BDB7-1AFF-96A1-8AA4-C42BF62E29CA}"/>
+                  </a:ext>
+                </a:extLst>
+              </p:cNvPr>
+              <p:cNvSpPr txBox="1"/>
+              <p:nvPr/>
+            </p:nvSpPr>
+            <p:spPr>
+              <a:xfrm>
+                <a:off x="2835232" y="3628600"/>
+                <a:ext cx="850169" cy="345800"/>
+              </a:xfrm>
+              <a:prstGeom prst="rect">
+                <a:avLst/>
+              </a:prstGeom>
+              <a:noFill/>
+            </p:spPr>
+            <p:txBody>
+              <a:bodyPr wrap="none" lIns="0" tIns="0" rIns="0" bIns="0" rtlCol="0">
+                <a:spAutoFit/>
+              </a:bodyPr>
+              <a:lstStyle/>
+              <a:p>
+                <a14:m>
+                  <m:oMathPara xmlns:m="http://schemas.openxmlformats.org/officeDocument/2006/math">
+                    <m:oMathParaPr>
+                      <m:jc m:val="centerGroup"/>
+                    </m:oMathParaPr>
+                    <m:oMath xmlns:m="http://schemas.openxmlformats.org/officeDocument/2006/math">
+                      <m:sSub>
+                        <m:sSubPr>
+                          <m:ctrlPr>
+                            <a:rPr lang="hu-HU" sz="1000" b="0" i="1" smtClean="0">
+                              <a:latin typeface="Cambria Math" panose="02040503050406030204" pitchFamily="18" charset="0"/>
+                            </a:rPr>
+                          </m:ctrlPr>
+                        </m:sSubPr>
+                        <m:e>
+                          <m:r>
+                            <a:rPr lang="hu-HU" sz="1000" b="0" i="1" smtClean="0">
+                              <a:latin typeface="Cambria Math" panose="02040503050406030204" pitchFamily="18" charset="0"/>
+                            </a:rPr>
+                            <m:t>𝑓</m:t>
+                          </m:r>
+                        </m:e>
+                        <m:sub>
+                          <m:r>
+                            <a:rPr lang="hu-HU" sz="1000" b="0" i="1" smtClean="0">
+                              <a:latin typeface="Cambria Math" panose="02040503050406030204" pitchFamily="18" charset="0"/>
+                            </a:rPr>
+                            <m:t>𝐿𝑃</m:t>
+                          </m:r>
+                        </m:sub>
+                      </m:sSub>
+                      <m:d>
+                        <m:dPr>
+                          <m:ctrlPr>
+                            <a:rPr lang="hu-HU" sz="1000" b="0" i="1" smtClean="0">
+                              <a:latin typeface="Cambria Math" panose="02040503050406030204" pitchFamily="18" charset="0"/>
+                            </a:rPr>
+                          </m:ctrlPr>
+                        </m:dPr>
+                        <m:e>
+                          <m:f>
+                            <m:fPr>
+                              <m:ctrlPr>
+                                <a:rPr lang="hu-HU" sz="1000" b="0" i="1" smtClean="0">
+                                  <a:latin typeface="Cambria Math" panose="02040503050406030204" pitchFamily="18" charset="0"/>
+                                </a:rPr>
+                              </m:ctrlPr>
+                            </m:fPr>
+                            <m:num>
+                              <m:r>
+                                <a:rPr lang="hu-HU" sz="1000" i="1" smtClean="0">
+                                  <a:latin typeface="Cambria Math" panose="02040503050406030204" pitchFamily="18" charset="0"/>
+                                </a:rPr>
+                                <m:t>𝑑</m:t>
+                              </m:r>
+                              <m:sSub>
+                                <m:sSubPr>
+                                  <m:ctrlPr>
+                                    <a:rPr lang="hu-HU" sz="1000" b="0" i="1" smtClean="0">
+                                      <a:latin typeface="Cambria Math" panose="02040503050406030204" pitchFamily="18" charset="0"/>
+                                    </a:rPr>
+                                  </m:ctrlPr>
+                                </m:sSubPr>
+                                <m:e>
+                                  <m:r>
+                                    <a:rPr lang="hu-HU" sz="1000" b="0" i="1" smtClean="0">
+                                      <a:latin typeface="Cambria Math" panose="02040503050406030204" pitchFamily="18" charset="0"/>
+                                    </a:rPr>
+                                    <m:t>𝑒</m:t>
+                                  </m:r>
+                                </m:e>
+                                <m:sub>
+                                  <m:r>
+                                    <a:rPr lang="hu-HU" sz="1000" b="0" i="1" smtClean="0">
+                                      <a:latin typeface="Cambria Math" panose="02040503050406030204" pitchFamily="18" charset="0"/>
+                                    </a:rPr>
+                                    <m:t>𝑇𝑃</m:t>
+                                  </m:r>
+                                </m:sub>
+                              </m:sSub>
+                            </m:num>
+                            <m:den>
+                              <m:r>
+                                <a:rPr lang="hu-HU" sz="1000" b="0" i="1" smtClean="0">
+                                  <a:latin typeface="Cambria Math" panose="02040503050406030204" pitchFamily="18" charset="0"/>
+                                </a:rPr>
+                                <m:t>𝑑𝑡</m:t>
+                              </m:r>
+                            </m:den>
+                          </m:f>
+                          <m:r>
+                            <a:rPr lang="hu-HU" sz="1000" b="0" i="1" smtClean="0">
+                              <a:latin typeface="Cambria Math" panose="02040503050406030204" pitchFamily="18" charset="0"/>
+                            </a:rPr>
+                            <m:t>,</m:t>
+                          </m:r>
+                          <m:sSub>
+                            <m:sSubPr>
+                              <m:ctrlPr>
+                                <a:rPr lang="hu-HU" sz="1000" b="0" i="1" smtClean="0">
+                                  <a:latin typeface="Cambria Math" panose="02040503050406030204" pitchFamily="18" charset="0"/>
+                                </a:rPr>
+                              </m:ctrlPr>
+                            </m:sSubPr>
+                            <m:e>
+                              <m:r>
+                                <a:rPr lang="hu-HU" sz="1000" b="0" i="1" smtClean="0">
+                                  <a:latin typeface="Cambria Math" panose="02040503050406030204" pitchFamily="18" charset="0"/>
+                                </a:rPr>
+                                <m:t>𝑘</m:t>
+                              </m:r>
+                            </m:e>
+                            <m:sub>
+                              <m:r>
+                                <a:rPr lang="hu-HU" sz="1000" b="0" i="1" smtClean="0">
+                                  <a:latin typeface="Cambria Math" panose="02040503050406030204" pitchFamily="18" charset="0"/>
+                                </a:rPr>
+                                <m:t>𝐷</m:t>
+                              </m:r>
+                            </m:sub>
+                          </m:sSub>
+                        </m:e>
+                      </m:d>
+                    </m:oMath>
+                  </m:oMathPara>
+                </a14:m>
+                <a:endParaRPr lang="hu-HU" sz="1000" dirty="0"/>
+              </a:p>
+            </p:txBody>
+          </p:sp>
+        </mc:Choice>
+        <mc:Fallback>
+          <p:sp>
+            <p:nvSpPr>
+              <p:cNvPr id="113" name="Szövegdoboz 112">
+                <a:extLst>
+                  <a:ext uri="{FF2B5EF4-FFF2-40B4-BE49-F238E27FC236}">
+                    <a16:creationId xmlns:a16="http://schemas.microsoft.com/office/drawing/2014/main" id="{6770BDB7-1AFF-96A1-8AA4-C42BF62E29CA}"/>
+                  </a:ext>
+                </a:extLst>
+              </p:cNvPr>
+              <p:cNvSpPr txBox="1">
+                <a:spLocks noRot="1" noChangeAspect="1" noMove="1" noResize="1" noEditPoints="1" noAdjustHandles="1" noChangeArrowheads="1" noChangeShapeType="1" noTextEdit="1"/>
+              </p:cNvSpPr>
+              <p:nvPr/>
+            </p:nvSpPr>
+            <p:spPr>
+              <a:xfrm>
+                <a:off x="2835232" y="3628600"/>
+                <a:ext cx="850169" cy="345800"/>
+              </a:xfrm>
+              <a:prstGeom prst="rect">
+                <a:avLst/>
+              </a:prstGeom>
+              <a:blipFill>
+                <a:blip r:embed="rId19"/>
+                <a:stretch>
+                  <a:fillRect l="-5000" b="-1754"/>
+                </a:stretch>
+              </a:blipFill>
+            </p:spPr>
+            <p:txBody>
+              <a:bodyPr/>
+              <a:lstStyle/>
+              <a:p>
+                <a:r>
+                  <a:rPr lang="hu-HU">
+                    <a:noFill/>
+                  </a:rPr>
+                  <a:t> </a:t>
+                </a:r>
+              </a:p>
+            </p:txBody>
+          </p:sp>
+        </mc:Fallback>
+      </mc:AlternateContent>
+      <mc:AlternateContent xmlns:mc="http://schemas.openxmlformats.org/markup-compatibility/2006">
+        <mc:Choice xmlns:a14="http://schemas.microsoft.com/office/drawing/2010/main" Requires="a14">
+          <p:sp>
+            <p:nvSpPr>
+              <p:cNvPr id="115" name="Szövegdoboz 114">
+                <a:extLst>
+                  <a:ext uri="{FF2B5EF4-FFF2-40B4-BE49-F238E27FC236}">
+                    <a16:creationId xmlns:a16="http://schemas.microsoft.com/office/drawing/2014/main" id="{8AE08502-D6BF-84C1-BC66-CC4384234514}"/>
+                  </a:ext>
+                </a:extLst>
+              </p:cNvPr>
+              <p:cNvSpPr txBox="1"/>
+              <p:nvPr/>
+            </p:nvSpPr>
+            <p:spPr>
+              <a:xfrm>
+                <a:off x="2922142" y="1209360"/>
+                <a:ext cx="765209" cy="153888"/>
+              </a:xfrm>
+              <a:prstGeom prst="rect">
+                <a:avLst/>
+              </a:prstGeom>
+              <a:noFill/>
+            </p:spPr>
+            <p:txBody>
+              <a:bodyPr wrap="none" lIns="0" tIns="0" rIns="0" bIns="0" rtlCol="0">
+                <a:spAutoFit/>
+              </a:bodyPr>
+              <a:lstStyle/>
+              <a:p>
+                <a14:m>
+                  <m:oMathPara xmlns:m="http://schemas.openxmlformats.org/officeDocument/2006/math">
+                    <m:oMathParaPr>
+                      <m:jc m:val="centerGroup"/>
+                    </m:oMathParaPr>
+                    <m:oMath xmlns:m="http://schemas.openxmlformats.org/officeDocument/2006/math">
+                      <m:sSub>
+                        <m:sSubPr>
+                          <m:ctrlPr>
+                            <a:rPr lang="hu-HU" sz="1000" b="0" i="1" smtClean="0">
+                              <a:latin typeface="Cambria Math" panose="02040503050406030204" pitchFamily="18" charset="0"/>
+                            </a:rPr>
+                          </m:ctrlPr>
+                        </m:sSubPr>
+                        <m:e>
+                          <m:r>
+                            <a:rPr lang="hu-HU" sz="1000" b="0" i="1" smtClean="0">
+                              <a:latin typeface="Cambria Math" panose="02040503050406030204" pitchFamily="18" charset="0"/>
+                            </a:rPr>
+                            <m:t>𝐹</m:t>
+                          </m:r>
+                        </m:e>
+                        <m:sub>
+                          <m:r>
+                            <a:rPr lang="hu-HU" sz="1000" b="0" i="1" smtClean="0">
+                              <a:latin typeface="Cambria Math" panose="02040503050406030204" pitchFamily="18" charset="0"/>
+                            </a:rPr>
+                            <m:t>𝐹𝑃</m:t>
+                          </m:r>
+                        </m:sub>
+                      </m:sSub>
+                      <m:r>
+                        <a:rPr lang="hu-HU" sz="1000" b="0" i="1" smtClean="0">
+                          <a:latin typeface="Cambria Math" panose="02040503050406030204" pitchFamily="18" charset="0"/>
+                        </a:rPr>
+                        <m:t>(</m:t>
+                      </m:r>
+                      <m:sSub>
+                        <m:sSubPr>
+                          <m:ctrlPr>
+                            <a:rPr lang="hu-HU" sz="1000" b="0" i="1" smtClean="0">
+                              <a:latin typeface="Cambria Math" panose="02040503050406030204" pitchFamily="18" charset="0"/>
+                            </a:rPr>
+                          </m:ctrlPr>
+                        </m:sSubPr>
+                        <m:e>
+                          <m:r>
+                            <a:rPr lang="hu-HU" sz="1000" b="0" i="1" smtClean="0">
+                              <a:latin typeface="Cambria Math" panose="02040503050406030204" pitchFamily="18" charset="0"/>
+                            </a:rPr>
+                            <m:t>𝑥</m:t>
+                          </m:r>
+                        </m:e>
+                        <m:sub>
+                          <m:r>
+                            <a:rPr lang="hu-HU" sz="1000" b="0" i="1" smtClean="0">
+                              <a:latin typeface="Cambria Math" panose="02040503050406030204" pitchFamily="18" charset="0"/>
+                            </a:rPr>
+                            <m:t>𝐹𝑃</m:t>
+                          </m:r>
+                        </m:sub>
+                      </m:sSub>
+                      <m:r>
+                        <a:rPr lang="hu-HU" sz="1000" b="0" i="1" smtClean="0">
+                          <a:latin typeface="Cambria Math" panose="02040503050406030204" pitchFamily="18" charset="0"/>
+                        </a:rPr>
+                        <m:t>,</m:t>
+                      </m:r>
+                      <m:sSub>
+                        <m:sSubPr>
+                          <m:ctrlPr>
+                            <a:rPr lang="hu-HU" sz="1000" b="0" i="1" smtClean="0">
+                              <a:latin typeface="Cambria Math" panose="02040503050406030204" pitchFamily="18" charset="0"/>
+                            </a:rPr>
+                          </m:ctrlPr>
+                        </m:sSubPr>
+                        <m:e>
+                          <m:r>
+                            <a:rPr lang="hu-HU" sz="1000" b="0" i="1" smtClean="0">
+                              <a:latin typeface="Cambria Math" panose="02040503050406030204" pitchFamily="18" charset="0"/>
+                            </a:rPr>
+                            <m:t>𝑦</m:t>
+                          </m:r>
+                        </m:e>
+                        <m:sub>
+                          <m:r>
+                            <a:rPr lang="hu-HU" sz="1000" b="0" i="1" smtClean="0">
+                              <a:latin typeface="Cambria Math" panose="02040503050406030204" pitchFamily="18" charset="0"/>
+                            </a:rPr>
+                            <m:t>𝐹𝑃</m:t>
+                          </m:r>
+                        </m:sub>
+                      </m:sSub>
+                      <m:r>
+                        <a:rPr lang="hu-HU" sz="1000" b="0" i="1" smtClean="0">
+                          <a:latin typeface="Cambria Math" panose="02040503050406030204" pitchFamily="18" charset="0"/>
+                        </a:rPr>
+                        <m:t>)</m:t>
+                      </m:r>
+                    </m:oMath>
+                  </m:oMathPara>
+                </a14:m>
+                <a:endParaRPr lang="hu-HU" sz="1000" dirty="0"/>
+              </a:p>
+            </p:txBody>
+          </p:sp>
+        </mc:Choice>
+        <mc:Fallback>
+          <p:sp>
+            <p:nvSpPr>
+              <p:cNvPr id="115" name="Szövegdoboz 114">
+                <a:extLst>
+                  <a:ext uri="{FF2B5EF4-FFF2-40B4-BE49-F238E27FC236}">
+                    <a16:creationId xmlns:a16="http://schemas.microsoft.com/office/drawing/2014/main" id="{8AE08502-D6BF-84C1-BC66-CC4384234514}"/>
+                  </a:ext>
+                </a:extLst>
+              </p:cNvPr>
+              <p:cNvSpPr txBox="1">
+                <a:spLocks noRot="1" noChangeAspect="1" noMove="1" noResize="1" noEditPoints="1" noAdjustHandles="1" noChangeArrowheads="1" noChangeShapeType="1" noTextEdit="1"/>
+              </p:cNvSpPr>
+              <p:nvPr/>
+            </p:nvSpPr>
+            <p:spPr>
+              <a:xfrm>
+                <a:off x="2922142" y="1209360"/>
+                <a:ext cx="765209" cy="153888"/>
+              </a:xfrm>
+              <a:prstGeom prst="rect">
+                <a:avLst/>
+              </a:prstGeom>
+              <a:blipFill>
+                <a:blip r:embed="rId20"/>
+                <a:stretch>
+                  <a:fillRect l="-3175" r="-6349" b="-38462"/>
+                </a:stretch>
+              </a:blipFill>
+            </p:spPr>
+            <p:txBody>
+              <a:bodyPr/>
+              <a:lstStyle/>
+              <a:p>
+                <a:r>
+                  <a:rPr lang="hu-HU">
+                    <a:noFill/>
+                  </a:rPr>
+                  <a:t> </a:t>
+                </a:r>
+              </a:p>
+            </p:txBody>
+          </p:sp>
+        </mc:Fallback>
+      </mc:AlternateContent>
+      <p:sp>
+        <p:nvSpPr>
+          <p:cNvPr id="116" name="Téglalap 115">
+            <a:extLst>
+              <a:ext uri="{FF2B5EF4-FFF2-40B4-BE49-F238E27FC236}">
+                <a16:creationId xmlns:a16="http://schemas.microsoft.com/office/drawing/2014/main" id="{6A0A697B-C47F-76A7-F1B6-B5A181FAC95A}"/>
+              </a:ext>
+            </a:extLst>
+          </p:cNvPr>
+          <p:cNvSpPr/>
+          <p:nvPr/>
+        </p:nvSpPr>
+        <p:spPr>
+          <a:xfrm>
+            <a:off x="6134285" y="2079011"/>
+            <a:ext cx="1237882" cy="503510"/>
+          </a:xfrm>
+          <a:prstGeom prst="rect">
+            <a:avLst/>
+          </a:prstGeom>
+          <a:noFill/>
+          <a:ln>
+            <a:solidFill>
+              <a:schemeClr val="tx1"/>
+            </a:solidFill>
+          </a:ln>
+        </p:spPr>
+        <p:style>
+          <a:lnRef idx="2">
+            <a:schemeClr val="accent1">
+              <a:shade val="15000"/>
+            </a:schemeClr>
+          </a:lnRef>
+          <a:fillRef idx="1">
+            <a:schemeClr val="accent1"/>
+          </a:fillRef>
+          <a:effectRef idx="0">
+            <a:schemeClr val="accent1"/>
+          </a:effectRef>
+          <a:fontRef idx="minor">
+            <a:schemeClr val="lt1"/>
+          </a:fontRef>
+        </p:style>
+        <p:txBody>
+          <a:bodyPr rtlCol="0" anchor="t"/>
+          <a:lstStyle/>
+          <a:p>
+            <a:pPr algn="ctr"/>
+            <a:r>
+              <a:rPr lang="hu-HU" sz="1100" dirty="0" err="1">
+                <a:solidFill>
+                  <a:schemeClr val="tx1"/>
+                </a:solidFill>
+                <a:latin typeface="Times New Roman" panose="02020603050405020304" pitchFamily="18" charset="0"/>
+                <a:cs typeface="Times New Roman" panose="02020603050405020304" pitchFamily="18" charset="0"/>
+              </a:rPr>
+              <a:t>Target</a:t>
+            </a:r>
+            <a:r>
+              <a:rPr lang="hu-HU" sz="1100" dirty="0">
+                <a:solidFill>
+                  <a:schemeClr val="tx1"/>
+                </a:solidFill>
+                <a:latin typeface="Times New Roman" panose="02020603050405020304" pitchFamily="18" charset="0"/>
+                <a:cs typeface="Times New Roman" panose="02020603050405020304" pitchFamily="18" charset="0"/>
+              </a:rPr>
+              <a:t> </a:t>
+            </a:r>
+            <a:r>
+              <a:rPr lang="hu-HU" sz="1100" dirty="0" err="1">
+                <a:solidFill>
+                  <a:schemeClr val="tx1"/>
+                </a:solidFill>
+                <a:latin typeface="Times New Roman" panose="02020603050405020304" pitchFamily="18" charset="0"/>
+                <a:cs typeface="Times New Roman" panose="02020603050405020304" pitchFamily="18" charset="0"/>
+              </a:rPr>
+              <a:t>superposition</a:t>
+            </a:r>
+            <a:endParaRPr lang="hu-HU" sz="1100" dirty="0">
+              <a:solidFill>
+                <a:schemeClr val="tx1"/>
+              </a:solidFill>
+              <a:latin typeface="Times New Roman" panose="02020603050405020304" pitchFamily="18" charset="0"/>
+              <a:cs typeface="Times New Roman" panose="02020603050405020304" pitchFamily="18" charset="0"/>
+            </a:endParaRPr>
+          </a:p>
+        </p:txBody>
+      </p:sp>
+      <p:cxnSp>
+        <p:nvCxnSpPr>
+          <p:cNvPr id="117" name="Összekötő: szögletes 116">
+            <a:extLst>
+              <a:ext uri="{FF2B5EF4-FFF2-40B4-BE49-F238E27FC236}">
+                <a16:creationId xmlns:a16="http://schemas.microsoft.com/office/drawing/2014/main" id="{89B29913-A3B0-FF2D-9551-C21F0AC82470}"/>
+              </a:ext>
+            </a:extLst>
+          </p:cNvPr>
+          <p:cNvCxnSpPr>
+            <a:cxnSpLocks/>
+            <a:stCxn id="101" idx="3"/>
+            <a:endCxn id="116" idx="2"/>
+          </p:cNvCxnSpPr>
+          <p:nvPr/>
+        </p:nvCxnSpPr>
+        <p:spPr>
+          <a:xfrm flipV="1">
+            <a:off x="4795546" y="2582521"/>
+            <a:ext cx="1957680" cy="673534"/>
+          </a:xfrm>
+          <a:prstGeom prst="bentConnector2">
+            <a:avLst/>
+          </a:prstGeom>
+          <a:ln>
+            <a:solidFill>
+              <a:schemeClr val="tx1"/>
+            </a:solidFill>
+            <a:tailEnd type="triangle"/>
+          </a:ln>
+        </p:spPr>
+        <p:style>
+          <a:lnRef idx="1">
+            <a:schemeClr val="accent1"/>
+          </a:lnRef>
+          <a:fillRef idx="0">
+            <a:schemeClr val="accent1"/>
+          </a:fillRef>
+          <a:effectRef idx="0">
+            <a:schemeClr val="accent1"/>
+          </a:effectRef>
+          <a:fontRef idx="minor">
+            <a:schemeClr val="tx1"/>
+          </a:fontRef>
+        </p:style>
+      </p:cxnSp>
+      <p:cxnSp>
+        <p:nvCxnSpPr>
+          <p:cNvPr id="120" name="Összekötő: szögletes 119">
+            <a:extLst>
+              <a:ext uri="{FF2B5EF4-FFF2-40B4-BE49-F238E27FC236}">
+                <a16:creationId xmlns:a16="http://schemas.microsoft.com/office/drawing/2014/main" id="{9F1BF58F-E46D-6F25-1D7D-FF8457B8E2B3}"/>
+              </a:ext>
+            </a:extLst>
+          </p:cNvPr>
+          <p:cNvCxnSpPr>
+            <a:cxnSpLocks/>
+            <a:stCxn id="2" idx="3"/>
+            <a:endCxn id="116" idx="0"/>
+          </p:cNvCxnSpPr>
+          <p:nvPr/>
+        </p:nvCxnSpPr>
+        <p:spPr>
+          <a:xfrm>
+            <a:off x="4794210" y="1418254"/>
+            <a:ext cx="1959016" cy="660757"/>
+          </a:xfrm>
+          <a:prstGeom prst="bentConnector2">
+            <a:avLst/>
+          </a:prstGeom>
+          <a:ln>
+            <a:solidFill>
+              <a:schemeClr val="tx1"/>
+            </a:solidFill>
+            <a:tailEnd type="triangle"/>
+          </a:ln>
+        </p:spPr>
+        <p:style>
+          <a:lnRef idx="1">
+            <a:schemeClr val="accent1"/>
+          </a:lnRef>
+          <a:fillRef idx="0">
+            <a:schemeClr val="accent1"/>
+          </a:fillRef>
+          <a:effectRef idx="0">
+            <a:schemeClr val="accent1"/>
+          </a:effectRef>
+          <a:fontRef idx="minor">
+            <a:schemeClr val="tx1"/>
+          </a:fontRef>
+        </p:style>
+      </p:cxnSp>
+      <mc:AlternateContent xmlns:mc="http://schemas.openxmlformats.org/markup-compatibility/2006">
+        <mc:Choice xmlns:a14="http://schemas.microsoft.com/office/drawing/2010/main" Requires="a14">
+          <p:sp>
+            <p:nvSpPr>
+              <p:cNvPr id="123" name="Szövegdoboz 122">
+                <a:extLst>
+                  <a:ext uri="{FF2B5EF4-FFF2-40B4-BE49-F238E27FC236}">
+                    <a16:creationId xmlns:a16="http://schemas.microsoft.com/office/drawing/2014/main" id="{C17E4CD3-B236-E827-C3A3-C48DAD669C58}"/>
+                  </a:ext>
+                </a:extLst>
+              </p:cNvPr>
+              <p:cNvSpPr txBox="1"/>
+              <p:nvPr/>
+            </p:nvSpPr>
+            <p:spPr>
+              <a:xfrm>
+                <a:off x="4876030" y="3327445"/>
+                <a:ext cx="3033038" cy="403700"/>
+              </a:xfrm>
+              <a:prstGeom prst="rect">
+                <a:avLst/>
+              </a:prstGeom>
+              <a:noFill/>
+            </p:spPr>
+            <p:txBody>
+              <a:bodyPr wrap="square" lIns="0" tIns="0" rIns="0" bIns="0" rtlCol="0">
+                <a:spAutoFit/>
+              </a:bodyPr>
+              <a:lstStyle/>
+              <a:p>
+                <a14:m>
+                  <m:oMathPara xmlns:m="http://schemas.openxmlformats.org/officeDocument/2006/math">
+                    <m:oMathParaPr>
+                      <m:jc m:val="centerGroup"/>
+                    </m:oMathParaPr>
+                    <m:oMath xmlns:m="http://schemas.openxmlformats.org/officeDocument/2006/math">
+                      <m:sSub>
+                        <m:sSubPr>
+                          <m:ctrlPr>
+                            <a:rPr lang="hu-HU" sz="1000" b="0" i="1" smtClean="0">
+                              <a:latin typeface="Cambria Math" panose="02040503050406030204" pitchFamily="18" charset="0"/>
+                            </a:rPr>
+                          </m:ctrlPr>
+                        </m:sSubPr>
+                        <m:e>
+                          <m:r>
+                            <a:rPr lang="hu-HU" sz="1000" b="0" i="1" smtClean="0">
+                              <a:latin typeface="Cambria Math" panose="02040503050406030204" pitchFamily="18" charset="0"/>
+                            </a:rPr>
+                            <m:t>𝑎</m:t>
+                          </m:r>
+                        </m:e>
+                        <m:sub>
+                          <m:r>
+                            <a:rPr lang="hu-HU" sz="1000" b="0" i="1" smtClean="0">
+                              <a:latin typeface="Cambria Math" panose="02040503050406030204" pitchFamily="18" charset="0"/>
+                            </a:rPr>
+                            <m:t>𝑦</m:t>
+                          </m:r>
+                          <m:r>
+                            <a:rPr lang="hu-HU" sz="1000" b="0" i="1" smtClean="0">
+                              <a:latin typeface="Cambria Math" panose="02040503050406030204" pitchFamily="18" charset="0"/>
+                            </a:rPr>
+                            <m:t>,</m:t>
+                          </m:r>
+                          <m:r>
+                            <a:rPr lang="hu-HU" sz="1000" b="0" i="1" smtClean="0">
+                              <a:latin typeface="Cambria Math" panose="02040503050406030204" pitchFamily="18" charset="0"/>
+                            </a:rPr>
+                            <m:t>𝐹𝐵</m:t>
+                          </m:r>
+                        </m:sub>
+                      </m:sSub>
+                      <m:r>
+                        <a:rPr lang="hu-HU" sz="1000" b="0" i="1" smtClean="0">
+                          <a:latin typeface="Cambria Math" panose="02040503050406030204" pitchFamily="18" charset="0"/>
+                        </a:rPr>
+                        <m:t>=</m:t>
+                      </m:r>
+                      <m:r>
+                        <a:rPr lang="hu-HU" sz="1000" b="0" i="1" smtClean="0">
+                          <a:latin typeface="Cambria Math" panose="02040503050406030204" pitchFamily="18" charset="0"/>
+                        </a:rPr>
+                        <m:t>𝑃</m:t>
+                      </m:r>
+                      <m:d>
+                        <m:dPr>
+                          <m:ctrlPr>
+                            <a:rPr lang="hu-HU" sz="1000" b="0" i="1" smtClean="0">
+                              <a:latin typeface="Cambria Math" panose="02040503050406030204" pitchFamily="18" charset="0"/>
+                            </a:rPr>
+                          </m:ctrlPr>
+                        </m:dPr>
+                        <m:e>
+                          <m:sSub>
+                            <m:sSubPr>
+                              <m:ctrlPr>
+                                <a:rPr lang="hu-HU" sz="1000" b="0" i="1" smtClean="0">
+                                  <a:latin typeface="Cambria Math" panose="02040503050406030204" pitchFamily="18" charset="0"/>
+                                </a:rPr>
+                              </m:ctrlPr>
+                            </m:sSubPr>
+                            <m:e>
+                              <m:r>
+                                <m:rPr>
+                                  <m:sty m:val="p"/>
+                                </m:rPr>
+                                <a:rPr lang="hu-HU" sz="1000" b="0" i="0" smtClean="0">
+                                  <a:latin typeface="Cambria Math" panose="02040503050406030204" pitchFamily="18" charset="0"/>
+                                </a:rPr>
+                                <m:t>Θ</m:t>
+                              </m:r>
+                            </m:e>
+                            <m:sub>
+                              <m:r>
+                                <a:rPr lang="hu-HU" sz="1000" b="0" i="1" smtClean="0">
+                                  <a:latin typeface="Cambria Math" panose="02040503050406030204" pitchFamily="18" charset="0"/>
+                                </a:rPr>
+                                <m:t>𝑇𝑃</m:t>
+                              </m:r>
+                            </m:sub>
+                          </m:sSub>
+                        </m:e>
+                      </m:d>
+                      <m:sSub>
+                        <m:sSubPr>
+                          <m:ctrlPr>
+                            <a:rPr lang="hu-HU" sz="1000" b="0" i="1" smtClean="0">
+                              <a:latin typeface="Cambria Math" panose="02040503050406030204" pitchFamily="18" charset="0"/>
+                            </a:rPr>
+                          </m:ctrlPr>
+                        </m:sSubPr>
+                        <m:e>
+                          <m:r>
+                            <a:rPr lang="hu-HU" sz="1000" b="0" i="1" smtClean="0">
+                              <a:latin typeface="Cambria Math" panose="02040503050406030204" pitchFamily="18" charset="0"/>
+                            </a:rPr>
+                            <m:t>𝑒</m:t>
+                          </m:r>
+                        </m:e>
+                        <m:sub>
+                          <m:r>
+                            <a:rPr lang="hu-HU" sz="1000" b="0" i="1" smtClean="0">
+                              <a:latin typeface="Cambria Math" panose="02040503050406030204" pitchFamily="18" charset="0"/>
+                            </a:rPr>
+                            <m:t>𝑇𝑃</m:t>
+                          </m:r>
+                        </m:sub>
+                      </m:sSub>
+                      <m:r>
+                        <a:rPr lang="hu-HU" sz="1000" b="0" i="1" smtClean="0">
+                          <a:latin typeface="Cambria Math" panose="02040503050406030204" pitchFamily="18" charset="0"/>
+                        </a:rPr>
+                        <m:t>+</m:t>
+                      </m:r>
+                      <m:r>
+                        <a:rPr lang="hu-HU" sz="1000" b="0" i="1" smtClean="0">
+                          <a:latin typeface="Cambria Math" panose="02040503050406030204" pitchFamily="18" charset="0"/>
+                        </a:rPr>
+                        <m:t>𝐼</m:t>
+                      </m:r>
+                      <m:nary>
+                        <m:naryPr>
+                          <m:limLoc m:val="undOvr"/>
+                          <m:subHide m:val="on"/>
+                          <m:supHide m:val="on"/>
+                          <m:ctrlPr>
+                            <a:rPr lang="hu-HU" sz="1000" i="1">
+                              <a:latin typeface="Cambria Math" panose="02040503050406030204" pitchFamily="18" charset="0"/>
+                            </a:rPr>
+                          </m:ctrlPr>
+                        </m:naryPr>
+                        <m:sub/>
+                        <m:sup/>
+                        <m:e>
+                          <m:sSub>
+                            <m:sSubPr>
+                              <m:ctrlPr>
+                                <a:rPr lang="hu-HU" sz="1000" i="1">
+                                  <a:latin typeface="Cambria Math" panose="02040503050406030204" pitchFamily="18" charset="0"/>
+                                </a:rPr>
+                              </m:ctrlPr>
+                            </m:sSubPr>
+                            <m:e>
+                              <m:r>
+                                <a:rPr lang="hu-HU" sz="1000" i="1">
+                                  <a:latin typeface="Cambria Math" panose="02040503050406030204" pitchFamily="18" charset="0"/>
+                                </a:rPr>
+                                <m:t>𝑒</m:t>
+                              </m:r>
+                            </m:e>
+                            <m:sub>
+                              <m:r>
+                                <a:rPr lang="hu-HU" sz="1000" i="1">
+                                  <a:latin typeface="Cambria Math" panose="02040503050406030204" pitchFamily="18" charset="0"/>
+                                </a:rPr>
+                                <m:t>𝑇𝑃</m:t>
+                              </m:r>
+                            </m:sub>
+                          </m:sSub>
+                          <m:d>
+                            <m:dPr>
+                              <m:ctrlPr>
+                                <a:rPr lang="hu-HU" sz="1000" i="1">
+                                  <a:latin typeface="Cambria Math" panose="02040503050406030204" pitchFamily="18" charset="0"/>
+                                </a:rPr>
+                              </m:ctrlPr>
+                            </m:dPr>
+                            <m:e>
+                              <m:r>
+                                <a:rPr lang="hu-HU" sz="1000" i="1">
+                                  <a:latin typeface="Cambria Math" panose="02040503050406030204" pitchFamily="18" charset="0"/>
+                                </a:rPr>
+                                <m:t>𝑡</m:t>
+                              </m:r>
+                            </m:e>
+                          </m:d>
+                          <m:r>
+                            <a:rPr lang="hu-HU" sz="1000" i="1">
+                              <a:latin typeface="Cambria Math" panose="02040503050406030204" pitchFamily="18" charset="0"/>
+                            </a:rPr>
+                            <m:t>𝑑𝑡</m:t>
+                          </m:r>
+                        </m:e>
+                      </m:nary>
+                      <m:r>
+                        <a:rPr lang="hu-HU" sz="1000" b="0" i="0" smtClean="0">
+                          <a:latin typeface="Cambria Math" panose="02040503050406030204" pitchFamily="18" charset="0"/>
+                        </a:rPr>
+                        <m:t>+</m:t>
+                      </m:r>
+                      <m:r>
+                        <a:rPr lang="hu-HU" sz="1000" b="0" i="1" smtClean="0">
+                          <a:latin typeface="Cambria Math" panose="02040503050406030204" pitchFamily="18" charset="0"/>
+                        </a:rPr>
+                        <m:t>𝐷</m:t>
+                      </m:r>
+                      <m:sSub>
+                        <m:sSubPr>
+                          <m:ctrlPr>
+                            <a:rPr lang="hu-HU" sz="1000" i="1">
+                              <a:latin typeface="Cambria Math" panose="02040503050406030204" pitchFamily="18" charset="0"/>
+                            </a:rPr>
+                          </m:ctrlPr>
+                        </m:sSubPr>
+                        <m:e>
+                          <m:r>
+                            <a:rPr lang="hu-HU" sz="1000" i="1">
+                              <a:latin typeface="Cambria Math" panose="02040503050406030204" pitchFamily="18" charset="0"/>
+                            </a:rPr>
+                            <m:t>𝑓</m:t>
+                          </m:r>
+                        </m:e>
+                        <m:sub>
+                          <m:r>
+                            <a:rPr lang="hu-HU" sz="1000" i="1">
+                              <a:latin typeface="Cambria Math" panose="02040503050406030204" pitchFamily="18" charset="0"/>
+                            </a:rPr>
+                            <m:t>𝐿𝑃</m:t>
+                          </m:r>
+                        </m:sub>
+                      </m:sSub>
+                      <m:d>
+                        <m:dPr>
+                          <m:ctrlPr>
+                            <a:rPr lang="hu-HU" sz="1000" i="1">
+                              <a:latin typeface="Cambria Math" panose="02040503050406030204" pitchFamily="18" charset="0"/>
+                            </a:rPr>
+                          </m:ctrlPr>
+                        </m:dPr>
+                        <m:e>
+                          <m:f>
+                            <m:fPr>
+                              <m:ctrlPr>
+                                <a:rPr lang="hu-HU" sz="1000" i="1">
+                                  <a:latin typeface="Cambria Math" panose="02040503050406030204" pitchFamily="18" charset="0"/>
+                                </a:rPr>
+                              </m:ctrlPr>
+                            </m:fPr>
+                            <m:num>
+                              <m:r>
+                                <a:rPr lang="hu-HU" sz="1000" i="1">
+                                  <a:latin typeface="Cambria Math" panose="02040503050406030204" pitchFamily="18" charset="0"/>
+                                </a:rPr>
+                                <m:t>𝑑</m:t>
+                              </m:r>
+                              <m:sSub>
+                                <m:sSubPr>
+                                  <m:ctrlPr>
+                                    <a:rPr lang="hu-HU" sz="1000" i="1">
+                                      <a:latin typeface="Cambria Math" panose="02040503050406030204" pitchFamily="18" charset="0"/>
+                                    </a:rPr>
+                                  </m:ctrlPr>
+                                </m:sSubPr>
+                                <m:e>
+                                  <m:r>
+                                    <a:rPr lang="hu-HU" sz="1000" i="1">
+                                      <a:latin typeface="Cambria Math" panose="02040503050406030204" pitchFamily="18" charset="0"/>
+                                    </a:rPr>
+                                    <m:t>𝑒</m:t>
+                                  </m:r>
+                                </m:e>
+                                <m:sub>
+                                  <m:r>
+                                    <a:rPr lang="hu-HU" sz="1000" i="1">
+                                      <a:latin typeface="Cambria Math" panose="02040503050406030204" pitchFamily="18" charset="0"/>
+                                    </a:rPr>
+                                    <m:t>𝑇𝑃</m:t>
+                                  </m:r>
+                                </m:sub>
+                              </m:sSub>
+                            </m:num>
+                            <m:den>
+                              <m:r>
+                                <a:rPr lang="hu-HU" sz="1000" i="1">
+                                  <a:latin typeface="Cambria Math" panose="02040503050406030204" pitchFamily="18" charset="0"/>
+                                </a:rPr>
+                                <m:t>𝑑𝑡</m:t>
+                              </m:r>
+                            </m:den>
+                          </m:f>
+                          <m:r>
+                            <a:rPr lang="hu-HU" sz="1000" i="1">
+                              <a:latin typeface="Cambria Math" panose="02040503050406030204" pitchFamily="18" charset="0"/>
+                            </a:rPr>
+                            <m:t>,</m:t>
+                          </m:r>
+                          <m:sSub>
+                            <m:sSubPr>
+                              <m:ctrlPr>
+                                <a:rPr lang="hu-HU" sz="1000" i="1">
+                                  <a:latin typeface="Cambria Math" panose="02040503050406030204" pitchFamily="18" charset="0"/>
+                                </a:rPr>
+                              </m:ctrlPr>
+                            </m:sSubPr>
+                            <m:e>
+                              <m:r>
+                                <a:rPr lang="hu-HU" sz="1000" i="1">
+                                  <a:latin typeface="Cambria Math" panose="02040503050406030204" pitchFamily="18" charset="0"/>
+                                </a:rPr>
+                                <m:t>𝑘</m:t>
+                              </m:r>
+                            </m:e>
+                            <m:sub>
+                              <m:r>
+                                <a:rPr lang="hu-HU" sz="1000" i="1">
+                                  <a:latin typeface="Cambria Math" panose="02040503050406030204" pitchFamily="18" charset="0"/>
+                                </a:rPr>
+                                <m:t>𝐷</m:t>
+                              </m:r>
+                            </m:sub>
+                          </m:sSub>
+                        </m:e>
+                      </m:d>
+                    </m:oMath>
+                  </m:oMathPara>
+                </a14:m>
+                <a:endParaRPr lang="hu-HU" sz="1000" i="1" dirty="0"/>
+              </a:p>
+            </p:txBody>
+          </p:sp>
+        </mc:Choice>
+        <mc:Fallback>
+          <p:sp>
+            <p:nvSpPr>
+              <p:cNvPr id="123" name="Szövegdoboz 122">
+                <a:extLst>
+                  <a:ext uri="{FF2B5EF4-FFF2-40B4-BE49-F238E27FC236}">
+                    <a16:creationId xmlns:a16="http://schemas.microsoft.com/office/drawing/2014/main" id="{C17E4CD3-B236-E827-C3A3-C48DAD669C58}"/>
+                  </a:ext>
+                </a:extLst>
+              </p:cNvPr>
+              <p:cNvSpPr txBox="1">
+                <a:spLocks noRot="1" noChangeAspect="1" noMove="1" noResize="1" noEditPoints="1" noAdjustHandles="1" noChangeArrowheads="1" noChangeShapeType="1" noTextEdit="1"/>
+              </p:cNvSpPr>
+              <p:nvPr/>
+            </p:nvSpPr>
+            <p:spPr>
+              <a:xfrm>
+                <a:off x="4876030" y="3327445"/>
+                <a:ext cx="3033038" cy="403700"/>
+              </a:xfrm>
+              <a:prstGeom prst="rect">
+                <a:avLst/>
+              </a:prstGeom>
+              <a:blipFill>
+                <a:blip r:embed="rId21"/>
+                <a:stretch>
+                  <a:fillRect t="-163636" b="-225758"/>
+                </a:stretch>
+              </a:blipFill>
+            </p:spPr>
+            <p:txBody>
+              <a:bodyPr/>
+              <a:lstStyle/>
+              <a:p>
+                <a:r>
+                  <a:rPr lang="hu-HU">
+                    <a:noFill/>
+                  </a:rPr>
+                  <a:t> </a:t>
+                </a:r>
+              </a:p>
+            </p:txBody>
+          </p:sp>
+        </mc:Fallback>
+      </mc:AlternateContent>
+      <mc:AlternateContent xmlns:mc="http://schemas.openxmlformats.org/markup-compatibility/2006">
+        <mc:Choice xmlns:a14="http://schemas.microsoft.com/office/drawing/2010/main" Requires="a14">
+          <p:sp>
+            <p:nvSpPr>
+              <p:cNvPr id="124" name="Szövegdoboz 123">
+                <a:extLst>
+                  <a:ext uri="{FF2B5EF4-FFF2-40B4-BE49-F238E27FC236}">
+                    <a16:creationId xmlns:a16="http://schemas.microsoft.com/office/drawing/2014/main" id="{40586598-A01C-94F3-5FF0-B4A554FB07CC}"/>
+                  </a:ext>
+                </a:extLst>
+              </p:cNvPr>
+              <p:cNvSpPr txBox="1"/>
+              <p:nvPr/>
+            </p:nvSpPr>
+            <p:spPr>
+              <a:xfrm>
+                <a:off x="4833938" y="3775437"/>
+                <a:ext cx="2771775" cy="1015663"/>
+              </a:xfrm>
+              <a:prstGeom prst="rect">
+                <a:avLst/>
+              </a:prstGeom>
+              <a:noFill/>
+            </p:spPr>
+            <p:txBody>
+              <a:bodyPr wrap="square" rtlCol="0">
+                <a:spAutoFit/>
+              </a:bodyPr>
+              <a:lstStyle/>
+              <a:p>
+                <a:pPr algn="just"/>
+                <a:r>
+                  <a:rPr lang="hu-HU" sz="1000" dirty="0">
+                    <a:latin typeface="Times New Roman" panose="02020603050405020304" pitchFamily="18" charset="0"/>
+                    <a:cs typeface="Times New Roman" panose="02020603050405020304" pitchFamily="18" charset="0"/>
+                  </a:rPr>
+                  <a:t>Gain </a:t>
+                </a:r>
+                <a:r>
+                  <a:rPr lang="hu-HU" sz="1000" dirty="0" err="1">
+                    <a:latin typeface="Times New Roman" panose="02020603050405020304" pitchFamily="18" charset="0"/>
+                    <a:cs typeface="Times New Roman" panose="02020603050405020304" pitchFamily="18" charset="0"/>
+                  </a:rPr>
+                  <a:t>interpretation</a:t>
+                </a:r>
+                <a:r>
+                  <a:rPr lang="hu-HU" sz="1000" dirty="0">
+                    <a:latin typeface="Times New Roman" panose="02020603050405020304" pitchFamily="18" charset="0"/>
+                    <a:cs typeface="Times New Roman" panose="02020603050405020304" pitchFamily="18" charset="0"/>
+                  </a:rPr>
+                  <a:t>: in </a:t>
+                </a:r>
+                <a:r>
+                  <a:rPr lang="hu-HU" sz="1000" dirty="0" err="1">
+                    <a:latin typeface="Times New Roman" panose="02020603050405020304" pitchFamily="18" charset="0"/>
+                    <a:cs typeface="Times New Roman" panose="02020603050405020304" pitchFamily="18" charset="0"/>
+                  </a:rPr>
+                  <a:t>the</a:t>
+                </a:r>
+                <a:r>
+                  <a:rPr lang="hu-HU" sz="1000" dirty="0">
+                    <a:latin typeface="Times New Roman" panose="02020603050405020304" pitchFamily="18" charset="0"/>
+                    <a:cs typeface="Times New Roman" panose="02020603050405020304" pitchFamily="18" charset="0"/>
+                  </a:rPr>
+                  <a:t> </a:t>
+                </a:r>
+                <a:r>
+                  <a:rPr lang="hu-HU" sz="1000" dirty="0" err="1">
+                    <a:latin typeface="Times New Roman" panose="02020603050405020304" pitchFamily="18" charset="0"/>
+                    <a:cs typeface="Times New Roman" panose="02020603050405020304" pitchFamily="18" charset="0"/>
+                  </a:rPr>
+                  <a:t>case</a:t>
+                </a:r>
+                <a:r>
+                  <a:rPr lang="hu-HU" sz="1000" dirty="0">
+                    <a:latin typeface="Times New Roman" panose="02020603050405020304" pitchFamily="18" charset="0"/>
+                    <a:cs typeface="Times New Roman" panose="02020603050405020304" pitchFamily="18" charset="0"/>
+                  </a:rPr>
+                  <a:t> of an (</a:t>
+                </a:r>
+                <a:r>
+                  <a:rPr lang="hu-HU" sz="1000" dirty="0" err="1">
+                    <a:latin typeface="Times New Roman" panose="02020603050405020304" pitchFamily="18" charset="0"/>
+                    <a:cs typeface="Times New Roman" panose="02020603050405020304" pitchFamily="18" charset="0"/>
+                  </a:rPr>
+                  <a:t>initial</a:t>
+                </a:r>
+                <a:r>
+                  <a:rPr lang="hu-HU" sz="1000" dirty="0">
+                    <a:latin typeface="Times New Roman" panose="02020603050405020304" pitchFamily="18" charset="0"/>
+                    <a:cs typeface="Times New Roman" panose="02020603050405020304" pitchFamily="18" charset="0"/>
+                  </a:rPr>
+                  <a:t>) </a:t>
+                </a:r>
+                <a:r>
+                  <a:rPr lang="hu-HU" sz="1000" dirty="0" err="1">
+                    <a:latin typeface="Times New Roman" panose="02020603050405020304" pitchFamily="18" charset="0"/>
+                    <a:cs typeface="Times New Roman" panose="02020603050405020304" pitchFamily="18" charset="0"/>
+                  </a:rPr>
+                  <a:t>error</a:t>
+                </a:r>
+                <a:r>
+                  <a:rPr lang="hu-HU" sz="1000" dirty="0">
+                    <a:latin typeface="Times New Roman" panose="02020603050405020304" pitchFamily="18" charset="0"/>
+                    <a:cs typeface="Times New Roman" panose="02020603050405020304" pitchFamily="18" charset="0"/>
+                  </a:rPr>
+                  <a:t> of 1 m, </a:t>
+                </a:r>
+                <a:r>
+                  <a:rPr lang="hu-HU" sz="1000" dirty="0" err="1">
+                    <a:latin typeface="Times New Roman" panose="02020603050405020304" pitchFamily="18" charset="0"/>
+                    <a:cs typeface="Times New Roman" panose="02020603050405020304" pitchFamily="18" charset="0"/>
+                  </a:rPr>
+                  <a:t>the</a:t>
+                </a:r>
+                <a:r>
+                  <a:rPr lang="hu-HU" sz="1000" dirty="0">
+                    <a:latin typeface="Times New Roman" panose="02020603050405020304" pitchFamily="18" charset="0"/>
+                    <a:cs typeface="Times New Roman" panose="02020603050405020304" pitchFamily="18" charset="0"/>
+                  </a:rPr>
+                  <a:t> </a:t>
+                </a:r>
+                <a:r>
+                  <a:rPr lang="hu-HU" sz="1000" dirty="0" err="1">
+                    <a:latin typeface="Times New Roman" panose="02020603050405020304" pitchFamily="18" charset="0"/>
+                    <a:cs typeface="Times New Roman" panose="02020603050405020304" pitchFamily="18" charset="0"/>
+                  </a:rPr>
+                  <a:t>target</a:t>
+                </a:r>
+                <a:r>
+                  <a:rPr lang="hu-HU" sz="1000" dirty="0">
+                    <a:latin typeface="Times New Roman" panose="02020603050405020304" pitchFamily="18" charset="0"/>
+                    <a:cs typeface="Times New Roman" panose="02020603050405020304" pitchFamily="18" charset="0"/>
+                  </a:rPr>
+                  <a:t> </a:t>
+                </a:r>
+                <a:r>
+                  <a:rPr lang="hu-HU" sz="1000" dirty="0" err="1">
+                    <a:latin typeface="Times New Roman" panose="02020603050405020304" pitchFamily="18" charset="0"/>
+                    <a:cs typeface="Times New Roman" panose="02020603050405020304" pitchFamily="18" charset="0"/>
+                  </a:rPr>
+                  <a:t>acceleration</a:t>
+                </a:r>
+                <a:r>
+                  <a:rPr lang="hu-HU" sz="1000" dirty="0">
+                    <a:latin typeface="Times New Roman" panose="02020603050405020304" pitchFamily="18" charset="0"/>
+                    <a:cs typeface="Times New Roman" panose="02020603050405020304" pitchFamily="18" charset="0"/>
+                  </a:rPr>
+                  <a:t> is </a:t>
+                </a:r>
+                <a14:m>
+                  <m:oMath xmlns:m="http://schemas.openxmlformats.org/officeDocument/2006/math">
+                    <m:r>
+                      <a:rPr lang="hu-HU" sz="1000" b="0" i="1" smtClean="0">
+                        <a:latin typeface="Cambria Math" panose="02040503050406030204" pitchFamily="18" charset="0"/>
+                      </a:rPr>
+                      <m:t>𝑃</m:t>
+                    </m:r>
+                    <m:d>
+                      <m:dPr>
+                        <m:ctrlPr>
+                          <a:rPr lang="hu-HU" sz="1000" b="0" i="1" smtClean="0">
+                            <a:latin typeface="Cambria Math" panose="02040503050406030204" pitchFamily="18" charset="0"/>
+                          </a:rPr>
+                        </m:ctrlPr>
+                      </m:dPr>
+                      <m:e>
+                        <m:sSub>
+                          <m:sSubPr>
+                            <m:ctrlPr>
+                              <a:rPr lang="hu-HU" sz="1000" b="0" i="1" smtClean="0">
+                                <a:latin typeface="Cambria Math" panose="02040503050406030204" pitchFamily="18" charset="0"/>
+                              </a:rPr>
+                            </m:ctrlPr>
+                          </m:sSubPr>
+                          <m:e>
+                            <m:r>
+                              <m:rPr>
+                                <m:sty m:val="p"/>
+                              </m:rPr>
+                              <a:rPr lang="hu-HU" sz="1000" b="0" i="0" smtClean="0">
+                                <a:latin typeface="Cambria Math" panose="02040503050406030204" pitchFamily="18" charset="0"/>
+                              </a:rPr>
+                              <m:t>Θ</m:t>
+                            </m:r>
+                          </m:e>
+                          <m:sub>
+                            <m:r>
+                              <a:rPr lang="hu-HU" sz="1000" b="0" i="1" smtClean="0">
+                                <a:latin typeface="Cambria Math" panose="02040503050406030204" pitchFamily="18" charset="0"/>
+                              </a:rPr>
+                              <m:t>𝑇𝑃</m:t>
+                            </m:r>
+                          </m:sub>
+                        </m:sSub>
+                        <m:r>
+                          <a:rPr lang="hu-HU" sz="1000" b="0" i="1" smtClean="0">
+                            <a:latin typeface="Cambria Math" panose="02040503050406030204" pitchFamily="18" charset="0"/>
+                          </a:rPr>
+                          <m:t>|</m:t>
+                        </m:r>
+                        <m:sSub>
+                          <m:sSubPr>
+                            <m:ctrlPr>
+                              <a:rPr lang="hu-HU" sz="1000" b="0" i="1" smtClean="0">
+                                <a:latin typeface="Cambria Math" panose="02040503050406030204" pitchFamily="18" charset="0"/>
+                              </a:rPr>
+                            </m:ctrlPr>
+                          </m:sSubPr>
+                          <m:e>
+                            <m:r>
+                              <a:rPr lang="hu-HU" sz="1000" b="0" i="1" smtClean="0">
+                                <a:latin typeface="Cambria Math" panose="02040503050406030204" pitchFamily="18" charset="0"/>
+                              </a:rPr>
+                              <m:t>𝜎</m:t>
+                            </m:r>
+                          </m:e>
+                          <m:sub>
+                            <m:r>
+                              <a:rPr lang="hu-HU" sz="1000" b="0" i="1" smtClean="0">
+                                <a:latin typeface="Cambria Math" panose="02040503050406030204" pitchFamily="18" charset="0"/>
+                              </a:rPr>
+                              <m:t>𝑇𝑃</m:t>
+                            </m:r>
+                          </m:sub>
+                        </m:sSub>
+                      </m:e>
+                    </m:d>
+                  </m:oMath>
+                </a14:m>
+                <a:r>
+                  <a:rPr lang="hu-HU" sz="1000" dirty="0">
+                    <a:latin typeface="Times New Roman" panose="02020603050405020304" pitchFamily="18" charset="0"/>
+                    <a:cs typeface="Times New Roman" panose="02020603050405020304" pitchFamily="18" charset="0"/>
+                  </a:rPr>
+                  <a:t>. </a:t>
+                </a:r>
+                <a:r>
+                  <a:rPr lang="hu-HU" sz="1000" dirty="0" err="1">
+                    <a:latin typeface="Times New Roman" panose="02020603050405020304" pitchFamily="18" charset="0"/>
+                    <a:cs typeface="Times New Roman" panose="02020603050405020304" pitchFamily="18" charset="0"/>
+                  </a:rPr>
+                  <a:t>By</a:t>
+                </a:r>
+                <a:r>
+                  <a:rPr lang="hu-HU" sz="1000" dirty="0">
+                    <a:latin typeface="Times New Roman" panose="02020603050405020304" pitchFamily="18" charset="0"/>
+                    <a:cs typeface="Times New Roman" panose="02020603050405020304" pitchFamily="18" charset="0"/>
+                  </a:rPr>
+                  <a:t> </a:t>
+                </a:r>
+                <a:r>
+                  <a:rPr lang="hu-HU" sz="1000" dirty="0" err="1">
+                    <a:latin typeface="Times New Roman" panose="02020603050405020304" pitchFamily="18" charset="0"/>
+                    <a:cs typeface="Times New Roman" panose="02020603050405020304" pitchFamily="18" charset="0"/>
+                  </a:rPr>
+                  <a:t>this</a:t>
+                </a:r>
+                <a:r>
+                  <a:rPr lang="hu-HU" sz="1000" dirty="0">
+                    <a:latin typeface="Times New Roman" panose="02020603050405020304" pitchFamily="18" charset="0"/>
+                    <a:cs typeface="Times New Roman" panose="02020603050405020304" pitchFamily="18" charset="0"/>
+                  </a:rPr>
+                  <a:t> </a:t>
+                </a:r>
+                <a:r>
+                  <a:rPr lang="hu-HU" sz="1000" dirty="0" err="1">
+                    <a:latin typeface="Times New Roman" panose="02020603050405020304" pitchFamily="18" charset="0"/>
+                    <a:cs typeface="Times New Roman" panose="02020603050405020304" pitchFamily="18" charset="0"/>
+                  </a:rPr>
+                  <a:t>approach</a:t>
+                </a:r>
+                <a:r>
+                  <a:rPr lang="hu-HU" sz="1000" dirty="0">
+                    <a:latin typeface="Times New Roman" panose="02020603050405020304" pitchFamily="18" charset="0"/>
+                    <a:cs typeface="Times New Roman" panose="02020603050405020304" pitchFamily="18" charset="0"/>
+                  </a:rPr>
+                  <a:t>, </a:t>
+                </a:r>
+                <a:r>
+                  <a:rPr lang="hu-HU" sz="1000" dirty="0" err="1">
+                    <a:latin typeface="Times New Roman" panose="02020603050405020304" pitchFamily="18" charset="0"/>
+                    <a:cs typeface="Times New Roman" panose="02020603050405020304" pitchFamily="18" charset="0"/>
+                  </a:rPr>
+                  <a:t>the</a:t>
+                </a:r>
+                <a:r>
+                  <a:rPr lang="hu-HU" sz="1000" dirty="0">
+                    <a:latin typeface="Times New Roman" panose="02020603050405020304" pitchFamily="18" charset="0"/>
+                    <a:cs typeface="Times New Roman" panose="02020603050405020304" pitchFamily="18" charset="0"/>
+                  </a:rPr>
+                  <a:t> </a:t>
+                </a:r>
+                <a:r>
+                  <a:rPr lang="hu-HU" sz="1000" dirty="0" err="1">
+                    <a:latin typeface="Times New Roman" panose="02020603050405020304" pitchFamily="18" charset="0"/>
+                    <a:cs typeface="Times New Roman" panose="02020603050405020304" pitchFamily="18" charset="0"/>
+                  </a:rPr>
+                  <a:t>position</a:t>
+                </a:r>
+                <a:r>
+                  <a:rPr lang="hu-HU" sz="1000" dirty="0">
+                    <a:latin typeface="Times New Roman" panose="02020603050405020304" pitchFamily="18" charset="0"/>
+                    <a:cs typeface="Times New Roman" panose="02020603050405020304" pitchFamily="18" charset="0"/>
+                  </a:rPr>
+                  <a:t> </a:t>
+                </a:r>
+                <a:r>
+                  <a:rPr lang="hu-HU" sz="1000" dirty="0" err="1">
+                    <a:latin typeface="Times New Roman" panose="02020603050405020304" pitchFamily="18" charset="0"/>
+                    <a:cs typeface="Times New Roman" panose="02020603050405020304" pitchFamily="18" charset="0"/>
+                  </a:rPr>
+                  <a:t>error</a:t>
+                </a:r>
+                <a:r>
+                  <a:rPr lang="hu-HU" sz="1000" dirty="0">
+                    <a:latin typeface="Times New Roman" panose="02020603050405020304" pitchFamily="18" charset="0"/>
+                    <a:cs typeface="Times New Roman" panose="02020603050405020304" pitchFamily="18" charset="0"/>
+                  </a:rPr>
+                  <a:t> is </a:t>
+                </a:r>
+                <a:r>
+                  <a:rPr lang="hu-HU" sz="1000" dirty="0" err="1">
+                    <a:latin typeface="Times New Roman" panose="02020603050405020304" pitchFamily="18" charset="0"/>
+                    <a:cs typeface="Times New Roman" panose="02020603050405020304" pitchFamily="18" charset="0"/>
+                  </a:rPr>
+                  <a:t>scaled</a:t>
+                </a:r>
+                <a:r>
+                  <a:rPr lang="hu-HU" sz="1000" dirty="0">
+                    <a:latin typeface="Times New Roman" panose="02020603050405020304" pitchFamily="18" charset="0"/>
+                    <a:cs typeface="Times New Roman" panose="02020603050405020304" pitchFamily="18" charset="0"/>
+                  </a:rPr>
+                  <a:t> </a:t>
+                </a:r>
+                <a:r>
+                  <a:rPr lang="hu-HU" sz="1000" dirty="0" err="1">
+                    <a:latin typeface="Times New Roman" panose="02020603050405020304" pitchFamily="18" charset="0"/>
+                    <a:cs typeface="Times New Roman" panose="02020603050405020304" pitchFamily="18" charset="0"/>
+                  </a:rPr>
+                  <a:t>up</a:t>
+                </a:r>
+                <a:r>
+                  <a:rPr lang="hu-HU" sz="1000" dirty="0">
+                    <a:latin typeface="Times New Roman" panose="02020603050405020304" pitchFamily="18" charset="0"/>
+                    <a:cs typeface="Times New Roman" panose="02020603050405020304" pitchFamily="18" charset="0"/>
+                  </a:rPr>
+                  <a:t> </a:t>
+                </a:r>
+                <a:r>
+                  <a:rPr lang="hu-HU" sz="1000" dirty="0" err="1">
+                    <a:latin typeface="Times New Roman" panose="02020603050405020304" pitchFamily="18" charset="0"/>
+                    <a:cs typeface="Times New Roman" panose="02020603050405020304" pitchFamily="18" charset="0"/>
+                  </a:rPr>
+                  <a:t>when</a:t>
+                </a:r>
+                <a:r>
+                  <a:rPr lang="hu-HU" sz="1000" dirty="0">
+                    <a:latin typeface="Times New Roman" panose="02020603050405020304" pitchFamily="18" charset="0"/>
+                    <a:cs typeface="Times New Roman" panose="02020603050405020304" pitchFamily="18" charset="0"/>
+                  </a:rPr>
+                  <a:t> </a:t>
+                </a:r>
+                <a:r>
+                  <a:rPr lang="hu-HU" sz="1000" dirty="0" err="1">
+                    <a:latin typeface="Times New Roman" panose="02020603050405020304" pitchFamily="18" charset="0"/>
+                    <a:cs typeface="Times New Roman" panose="02020603050405020304" pitchFamily="18" charset="0"/>
+                  </a:rPr>
+                  <a:t>the</a:t>
+                </a:r>
+                <a:r>
+                  <a:rPr lang="hu-HU" sz="1000" dirty="0">
+                    <a:latin typeface="Times New Roman" panose="02020603050405020304" pitchFamily="18" charset="0"/>
+                    <a:cs typeface="Times New Roman" panose="02020603050405020304" pitchFamily="18" charset="0"/>
+                  </a:rPr>
+                  <a:t> </a:t>
+                </a:r>
+                <a:r>
+                  <a:rPr lang="hu-HU" sz="1000" dirty="0" err="1">
+                    <a:latin typeface="Times New Roman" panose="02020603050405020304" pitchFamily="18" charset="0"/>
+                    <a:cs typeface="Times New Roman" panose="02020603050405020304" pitchFamily="18" charset="0"/>
+                  </a:rPr>
+                  <a:t>vehicle</a:t>
+                </a:r>
+                <a:r>
+                  <a:rPr lang="hu-HU" sz="1000" dirty="0">
+                    <a:latin typeface="Times New Roman" panose="02020603050405020304" pitchFamily="18" charset="0"/>
+                    <a:cs typeface="Times New Roman" panose="02020603050405020304" pitchFamily="18" charset="0"/>
+                  </a:rPr>
+                  <a:t> is </a:t>
+                </a:r>
+                <a:r>
+                  <a:rPr lang="hu-HU" sz="1000" dirty="0" err="1">
+                    <a:latin typeface="Times New Roman" panose="02020603050405020304" pitchFamily="18" charset="0"/>
+                    <a:cs typeface="Times New Roman" panose="02020603050405020304" pitchFamily="18" charset="0"/>
+                  </a:rPr>
+                  <a:t>not</a:t>
+                </a:r>
+                <a:r>
+                  <a:rPr lang="hu-HU" sz="1000" dirty="0">
+                    <a:latin typeface="Times New Roman" panose="02020603050405020304" pitchFamily="18" charset="0"/>
+                    <a:cs typeface="Times New Roman" panose="02020603050405020304" pitchFamily="18" charset="0"/>
+                  </a:rPr>
+                  <a:t> parallel </a:t>
+                </a:r>
+                <a:r>
+                  <a:rPr lang="hu-HU" sz="1000" dirty="0" err="1">
+                    <a:latin typeface="Times New Roman" panose="02020603050405020304" pitchFamily="18" charset="0"/>
+                    <a:cs typeface="Times New Roman" panose="02020603050405020304" pitchFamily="18" charset="0"/>
+                  </a:rPr>
+                  <a:t>to</a:t>
+                </a:r>
+                <a:r>
+                  <a:rPr lang="hu-HU" sz="1000" dirty="0">
+                    <a:latin typeface="Times New Roman" panose="02020603050405020304" pitchFamily="18" charset="0"/>
+                    <a:cs typeface="Times New Roman" panose="02020603050405020304" pitchFamily="18" charset="0"/>
+                  </a:rPr>
+                  <a:t> </a:t>
+                </a:r>
+                <a:r>
+                  <a:rPr lang="hu-HU" sz="1000" dirty="0" err="1">
+                    <a:latin typeface="Times New Roman" panose="02020603050405020304" pitchFamily="18" charset="0"/>
+                    <a:cs typeface="Times New Roman" panose="02020603050405020304" pitchFamily="18" charset="0"/>
+                  </a:rPr>
+                  <a:t>the</a:t>
+                </a:r>
+                <a:r>
+                  <a:rPr lang="hu-HU" sz="1000" dirty="0">
+                    <a:latin typeface="Times New Roman" panose="02020603050405020304" pitchFamily="18" charset="0"/>
+                    <a:cs typeface="Times New Roman" panose="02020603050405020304" pitchFamily="18" charset="0"/>
+                  </a:rPr>
+                  <a:t> </a:t>
+                </a:r>
+                <a:r>
+                  <a:rPr lang="hu-HU" sz="1000" dirty="0" err="1">
+                    <a:latin typeface="Times New Roman" panose="02020603050405020304" pitchFamily="18" charset="0"/>
+                    <a:cs typeface="Times New Roman" panose="02020603050405020304" pitchFamily="18" charset="0"/>
+                  </a:rPr>
+                  <a:t>reference</a:t>
+                </a:r>
+                <a:r>
+                  <a:rPr lang="hu-HU" sz="1000" dirty="0">
+                    <a:latin typeface="Times New Roman" panose="02020603050405020304" pitchFamily="18" charset="0"/>
+                    <a:cs typeface="Times New Roman" panose="02020603050405020304" pitchFamily="18" charset="0"/>
+                  </a:rPr>
+                  <a:t> line </a:t>
+                </a:r>
+                <a:r>
+                  <a:rPr lang="hu-HU" sz="1000" dirty="0" err="1">
+                    <a:latin typeface="Times New Roman" panose="02020603050405020304" pitchFamily="18" charset="0"/>
+                    <a:cs typeface="Times New Roman" panose="02020603050405020304" pitchFamily="18" charset="0"/>
+                  </a:rPr>
+                  <a:t>tangential</a:t>
+                </a:r>
+                <a:r>
+                  <a:rPr lang="hu-HU" sz="1000" dirty="0">
+                    <a:latin typeface="Times New Roman" panose="02020603050405020304" pitchFamily="18" charset="0"/>
+                    <a:cs typeface="Times New Roman" panose="02020603050405020304" pitchFamily="18" charset="0"/>
+                  </a:rPr>
+                  <a:t>. </a:t>
+                </a:r>
+                <a:r>
+                  <a:rPr lang="hu-HU" sz="1000" dirty="0" err="1">
+                    <a:latin typeface="Times New Roman" panose="02020603050405020304" pitchFamily="18" charset="0"/>
+                    <a:cs typeface="Times New Roman" panose="02020603050405020304" pitchFamily="18" charset="0"/>
+                  </a:rPr>
+                  <a:t>This</a:t>
+                </a:r>
+                <a:r>
+                  <a:rPr lang="hu-HU" sz="1000" dirty="0">
+                    <a:latin typeface="Times New Roman" panose="02020603050405020304" pitchFamily="18" charset="0"/>
+                    <a:cs typeface="Times New Roman" panose="02020603050405020304" pitchFamily="18" charset="0"/>
+                  </a:rPr>
+                  <a:t> is a </a:t>
+                </a:r>
+                <a:r>
+                  <a:rPr lang="hu-HU" sz="1000" dirty="0" err="1">
+                    <a:latin typeface="Times New Roman" panose="02020603050405020304" pitchFamily="18" charset="0"/>
+                    <a:cs typeface="Times New Roman" panose="02020603050405020304" pitchFamily="18" charset="0"/>
+                  </a:rPr>
+                  <a:t>combined</a:t>
+                </a:r>
+                <a:r>
+                  <a:rPr lang="hu-HU" sz="1000" dirty="0">
+                    <a:latin typeface="Times New Roman" panose="02020603050405020304" pitchFamily="18" charset="0"/>
+                    <a:cs typeface="Times New Roman" panose="02020603050405020304" pitchFamily="18" charset="0"/>
+                  </a:rPr>
+                  <a:t> </a:t>
+                </a:r>
+                <a:r>
+                  <a:rPr lang="hu-HU" sz="1000" dirty="0" err="1">
+                    <a:latin typeface="Times New Roman" panose="02020603050405020304" pitchFamily="18" charset="0"/>
+                    <a:cs typeface="Times New Roman" panose="02020603050405020304" pitchFamily="18" charset="0"/>
+                  </a:rPr>
+                  <a:t>approach</a:t>
+                </a:r>
+                <a:r>
+                  <a:rPr lang="hu-HU" sz="1000" dirty="0">
+                    <a:latin typeface="Times New Roman" panose="02020603050405020304" pitchFamily="18" charset="0"/>
+                    <a:cs typeface="Times New Roman" panose="02020603050405020304" pitchFamily="18" charset="0"/>
+                  </a:rPr>
+                  <a:t> </a:t>
+                </a:r>
+                <a:r>
+                  <a:rPr lang="hu-HU" sz="1000" dirty="0" err="1">
+                    <a:latin typeface="Times New Roman" panose="02020603050405020304" pitchFamily="18" charset="0"/>
+                    <a:cs typeface="Times New Roman" panose="02020603050405020304" pitchFamily="18" charset="0"/>
+                  </a:rPr>
+                  <a:t>to</a:t>
+                </a:r>
+                <a:r>
+                  <a:rPr lang="hu-HU" sz="1000" dirty="0">
+                    <a:latin typeface="Times New Roman" panose="02020603050405020304" pitchFamily="18" charset="0"/>
+                    <a:cs typeface="Times New Roman" panose="02020603050405020304" pitchFamily="18" charset="0"/>
+                  </a:rPr>
+                  <a:t> </a:t>
+                </a:r>
+                <a:r>
+                  <a:rPr lang="hu-HU" sz="1000" dirty="0" err="1">
+                    <a:latin typeface="Times New Roman" panose="02020603050405020304" pitchFamily="18" charset="0"/>
+                    <a:cs typeface="Times New Roman" panose="02020603050405020304" pitchFamily="18" charset="0"/>
+                  </a:rPr>
+                  <a:t>include</a:t>
+                </a:r>
+                <a:r>
+                  <a:rPr lang="hu-HU" sz="1000" dirty="0">
+                    <a:latin typeface="Times New Roman" panose="02020603050405020304" pitchFamily="18" charset="0"/>
+                    <a:cs typeface="Times New Roman" panose="02020603050405020304" pitchFamily="18" charset="0"/>
+                  </a:rPr>
+                  <a:t> </a:t>
+                </a:r>
+                <a:r>
+                  <a:rPr lang="hu-HU" sz="1000" dirty="0" err="1">
+                    <a:latin typeface="Times New Roman" panose="02020603050405020304" pitchFamily="18" charset="0"/>
+                    <a:cs typeface="Times New Roman" panose="02020603050405020304" pitchFamily="18" charset="0"/>
+                  </a:rPr>
+                  <a:t>orientation</a:t>
+                </a:r>
+                <a:r>
+                  <a:rPr lang="hu-HU" sz="1000" dirty="0">
+                    <a:latin typeface="Times New Roman" panose="02020603050405020304" pitchFamily="18" charset="0"/>
+                    <a:cs typeface="Times New Roman" panose="02020603050405020304" pitchFamily="18" charset="0"/>
+                  </a:rPr>
+                  <a:t> and </a:t>
+                </a:r>
+                <a:r>
+                  <a:rPr lang="hu-HU" sz="1000" dirty="0" err="1">
+                    <a:latin typeface="Times New Roman" panose="02020603050405020304" pitchFamily="18" charset="0"/>
+                    <a:cs typeface="Times New Roman" panose="02020603050405020304" pitchFamily="18" charset="0"/>
+                  </a:rPr>
+                  <a:t>position</a:t>
+                </a:r>
+                <a:r>
+                  <a:rPr lang="hu-HU" sz="1000" dirty="0">
+                    <a:latin typeface="Times New Roman" panose="02020603050405020304" pitchFamily="18" charset="0"/>
+                    <a:cs typeface="Times New Roman" panose="02020603050405020304" pitchFamily="18" charset="0"/>
+                  </a:rPr>
+                  <a:t> </a:t>
+                </a:r>
+                <a:r>
+                  <a:rPr lang="hu-HU" sz="1000" dirty="0" err="1">
+                    <a:latin typeface="Times New Roman" panose="02020603050405020304" pitchFamily="18" charset="0"/>
+                    <a:cs typeface="Times New Roman" panose="02020603050405020304" pitchFamily="18" charset="0"/>
+                  </a:rPr>
+                  <a:t>error</a:t>
+                </a:r>
+                <a:r>
+                  <a:rPr lang="hu-HU" sz="1000" dirty="0">
+                    <a:latin typeface="Times New Roman" panose="02020603050405020304" pitchFamily="18" charset="0"/>
+                    <a:cs typeface="Times New Roman" panose="02020603050405020304" pitchFamily="18" charset="0"/>
+                  </a:rPr>
+                  <a:t> </a:t>
+                </a:r>
+                <a:r>
+                  <a:rPr lang="hu-HU" sz="1000" dirty="0" err="1">
+                    <a:latin typeface="Times New Roman" panose="02020603050405020304" pitchFamily="18" charset="0"/>
+                    <a:cs typeface="Times New Roman" panose="02020603050405020304" pitchFamily="18" charset="0"/>
+                  </a:rPr>
+                  <a:t>at</a:t>
+                </a:r>
+                <a:r>
+                  <a:rPr lang="hu-HU" sz="1000" dirty="0">
+                    <a:latin typeface="Times New Roman" panose="02020603050405020304" pitchFamily="18" charset="0"/>
+                    <a:cs typeface="Times New Roman" panose="02020603050405020304" pitchFamily="18" charset="0"/>
+                  </a:rPr>
+                  <a:t> </a:t>
+                </a:r>
+                <a:r>
+                  <a:rPr lang="hu-HU" sz="1000" dirty="0" err="1">
+                    <a:latin typeface="Times New Roman" panose="02020603050405020304" pitchFamily="18" charset="0"/>
+                    <a:cs typeface="Times New Roman" panose="02020603050405020304" pitchFamily="18" charset="0"/>
+                  </a:rPr>
+                  <a:t>the</a:t>
+                </a:r>
+                <a:r>
+                  <a:rPr lang="hu-HU" sz="1000" dirty="0">
+                    <a:latin typeface="Times New Roman" panose="02020603050405020304" pitchFamily="18" charset="0"/>
+                    <a:cs typeface="Times New Roman" panose="02020603050405020304" pitchFamily="18" charset="0"/>
+                  </a:rPr>
+                  <a:t> </a:t>
+                </a:r>
+                <a:r>
+                  <a:rPr lang="hu-HU" sz="1000" dirty="0" err="1">
+                    <a:latin typeface="Times New Roman" panose="02020603050405020304" pitchFamily="18" charset="0"/>
+                    <a:cs typeface="Times New Roman" panose="02020603050405020304" pitchFamily="18" charset="0"/>
+                  </a:rPr>
+                  <a:t>same</a:t>
+                </a:r>
+                <a:r>
+                  <a:rPr lang="hu-HU" sz="1000" dirty="0">
+                    <a:latin typeface="Times New Roman" panose="02020603050405020304" pitchFamily="18" charset="0"/>
+                    <a:cs typeface="Times New Roman" panose="02020603050405020304" pitchFamily="18" charset="0"/>
+                  </a:rPr>
+                  <a:t> </a:t>
+                </a:r>
+                <a:r>
+                  <a:rPr lang="hu-HU" sz="1000" dirty="0" err="1">
+                    <a:latin typeface="Times New Roman" panose="02020603050405020304" pitchFamily="18" charset="0"/>
+                    <a:cs typeface="Times New Roman" panose="02020603050405020304" pitchFamily="18" charset="0"/>
+                  </a:rPr>
+                  <a:t>time</a:t>
+                </a:r>
+                <a:r>
+                  <a:rPr lang="hu-HU" sz="1000" dirty="0">
+                    <a:latin typeface="Times New Roman" panose="02020603050405020304" pitchFamily="18" charset="0"/>
+                    <a:cs typeface="Times New Roman" panose="02020603050405020304" pitchFamily="18" charset="0"/>
+                  </a:rPr>
+                  <a:t>. </a:t>
+                </a:r>
+              </a:p>
+            </p:txBody>
+          </p:sp>
+        </mc:Choice>
+        <mc:Fallback>
+          <p:sp>
+            <p:nvSpPr>
+              <p:cNvPr id="124" name="Szövegdoboz 123">
+                <a:extLst>
+                  <a:ext uri="{FF2B5EF4-FFF2-40B4-BE49-F238E27FC236}">
+                    <a16:creationId xmlns:a16="http://schemas.microsoft.com/office/drawing/2014/main" id="{40586598-A01C-94F3-5FF0-B4A554FB07CC}"/>
+                  </a:ext>
+                </a:extLst>
+              </p:cNvPr>
+              <p:cNvSpPr txBox="1">
+                <a:spLocks noRot="1" noChangeAspect="1" noMove="1" noResize="1" noEditPoints="1" noAdjustHandles="1" noChangeArrowheads="1" noChangeShapeType="1" noTextEdit="1"/>
+              </p:cNvSpPr>
+              <p:nvPr/>
+            </p:nvSpPr>
+            <p:spPr>
+              <a:xfrm>
+                <a:off x="4833938" y="3775437"/>
+                <a:ext cx="2771775" cy="1015663"/>
+              </a:xfrm>
+              <a:prstGeom prst="rect">
+                <a:avLst/>
+              </a:prstGeom>
+              <a:blipFill>
+                <a:blip r:embed="rId22"/>
+                <a:stretch>
+                  <a:fillRect b="-2395"/>
+                </a:stretch>
+              </a:blipFill>
+            </p:spPr>
+            <p:txBody>
+              <a:bodyPr/>
+              <a:lstStyle/>
+              <a:p>
+                <a:r>
+                  <a:rPr lang="hu-HU">
+                    <a:noFill/>
+                  </a:rPr>
+                  <a:t> </a:t>
+                </a:r>
+              </a:p>
+            </p:txBody>
+          </p:sp>
+        </mc:Fallback>
+      </mc:AlternateContent>
+      <p:cxnSp>
+        <p:nvCxnSpPr>
+          <p:cNvPr id="125" name="Egyenes összekötő nyíllal 124">
+            <a:extLst>
+              <a:ext uri="{FF2B5EF4-FFF2-40B4-BE49-F238E27FC236}">
+                <a16:creationId xmlns:a16="http://schemas.microsoft.com/office/drawing/2014/main" id="{73C83612-EFFD-FB5E-B9EA-3C1BAB4BFEE6}"/>
+              </a:ext>
+            </a:extLst>
+          </p:cNvPr>
+          <p:cNvCxnSpPr>
+            <a:cxnSpLocks/>
+          </p:cNvCxnSpPr>
+          <p:nvPr/>
+        </p:nvCxnSpPr>
+        <p:spPr>
+          <a:xfrm>
+            <a:off x="7372167" y="2330766"/>
+            <a:ext cx="940861" cy="0"/>
+          </a:xfrm>
+          <a:prstGeom prst="straightConnector1">
+            <a:avLst/>
+          </a:prstGeom>
+          <a:ln>
+            <a:solidFill>
+              <a:schemeClr val="tx1"/>
+            </a:solidFill>
+            <a:tailEnd type="triangle"/>
+          </a:ln>
+        </p:spPr>
+        <p:style>
+          <a:lnRef idx="1">
+            <a:schemeClr val="accent1"/>
+          </a:lnRef>
+          <a:fillRef idx="0">
+            <a:schemeClr val="accent1"/>
+          </a:fillRef>
+          <a:effectRef idx="0">
+            <a:schemeClr val="accent1"/>
+          </a:effectRef>
+          <a:fontRef idx="minor">
+            <a:schemeClr val="tx1"/>
+          </a:fontRef>
+        </p:style>
+      </p:cxnSp>
+      <mc:AlternateContent xmlns:mc="http://schemas.openxmlformats.org/markup-compatibility/2006">
+        <mc:Choice xmlns:a14="http://schemas.microsoft.com/office/drawing/2010/main" Requires="a14">
+          <p:sp>
+            <p:nvSpPr>
+              <p:cNvPr id="126" name="Szövegdoboz 125">
+                <a:extLst>
+                  <a:ext uri="{FF2B5EF4-FFF2-40B4-BE49-F238E27FC236}">
+                    <a16:creationId xmlns:a16="http://schemas.microsoft.com/office/drawing/2014/main" id="{9C27D0C1-B4A7-9799-23B7-380001BE50D8}"/>
+                  </a:ext>
+                </a:extLst>
+              </p:cNvPr>
+              <p:cNvSpPr txBox="1"/>
+              <p:nvPr/>
+            </p:nvSpPr>
+            <p:spPr>
+              <a:xfrm>
+                <a:off x="7393960" y="1810921"/>
+                <a:ext cx="919068" cy="498213"/>
+              </a:xfrm>
+              <a:prstGeom prst="rect">
+                <a:avLst/>
+              </a:prstGeom>
+              <a:noFill/>
+            </p:spPr>
+            <p:txBody>
+              <a:bodyPr wrap="square" lIns="0" tIns="0" rIns="0" bIns="0" rtlCol="0">
+                <a:spAutoFit/>
+              </a:bodyPr>
+              <a:lstStyle/>
+              <a:p>
+                <a14:m>
+                  <m:oMathPara xmlns:m="http://schemas.openxmlformats.org/officeDocument/2006/math">
+                    <m:oMathParaPr>
+                      <m:jc m:val="centerGroup"/>
+                    </m:oMathParaPr>
+                    <m:oMath xmlns:m="http://schemas.openxmlformats.org/officeDocument/2006/math">
+                      <m:sSub>
+                        <m:sSubPr>
+                          <m:ctrlPr>
+                            <a:rPr lang="hu-HU" sz="1000" b="0" i="1" smtClean="0">
+                              <a:latin typeface="Cambria Math" panose="02040503050406030204" pitchFamily="18" charset="0"/>
+                            </a:rPr>
+                          </m:ctrlPr>
+                        </m:sSubPr>
+                        <m:e>
+                          <m:r>
+                            <a:rPr lang="hu-HU" sz="1000" b="0" i="1" smtClean="0">
+                              <a:latin typeface="Cambria Math" panose="02040503050406030204" pitchFamily="18" charset="0"/>
+                            </a:rPr>
+                            <m:t>𝑎</m:t>
+                          </m:r>
+                        </m:e>
+                        <m:sub>
+                          <m:r>
+                            <a:rPr lang="hu-HU" sz="1000" b="0" i="1" smtClean="0">
+                              <a:latin typeface="Cambria Math" panose="02040503050406030204" pitchFamily="18" charset="0"/>
+                            </a:rPr>
+                            <m:t>𝑦</m:t>
+                          </m:r>
+                          <m:r>
+                            <a:rPr lang="hu-HU" sz="1000" b="0" i="1" smtClean="0">
+                              <a:latin typeface="Cambria Math" panose="02040503050406030204" pitchFamily="18" charset="0"/>
+                            </a:rPr>
+                            <m:t>,</m:t>
+                          </m:r>
+                          <m:r>
+                            <a:rPr lang="hu-HU" sz="1000" b="0" i="1" smtClean="0">
+                              <a:latin typeface="Cambria Math" panose="02040503050406030204" pitchFamily="18" charset="0"/>
+                            </a:rPr>
+                            <m:t>𝑡𝑎𝑟</m:t>
+                          </m:r>
+                        </m:sub>
+                      </m:sSub>
+                      <m:r>
+                        <a:rPr lang="hu-HU" sz="1000" b="0" i="1" smtClean="0">
+                          <a:latin typeface="Cambria Math" panose="02040503050406030204" pitchFamily="18" charset="0"/>
+                        </a:rPr>
+                        <m:t>=(1−</m:t>
+                      </m:r>
+                      <m:r>
+                        <a:rPr lang="hu-HU" sz="1000" b="0" i="1" smtClean="0">
+                          <a:latin typeface="Cambria Math" panose="02040503050406030204" pitchFamily="18" charset="0"/>
+                        </a:rPr>
+                        <m:t>𝑘</m:t>
+                      </m:r>
+                      <m:r>
+                        <a:rPr lang="hu-HU" sz="1000" b="0" i="1" smtClean="0">
+                          <a:latin typeface="Cambria Math" panose="02040503050406030204" pitchFamily="18" charset="0"/>
+                        </a:rPr>
+                        <m:t>)</m:t>
+                      </m:r>
+                      <m:sSub>
+                        <m:sSubPr>
+                          <m:ctrlPr>
+                            <a:rPr lang="hu-HU" sz="1000" b="0" i="1" smtClean="0">
+                              <a:latin typeface="Cambria Math" panose="02040503050406030204" pitchFamily="18" charset="0"/>
+                            </a:rPr>
+                          </m:ctrlPr>
+                        </m:sSubPr>
+                        <m:e>
+                          <m:r>
+                            <a:rPr lang="hu-HU" sz="1000" b="0" i="1" smtClean="0">
+                              <a:latin typeface="Cambria Math" panose="02040503050406030204" pitchFamily="18" charset="0"/>
+                            </a:rPr>
+                            <m:t>𝑎</m:t>
+                          </m:r>
+                        </m:e>
+                        <m:sub>
+                          <m:r>
+                            <a:rPr lang="hu-HU" sz="1000" b="0" i="1" smtClean="0">
+                              <a:latin typeface="Cambria Math" panose="02040503050406030204" pitchFamily="18" charset="0"/>
+                            </a:rPr>
+                            <m:t>𝑦</m:t>
+                          </m:r>
+                          <m:r>
+                            <a:rPr lang="hu-HU" sz="1000" b="0" i="1" smtClean="0">
+                              <a:latin typeface="Cambria Math" panose="02040503050406030204" pitchFamily="18" charset="0"/>
+                            </a:rPr>
+                            <m:t>,</m:t>
+                          </m:r>
+                          <m:r>
+                            <a:rPr lang="hu-HU" sz="1000" b="0" i="1" smtClean="0">
+                              <a:latin typeface="Cambria Math" panose="02040503050406030204" pitchFamily="18" charset="0"/>
+                            </a:rPr>
+                            <m:t>𝐹𝐵</m:t>
+                          </m:r>
+                        </m:sub>
+                      </m:sSub>
+                      <m:r>
+                        <a:rPr lang="hu-HU" sz="1000" b="0" i="1" smtClean="0">
+                          <a:latin typeface="Cambria Math" panose="02040503050406030204" pitchFamily="18" charset="0"/>
+                        </a:rPr>
+                        <m:t>+</m:t>
+                      </m:r>
+                      <m:r>
+                        <a:rPr lang="hu-HU" sz="1000" b="0" i="1" smtClean="0">
+                          <a:latin typeface="Cambria Math" panose="02040503050406030204" pitchFamily="18" charset="0"/>
+                        </a:rPr>
+                        <m:t>𝑘</m:t>
+                      </m:r>
+                      <m:sSub>
+                        <m:sSubPr>
+                          <m:ctrlPr>
+                            <a:rPr lang="hu-HU" sz="1000" b="0" i="1" smtClean="0">
+                              <a:latin typeface="Cambria Math" panose="02040503050406030204" pitchFamily="18" charset="0"/>
+                            </a:rPr>
+                          </m:ctrlPr>
+                        </m:sSubPr>
+                        <m:e>
+                          <m:r>
+                            <a:rPr lang="hu-HU" sz="1000" b="0" i="1" smtClean="0">
+                              <a:latin typeface="Cambria Math" panose="02040503050406030204" pitchFamily="18" charset="0"/>
+                            </a:rPr>
+                            <m:t>𝑎</m:t>
+                          </m:r>
+                        </m:e>
+                        <m:sub>
+                          <m:r>
+                            <a:rPr lang="hu-HU" sz="1000" b="0" i="1" smtClean="0">
+                              <a:latin typeface="Cambria Math" panose="02040503050406030204" pitchFamily="18" charset="0"/>
+                            </a:rPr>
+                            <m:t>𝑦</m:t>
+                          </m:r>
+                          <m:r>
+                            <a:rPr lang="hu-HU" sz="1000" b="0" i="1" smtClean="0">
+                              <a:latin typeface="Cambria Math" panose="02040503050406030204" pitchFamily="18" charset="0"/>
+                            </a:rPr>
+                            <m:t>,</m:t>
+                          </m:r>
+                          <m:r>
+                            <a:rPr lang="hu-HU" sz="1000" b="0" i="1" smtClean="0">
+                              <a:latin typeface="Cambria Math" panose="02040503050406030204" pitchFamily="18" charset="0"/>
+                            </a:rPr>
+                            <m:t>𝐹𝐹</m:t>
+                          </m:r>
+                        </m:sub>
+                      </m:sSub>
+                    </m:oMath>
+                  </m:oMathPara>
+                </a14:m>
+                <a:endParaRPr lang="hu-HU" sz="1000" dirty="0"/>
+              </a:p>
+            </p:txBody>
+          </p:sp>
+        </mc:Choice>
+        <mc:Fallback>
+          <p:sp>
+            <p:nvSpPr>
+              <p:cNvPr id="126" name="Szövegdoboz 125">
+                <a:extLst>
+                  <a:ext uri="{FF2B5EF4-FFF2-40B4-BE49-F238E27FC236}">
+                    <a16:creationId xmlns:a16="http://schemas.microsoft.com/office/drawing/2014/main" id="{9C27D0C1-B4A7-9799-23B7-380001BE50D8}"/>
+                  </a:ext>
+                </a:extLst>
+              </p:cNvPr>
+              <p:cNvSpPr txBox="1">
+                <a:spLocks noRot="1" noChangeAspect="1" noMove="1" noResize="1" noEditPoints="1" noAdjustHandles="1" noChangeArrowheads="1" noChangeShapeType="1" noTextEdit="1"/>
+              </p:cNvSpPr>
+              <p:nvPr/>
+            </p:nvSpPr>
+            <p:spPr>
+              <a:xfrm>
+                <a:off x="7393960" y="1810921"/>
+                <a:ext cx="919068" cy="498213"/>
+              </a:xfrm>
+              <a:prstGeom prst="rect">
+                <a:avLst/>
+              </a:prstGeom>
+              <a:blipFill>
+                <a:blip r:embed="rId23"/>
+                <a:stretch>
+                  <a:fillRect b="-6098"/>
+                </a:stretch>
+              </a:blipFill>
+            </p:spPr>
+            <p:txBody>
+              <a:bodyPr/>
+              <a:lstStyle/>
+              <a:p>
+                <a:r>
+                  <a:rPr lang="hu-HU">
+                    <a:noFill/>
+                  </a:rPr>
+                  <a:t> </a:t>
+                </a:r>
+              </a:p>
+            </p:txBody>
+          </p:sp>
+        </mc:Fallback>
+      </mc:AlternateContent>
+      <p:sp>
+        <p:nvSpPr>
+          <p:cNvPr id="129" name="Téglalap 128">
+            <a:extLst>
+              <a:ext uri="{FF2B5EF4-FFF2-40B4-BE49-F238E27FC236}">
+                <a16:creationId xmlns:a16="http://schemas.microsoft.com/office/drawing/2014/main" id="{D763181C-7DA9-EF1F-6B9A-E762DD6A7920}"/>
+              </a:ext>
+            </a:extLst>
+          </p:cNvPr>
+          <p:cNvSpPr/>
+          <p:nvPr/>
+        </p:nvSpPr>
+        <p:spPr>
+          <a:xfrm>
+            <a:off x="8313028" y="2079011"/>
+            <a:ext cx="1237882" cy="503510"/>
+          </a:xfrm>
+          <a:prstGeom prst="rect">
+            <a:avLst/>
+          </a:prstGeom>
+          <a:noFill/>
+          <a:ln>
+            <a:solidFill>
+              <a:schemeClr val="tx1"/>
+            </a:solidFill>
+          </a:ln>
+        </p:spPr>
+        <p:style>
+          <a:lnRef idx="2">
+            <a:schemeClr val="accent1">
+              <a:shade val="15000"/>
+            </a:schemeClr>
+          </a:lnRef>
+          <a:fillRef idx="1">
+            <a:schemeClr val="accent1"/>
+          </a:fillRef>
+          <a:effectRef idx="0">
+            <a:schemeClr val="accent1"/>
+          </a:effectRef>
+          <a:fontRef idx="minor">
+            <a:schemeClr val="lt1"/>
+          </a:fontRef>
+        </p:style>
+        <p:txBody>
+          <a:bodyPr rtlCol="0" anchor="t"/>
+          <a:lstStyle/>
+          <a:p>
+            <a:pPr algn="ctr"/>
+            <a:r>
+              <a:rPr lang="hu-HU" sz="1100" dirty="0" err="1">
+                <a:solidFill>
+                  <a:schemeClr val="tx1"/>
+                </a:solidFill>
+                <a:latin typeface="Times New Roman" panose="02020603050405020304" pitchFamily="18" charset="0"/>
+                <a:cs typeface="Times New Roman" panose="02020603050405020304" pitchFamily="18" charset="0"/>
+              </a:rPr>
+              <a:t>Acceleration</a:t>
+            </a:r>
+            <a:r>
+              <a:rPr lang="hu-HU" sz="1100" dirty="0">
+                <a:solidFill>
+                  <a:schemeClr val="tx1"/>
+                </a:solidFill>
+                <a:latin typeface="Times New Roman" panose="02020603050405020304" pitchFamily="18" charset="0"/>
+                <a:cs typeface="Times New Roman" panose="02020603050405020304" pitchFamily="18" charset="0"/>
+              </a:rPr>
+              <a:t> </a:t>
+            </a:r>
+            <a:r>
+              <a:rPr lang="hu-HU" sz="1100" dirty="0" err="1">
+                <a:solidFill>
+                  <a:schemeClr val="tx1"/>
+                </a:solidFill>
+                <a:latin typeface="Times New Roman" panose="02020603050405020304" pitchFamily="18" charset="0"/>
+                <a:cs typeface="Times New Roman" panose="02020603050405020304" pitchFamily="18" charset="0"/>
+              </a:rPr>
+              <a:t>to</a:t>
+            </a:r>
+            <a:r>
+              <a:rPr lang="hu-HU" sz="1100" dirty="0">
+                <a:solidFill>
+                  <a:schemeClr val="tx1"/>
+                </a:solidFill>
+                <a:latin typeface="Times New Roman" panose="02020603050405020304" pitchFamily="18" charset="0"/>
+                <a:cs typeface="Times New Roman" panose="02020603050405020304" pitchFamily="18" charset="0"/>
+              </a:rPr>
+              <a:t> </a:t>
+            </a:r>
+            <a:r>
+              <a:rPr lang="hu-HU" sz="1100" dirty="0" err="1">
+                <a:solidFill>
+                  <a:schemeClr val="tx1"/>
+                </a:solidFill>
+                <a:latin typeface="Times New Roman" panose="02020603050405020304" pitchFamily="18" charset="0"/>
+                <a:cs typeface="Times New Roman" panose="02020603050405020304" pitchFamily="18" charset="0"/>
+              </a:rPr>
+              <a:t>road-wheel</a:t>
+            </a:r>
+            <a:r>
+              <a:rPr lang="hu-HU" sz="1100" dirty="0">
+                <a:solidFill>
+                  <a:schemeClr val="tx1"/>
+                </a:solidFill>
+                <a:latin typeface="Times New Roman" panose="02020603050405020304" pitchFamily="18" charset="0"/>
+                <a:cs typeface="Times New Roman" panose="02020603050405020304" pitchFamily="18" charset="0"/>
+              </a:rPr>
+              <a:t> </a:t>
+            </a:r>
+            <a:r>
+              <a:rPr lang="hu-HU" sz="1100" dirty="0" err="1">
+                <a:solidFill>
+                  <a:schemeClr val="tx1"/>
+                </a:solidFill>
+                <a:latin typeface="Times New Roman" panose="02020603050405020304" pitchFamily="18" charset="0"/>
+                <a:cs typeface="Times New Roman" panose="02020603050405020304" pitchFamily="18" charset="0"/>
+              </a:rPr>
+              <a:t>angle</a:t>
+            </a:r>
+            <a:endParaRPr lang="hu-HU" sz="1100" dirty="0">
+              <a:solidFill>
+                <a:schemeClr val="tx1"/>
+              </a:solidFill>
+              <a:latin typeface="Times New Roman" panose="02020603050405020304" pitchFamily="18" charset="0"/>
+              <a:cs typeface="Times New Roman" panose="02020603050405020304" pitchFamily="18" charset="0"/>
+            </a:endParaRPr>
+          </a:p>
+        </p:txBody>
+      </p:sp>
+      <p:cxnSp>
+        <p:nvCxnSpPr>
+          <p:cNvPr id="130" name="Egyenes összekötő nyíllal 129">
+            <a:extLst>
+              <a:ext uri="{FF2B5EF4-FFF2-40B4-BE49-F238E27FC236}">
+                <a16:creationId xmlns:a16="http://schemas.microsoft.com/office/drawing/2014/main" id="{D01D4652-58F8-B614-6C63-FB9FC90B6366}"/>
+              </a:ext>
+            </a:extLst>
+          </p:cNvPr>
+          <p:cNvCxnSpPr>
+            <a:cxnSpLocks/>
+            <a:endCxn id="129" idx="0"/>
+          </p:cNvCxnSpPr>
+          <p:nvPr/>
+        </p:nvCxnSpPr>
+        <p:spPr>
+          <a:xfrm>
+            <a:off x="8931969" y="1499456"/>
+            <a:ext cx="0" cy="579555"/>
+          </a:xfrm>
+          <a:prstGeom prst="straightConnector1">
+            <a:avLst/>
+          </a:prstGeom>
+          <a:ln>
+            <a:solidFill>
+              <a:schemeClr val="tx1"/>
+            </a:solidFill>
+            <a:tailEnd type="triangle"/>
+          </a:ln>
+        </p:spPr>
+        <p:style>
+          <a:lnRef idx="1">
+            <a:schemeClr val="accent1"/>
+          </a:lnRef>
+          <a:fillRef idx="0">
+            <a:schemeClr val="accent1"/>
+          </a:fillRef>
+          <a:effectRef idx="0">
+            <a:schemeClr val="accent1"/>
+          </a:effectRef>
+          <a:fontRef idx="minor">
+            <a:schemeClr val="tx1"/>
+          </a:fontRef>
+        </p:style>
+      </p:cxnSp>
+      <mc:AlternateContent xmlns:mc="http://schemas.openxmlformats.org/markup-compatibility/2006">
+        <mc:Choice xmlns:a14="http://schemas.microsoft.com/office/drawing/2010/main" Requires="a14">
+          <p:sp>
+            <p:nvSpPr>
+              <p:cNvPr id="133" name="Szövegdoboz 132">
+                <a:extLst>
+                  <a:ext uri="{FF2B5EF4-FFF2-40B4-BE49-F238E27FC236}">
+                    <a16:creationId xmlns:a16="http://schemas.microsoft.com/office/drawing/2014/main" id="{44FB361E-8B62-8FB7-D3C9-5892962F2A2B}"/>
+                  </a:ext>
+                </a:extLst>
+              </p:cNvPr>
+              <p:cNvSpPr txBox="1"/>
+              <p:nvPr/>
+            </p:nvSpPr>
+            <p:spPr>
+              <a:xfrm>
+                <a:off x="8472435" y="1305994"/>
+                <a:ext cx="919068" cy="160685"/>
+              </a:xfrm>
+              <a:prstGeom prst="rect">
+                <a:avLst/>
+              </a:prstGeom>
+              <a:noFill/>
+            </p:spPr>
+            <p:txBody>
+              <a:bodyPr wrap="square" lIns="0" tIns="0" rIns="0" bIns="0" rtlCol="0">
+                <a:spAutoFit/>
+              </a:bodyPr>
+              <a:lstStyle/>
+              <a:p>
+                <a14:m>
+                  <m:oMathPara xmlns:m="http://schemas.openxmlformats.org/officeDocument/2006/math">
+                    <m:oMathParaPr>
+                      <m:jc m:val="centerGroup"/>
+                    </m:oMathParaPr>
+                    <m:oMath xmlns:m="http://schemas.openxmlformats.org/officeDocument/2006/math">
+                      <m:r>
+                        <m:rPr>
+                          <m:sty m:val="p"/>
+                        </m:rPr>
+                        <a:rPr lang="hu-HU" sz="1000" b="0" i="0" smtClean="0">
+                          <a:latin typeface="Cambria Math" panose="02040503050406030204" pitchFamily="18" charset="0"/>
+                        </a:rPr>
+                        <m:t>max</m:t>
+                      </m:r>
+                      <m:r>
+                        <a:rPr lang="hu-HU" sz="1000" b="0" i="1" smtClean="0">
+                          <a:latin typeface="Cambria Math" panose="02040503050406030204" pitchFamily="18" charset="0"/>
+                        </a:rPr>
+                        <m:t>⁡(</m:t>
+                      </m:r>
+                      <m:sSub>
+                        <m:sSubPr>
+                          <m:ctrlPr>
+                            <a:rPr lang="hu-HU" sz="1000" b="0" i="1" smtClean="0">
+                              <a:latin typeface="Cambria Math" panose="02040503050406030204" pitchFamily="18" charset="0"/>
+                            </a:rPr>
+                          </m:ctrlPr>
+                        </m:sSubPr>
+                        <m:e>
+                          <m:r>
+                            <a:rPr lang="hu-HU" sz="1000" b="0" i="1" smtClean="0">
+                              <a:latin typeface="Cambria Math" panose="02040503050406030204" pitchFamily="18" charset="0"/>
+                            </a:rPr>
+                            <m:t>𝑣</m:t>
+                          </m:r>
+                        </m:e>
+                        <m:sub>
+                          <m:r>
+                            <a:rPr lang="hu-HU" sz="1000" b="0" i="1" smtClean="0">
+                              <a:latin typeface="Cambria Math" panose="02040503050406030204" pitchFamily="18" charset="0"/>
+                            </a:rPr>
+                            <m:t>𝑥</m:t>
+                          </m:r>
+                          <m:r>
+                            <a:rPr lang="hu-HU" sz="1000" b="0" i="1" smtClean="0">
+                              <a:latin typeface="Cambria Math" panose="02040503050406030204" pitchFamily="18" charset="0"/>
+                            </a:rPr>
+                            <m:t>,</m:t>
+                          </m:r>
+                          <m:r>
+                            <a:rPr lang="hu-HU" sz="1000" b="0" i="1" smtClean="0">
+                              <a:latin typeface="Cambria Math" panose="02040503050406030204" pitchFamily="18" charset="0"/>
+                            </a:rPr>
+                            <m:t>𝑚𝑖𝑛</m:t>
+                          </m:r>
+                        </m:sub>
+                      </m:sSub>
+                      <m:r>
+                        <a:rPr lang="hu-HU" sz="1000" b="0" i="1" smtClean="0">
+                          <a:latin typeface="Cambria Math" panose="02040503050406030204" pitchFamily="18" charset="0"/>
+                        </a:rPr>
+                        <m:t>,</m:t>
+                      </m:r>
+                      <m:sSub>
+                        <m:sSubPr>
+                          <m:ctrlPr>
+                            <a:rPr lang="hu-HU" sz="1000" b="0" i="1" smtClean="0">
+                              <a:latin typeface="Cambria Math" panose="02040503050406030204" pitchFamily="18" charset="0"/>
+                            </a:rPr>
+                          </m:ctrlPr>
+                        </m:sSubPr>
+                        <m:e>
+                          <m:r>
+                            <a:rPr lang="hu-HU" sz="1000" b="0" i="1" smtClean="0">
+                              <a:latin typeface="Cambria Math" panose="02040503050406030204" pitchFamily="18" charset="0"/>
+                            </a:rPr>
+                            <m:t>𝑣</m:t>
+                          </m:r>
+                        </m:e>
+                        <m:sub>
+                          <m:r>
+                            <a:rPr lang="hu-HU" sz="1000" b="0" i="1" smtClean="0">
+                              <a:latin typeface="Cambria Math" panose="02040503050406030204" pitchFamily="18" charset="0"/>
+                            </a:rPr>
+                            <m:t>𝑥</m:t>
+                          </m:r>
+                        </m:sub>
+                      </m:sSub>
+                      <m:r>
+                        <a:rPr lang="hu-HU" sz="1000" b="0" i="1" smtClean="0">
+                          <a:latin typeface="Cambria Math" panose="02040503050406030204" pitchFamily="18" charset="0"/>
+                        </a:rPr>
+                        <m:t>)</m:t>
+                      </m:r>
+                    </m:oMath>
+                  </m:oMathPara>
+                </a14:m>
+                <a:endParaRPr lang="hu-HU" sz="1000" dirty="0"/>
+              </a:p>
+            </p:txBody>
+          </p:sp>
+        </mc:Choice>
+        <mc:Fallback>
+          <p:sp>
+            <p:nvSpPr>
+              <p:cNvPr id="133" name="Szövegdoboz 132">
+                <a:extLst>
+                  <a:ext uri="{FF2B5EF4-FFF2-40B4-BE49-F238E27FC236}">
+                    <a16:creationId xmlns:a16="http://schemas.microsoft.com/office/drawing/2014/main" id="{44FB361E-8B62-8FB7-D3C9-5892962F2A2B}"/>
+                  </a:ext>
+                </a:extLst>
+              </p:cNvPr>
+              <p:cNvSpPr txBox="1">
+                <a:spLocks noRot="1" noChangeAspect="1" noMove="1" noResize="1" noEditPoints="1" noAdjustHandles="1" noChangeArrowheads="1" noChangeShapeType="1" noTextEdit="1"/>
+              </p:cNvSpPr>
+              <p:nvPr/>
+            </p:nvSpPr>
+            <p:spPr>
+              <a:xfrm>
+                <a:off x="8472435" y="1305994"/>
+                <a:ext cx="919068" cy="160685"/>
+              </a:xfrm>
+              <a:prstGeom prst="rect">
+                <a:avLst/>
+              </a:prstGeom>
+              <a:blipFill>
+                <a:blip r:embed="rId24"/>
+                <a:stretch>
+                  <a:fillRect r="-1987" b="-33333"/>
+                </a:stretch>
+              </a:blipFill>
+            </p:spPr>
+            <p:txBody>
+              <a:bodyPr/>
+              <a:lstStyle/>
+              <a:p>
+                <a:r>
+                  <a:rPr lang="hu-HU">
+                    <a:noFill/>
+                  </a:rPr>
+                  <a:t> </a:t>
+                </a:r>
+              </a:p>
+            </p:txBody>
+          </p:sp>
+        </mc:Fallback>
+      </mc:AlternateContent>
+      <p:cxnSp>
+        <p:nvCxnSpPr>
+          <p:cNvPr id="134" name="Egyenes összekötő nyíllal 133">
+            <a:extLst>
+              <a:ext uri="{FF2B5EF4-FFF2-40B4-BE49-F238E27FC236}">
+                <a16:creationId xmlns:a16="http://schemas.microsoft.com/office/drawing/2014/main" id="{BC5C632B-F10B-0E87-AC23-F1F5C47FCDE8}"/>
+              </a:ext>
+            </a:extLst>
+          </p:cNvPr>
+          <p:cNvCxnSpPr>
+            <a:cxnSpLocks/>
+          </p:cNvCxnSpPr>
+          <p:nvPr/>
+        </p:nvCxnSpPr>
+        <p:spPr>
+          <a:xfrm>
+            <a:off x="9550910" y="2330766"/>
+            <a:ext cx="940861" cy="0"/>
+          </a:xfrm>
+          <a:prstGeom prst="straightConnector1">
+            <a:avLst/>
+          </a:prstGeom>
+          <a:ln>
+            <a:solidFill>
+              <a:schemeClr val="tx1"/>
+            </a:solidFill>
+            <a:tailEnd type="triangle"/>
+          </a:ln>
+        </p:spPr>
+        <p:style>
+          <a:lnRef idx="1">
+            <a:schemeClr val="accent1"/>
+          </a:lnRef>
+          <a:fillRef idx="0">
+            <a:schemeClr val="accent1"/>
+          </a:fillRef>
+          <a:effectRef idx="0">
+            <a:schemeClr val="accent1"/>
+          </a:effectRef>
+          <a:fontRef idx="minor">
+            <a:schemeClr val="tx1"/>
+          </a:fontRef>
+        </p:style>
+      </p:cxnSp>
+      <mc:AlternateContent xmlns:mc="http://schemas.openxmlformats.org/markup-compatibility/2006">
+        <mc:Choice xmlns:a14="http://schemas.microsoft.com/office/drawing/2010/main" Requires="a14">
+          <p:sp>
+            <p:nvSpPr>
+              <p:cNvPr id="135" name="Szövegdoboz 134">
+                <a:extLst>
+                  <a:ext uri="{FF2B5EF4-FFF2-40B4-BE49-F238E27FC236}">
+                    <a16:creationId xmlns:a16="http://schemas.microsoft.com/office/drawing/2014/main" id="{A47FD0A9-731D-3E00-19F4-561F35F0D548}"/>
+                  </a:ext>
+                </a:extLst>
+              </p:cNvPr>
+              <p:cNvSpPr txBox="1"/>
+              <p:nvPr/>
+            </p:nvSpPr>
+            <p:spPr>
+              <a:xfrm>
+                <a:off x="9550910" y="1657325"/>
+                <a:ext cx="832934" cy="512000"/>
+              </a:xfrm>
+              <a:prstGeom prst="rect">
+                <a:avLst/>
+              </a:prstGeom>
+              <a:noFill/>
+            </p:spPr>
+            <p:txBody>
+              <a:bodyPr wrap="square" lIns="0" tIns="0" rIns="0" bIns="0" rtlCol="0">
+                <a:spAutoFit/>
+              </a:bodyPr>
+              <a:lstStyle/>
+              <a:p>
+                <a14:m>
+                  <m:oMathPara xmlns:m="http://schemas.openxmlformats.org/officeDocument/2006/math">
+                    <m:oMathParaPr>
+                      <m:jc m:val="centerGroup"/>
+                    </m:oMathParaPr>
+                    <m:oMath xmlns:m="http://schemas.openxmlformats.org/officeDocument/2006/math">
+                      <m:sSub>
+                        <m:sSubPr>
+                          <m:ctrlPr>
+                            <a:rPr lang="hu-HU" sz="1000" b="0" i="1" smtClean="0">
+                              <a:latin typeface="Cambria Math" panose="02040503050406030204" pitchFamily="18" charset="0"/>
+                            </a:rPr>
+                          </m:ctrlPr>
+                        </m:sSubPr>
+                        <m:e>
+                          <m:r>
+                            <a:rPr lang="hu-HU" sz="1000" b="0" i="1" smtClean="0">
+                              <a:latin typeface="Cambria Math" panose="02040503050406030204" pitchFamily="18" charset="0"/>
+                            </a:rPr>
+                            <m:t>𝛿</m:t>
+                          </m:r>
+                        </m:e>
+                        <m:sub>
+                          <m:r>
+                            <a:rPr lang="hu-HU" sz="1000" b="0" i="1" smtClean="0">
+                              <a:latin typeface="Cambria Math" panose="02040503050406030204" pitchFamily="18" charset="0"/>
+                            </a:rPr>
+                            <m:t>𝑓</m:t>
+                          </m:r>
+                        </m:sub>
+                      </m:sSub>
+                      <m:r>
+                        <a:rPr lang="hu-HU" sz="1000" b="0" i="1" smtClean="0">
+                          <a:latin typeface="Cambria Math" panose="02040503050406030204" pitchFamily="18" charset="0"/>
+                        </a:rPr>
+                        <m:t>=</m:t>
+                      </m:r>
+                      <m:func>
+                        <m:funcPr>
+                          <m:ctrlPr>
+                            <a:rPr lang="hu-HU" sz="1000" b="0" i="1" smtClean="0">
+                              <a:latin typeface="Cambria Math" panose="02040503050406030204" pitchFamily="18" charset="0"/>
+                            </a:rPr>
+                          </m:ctrlPr>
+                        </m:funcPr>
+                        <m:fName>
+                          <m:r>
+                            <m:rPr>
+                              <m:sty m:val="p"/>
+                            </m:rPr>
+                            <a:rPr lang="hu-HU" sz="1000" b="0" i="0" smtClean="0">
+                              <a:latin typeface="Cambria Math" panose="02040503050406030204" pitchFamily="18" charset="0"/>
+                            </a:rPr>
+                            <m:t>atan</m:t>
+                          </m:r>
+                        </m:fName>
+                        <m:e>
+                          <m:d>
+                            <m:dPr>
+                              <m:ctrlPr>
+                                <a:rPr lang="hu-HU" sz="1000" b="0" i="1" smtClean="0">
+                                  <a:latin typeface="Cambria Math" panose="02040503050406030204" pitchFamily="18" charset="0"/>
+                                </a:rPr>
+                              </m:ctrlPr>
+                            </m:dPr>
+                            <m:e>
+                              <m:r>
+                                <a:rPr lang="hu-HU" sz="1000" b="0" i="1" smtClean="0">
+                                  <a:latin typeface="Cambria Math" panose="02040503050406030204" pitchFamily="18" charset="0"/>
+                                </a:rPr>
+                                <m:t>𝐿</m:t>
+                              </m:r>
+                              <m:f>
+                                <m:fPr>
+                                  <m:ctrlPr>
+                                    <a:rPr lang="hu-HU" sz="1000" b="0" i="1" smtClean="0">
+                                      <a:latin typeface="Cambria Math" panose="02040503050406030204" pitchFamily="18" charset="0"/>
+                                    </a:rPr>
+                                  </m:ctrlPr>
+                                </m:fPr>
+                                <m:num>
+                                  <m:sSub>
+                                    <m:sSubPr>
+                                      <m:ctrlPr>
+                                        <a:rPr lang="hu-HU" sz="1000" b="0" i="1" smtClean="0">
+                                          <a:latin typeface="Cambria Math" panose="02040503050406030204" pitchFamily="18" charset="0"/>
+                                        </a:rPr>
+                                      </m:ctrlPr>
+                                    </m:sSubPr>
+                                    <m:e>
+                                      <m:r>
+                                        <a:rPr lang="hu-HU" sz="1000" b="0" i="1" smtClean="0">
+                                          <a:latin typeface="Cambria Math" panose="02040503050406030204" pitchFamily="18" charset="0"/>
+                                        </a:rPr>
+                                        <m:t>𝑎</m:t>
+                                      </m:r>
+                                    </m:e>
+                                    <m:sub>
+                                      <m:r>
+                                        <a:rPr lang="hu-HU" sz="1000" b="0" i="1" smtClean="0">
+                                          <a:latin typeface="Cambria Math" panose="02040503050406030204" pitchFamily="18" charset="0"/>
+                                        </a:rPr>
+                                        <m:t>𝑦</m:t>
+                                      </m:r>
+                                      <m:r>
+                                        <a:rPr lang="hu-HU" sz="1000" b="0" i="1" smtClean="0">
+                                          <a:latin typeface="Cambria Math" panose="02040503050406030204" pitchFamily="18" charset="0"/>
+                                        </a:rPr>
+                                        <m:t>,</m:t>
+                                      </m:r>
+                                      <m:r>
+                                        <a:rPr lang="hu-HU" sz="1000" b="0" i="1" smtClean="0">
+                                          <a:latin typeface="Cambria Math" panose="02040503050406030204" pitchFamily="18" charset="0"/>
+                                        </a:rPr>
+                                        <m:t>𝑡𝑎𝑟</m:t>
+                                      </m:r>
+                                    </m:sub>
+                                  </m:sSub>
+                                </m:num>
+                                <m:den>
+                                  <m:sSubSup>
+                                    <m:sSubSupPr>
+                                      <m:ctrlPr>
+                                        <a:rPr lang="hu-HU" sz="1000" b="0" i="1" smtClean="0">
+                                          <a:latin typeface="Cambria Math" panose="02040503050406030204" pitchFamily="18" charset="0"/>
+                                        </a:rPr>
+                                      </m:ctrlPr>
+                                    </m:sSubSupPr>
+                                    <m:e>
+                                      <m:r>
+                                        <a:rPr lang="hu-HU" sz="1000" b="0" i="1" smtClean="0">
+                                          <a:latin typeface="Cambria Math" panose="02040503050406030204" pitchFamily="18" charset="0"/>
+                                        </a:rPr>
+                                        <m:t>𝑣</m:t>
+                                      </m:r>
+                                    </m:e>
+                                    <m:sub>
+                                      <m:r>
+                                        <a:rPr lang="hu-HU" sz="1000" b="0" i="1" smtClean="0">
+                                          <a:latin typeface="Cambria Math" panose="02040503050406030204" pitchFamily="18" charset="0"/>
+                                        </a:rPr>
+                                        <m:t>𝑥</m:t>
+                                      </m:r>
+                                    </m:sub>
+                                    <m:sup>
+                                      <m:r>
+                                        <a:rPr lang="hu-HU" sz="1000" b="0" i="1" smtClean="0">
+                                          <a:latin typeface="Cambria Math" panose="02040503050406030204" pitchFamily="18" charset="0"/>
+                                        </a:rPr>
+                                        <m:t>2</m:t>
+                                      </m:r>
+                                    </m:sup>
+                                  </m:sSubSup>
+                                </m:den>
+                              </m:f>
+                            </m:e>
+                          </m:d>
+                        </m:e>
+                      </m:func>
+                    </m:oMath>
+                  </m:oMathPara>
+                </a14:m>
+                <a:endParaRPr lang="hu-HU" sz="1000" dirty="0"/>
+              </a:p>
+            </p:txBody>
+          </p:sp>
+        </mc:Choice>
+        <mc:Fallback>
+          <p:sp>
+            <p:nvSpPr>
+              <p:cNvPr id="135" name="Szövegdoboz 134">
+                <a:extLst>
+                  <a:ext uri="{FF2B5EF4-FFF2-40B4-BE49-F238E27FC236}">
+                    <a16:creationId xmlns:a16="http://schemas.microsoft.com/office/drawing/2014/main" id="{A47FD0A9-731D-3E00-19F4-561F35F0D548}"/>
+                  </a:ext>
+                </a:extLst>
+              </p:cNvPr>
+              <p:cNvSpPr txBox="1">
+                <a:spLocks noRot="1" noChangeAspect="1" noMove="1" noResize="1" noEditPoints="1" noAdjustHandles="1" noChangeArrowheads="1" noChangeShapeType="1" noTextEdit="1"/>
+              </p:cNvSpPr>
+              <p:nvPr/>
+            </p:nvSpPr>
+            <p:spPr>
+              <a:xfrm>
+                <a:off x="9550910" y="1657325"/>
+                <a:ext cx="832934" cy="512000"/>
+              </a:xfrm>
+              <a:prstGeom prst="rect">
+                <a:avLst/>
+              </a:prstGeom>
+              <a:blipFill>
+                <a:blip r:embed="rId25"/>
+                <a:stretch>
+                  <a:fillRect l="-5882" r="-11765" b="-3571"/>
+                </a:stretch>
+              </a:blipFill>
+            </p:spPr>
+            <p:txBody>
+              <a:bodyPr/>
+              <a:lstStyle/>
+              <a:p>
+                <a:r>
+                  <a:rPr lang="hu-HU">
+                    <a:noFill/>
+                  </a:rPr>
+                  <a:t> </a:t>
+                </a:r>
+              </a:p>
+            </p:txBody>
+          </p:sp>
+        </mc:Fallback>
+      </mc:AlternateContent>
+      <p:sp>
+        <p:nvSpPr>
+          <p:cNvPr id="136" name="Téglalap 135">
+            <a:extLst>
+              <a:ext uri="{FF2B5EF4-FFF2-40B4-BE49-F238E27FC236}">
+                <a16:creationId xmlns:a16="http://schemas.microsoft.com/office/drawing/2014/main" id="{C35E730E-F673-99E6-14AB-B96C49D6ABC6}"/>
+              </a:ext>
+            </a:extLst>
+          </p:cNvPr>
+          <p:cNvSpPr/>
+          <p:nvPr/>
+        </p:nvSpPr>
+        <p:spPr>
+          <a:xfrm>
+            <a:off x="10491772" y="2052806"/>
+            <a:ext cx="1237882" cy="555919"/>
+          </a:xfrm>
+          <a:prstGeom prst="rect">
+            <a:avLst/>
+          </a:prstGeom>
+          <a:noFill/>
+          <a:ln>
+            <a:solidFill>
+              <a:schemeClr val="tx1"/>
+            </a:solidFill>
+          </a:ln>
+        </p:spPr>
+        <p:style>
+          <a:lnRef idx="2">
+            <a:schemeClr val="accent1">
+              <a:shade val="15000"/>
+            </a:schemeClr>
+          </a:lnRef>
+          <a:fillRef idx="1">
+            <a:schemeClr val="accent1"/>
+          </a:fillRef>
+          <a:effectRef idx="0">
+            <a:schemeClr val="accent1"/>
+          </a:effectRef>
+          <a:fontRef idx="minor">
+            <a:schemeClr val="lt1"/>
+          </a:fontRef>
+        </p:style>
+        <p:txBody>
+          <a:bodyPr rtlCol="0" anchor="t"/>
+          <a:lstStyle/>
+          <a:p>
+            <a:pPr algn="ctr"/>
+            <a:r>
+              <a:rPr lang="hu-HU" sz="1100" dirty="0" err="1">
+                <a:solidFill>
+                  <a:schemeClr val="tx1"/>
+                </a:solidFill>
+                <a:latin typeface="Times New Roman" panose="02020603050405020304" pitchFamily="18" charset="0"/>
+                <a:cs typeface="Times New Roman" panose="02020603050405020304" pitchFamily="18" charset="0"/>
+              </a:rPr>
+              <a:t>Road-wheel-angle</a:t>
+            </a:r>
+            <a:r>
+              <a:rPr lang="hu-HU" sz="1100" dirty="0">
+                <a:solidFill>
+                  <a:schemeClr val="tx1"/>
+                </a:solidFill>
+                <a:latin typeface="Times New Roman" panose="02020603050405020304" pitchFamily="18" charset="0"/>
+                <a:cs typeface="Times New Roman" panose="02020603050405020304" pitchFamily="18" charset="0"/>
+              </a:rPr>
+              <a:t> </a:t>
+            </a:r>
+            <a:r>
+              <a:rPr lang="hu-HU" sz="1100" dirty="0" err="1">
+                <a:solidFill>
+                  <a:schemeClr val="tx1"/>
+                </a:solidFill>
+                <a:latin typeface="Times New Roman" panose="02020603050405020304" pitchFamily="18" charset="0"/>
+                <a:cs typeface="Times New Roman" panose="02020603050405020304" pitchFamily="18" charset="0"/>
+              </a:rPr>
+              <a:t>to</a:t>
+            </a:r>
+            <a:r>
+              <a:rPr lang="hu-HU" sz="1100" dirty="0">
+                <a:solidFill>
+                  <a:schemeClr val="tx1"/>
+                </a:solidFill>
+                <a:latin typeface="Times New Roman" panose="02020603050405020304" pitchFamily="18" charset="0"/>
+                <a:cs typeface="Times New Roman" panose="02020603050405020304" pitchFamily="18" charset="0"/>
+              </a:rPr>
+              <a:t> </a:t>
+            </a:r>
+            <a:r>
+              <a:rPr lang="hu-HU" sz="1100" dirty="0" err="1">
+                <a:solidFill>
+                  <a:schemeClr val="tx1"/>
+                </a:solidFill>
+                <a:latin typeface="Times New Roman" panose="02020603050405020304" pitchFamily="18" charset="0"/>
+                <a:cs typeface="Times New Roman" panose="02020603050405020304" pitchFamily="18" charset="0"/>
+              </a:rPr>
+              <a:t>steering</a:t>
+            </a:r>
+            <a:r>
+              <a:rPr lang="hu-HU" sz="1100" dirty="0">
+                <a:solidFill>
+                  <a:schemeClr val="tx1"/>
+                </a:solidFill>
+                <a:latin typeface="Times New Roman" panose="02020603050405020304" pitchFamily="18" charset="0"/>
+                <a:cs typeface="Times New Roman" panose="02020603050405020304" pitchFamily="18" charset="0"/>
+              </a:rPr>
+              <a:t> </a:t>
+            </a:r>
+            <a:r>
+              <a:rPr lang="hu-HU" sz="1100" dirty="0" err="1">
+                <a:solidFill>
+                  <a:schemeClr val="tx1"/>
+                </a:solidFill>
+                <a:latin typeface="Times New Roman" panose="02020603050405020304" pitchFamily="18" charset="0"/>
+                <a:cs typeface="Times New Roman" panose="02020603050405020304" pitchFamily="18" charset="0"/>
+              </a:rPr>
+              <a:t>wheel</a:t>
+            </a:r>
+            <a:r>
+              <a:rPr lang="hu-HU" sz="1100" dirty="0">
+                <a:solidFill>
+                  <a:schemeClr val="tx1"/>
+                </a:solidFill>
+                <a:latin typeface="Times New Roman" panose="02020603050405020304" pitchFamily="18" charset="0"/>
+                <a:cs typeface="Times New Roman" panose="02020603050405020304" pitchFamily="18" charset="0"/>
+              </a:rPr>
+              <a:t> </a:t>
+            </a:r>
+            <a:r>
+              <a:rPr lang="hu-HU" sz="1100" dirty="0" err="1">
+                <a:solidFill>
+                  <a:schemeClr val="tx1"/>
+                </a:solidFill>
+                <a:latin typeface="Times New Roman" panose="02020603050405020304" pitchFamily="18" charset="0"/>
+                <a:cs typeface="Times New Roman" panose="02020603050405020304" pitchFamily="18" charset="0"/>
+              </a:rPr>
+              <a:t>angle</a:t>
+            </a:r>
+            <a:endParaRPr lang="hu-HU" sz="1100" dirty="0">
+              <a:solidFill>
+                <a:schemeClr val="tx1"/>
+              </a:solidFill>
+              <a:latin typeface="Times New Roman" panose="02020603050405020304" pitchFamily="18" charset="0"/>
+              <a:cs typeface="Times New Roman" panose="02020603050405020304" pitchFamily="18" charset="0"/>
+            </a:endParaRPr>
+          </a:p>
+        </p:txBody>
+      </p:sp>
+      <p:cxnSp>
+        <p:nvCxnSpPr>
+          <p:cNvPr id="137" name="Egyenes összekötő nyíllal 136">
+            <a:extLst>
+              <a:ext uri="{FF2B5EF4-FFF2-40B4-BE49-F238E27FC236}">
+                <a16:creationId xmlns:a16="http://schemas.microsoft.com/office/drawing/2014/main" id="{06618BD3-45CF-C605-68DB-E4BF2942EA6F}"/>
+              </a:ext>
+            </a:extLst>
+          </p:cNvPr>
+          <p:cNvCxnSpPr>
+            <a:cxnSpLocks/>
+          </p:cNvCxnSpPr>
+          <p:nvPr/>
+        </p:nvCxnSpPr>
+        <p:spPr>
+          <a:xfrm>
+            <a:off x="11729654" y="2330766"/>
+            <a:ext cx="940861" cy="0"/>
+          </a:xfrm>
+          <a:prstGeom prst="straightConnector1">
+            <a:avLst/>
+          </a:prstGeom>
+          <a:ln>
+            <a:solidFill>
+              <a:schemeClr val="tx1"/>
+            </a:solidFill>
+            <a:tailEnd type="triangle"/>
+          </a:ln>
+        </p:spPr>
+        <p:style>
+          <a:lnRef idx="1">
+            <a:schemeClr val="accent1"/>
+          </a:lnRef>
+          <a:fillRef idx="0">
+            <a:schemeClr val="accent1"/>
+          </a:fillRef>
+          <a:effectRef idx="0">
+            <a:schemeClr val="accent1"/>
+          </a:effectRef>
+          <a:fontRef idx="minor">
+            <a:schemeClr val="tx1"/>
+          </a:fontRef>
+        </p:style>
+      </p:cxnSp>
+      <mc:AlternateContent xmlns:mc="http://schemas.openxmlformats.org/markup-compatibility/2006">
+        <mc:Choice xmlns:a14="http://schemas.microsoft.com/office/drawing/2010/main" Requires="a14">
+          <p:sp>
+            <p:nvSpPr>
+              <p:cNvPr id="138" name="Szövegdoboz 137">
+                <a:extLst>
+                  <a:ext uri="{FF2B5EF4-FFF2-40B4-BE49-F238E27FC236}">
+                    <a16:creationId xmlns:a16="http://schemas.microsoft.com/office/drawing/2014/main" id="{5D7D55AA-7370-0F4B-ABB1-6BB31977481B}"/>
+                  </a:ext>
+                </a:extLst>
+              </p:cNvPr>
+              <p:cNvSpPr txBox="1"/>
+              <p:nvPr/>
+            </p:nvSpPr>
+            <p:spPr>
+              <a:xfrm>
+                <a:off x="11783617" y="2062658"/>
+                <a:ext cx="832934" cy="180819"/>
+              </a:xfrm>
+              <a:prstGeom prst="rect">
+                <a:avLst/>
+              </a:prstGeom>
+              <a:noFill/>
+            </p:spPr>
+            <p:txBody>
+              <a:bodyPr wrap="square" lIns="0" tIns="0" rIns="0" bIns="0" rtlCol="0">
+                <a:spAutoFit/>
+              </a:bodyPr>
+              <a:lstStyle/>
+              <a:p>
+                <a14:m>
+                  <m:oMathPara xmlns:m="http://schemas.openxmlformats.org/officeDocument/2006/math">
+                    <m:oMathParaPr>
+                      <m:jc m:val="centerGroup"/>
+                    </m:oMathParaPr>
+                    <m:oMath xmlns:m="http://schemas.openxmlformats.org/officeDocument/2006/math">
+                      <m:sSubSup>
+                        <m:sSubSupPr>
+                          <m:ctrlPr>
+                            <a:rPr lang="hu-HU" sz="1000" b="0" i="1" smtClean="0">
+                              <a:latin typeface="Cambria Math" panose="02040503050406030204" pitchFamily="18" charset="0"/>
+                            </a:rPr>
+                          </m:ctrlPr>
+                        </m:sSubSupPr>
+                        <m:e>
+                          <m:r>
+                            <a:rPr lang="hu-HU" sz="1000" b="0" i="1" smtClean="0">
+                              <a:latin typeface="Cambria Math" panose="02040503050406030204" pitchFamily="18" charset="0"/>
+                            </a:rPr>
+                            <m:t>𝛿</m:t>
+                          </m:r>
+                        </m:e>
+                        <m:sub>
+                          <m:r>
+                            <a:rPr lang="hu-HU" sz="1000" b="0" i="1" smtClean="0">
+                              <a:latin typeface="Cambria Math" panose="02040503050406030204" pitchFamily="18" charset="0"/>
+                            </a:rPr>
+                            <m:t>𝑓</m:t>
+                          </m:r>
+                        </m:sub>
+                        <m:sup>
+                          <m:r>
+                            <a:rPr lang="hu-HU" sz="1000" b="0" i="1" smtClean="0">
+                              <a:latin typeface="Cambria Math" panose="02040503050406030204" pitchFamily="18" charset="0"/>
+                            </a:rPr>
+                            <m:t>𝑆𝑊</m:t>
+                          </m:r>
+                        </m:sup>
+                      </m:sSubSup>
+                      <m:r>
+                        <a:rPr lang="hu-HU" sz="1000" b="0" i="1" smtClean="0">
+                          <a:latin typeface="Cambria Math" panose="02040503050406030204" pitchFamily="18" charset="0"/>
+                        </a:rPr>
+                        <m:t>=</m:t>
+                      </m:r>
+                      <m:r>
+                        <a:rPr lang="hu-HU" sz="1000" b="0" i="1" smtClean="0">
+                          <a:latin typeface="Cambria Math" panose="02040503050406030204" pitchFamily="18" charset="0"/>
+                        </a:rPr>
+                        <m:t>𝐾</m:t>
+                      </m:r>
+                      <m:sSub>
+                        <m:sSubPr>
+                          <m:ctrlPr>
+                            <a:rPr lang="hu-HU" sz="1000" b="0" i="1" smtClean="0">
+                              <a:latin typeface="Cambria Math" panose="02040503050406030204" pitchFamily="18" charset="0"/>
+                            </a:rPr>
+                          </m:ctrlPr>
+                        </m:sSubPr>
+                        <m:e>
+                          <m:r>
+                            <a:rPr lang="hu-HU" sz="1000" b="0" i="1" smtClean="0">
+                              <a:latin typeface="Cambria Math" panose="02040503050406030204" pitchFamily="18" charset="0"/>
+                            </a:rPr>
+                            <m:t>𝛿</m:t>
+                          </m:r>
+                        </m:e>
+                        <m:sub>
+                          <m:r>
+                            <a:rPr lang="hu-HU" sz="1000" b="0" i="1" smtClean="0">
+                              <a:latin typeface="Cambria Math" panose="02040503050406030204" pitchFamily="18" charset="0"/>
+                            </a:rPr>
+                            <m:t>𝑓</m:t>
+                          </m:r>
+                        </m:sub>
+                      </m:sSub>
+                    </m:oMath>
+                  </m:oMathPara>
+                </a14:m>
+                <a:endParaRPr lang="hu-HU" sz="1000" i="1" dirty="0"/>
+              </a:p>
+            </p:txBody>
+          </p:sp>
+        </mc:Choice>
+        <mc:Fallback>
+          <p:sp>
+            <p:nvSpPr>
+              <p:cNvPr id="138" name="Szövegdoboz 137">
+                <a:extLst>
+                  <a:ext uri="{FF2B5EF4-FFF2-40B4-BE49-F238E27FC236}">
+                    <a16:creationId xmlns:a16="http://schemas.microsoft.com/office/drawing/2014/main" id="{5D7D55AA-7370-0F4B-ABB1-6BB31977481B}"/>
+                  </a:ext>
+                </a:extLst>
+              </p:cNvPr>
+              <p:cNvSpPr txBox="1">
+                <a:spLocks noRot="1" noChangeAspect="1" noMove="1" noResize="1" noEditPoints="1" noAdjustHandles="1" noChangeArrowheads="1" noChangeShapeType="1" noTextEdit="1"/>
+              </p:cNvSpPr>
+              <p:nvPr/>
+            </p:nvSpPr>
+            <p:spPr>
+              <a:xfrm>
+                <a:off x="11783617" y="2062658"/>
+                <a:ext cx="832934" cy="180819"/>
+              </a:xfrm>
+              <a:prstGeom prst="rect">
+                <a:avLst/>
+              </a:prstGeom>
+              <a:blipFill>
+                <a:blip r:embed="rId26"/>
+                <a:stretch>
+                  <a:fillRect t="-3333" b="-20000"/>
+                </a:stretch>
+              </a:blipFill>
+            </p:spPr>
+            <p:txBody>
+              <a:bodyPr/>
+              <a:lstStyle/>
+              <a:p>
+                <a:r>
+                  <a:rPr lang="hu-HU">
+                    <a:noFill/>
+                  </a:rPr>
+                  <a:t> </a:t>
+                </a:r>
+              </a:p>
+            </p:txBody>
+          </p:sp>
+        </mc:Fallback>
+      </mc:AlternateContent>
+    </p:spTree>
+    <p:extLst>
+      <p:ext uri="{BB962C8B-B14F-4D97-AF65-F5344CB8AC3E}">
+        <p14:creationId xmlns:p14="http://schemas.microsoft.com/office/powerpoint/2010/main" val="206892071"/>
+      </p:ext>
+    </p:extLst>
+  </p:cSld>
+  <p:clrMapOvr>
+    <a:masterClrMapping/>
+  </p:clrMapOvr>
+</p:sld>
+</file>
+
+<file path=ppt/slides/slide14.xml><?xml version="1.0" encoding="utf-8"?>
+<p:sld xmlns:a="http://schemas.openxmlformats.org/drawingml/2006/main" xmlns:r="http://schemas.openxmlformats.org/officeDocument/2006/relationships" xmlns:p="http://schemas.openxmlformats.org/presentationml/2006/main">
+  <p:cSld>
+    <p:spTree>
+      <p:nvGrpSpPr>
+        <p:cNvPr id="1" name=""/>
+        <p:cNvGrpSpPr/>
+        <p:nvPr/>
+      </p:nvGrpSpPr>
+      <p:grpSpPr>
+        <a:xfrm>
+          <a:off x="0" y="0"/>
+          <a:ext cx="0" cy="0"/>
+          <a:chOff x="0" y="0"/>
+          <a:chExt cx="0" cy="0"/>
+        </a:xfrm>
+      </p:grpSpPr>
+      <p:sp>
+        <p:nvSpPr>
+          <p:cNvPr id="2" name="Téglalap 1">
+            <a:extLst>
+              <a:ext uri="{FF2B5EF4-FFF2-40B4-BE49-F238E27FC236}">
+                <a16:creationId xmlns:a16="http://schemas.microsoft.com/office/drawing/2014/main" id="{154EA5B0-9896-F27F-55FE-2C132292AD23}"/>
+              </a:ext>
+            </a:extLst>
+          </p:cNvPr>
+          <p:cNvSpPr/>
+          <p:nvPr/>
+        </p:nvSpPr>
+        <p:spPr>
+          <a:xfrm>
+            <a:off x="1770789" y="1242699"/>
+            <a:ext cx="1237882" cy="503510"/>
+          </a:xfrm>
+          <a:prstGeom prst="rect">
+            <a:avLst/>
+          </a:prstGeom>
+          <a:noFill/>
+          <a:ln>
+            <a:solidFill>
+              <a:schemeClr val="tx1"/>
+            </a:solidFill>
+          </a:ln>
+        </p:spPr>
+        <p:style>
+          <a:lnRef idx="2">
+            <a:schemeClr val="accent1">
+              <a:shade val="15000"/>
+            </a:schemeClr>
+          </a:lnRef>
+          <a:fillRef idx="1">
+            <a:schemeClr val="accent1"/>
+          </a:fillRef>
+          <a:effectRef idx="0">
+            <a:schemeClr val="accent1"/>
+          </a:effectRef>
+          <a:fontRef idx="minor">
+            <a:schemeClr val="lt1"/>
+          </a:fontRef>
+        </p:style>
+        <p:txBody>
+          <a:bodyPr rtlCol="0" anchor="t"/>
+          <a:lstStyle/>
+          <a:p>
+            <a:pPr algn="ctr"/>
+            <a:r>
+              <a:rPr lang="hu-HU" sz="1200" dirty="0" err="1">
+                <a:solidFill>
+                  <a:schemeClr val="tx1"/>
+                </a:solidFill>
+                <a:latin typeface="Times New Roman" panose="02020603050405020304" pitchFamily="18" charset="0"/>
+                <a:cs typeface="Times New Roman" panose="02020603050405020304" pitchFamily="18" charset="0"/>
+              </a:rPr>
+              <a:t>Polynomial</a:t>
+            </a:r>
+            <a:r>
+              <a:rPr lang="hu-HU" sz="1200" dirty="0">
+                <a:solidFill>
+                  <a:schemeClr val="tx1"/>
+                </a:solidFill>
+                <a:latin typeface="Times New Roman" panose="02020603050405020304" pitchFamily="18" charset="0"/>
+                <a:cs typeface="Times New Roman" panose="02020603050405020304" pitchFamily="18" charset="0"/>
+              </a:rPr>
+              <a:t> </a:t>
+            </a:r>
+            <a:r>
+              <a:rPr lang="hu-HU" sz="1200" dirty="0" err="1">
+                <a:solidFill>
+                  <a:schemeClr val="tx1"/>
+                </a:solidFill>
+                <a:latin typeface="Times New Roman" panose="02020603050405020304" pitchFamily="18" charset="0"/>
+                <a:cs typeface="Times New Roman" panose="02020603050405020304" pitchFamily="18" charset="0"/>
+              </a:rPr>
+              <a:t>regression</a:t>
+            </a:r>
+            <a:r>
+              <a:rPr lang="hu-HU" sz="1200" dirty="0">
+                <a:solidFill>
+                  <a:schemeClr val="tx1"/>
+                </a:solidFill>
+                <a:latin typeface="Times New Roman" panose="02020603050405020304" pitchFamily="18" charset="0"/>
+                <a:cs typeface="Times New Roman" panose="02020603050405020304" pitchFamily="18" charset="0"/>
+              </a:rPr>
+              <a:t> (LQ)</a:t>
+            </a:r>
+          </a:p>
+        </p:txBody>
+      </p:sp>
+    </p:spTree>
+    <p:extLst>
+      <p:ext uri="{BB962C8B-B14F-4D97-AF65-F5344CB8AC3E}">
+        <p14:creationId xmlns:p14="http://schemas.microsoft.com/office/powerpoint/2010/main" val="3183879694"/>
       </p:ext>
     </p:extLst>
   </p:cSld>
